--- a/bin/survival lecture 6.pptx
+++ b/bin/survival lecture 6.pptx
@@ -5,10 +5,10 @@
     <p:sldMasterId id="2147483664" r:id="rId1"/>
   </p:sldMasterIdLst>
   <p:notesMasterIdLst>
-    <p:notesMasterId r:id="rId16"/>
+    <p:notesMasterId r:id="rId31"/>
   </p:notesMasterIdLst>
   <p:handoutMasterIdLst>
-    <p:handoutMasterId r:id="rId17"/>
+    <p:handoutMasterId r:id="rId32"/>
   </p:handoutMasterIdLst>
   <p:sldIdLst>
     <p:sldId id="256" r:id="rId2"/>
@@ -16,15 +16,30 @@
     <p:sldId id="385" r:id="rId4"/>
     <p:sldId id="389" r:id="rId5"/>
     <p:sldId id="390" r:id="rId6"/>
-    <p:sldId id="397" r:id="rId7"/>
-    <p:sldId id="398" r:id="rId8"/>
-    <p:sldId id="391" r:id="rId9"/>
-    <p:sldId id="392" r:id="rId10"/>
+    <p:sldId id="391" r:id="rId7"/>
+    <p:sldId id="392" r:id="rId8"/>
+    <p:sldId id="397" r:id="rId9"/>
+    <p:sldId id="398" r:id="rId10"/>
     <p:sldId id="393" r:id="rId11"/>
     <p:sldId id="394" r:id="rId12"/>
     <p:sldId id="395" r:id="rId13"/>
-    <p:sldId id="396" r:id="rId14"/>
-    <p:sldId id="342" r:id="rId15"/>
+    <p:sldId id="399" r:id="rId14"/>
+    <p:sldId id="401" r:id="rId15"/>
+    <p:sldId id="402" r:id="rId16"/>
+    <p:sldId id="403" r:id="rId17"/>
+    <p:sldId id="404" r:id="rId18"/>
+    <p:sldId id="396" r:id="rId19"/>
+    <p:sldId id="405" r:id="rId20"/>
+    <p:sldId id="406" r:id="rId21"/>
+    <p:sldId id="407" r:id="rId22"/>
+    <p:sldId id="408" r:id="rId23"/>
+    <p:sldId id="410" r:id="rId24"/>
+    <p:sldId id="409" r:id="rId25"/>
+    <p:sldId id="414" r:id="rId26"/>
+    <p:sldId id="413" r:id="rId27"/>
+    <p:sldId id="412" r:id="rId28"/>
+    <p:sldId id="411" r:id="rId29"/>
+    <p:sldId id="342" r:id="rId30"/>
   </p:sldIdLst>
   <p:sldSz cx="9144000" cy="6858000" type="screen4x3"/>
   <p:notesSz cx="9601200" cy="7315200"/>
@@ -4107,10 +4122,10 @@
       </p:sp>
       <p:pic>
         <p:nvPicPr>
-          <p:cNvPr id="8" name="Picture 7">
+          <p:cNvPr id="12" name="Picture 11">
             <a:extLst>
               <a:ext uri="{FF2B5EF4-FFF2-40B4-BE49-F238E27FC236}">
-                <a16:creationId xmlns:a16="http://schemas.microsoft.com/office/drawing/2014/main" id="{7F9DC546-F599-4418-A2FF-ED3C8F522109}"/>
+                <a16:creationId xmlns:a16="http://schemas.microsoft.com/office/drawing/2014/main" id="{0C695390-BBCE-46DA-8AD0-76B072D6F1F6}"/>
               </a:ext>
             </a:extLst>
           </p:cNvPr>
@@ -4127,8 +4142,8 @@
         </p:blipFill>
         <p:spPr>
           <a:xfrm>
-            <a:off x="662476" y="1271857"/>
-            <a:ext cx="7819048" cy="4314286"/>
+            <a:off x="457200" y="1219200"/>
+            <a:ext cx="7638095" cy="2695238"/>
           </a:xfrm>
           <a:prstGeom prst="rect">
             <a:avLst/>
@@ -4531,34 +4546,12 @@
           </a:p>
         </p:txBody>
       </p:sp>
-      <p:sp>
-        <p:nvSpPr>
-          <p:cNvPr id="6" name="Text Placeholder 5"/>
-          <p:cNvSpPr>
-            <a:spLocks noGrp="1"/>
-          </p:cNvSpPr>
-          <p:nvPr>
-            <p:ph type="body" sz="quarter" idx="12"/>
-          </p:nvPr>
-        </p:nvSpPr>
-        <p:spPr/>
-        <p:txBody>
-          <a:bodyPr/>
-          <a:lstStyle/>
-          <a:p>
-            <a:r>
-              <a:rPr lang="en-US" dirty="0"/>
-              <a:t>The accelerated time model.</a:t>
-            </a:r>
-          </a:p>
-        </p:txBody>
-      </p:sp>
       <p:pic>
         <p:nvPicPr>
           <p:cNvPr id="3" name="Picture 2">
             <a:extLst>
               <a:ext uri="{FF2B5EF4-FFF2-40B4-BE49-F238E27FC236}">
-                <a16:creationId xmlns:a16="http://schemas.microsoft.com/office/drawing/2014/main" id="{D271C120-2B98-431A-83AB-EB73025022EC}"/>
+                <a16:creationId xmlns:a16="http://schemas.microsoft.com/office/drawing/2014/main" id="{E4FB818B-F69C-40A2-A046-C14EBF271AD8}"/>
               </a:ext>
             </a:extLst>
           </p:cNvPr>
@@ -4575,8 +4568,8 @@
         </p:blipFill>
         <p:spPr>
           <a:xfrm>
-            <a:off x="452952" y="2229000"/>
-            <a:ext cx="8238095" cy="2400000"/>
+            <a:off x="657714" y="1305190"/>
+            <a:ext cx="7828571" cy="4247619"/>
           </a:xfrm>
           <a:prstGeom prst="rect">
             <a:avLst/>
@@ -4586,7 +4579,7 @@
     </p:spTree>
     <p:extLst>
       <p:ext uri="{BB962C8B-B14F-4D97-AF65-F5344CB8AC3E}">
-        <p14:creationId xmlns:p14="http://schemas.microsoft.com/office/powerpoint/2010/main" val="2762783575"/>
+        <p14:creationId xmlns:p14="http://schemas.microsoft.com/office/powerpoint/2010/main" val="932428713"/>
       </p:ext>
     </p:extLst>
   </p:cSld>
@@ -4630,7 +4623,7 @@
           <a:p>
             <a:r>
               <a:rPr lang="en-US" dirty="0"/>
-              <a:t>Conclusion</a:t>
+              <a:t>Interpreting the coefficients</a:t>
             </a:r>
           </a:p>
         </p:txBody>
@@ -4650,20 +4643,19 @@
           <a:bodyPr/>
           <a:lstStyle/>
           <a:p>
-            <a:pPr marL="457200" indent="-457200">
-              <a:buFont typeface="+mj-lt"/>
-              <a:buAutoNum type="arabicPeriod"/>
-            </a:pPr>
-            <a:r>
-              <a:rPr lang="en-US" dirty="0">
-                <a:latin typeface="+mj-lt"/>
-                <a:cs typeface="Courier New" panose="02070309020205020404" pitchFamily="49" charset="0"/>
-              </a:rPr>
-              <a:t>The</a:t>
-            </a:r>
-            <a:endParaRPr lang="en-US" dirty="0">
-              <a:latin typeface="+mj-lt"/>
-            </a:endParaRPr>
+            <a:endParaRPr lang="en-US" dirty="0"/>
+          </a:p>
+          <a:p>
+            <a:endParaRPr lang="en-US" dirty="0"/>
+          </a:p>
+          <a:p>
+            <a:endParaRPr lang="en-US" dirty="0"/>
+          </a:p>
+          <a:p>
+            <a:r>
+              <a:rPr lang="en-US" dirty="0"/>
+              <a:t>Each unit increase in BMI shifts the survival percentiles by a factor of exp(0.093) = 1.098. A five unit shift in BMI shifts the survival percentiles by 1.098^5 = 1.596.</a:t>
+            </a:r>
           </a:p>
         </p:txBody>
       </p:sp>
@@ -4727,32 +4719,850 @@
           </a:p>
         </p:txBody>
       </p:sp>
-      <p:sp>
-        <p:nvSpPr>
-          <p:cNvPr id="6" name="Text Placeholder 5"/>
-          <p:cNvSpPr>
-            <a:spLocks noGrp="1"/>
-          </p:cNvSpPr>
-          <p:nvPr>
-            <p:ph type="body" sz="quarter" idx="12"/>
-          </p:nvPr>
-        </p:nvSpPr>
-        <p:spPr/>
-        <p:txBody>
-          <a:bodyPr/>
-          <a:lstStyle/>
-          <a:p>
-            <a:r>
-              <a:rPr lang="en-US" dirty="0"/>
-              <a:t>What have you learned today?</a:t>
-            </a:r>
-          </a:p>
-        </p:txBody>
-      </p:sp>
+      <p:pic>
+        <p:nvPicPr>
+          <p:cNvPr id="7" name="Picture 6">
+            <a:extLst>
+              <a:ext uri="{FF2B5EF4-FFF2-40B4-BE49-F238E27FC236}">
+                <a16:creationId xmlns:a16="http://schemas.microsoft.com/office/drawing/2014/main" id="{48814255-6FAF-4615-9380-5B09A90340A5}"/>
+              </a:ext>
+            </a:extLst>
+          </p:cNvPr>
+          <p:cNvPicPr>
+            <a:picLocks noChangeAspect="1"/>
+          </p:cNvPicPr>
+          <p:nvPr/>
+        </p:nvPicPr>
+        <p:blipFill>
+          <a:blip r:embed="rId2"/>
+          <a:stretch>
+            <a:fillRect/>
+          </a:stretch>
+        </p:blipFill>
+        <p:spPr>
+          <a:xfrm>
+            <a:off x="533400" y="1219200"/>
+            <a:ext cx="7790476" cy="1914286"/>
+          </a:xfrm>
+          <a:prstGeom prst="rect">
+            <a:avLst/>
+          </a:prstGeom>
+        </p:spPr>
+      </p:pic>
     </p:spTree>
     <p:extLst>
       <p:ext uri="{BB962C8B-B14F-4D97-AF65-F5344CB8AC3E}">
-        <p14:creationId xmlns:p14="http://schemas.microsoft.com/office/powerpoint/2010/main" val="1691035053"/>
+        <p14:creationId xmlns:p14="http://schemas.microsoft.com/office/powerpoint/2010/main" val="2739342833"/>
+      </p:ext>
+    </p:extLst>
+  </p:cSld>
+  <p:clrMapOvr>
+    <a:masterClrMapping/>
+  </p:clrMapOvr>
+</p:sld>
+</file>
+
+<file path=ppt/slides/slide15.xml><?xml version="1.0" encoding="utf-8"?>
+<p:sld xmlns:a="http://schemas.openxmlformats.org/drawingml/2006/main" xmlns:r="http://schemas.openxmlformats.org/officeDocument/2006/relationships" xmlns:p="http://schemas.openxmlformats.org/presentationml/2006/main">
+  <p:cSld>
+    <p:spTree>
+      <p:nvGrpSpPr>
+        <p:cNvPr id="1" name=""/>
+        <p:cNvGrpSpPr/>
+        <p:nvPr/>
+      </p:nvGrpSpPr>
+      <p:grpSpPr>
+        <a:xfrm>
+          <a:off x="0" y="0"/>
+          <a:ext cx="0" cy="0"/>
+          <a:chOff x="0" y="0"/>
+          <a:chExt cx="0" cy="0"/>
+        </a:xfrm>
+      </p:grpSpPr>
+      <p:sp>
+        <p:nvSpPr>
+          <p:cNvPr id="2" name="Title 1"/>
+          <p:cNvSpPr>
+            <a:spLocks noGrp="1"/>
+          </p:cNvSpPr>
+          <p:nvPr>
+            <p:ph type="title"/>
+          </p:nvPr>
+        </p:nvSpPr>
+        <p:spPr/>
+        <p:txBody>
+          <a:bodyPr/>
+          <a:lstStyle/>
+          <a:p>
+            <a:r>
+              <a:rPr lang="en-US" dirty="0"/>
+              <a:t>Interpreting the coefficients</a:t>
+            </a:r>
+          </a:p>
+        </p:txBody>
+      </p:sp>
+      <p:sp>
+        <p:nvSpPr>
+          <p:cNvPr id="3" name="Text Placeholder 2"/>
+          <p:cNvSpPr>
+            <a:spLocks noGrp="1"/>
+          </p:cNvSpPr>
+          <p:nvPr>
+            <p:ph type="body" idx="1"/>
+          </p:nvPr>
+        </p:nvSpPr>
+        <p:spPr/>
+        <p:txBody>
+          <a:bodyPr/>
+          <a:lstStyle/>
+          <a:p>
+            <a:endParaRPr lang="en-US" dirty="0"/>
+          </a:p>
+          <a:p>
+            <a:endParaRPr lang="en-US" dirty="0"/>
+          </a:p>
+          <a:p>
+            <a:endParaRPr lang="en-US" dirty="0"/>
+          </a:p>
+          <a:p>
+            <a:r>
+              <a:rPr lang="en-US" dirty="0"/>
+              <a:t>Because of the interaction, the effect of age is different for men and women. For men, a one year increase in age will shift the survival percentiles by a factor of exp(-0.053) = 0.948.</a:t>
+            </a:r>
+          </a:p>
+        </p:txBody>
+      </p:sp>
+      <p:sp>
+        <p:nvSpPr>
+          <p:cNvPr id="4" name="Footer Placeholder 3"/>
+          <p:cNvSpPr>
+            <a:spLocks noGrp="1"/>
+          </p:cNvSpPr>
+          <p:nvPr>
+            <p:ph type="ftr" sz="quarter" idx="10"/>
+          </p:nvPr>
+        </p:nvSpPr>
+        <p:spPr/>
+        <p:txBody>
+          <a:bodyPr/>
+          <a:lstStyle/>
+          <a:p>
+            <a:pPr>
+              <a:defRPr/>
+            </a:pPr>
+            <a:r>
+              <a:rPr lang="en-US" altLang="en-US" dirty="0"/>
+              <a:t>©2018 Steve Simon    http://TheAnalysisFactor.com</a:t>
+            </a:r>
+          </a:p>
+        </p:txBody>
+      </p:sp>
+      <p:sp>
+        <p:nvSpPr>
+          <p:cNvPr id="5" name="Slide Number Placeholder 4"/>
+          <p:cNvSpPr>
+            <a:spLocks noGrp="1"/>
+          </p:cNvSpPr>
+          <p:nvPr>
+            <p:ph type="sldNum" sz="quarter" idx="11"/>
+          </p:nvPr>
+        </p:nvSpPr>
+        <p:spPr/>
+        <p:txBody>
+          <a:bodyPr/>
+          <a:lstStyle/>
+          <a:p>
+            <a:pPr>
+              <a:defRPr/>
+            </a:pPr>
+            <a:endParaRPr lang="en-US"/>
+          </a:p>
+          <a:p>
+            <a:pPr>
+              <a:defRPr/>
+            </a:pPr>
+            <a:fld id="{E9A8CBA3-AA2B-46A6-BFA3-DCEBEAAB3F0A}" type="slidenum">
+              <a:rPr lang="en-US" smtClean="0"/>
+              <a:pPr>
+                <a:defRPr/>
+              </a:pPr>
+              <a:t>15</a:t>
+            </a:fld>
+            <a:endParaRPr lang="en-US"/>
+          </a:p>
+        </p:txBody>
+      </p:sp>
+      <p:pic>
+        <p:nvPicPr>
+          <p:cNvPr id="6" name="Picture 5">
+            <a:extLst>
+              <a:ext uri="{FF2B5EF4-FFF2-40B4-BE49-F238E27FC236}">
+                <a16:creationId xmlns:a16="http://schemas.microsoft.com/office/drawing/2014/main" id="{135C642C-5307-4072-B118-649E1AE4F20F}"/>
+              </a:ext>
+            </a:extLst>
+          </p:cNvPr>
+          <p:cNvPicPr>
+            <a:picLocks noChangeAspect="1"/>
+          </p:cNvPicPr>
+          <p:nvPr/>
+        </p:nvPicPr>
+        <p:blipFill>
+          <a:blip r:embed="rId2"/>
+          <a:stretch>
+            <a:fillRect/>
+          </a:stretch>
+        </p:blipFill>
+        <p:spPr>
+          <a:xfrm>
+            <a:off x="676762" y="1295400"/>
+            <a:ext cx="7790476" cy="1914286"/>
+          </a:xfrm>
+          <a:prstGeom prst="rect">
+            <a:avLst/>
+          </a:prstGeom>
+        </p:spPr>
+      </p:pic>
+    </p:spTree>
+    <p:extLst>
+      <p:ext uri="{BB962C8B-B14F-4D97-AF65-F5344CB8AC3E}">
+        <p14:creationId xmlns:p14="http://schemas.microsoft.com/office/powerpoint/2010/main" val="3504155553"/>
+      </p:ext>
+    </p:extLst>
+  </p:cSld>
+  <p:clrMapOvr>
+    <a:masterClrMapping/>
+  </p:clrMapOvr>
+</p:sld>
+</file>
+
+<file path=ppt/slides/slide16.xml><?xml version="1.0" encoding="utf-8"?>
+<p:sld xmlns:a="http://schemas.openxmlformats.org/drawingml/2006/main" xmlns:r="http://schemas.openxmlformats.org/officeDocument/2006/relationships" xmlns:p="http://schemas.openxmlformats.org/presentationml/2006/main">
+  <p:cSld>
+    <p:spTree>
+      <p:nvGrpSpPr>
+        <p:cNvPr id="1" name=""/>
+        <p:cNvGrpSpPr/>
+        <p:nvPr/>
+      </p:nvGrpSpPr>
+      <p:grpSpPr>
+        <a:xfrm>
+          <a:off x="0" y="0"/>
+          <a:ext cx="0" cy="0"/>
+          <a:chOff x="0" y="0"/>
+          <a:chExt cx="0" cy="0"/>
+        </a:xfrm>
+      </p:grpSpPr>
+      <p:sp>
+        <p:nvSpPr>
+          <p:cNvPr id="2" name="Title 1"/>
+          <p:cNvSpPr>
+            <a:spLocks noGrp="1"/>
+          </p:cNvSpPr>
+          <p:nvPr>
+            <p:ph type="title"/>
+          </p:nvPr>
+        </p:nvSpPr>
+        <p:spPr/>
+        <p:txBody>
+          <a:bodyPr/>
+          <a:lstStyle/>
+          <a:p>
+            <a:r>
+              <a:rPr lang="en-US" dirty="0"/>
+              <a:t>Interpreting the coefficients</a:t>
+            </a:r>
+          </a:p>
+        </p:txBody>
+      </p:sp>
+      <p:sp>
+        <p:nvSpPr>
+          <p:cNvPr id="3" name="Text Placeholder 2"/>
+          <p:cNvSpPr>
+            <a:spLocks noGrp="1"/>
+          </p:cNvSpPr>
+          <p:nvPr>
+            <p:ph type="body" idx="1"/>
+          </p:nvPr>
+        </p:nvSpPr>
+        <p:spPr/>
+        <p:txBody>
+          <a:bodyPr/>
+          <a:lstStyle/>
+          <a:p>
+            <a:endParaRPr lang="en-US" dirty="0"/>
+          </a:p>
+          <a:p>
+            <a:endParaRPr lang="en-US" dirty="0"/>
+          </a:p>
+          <a:p>
+            <a:endParaRPr lang="en-US" dirty="0"/>
+          </a:p>
+          <a:p>
+            <a:r>
+              <a:rPr lang="en-US" dirty="0"/>
+              <a:t>For women, a one year increase in age will shift the survival percentiles by a factor of exp(-0.053 + 0.05) = 0.997.</a:t>
+            </a:r>
+          </a:p>
+        </p:txBody>
+      </p:sp>
+      <p:sp>
+        <p:nvSpPr>
+          <p:cNvPr id="4" name="Footer Placeholder 3"/>
+          <p:cNvSpPr>
+            <a:spLocks noGrp="1"/>
+          </p:cNvSpPr>
+          <p:nvPr>
+            <p:ph type="ftr" sz="quarter" idx="10"/>
+          </p:nvPr>
+        </p:nvSpPr>
+        <p:spPr/>
+        <p:txBody>
+          <a:bodyPr/>
+          <a:lstStyle/>
+          <a:p>
+            <a:pPr>
+              <a:defRPr/>
+            </a:pPr>
+            <a:r>
+              <a:rPr lang="en-US" altLang="en-US" dirty="0"/>
+              <a:t>©2018 Steve Simon    http://TheAnalysisFactor.com</a:t>
+            </a:r>
+          </a:p>
+        </p:txBody>
+      </p:sp>
+      <p:sp>
+        <p:nvSpPr>
+          <p:cNvPr id="5" name="Slide Number Placeholder 4"/>
+          <p:cNvSpPr>
+            <a:spLocks noGrp="1"/>
+          </p:cNvSpPr>
+          <p:nvPr>
+            <p:ph type="sldNum" sz="quarter" idx="11"/>
+          </p:nvPr>
+        </p:nvSpPr>
+        <p:spPr/>
+        <p:txBody>
+          <a:bodyPr/>
+          <a:lstStyle/>
+          <a:p>
+            <a:pPr>
+              <a:defRPr/>
+            </a:pPr>
+            <a:endParaRPr lang="en-US"/>
+          </a:p>
+          <a:p>
+            <a:pPr>
+              <a:defRPr/>
+            </a:pPr>
+            <a:fld id="{E9A8CBA3-AA2B-46A6-BFA3-DCEBEAAB3F0A}" type="slidenum">
+              <a:rPr lang="en-US" smtClean="0"/>
+              <a:pPr>
+                <a:defRPr/>
+              </a:pPr>
+              <a:t>16</a:t>
+            </a:fld>
+            <a:endParaRPr lang="en-US"/>
+          </a:p>
+        </p:txBody>
+      </p:sp>
+      <p:pic>
+        <p:nvPicPr>
+          <p:cNvPr id="7" name="Picture 6">
+            <a:extLst>
+              <a:ext uri="{FF2B5EF4-FFF2-40B4-BE49-F238E27FC236}">
+                <a16:creationId xmlns:a16="http://schemas.microsoft.com/office/drawing/2014/main" id="{448F9702-8A06-4596-94E9-226B3B93B40D}"/>
+              </a:ext>
+            </a:extLst>
+          </p:cNvPr>
+          <p:cNvPicPr>
+            <a:picLocks noChangeAspect="1"/>
+          </p:cNvPicPr>
+          <p:nvPr/>
+        </p:nvPicPr>
+        <p:blipFill>
+          <a:blip r:embed="rId2"/>
+          <a:stretch>
+            <a:fillRect/>
+          </a:stretch>
+        </p:blipFill>
+        <p:spPr>
+          <a:xfrm>
+            <a:off x="676762" y="1568125"/>
+            <a:ext cx="7790476" cy="1914286"/>
+          </a:xfrm>
+          <a:prstGeom prst="rect">
+            <a:avLst/>
+          </a:prstGeom>
+        </p:spPr>
+      </p:pic>
+    </p:spTree>
+    <p:extLst>
+      <p:ext uri="{BB962C8B-B14F-4D97-AF65-F5344CB8AC3E}">
+        <p14:creationId xmlns:p14="http://schemas.microsoft.com/office/powerpoint/2010/main" val="500911160"/>
+      </p:ext>
+    </p:extLst>
+  </p:cSld>
+  <p:clrMapOvr>
+    <a:masterClrMapping/>
+  </p:clrMapOvr>
+</p:sld>
+</file>
+
+<file path=ppt/slides/slide17.xml><?xml version="1.0" encoding="utf-8"?>
+<p:sld xmlns:a="http://schemas.openxmlformats.org/drawingml/2006/main" xmlns:r="http://schemas.openxmlformats.org/officeDocument/2006/relationships" xmlns:p="http://schemas.openxmlformats.org/presentationml/2006/main">
+  <p:cSld>
+    <p:spTree>
+      <p:nvGrpSpPr>
+        <p:cNvPr id="1" name=""/>
+        <p:cNvGrpSpPr/>
+        <p:nvPr/>
+      </p:nvGrpSpPr>
+      <p:grpSpPr>
+        <a:xfrm>
+          <a:off x="0" y="0"/>
+          <a:ext cx="0" cy="0"/>
+          <a:chOff x="0" y="0"/>
+          <a:chExt cx="0" cy="0"/>
+        </a:xfrm>
+      </p:grpSpPr>
+      <p:sp>
+        <p:nvSpPr>
+          <p:cNvPr id="2" name="Title 1"/>
+          <p:cNvSpPr>
+            <a:spLocks noGrp="1"/>
+          </p:cNvSpPr>
+          <p:nvPr>
+            <p:ph type="title"/>
+          </p:nvPr>
+        </p:nvSpPr>
+        <p:spPr/>
+        <p:txBody>
+          <a:bodyPr/>
+          <a:lstStyle/>
+          <a:p>
+            <a:r>
+              <a:rPr lang="en-US" dirty="0"/>
+              <a:t>The exponential distribution</a:t>
+            </a:r>
+          </a:p>
+        </p:txBody>
+      </p:sp>
+      <p:sp>
+        <p:nvSpPr>
+          <p:cNvPr id="4" name="Footer Placeholder 3"/>
+          <p:cNvSpPr>
+            <a:spLocks noGrp="1"/>
+          </p:cNvSpPr>
+          <p:nvPr>
+            <p:ph type="ftr" sz="quarter" idx="10"/>
+          </p:nvPr>
+        </p:nvSpPr>
+        <p:spPr/>
+        <p:txBody>
+          <a:bodyPr/>
+          <a:lstStyle/>
+          <a:p>
+            <a:pPr>
+              <a:defRPr/>
+            </a:pPr>
+            <a:r>
+              <a:rPr lang="en-US" altLang="en-US" dirty="0"/>
+              <a:t>©2018 Steve Simon    http://TheAnalysisFactor.com</a:t>
+            </a:r>
+          </a:p>
+        </p:txBody>
+      </p:sp>
+      <p:sp>
+        <p:nvSpPr>
+          <p:cNvPr id="5" name="Slide Number Placeholder 4"/>
+          <p:cNvSpPr>
+            <a:spLocks noGrp="1"/>
+          </p:cNvSpPr>
+          <p:nvPr>
+            <p:ph type="sldNum" sz="quarter" idx="11"/>
+          </p:nvPr>
+        </p:nvSpPr>
+        <p:spPr/>
+        <p:txBody>
+          <a:bodyPr/>
+          <a:lstStyle/>
+          <a:p>
+            <a:pPr>
+              <a:defRPr/>
+            </a:pPr>
+            <a:endParaRPr lang="en-US"/>
+          </a:p>
+          <a:p>
+            <a:pPr>
+              <a:defRPr/>
+            </a:pPr>
+            <a:fld id="{E9A8CBA3-AA2B-46A6-BFA3-DCEBEAAB3F0A}" type="slidenum">
+              <a:rPr lang="en-US" smtClean="0"/>
+              <a:pPr>
+                <a:defRPr/>
+              </a:pPr>
+              <a:t>17</a:t>
+            </a:fld>
+            <a:endParaRPr lang="en-US"/>
+          </a:p>
+        </p:txBody>
+      </p:sp>
+      <p:pic>
+        <p:nvPicPr>
+          <p:cNvPr id="7" name="Picture 6">
+            <a:extLst>
+              <a:ext uri="{FF2B5EF4-FFF2-40B4-BE49-F238E27FC236}">
+                <a16:creationId xmlns:a16="http://schemas.microsoft.com/office/drawing/2014/main" id="{31E1B2F7-B8D8-476F-B490-247A33D10563}"/>
+              </a:ext>
+            </a:extLst>
+          </p:cNvPr>
+          <p:cNvPicPr>
+            <a:picLocks noChangeAspect="1"/>
+          </p:cNvPicPr>
+          <p:nvPr/>
+        </p:nvPicPr>
+        <p:blipFill>
+          <a:blip r:embed="rId2"/>
+          <a:stretch>
+            <a:fillRect/>
+          </a:stretch>
+        </p:blipFill>
+        <p:spPr>
+          <a:xfrm>
+            <a:off x="372000" y="1471857"/>
+            <a:ext cx="8400000" cy="3914286"/>
+          </a:xfrm>
+          <a:prstGeom prst="rect">
+            <a:avLst/>
+          </a:prstGeom>
+        </p:spPr>
+      </p:pic>
+    </p:spTree>
+    <p:extLst>
+      <p:ext uri="{BB962C8B-B14F-4D97-AF65-F5344CB8AC3E}">
+        <p14:creationId xmlns:p14="http://schemas.microsoft.com/office/powerpoint/2010/main" val="1776071313"/>
+      </p:ext>
+    </p:extLst>
+  </p:cSld>
+  <p:clrMapOvr>
+    <a:masterClrMapping/>
+  </p:clrMapOvr>
+</p:sld>
+</file>
+
+<file path=ppt/slides/slide18.xml><?xml version="1.0" encoding="utf-8"?>
+<p:sld xmlns:a="http://schemas.openxmlformats.org/drawingml/2006/main" xmlns:r="http://schemas.openxmlformats.org/officeDocument/2006/relationships" xmlns:p="http://schemas.openxmlformats.org/presentationml/2006/main">
+  <p:cSld>
+    <p:spTree>
+      <p:nvGrpSpPr>
+        <p:cNvPr id="1" name=""/>
+        <p:cNvGrpSpPr/>
+        <p:nvPr/>
+      </p:nvGrpSpPr>
+      <p:grpSpPr>
+        <a:xfrm>
+          <a:off x="0" y="0"/>
+          <a:ext cx="0" cy="0"/>
+          <a:chOff x="0" y="0"/>
+          <a:chExt cx="0" cy="0"/>
+        </a:xfrm>
+      </p:grpSpPr>
+      <p:sp>
+        <p:nvSpPr>
+          <p:cNvPr id="2" name="Title 1"/>
+          <p:cNvSpPr>
+            <a:spLocks noGrp="1"/>
+          </p:cNvSpPr>
+          <p:nvPr>
+            <p:ph type="title"/>
+          </p:nvPr>
+        </p:nvSpPr>
+        <p:spPr/>
+        <p:txBody>
+          <a:bodyPr/>
+          <a:lstStyle/>
+          <a:p>
+            <a:r>
+              <a:rPr lang="en-US" dirty="0"/>
+              <a:t>The Weibull distribution</a:t>
+            </a:r>
+          </a:p>
+        </p:txBody>
+      </p:sp>
+      <p:sp>
+        <p:nvSpPr>
+          <p:cNvPr id="4" name="Footer Placeholder 3"/>
+          <p:cNvSpPr>
+            <a:spLocks noGrp="1"/>
+          </p:cNvSpPr>
+          <p:nvPr>
+            <p:ph type="ftr" sz="quarter" idx="10"/>
+          </p:nvPr>
+        </p:nvSpPr>
+        <p:spPr/>
+        <p:txBody>
+          <a:bodyPr/>
+          <a:lstStyle/>
+          <a:p>
+            <a:pPr>
+              <a:defRPr/>
+            </a:pPr>
+            <a:r>
+              <a:rPr lang="en-US" altLang="en-US" dirty="0"/>
+              <a:t>©2018 Steve Simon    http://TheAnalysisFactor.com</a:t>
+            </a:r>
+          </a:p>
+        </p:txBody>
+      </p:sp>
+      <p:sp>
+        <p:nvSpPr>
+          <p:cNvPr id="5" name="Slide Number Placeholder 4"/>
+          <p:cNvSpPr>
+            <a:spLocks noGrp="1"/>
+          </p:cNvSpPr>
+          <p:nvPr>
+            <p:ph type="sldNum" sz="quarter" idx="11"/>
+          </p:nvPr>
+        </p:nvSpPr>
+        <p:spPr/>
+        <p:txBody>
+          <a:bodyPr/>
+          <a:lstStyle/>
+          <a:p>
+            <a:pPr>
+              <a:defRPr/>
+            </a:pPr>
+            <a:endParaRPr lang="en-US"/>
+          </a:p>
+          <a:p>
+            <a:pPr>
+              <a:defRPr/>
+            </a:pPr>
+            <a:fld id="{E9A8CBA3-AA2B-46A6-BFA3-DCEBEAAB3F0A}" type="slidenum">
+              <a:rPr lang="en-US" smtClean="0"/>
+              <a:pPr>
+                <a:defRPr/>
+              </a:pPr>
+              <a:t>18</a:t>
+            </a:fld>
+            <a:endParaRPr lang="en-US"/>
+          </a:p>
+        </p:txBody>
+      </p:sp>
+      <p:sp>
+        <p:nvSpPr>
+          <p:cNvPr id="6" name="Text Placeholder 5"/>
+          <p:cNvSpPr>
+            <a:spLocks noGrp="1"/>
+          </p:cNvSpPr>
+          <p:nvPr>
+            <p:ph type="body" sz="quarter" idx="12"/>
+          </p:nvPr>
+        </p:nvSpPr>
+        <p:spPr/>
+        <p:txBody>
+          <a:bodyPr/>
+          <a:lstStyle/>
+          <a:p>
+            <a:endParaRPr lang="en-US" dirty="0"/>
+          </a:p>
+        </p:txBody>
+      </p:sp>
+      <p:pic>
+        <p:nvPicPr>
+          <p:cNvPr id="7" name="Picture 6">
+            <a:extLst>
+              <a:ext uri="{FF2B5EF4-FFF2-40B4-BE49-F238E27FC236}">
+                <a16:creationId xmlns:a16="http://schemas.microsoft.com/office/drawing/2014/main" id="{C6E3AD47-5F6D-4362-AF18-D8BEAEEEAC8A}"/>
+              </a:ext>
+            </a:extLst>
+          </p:cNvPr>
+          <p:cNvPicPr>
+            <a:picLocks noChangeAspect="1"/>
+          </p:cNvPicPr>
+          <p:nvPr/>
+        </p:nvPicPr>
+        <p:blipFill>
+          <a:blip r:embed="rId2"/>
+          <a:stretch>
+            <a:fillRect/>
+          </a:stretch>
+        </p:blipFill>
+        <p:spPr>
+          <a:xfrm>
+            <a:off x="470731" y="2419476"/>
+            <a:ext cx="8409524" cy="2019048"/>
+          </a:xfrm>
+          <a:prstGeom prst="rect">
+            <a:avLst/>
+          </a:prstGeom>
+        </p:spPr>
+      </p:pic>
+    </p:spTree>
+    <p:extLst>
+      <p:ext uri="{BB962C8B-B14F-4D97-AF65-F5344CB8AC3E}">
+        <p14:creationId xmlns:p14="http://schemas.microsoft.com/office/powerpoint/2010/main" val="2762783575"/>
+      </p:ext>
+    </p:extLst>
+  </p:cSld>
+  <p:clrMapOvr>
+    <a:masterClrMapping/>
+  </p:clrMapOvr>
+</p:sld>
+</file>
+
+<file path=ppt/slides/slide19.xml><?xml version="1.0" encoding="utf-8"?>
+<p:sld xmlns:a="http://schemas.openxmlformats.org/drawingml/2006/main" xmlns:r="http://schemas.openxmlformats.org/officeDocument/2006/relationships" xmlns:p="http://schemas.openxmlformats.org/presentationml/2006/main">
+  <p:cSld>
+    <p:spTree>
+      <p:nvGrpSpPr>
+        <p:cNvPr id="1" name=""/>
+        <p:cNvGrpSpPr/>
+        <p:nvPr/>
+      </p:nvGrpSpPr>
+      <p:grpSpPr>
+        <a:xfrm>
+          <a:off x="0" y="0"/>
+          <a:ext cx="0" cy="0"/>
+          <a:chOff x="0" y="0"/>
+          <a:chExt cx="0" cy="0"/>
+        </a:xfrm>
+      </p:grpSpPr>
+      <p:sp>
+        <p:nvSpPr>
+          <p:cNvPr id="2" name="Title 1"/>
+          <p:cNvSpPr>
+            <a:spLocks noGrp="1"/>
+          </p:cNvSpPr>
+          <p:nvPr>
+            <p:ph type="title"/>
+          </p:nvPr>
+        </p:nvSpPr>
+        <p:spPr/>
+        <p:txBody>
+          <a:bodyPr/>
+          <a:lstStyle/>
+          <a:p>
+            <a:r>
+              <a:rPr lang="en-US" dirty="0"/>
+              <a:t>The Weibull distribution (k=2)</a:t>
+            </a:r>
+          </a:p>
+        </p:txBody>
+      </p:sp>
+      <p:sp>
+        <p:nvSpPr>
+          <p:cNvPr id="4" name="Footer Placeholder 3"/>
+          <p:cNvSpPr>
+            <a:spLocks noGrp="1"/>
+          </p:cNvSpPr>
+          <p:nvPr>
+            <p:ph type="ftr" sz="quarter" idx="10"/>
+          </p:nvPr>
+        </p:nvSpPr>
+        <p:spPr/>
+        <p:txBody>
+          <a:bodyPr/>
+          <a:lstStyle/>
+          <a:p>
+            <a:pPr>
+              <a:defRPr/>
+            </a:pPr>
+            <a:r>
+              <a:rPr lang="en-US" altLang="en-US" dirty="0"/>
+              <a:t>©2018 Steve Simon    http://TheAnalysisFactor.com</a:t>
+            </a:r>
+          </a:p>
+        </p:txBody>
+      </p:sp>
+      <p:sp>
+        <p:nvSpPr>
+          <p:cNvPr id="5" name="Slide Number Placeholder 4"/>
+          <p:cNvSpPr>
+            <a:spLocks noGrp="1"/>
+          </p:cNvSpPr>
+          <p:nvPr>
+            <p:ph type="sldNum" sz="quarter" idx="11"/>
+          </p:nvPr>
+        </p:nvSpPr>
+        <p:spPr/>
+        <p:txBody>
+          <a:bodyPr/>
+          <a:lstStyle/>
+          <a:p>
+            <a:pPr>
+              <a:defRPr/>
+            </a:pPr>
+            <a:endParaRPr lang="en-US"/>
+          </a:p>
+          <a:p>
+            <a:pPr>
+              <a:defRPr/>
+            </a:pPr>
+            <a:fld id="{E9A8CBA3-AA2B-46A6-BFA3-DCEBEAAB3F0A}" type="slidenum">
+              <a:rPr lang="en-US" smtClean="0"/>
+              <a:pPr>
+                <a:defRPr/>
+              </a:pPr>
+              <a:t>19</a:t>
+            </a:fld>
+            <a:endParaRPr lang="en-US"/>
+          </a:p>
+        </p:txBody>
+      </p:sp>
+      <p:sp>
+        <p:nvSpPr>
+          <p:cNvPr id="6" name="Text Placeholder 5"/>
+          <p:cNvSpPr>
+            <a:spLocks noGrp="1"/>
+          </p:cNvSpPr>
+          <p:nvPr>
+            <p:ph type="body" sz="quarter" idx="12"/>
+          </p:nvPr>
+        </p:nvSpPr>
+        <p:spPr/>
+        <p:txBody>
+          <a:bodyPr/>
+          <a:lstStyle/>
+          <a:p>
+            <a:endParaRPr lang="en-US" dirty="0"/>
+          </a:p>
+        </p:txBody>
+      </p:sp>
+      <p:pic>
+        <p:nvPicPr>
+          <p:cNvPr id="8" name="Picture 7">
+            <a:extLst>
+              <a:ext uri="{FF2B5EF4-FFF2-40B4-BE49-F238E27FC236}">
+                <a16:creationId xmlns:a16="http://schemas.microsoft.com/office/drawing/2014/main" id="{2C6FE9D5-9955-4CF9-AC5E-DB17892BBA3A}"/>
+              </a:ext>
+            </a:extLst>
+          </p:cNvPr>
+          <p:cNvPicPr>
+            <a:picLocks noChangeAspect="1"/>
+          </p:cNvPicPr>
+          <p:nvPr/>
+        </p:nvPicPr>
+        <p:blipFill>
+          <a:blip r:embed="rId2"/>
+          <a:stretch>
+            <a:fillRect/>
+          </a:stretch>
+        </p:blipFill>
+        <p:spPr>
+          <a:xfrm>
+            <a:off x="457200" y="1143000"/>
+            <a:ext cx="8229600" cy="4572000"/>
+          </a:xfrm>
+          <a:prstGeom prst="rect">
+            <a:avLst/>
+          </a:prstGeom>
+        </p:spPr>
+      </p:pic>
+    </p:spTree>
+    <p:extLst>
+      <p:ext uri="{BB962C8B-B14F-4D97-AF65-F5344CB8AC3E}">
+        <p14:creationId xmlns:p14="http://schemas.microsoft.com/office/powerpoint/2010/main" val="2170661538"/>
       </p:ext>
     </p:extLst>
   </p:cSld>
@@ -4909,6 +5719,1720 @@
     <p:extLst>
       <p:ext uri="{BB962C8B-B14F-4D97-AF65-F5344CB8AC3E}">
         <p14:creationId xmlns:p14="http://schemas.microsoft.com/office/powerpoint/2010/main" val="3091858404"/>
+      </p:ext>
+    </p:extLst>
+  </p:cSld>
+  <p:clrMapOvr>
+    <a:masterClrMapping/>
+  </p:clrMapOvr>
+</p:sld>
+</file>
+
+<file path=ppt/slides/slide20.xml><?xml version="1.0" encoding="utf-8"?>
+<p:sld xmlns:a="http://schemas.openxmlformats.org/drawingml/2006/main" xmlns:r="http://schemas.openxmlformats.org/officeDocument/2006/relationships" xmlns:p="http://schemas.openxmlformats.org/presentationml/2006/main">
+  <p:cSld>
+    <p:spTree>
+      <p:nvGrpSpPr>
+        <p:cNvPr id="1" name=""/>
+        <p:cNvGrpSpPr/>
+        <p:nvPr/>
+      </p:nvGrpSpPr>
+      <p:grpSpPr>
+        <a:xfrm>
+          <a:off x="0" y="0"/>
+          <a:ext cx="0" cy="0"/>
+          <a:chOff x="0" y="0"/>
+          <a:chExt cx="0" cy="0"/>
+        </a:xfrm>
+      </p:grpSpPr>
+      <p:sp>
+        <p:nvSpPr>
+          <p:cNvPr id="2" name="Title 1"/>
+          <p:cNvSpPr>
+            <a:spLocks noGrp="1"/>
+          </p:cNvSpPr>
+          <p:nvPr>
+            <p:ph type="title"/>
+          </p:nvPr>
+        </p:nvSpPr>
+        <p:spPr/>
+        <p:txBody>
+          <a:bodyPr/>
+          <a:lstStyle/>
+          <a:p>
+            <a:r>
+              <a:rPr lang="en-US" dirty="0"/>
+              <a:t>The Weibull distribution (k=0.5)</a:t>
+            </a:r>
+          </a:p>
+        </p:txBody>
+      </p:sp>
+      <p:sp>
+        <p:nvSpPr>
+          <p:cNvPr id="4" name="Footer Placeholder 3"/>
+          <p:cNvSpPr>
+            <a:spLocks noGrp="1"/>
+          </p:cNvSpPr>
+          <p:nvPr>
+            <p:ph type="ftr" sz="quarter" idx="10"/>
+          </p:nvPr>
+        </p:nvSpPr>
+        <p:spPr/>
+        <p:txBody>
+          <a:bodyPr/>
+          <a:lstStyle/>
+          <a:p>
+            <a:pPr>
+              <a:defRPr/>
+            </a:pPr>
+            <a:r>
+              <a:rPr lang="en-US" altLang="en-US" dirty="0"/>
+              <a:t>©2018 Steve Simon    http://TheAnalysisFactor.com</a:t>
+            </a:r>
+          </a:p>
+        </p:txBody>
+      </p:sp>
+      <p:sp>
+        <p:nvSpPr>
+          <p:cNvPr id="5" name="Slide Number Placeholder 4"/>
+          <p:cNvSpPr>
+            <a:spLocks noGrp="1"/>
+          </p:cNvSpPr>
+          <p:nvPr>
+            <p:ph type="sldNum" sz="quarter" idx="11"/>
+          </p:nvPr>
+        </p:nvSpPr>
+        <p:spPr/>
+        <p:txBody>
+          <a:bodyPr/>
+          <a:lstStyle/>
+          <a:p>
+            <a:pPr>
+              <a:defRPr/>
+            </a:pPr>
+            <a:endParaRPr lang="en-US"/>
+          </a:p>
+          <a:p>
+            <a:pPr>
+              <a:defRPr/>
+            </a:pPr>
+            <a:fld id="{E9A8CBA3-AA2B-46A6-BFA3-DCEBEAAB3F0A}" type="slidenum">
+              <a:rPr lang="en-US" smtClean="0"/>
+              <a:pPr>
+                <a:defRPr/>
+              </a:pPr>
+              <a:t>20</a:t>
+            </a:fld>
+            <a:endParaRPr lang="en-US"/>
+          </a:p>
+        </p:txBody>
+      </p:sp>
+      <p:sp>
+        <p:nvSpPr>
+          <p:cNvPr id="6" name="Text Placeholder 5"/>
+          <p:cNvSpPr>
+            <a:spLocks noGrp="1"/>
+          </p:cNvSpPr>
+          <p:nvPr>
+            <p:ph type="body" sz="quarter" idx="12"/>
+          </p:nvPr>
+        </p:nvSpPr>
+        <p:spPr/>
+        <p:txBody>
+          <a:bodyPr/>
+          <a:lstStyle/>
+          <a:p>
+            <a:endParaRPr lang="en-US" dirty="0"/>
+          </a:p>
+        </p:txBody>
+      </p:sp>
+      <p:pic>
+        <p:nvPicPr>
+          <p:cNvPr id="3" name="Picture 2">
+            <a:extLst>
+              <a:ext uri="{FF2B5EF4-FFF2-40B4-BE49-F238E27FC236}">
+                <a16:creationId xmlns:a16="http://schemas.microsoft.com/office/drawing/2014/main" id="{4E9C8823-873B-41F5-841D-9D9C57D4C343}"/>
+              </a:ext>
+            </a:extLst>
+          </p:cNvPr>
+          <p:cNvPicPr>
+            <a:picLocks noChangeAspect="1"/>
+          </p:cNvPicPr>
+          <p:nvPr/>
+        </p:nvPicPr>
+        <p:blipFill>
+          <a:blip r:embed="rId2"/>
+          <a:stretch>
+            <a:fillRect/>
+          </a:stretch>
+        </p:blipFill>
+        <p:spPr>
+          <a:xfrm>
+            <a:off x="457200" y="1143000"/>
+            <a:ext cx="8229600" cy="4572000"/>
+          </a:xfrm>
+          <a:prstGeom prst="rect">
+            <a:avLst/>
+          </a:prstGeom>
+        </p:spPr>
+      </p:pic>
+    </p:spTree>
+    <p:extLst>
+      <p:ext uri="{BB962C8B-B14F-4D97-AF65-F5344CB8AC3E}">
+        <p14:creationId xmlns:p14="http://schemas.microsoft.com/office/powerpoint/2010/main" val="2931558668"/>
+      </p:ext>
+    </p:extLst>
+  </p:cSld>
+  <p:clrMapOvr>
+    <a:masterClrMapping/>
+  </p:clrMapOvr>
+</p:sld>
+</file>
+
+<file path=ppt/slides/slide21.xml><?xml version="1.0" encoding="utf-8"?>
+<p:sld xmlns:a="http://schemas.openxmlformats.org/drawingml/2006/main" xmlns:r="http://schemas.openxmlformats.org/officeDocument/2006/relationships" xmlns:p="http://schemas.openxmlformats.org/presentationml/2006/main">
+  <p:cSld>
+    <p:spTree>
+      <p:nvGrpSpPr>
+        <p:cNvPr id="1" name=""/>
+        <p:cNvGrpSpPr/>
+        <p:nvPr/>
+      </p:nvGrpSpPr>
+      <p:grpSpPr>
+        <a:xfrm>
+          <a:off x="0" y="0"/>
+          <a:ext cx="0" cy="0"/>
+          <a:chOff x="0" y="0"/>
+          <a:chExt cx="0" cy="0"/>
+        </a:xfrm>
+      </p:grpSpPr>
+      <p:sp>
+        <p:nvSpPr>
+          <p:cNvPr id="2" name="Title 1"/>
+          <p:cNvSpPr>
+            <a:spLocks noGrp="1"/>
+          </p:cNvSpPr>
+          <p:nvPr>
+            <p:ph type="title"/>
+          </p:nvPr>
+        </p:nvSpPr>
+        <p:spPr/>
+        <p:txBody>
+          <a:bodyPr/>
+          <a:lstStyle/>
+          <a:p>
+            <a:r>
+              <a:rPr lang="en-US" dirty="0"/>
+              <a:t>The Weibull distribution</a:t>
+            </a:r>
+          </a:p>
+        </p:txBody>
+      </p:sp>
+      <p:sp>
+        <p:nvSpPr>
+          <p:cNvPr id="4" name="Footer Placeholder 3"/>
+          <p:cNvSpPr>
+            <a:spLocks noGrp="1"/>
+          </p:cNvSpPr>
+          <p:nvPr>
+            <p:ph type="ftr" sz="quarter" idx="10"/>
+          </p:nvPr>
+        </p:nvSpPr>
+        <p:spPr/>
+        <p:txBody>
+          <a:bodyPr/>
+          <a:lstStyle/>
+          <a:p>
+            <a:pPr>
+              <a:defRPr/>
+            </a:pPr>
+            <a:r>
+              <a:rPr lang="en-US" altLang="en-US" dirty="0"/>
+              <a:t>©2018 Steve Simon    http://TheAnalysisFactor.com</a:t>
+            </a:r>
+          </a:p>
+        </p:txBody>
+      </p:sp>
+      <p:sp>
+        <p:nvSpPr>
+          <p:cNvPr id="5" name="Slide Number Placeholder 4"/>
+          <p:cNvSpPr>
+            <a:spLocks noGrp="1"/>
+          </p:cNvSpPr>
+          <p:nvPr>
+            <p:ph type="sldNum" sz="quarter" idx="11"/>
+          </p:nvPr>
+        </p:nvSpPr>
+        <p:spPr/>
+        <p:txBody>
+          <a:bodyPr/>
+          <a:lstStyle/>
+          <a:p>
+            <a:pPr>
+              <a:defRPr/>
+            </a:pPr>
+            <a:endParaRPr lang="en-US"/>
+          </a:p>
+          <a:p>
+            <a:pPr>
+              <a:defRPr/>
+            </a:pPr>
+            <a:fld id="{E9A8CBA3-AA2B-46A6-BFA3-DCEBEAAB3F0A}" type="slidenum">
+              <a:rPr lang="en-US" smtClean="0"/>
+              <a:pPr>
+                <a:defRPr/>
+              </a:pPr>
+              <a:t>21</a:t>
+            </a:fld>
+            <a:endParaRPr lang="en-US"/>
+          </a:p>
+        </p:txBody>
+      </p:sp>
+      <p:sp>
+        <p:nvSpPr>
+          <p:cNvPr id="6" name="Text Placeholder 5"/>
+          <p:cNvSpPr>
+            <a:spLocks noGrp="1"/>
+          </p:cNvSpPr>
+          <p:nvPr>
+            <p:ph type="body" sz="quarter" idx="12"/>
+          </p:nvPr>
+        </p:nvSpPr>
+        <p:spPr/>
+        <p:txBody>
+          <a:bodyPr/>
+          <a:lstStyle/>
+          <a:p>
+            <a:endParaRPr lang="en-US" dirty="0"/>
+          </a:p>
+        </p:txBody>
+      </p:sp>
+      <p:pic>
+        <p:nvPicPr>
+          <p:cNvPr id="7" name="Picture 6">
+            <a:extLst>
+              <a:ext uri="{FF2B5EF4-FFF2-40B4-BE49-F238E27FC236}">
+                <a16:creationId xmlns:a16="http://schemas.microsoft.com/office/drawing/2014/main" id="{4DC706AE-F6B3-4ED0-ABF2-CB981CA3A7D3}"/>
+              </a:ext>
+            </a:extLst>
+          </p:cNvPr>
+          <p:cNvPicPr>
+            <a:picLocks noChangeAspect="1"/>
+          </p:cNvPicPr>
+          <p:nvPr/>
+        </p:nvPicPr>
+        <p:blipFill>
+          <a:blip r:embed="rId2"/>
+          <a:stretch>
+            <a:fillRect/>
+          </a:stretch>
+        </p:blipFill>
+        <p:spPr>
+          <a:xfrm>
+            <a:off x="457200" y="1584533"/>
+            <a:ext cx="8438095" cy="2400000"/>
+          </a:xfrm>
+          <a:prstGeom prst="rect">
+            <a:avLst/>
+          </a:prstGeom>
+        </p:spPr>
+      </p:pic>
+    </p:spTree>
+    <p:extLst>
+      <p:ext uri="{BB962C8B-B14F-4D97-AF65-F5344CB8AC3E}">
+        <p14:creationId xmlns:p14="http://schemas.microsoft.com/office/powerpoint/2010/main" val="2098871935"/>
+      </p:ext>
+    </p:extLst>
+  </p:cSld>
+  <p:clrMapOvr>
+    <a:masterClrMapping/>
+  </p:clrMapOvr>
+</p:sld>
+</file>
+
+<file path=ppt/slides/slide22.xml><?xml version="1.0" encoding="utf-8"?>
+<p:sld xmlns:a="http://schemas.openxmlformats.org/drawingml/2006/main" xmlns:r="http://schemas.openxmlformats.org/officeDocument/2006/relationships" xmlns:p="http://schemas.openxmlformats.org/presentationml/2006/main">
+  <p:cSld>
+    <p:spTree>
+      <p:nvGrpSpPr>
+        <p:cNvPr id="1" name=""/>
+        <p:cNvGrpSpPr/>
+        <p:nvPr/>
+      </p:nvGrpSpPr>
+      <p:grpSpPr>
+        <a:xfrm>
+          <a:off x="0" y="0"/>
+          <a:ext cx="0" cy="0"/>
+          <a:chOff x="0" y="0"/>
+          <a:chExt cx="0" cy="0"/>
+        </a:xfrm>
+      </p:grpSpPr>
+      <p:sp>
+        <p:nvSpPr>
+          <p:cNvPr id="2" name="Title 1"/>
+          <p:cNvSpPr>
+            <a:spLocks noGrp="1"/>
+          </p:cNvSpPr>
+          <p:nvPr>
+            <p:ph type="title"/>
+          </p:nvPr>
+        </p:nvSpPr>
+        <p:spPr/>
+        <p:txBody>
+          <a:bodyPr/>
+          <a:lstStyle/>
+          <a:p>
+            <a:r>
+              <a:rPr lang="en-US" dirty="0"/>
+              <a:t>The Weibull distribution (</a:t>
+            </a:r>
+            <a:r>
+              <a:rPr lang="el-GR" dirty="0"/>
+              <a:t>θ</a:t>
+            </a:r>
+            <a:r>
+              <a:rPr lang="en-US" dirty="0"/>
+              <a:t>=2)</a:t>
+            </a:r>
+          </a:p>
+        </p:txBody>
+      </p:sp>
+      <p:sp>
+        <p:nvSpPr>
+          <p:cNvPr id="4" name="Footer Placeholder 3"/>
+          <p:cNvSpPr>
+            <a:spLocks noGrp="1"/>
+          </p:cNvSpPr>
+          <p:nvPr>
+            <p:ph type="ftr" sz="quarter" idx="10"/>
+          </p:nvPr>
+        </p:nvSpPr>
+        <p:spPr/>
+        <p:txBody>
+          <a:bodyPr/>
+          <a:lstStyle/>
+          <a:p>
+            <a:pPr>
+              <a:defRPr/>
+            </a:pPr>
+            <a:r>
+              <a:rPr lang="en-US" altLang="en-US" dirty="0"/>
+              <a:t>©2018 Steve Simon    http://TheAnalysisFactor.com</a:t>
+            </a:r>
+          </a:p>
+        </p:txBody>
+      </p:sp>
+      <p:sp>
+        <p:nvSpPr>
+          <p:cNvPr id="5" name="Slide Number Placeholder 4"/>
+          <p:cNvSpPr>
+            <a:spLocks noGrp="1"/>
+          </p:cNvSpPr>
+          <p:nvPr>
+            <p:ph type="sldNum" sz="quarter" idx="11"/>
+          </p:nvPr>
+        </p:nvSpPr>
+        <p:spPr/>
+        <p:txBody>
+          <a:bodyPr/>
+          <a:lstStyle/>
+          <a:p>
+            <a:pPr>
+              <a:defRPr/>
+            </a:pPr>
+            <a:endParaRPr lang="en-US"/>
+          </a:p>
+          <a:p>
+            <a:pPr>
+              <a:defRPr/>
+            </a:pPr>
+            <a:fld id="{E9A8CBA3-AA2B-46A6-BFA3-DCEBEAAB3F0A}" type="slidenum">
+              <a:rPr lang="en-US" smtClean="0"/>
+              <a:pPr>
+                <a:defRPr/>
+              </a:pPr>
+              <a:t>22</a:t>
+            </a:fld>
+            <a:endParaRPr lang="en-US"/>
+          </a:p>
+        </p:txBody>
+      </p:sp>
+      <p:sp>
+        <p:nvSpPr>
+          <p:cNvPr id="6" name="Text Placeholder 5"/>
+          <p:cNvSpPr>
+            <a:spLocks noGrp="1"/>
+          </p:cNvSpPr>
+          <p:nvPr>
+            <p:ph type="body" sz="quarter" idx="12"/>
+          </p:nvPr>
+        </p:nvSpPr>
+        <p:spPr/>
+        <p:txBody>
+          <a:bodyPr/>
+          <a:lstStyle/>
+          <a:p>
+            <a:endParaRPr lang="en-US" dirty="0"/>
+          </a:p>
+        </p:txBody>
+      </p:sp>
+      <p:pic>
+        <p:nvPicPr>
+          <p:cNvPr id="9" name="Picture 8">
+            <a:extLst>
+              <a:ext uri="{FF2B5EF4-FFF2-40B4-BE49-F238E27FC236}">
+                <a16:creationId xmlns:a16="http://schemas.microsoft.com/office/drawing/2014/main" id="{CA14478C-53BE-4B0E-819B-59B16C6C1A38}"/>
+              </a:ext>
+            </a:extLst>
+          </p:cNvPr>
+          <p:cNvPicPr>
+            <a:picLocks noChangeAspect="1"/>
+          </p:cNvPicPr>
+          <p:nvPr/>
+        </p:nvPicPr>
+        <p:blipFill>
+          <a:blip r:embed="rId2"/>
+          <a:stretch>
+            <a:fillRect/>
+          </a:stretch>
+        </p:blipFill>
+        <p:spPr>
+          <a:xfrm>
+            <a:off x="457714" y="1143285"/>
+            <a:ext cx="8228571" cy="4571429"/>
+          </a:xfrm>
+          <a:prstGeom prst="rect">
+            <a:avLst/>
+          </a:prstGeom>
+        </p:spPr>
+      </p:pic>
+    </p:spTree>
+    <p:extLst>
+      <p:ext uri="{BB962C8B-B14F-4D97-AF65-F5344CB8AC3E}">
+        <p14:creationId xmlns:p14="http://schemas.microsoft.com/office/powerpoint/2010/main" val="725762749"/>
+      </p:ext>
+    </p:extLst>
+  </p:cSld>
+  <p:clrMapOvr>
+    <a:masterClrMapping/>
+  </p:clrMapOvr>
+</p:sld>
+</file>
+
+<file path=ppt/slides/slide23.xml><?xml version="1.0" encoding="utf-8"?>
+<p:sld xmlns:a="http://schemas.openxmlformats.org/drawingml/2006/main" xmlns:r="http://schemas.openxmlformats.org/officeDocument/2006/relationships" xmlns:p="http://schemas.openxmlformats.org/presentationml/2006/main">
+  <p:cSld>
+    <p:spTree>
+      <p:nvGrpSpPr>
+        <p:cNvPr id="1" name=""/>
+        <p:cNvGrpSpPr/>
+        <p:nvPr/>
+      </p:nvGrpSpPr>
+      <p:grpSpPr>
+        <a:xfrm>
+          <a:off x="0" y="0"/>
+          <a:ext cx="0" cy="0"/>
+          <a:chOff x="0" y="0"/>
+          <a:chExt cx="0" cy="0"/>
+        </a:xfrm>
+      </p:grpSpPr>
+      <p:sp>
+        <p:nvSpPr>
+          <p:cNvPr id="2" name="Title 1"/>
+          <p:cNvSpPr>
+            <a:spLocks noGrp="1"/>
+          </p:cNvSpPr>
+          <p:nvPr>
+            <p:ph type="title"/>
+          </p:nvPr>
+        </p:nvSpPr>
+        <p:spPr/>
+        <p:txBody>
+          <a:bodyPr/>
+          <a:lstStyle/>
+          <a:p>
+            <a:r>
+              <a:rPr lang="en-US" dirty="0"/>
+              <a:t>The Weibull distribution (</a:t>
+            </a:r>
+            <a:r>
+              <a:rPr lang="el-GR" dirty="0"/>
+              <a:t>θ</a:t>
+            </a:r>
+            <a:r>
+              <a:rPr lang="en-US" dirty="0"/>
+              <a:t>=0.5)</a:t>
+            </a:r>
+          </a:p>
+        </p:txBody>
+      </p:sp>
+      <p:sp>
+        <p:nvSpPr>
+          <p:cNvPr id="4" name="Footer Placeholder 3"/>
+          <p:cNvSpPr>
+            <a:spLocks noGrp="1"/>
+          </p:cNvSpPr>
+          <p:nvPr>
+            <p:ph type="ftr" sz="quarter" idx="10"/>
+          </p:nvPr>
+        </p:nvSpPr>
+        <p:spPr/>
+        <p:txBody>
+          <a:bodyPr/>
+          <a:lstStyle/>
+          <a:p>
+            <a:pPr>
+              <a:defRPr/>
+            </a:pPr>
+            <a:r>
+              <a:rPr lang="en-US" altLang="en-US" dirty="0"/>
+              <a:t>©2018 Steve Simon    http://TheAnalysisFactor.com</a:t>
+            </a:r>
+          </a:p>
+        </p:txBody>
+      </p:sp>
+      <p:sp>
+        <p:nvSpPr>
+          <p:cNvPr id="5" name="Slide Number Placeholder 4"/>
+          <p:cNvSpPr>
+            <a:spLocks noGrp="1"/>
+          </p:cNvSpPr>
+          <p:nvPr>
+            <p:ph type="sldNum" sz="quarter" idx="11"/>
+          </p:nvPr>
+        </p:nvSpPr>
+        <p:spPr/>
+        <p:txBody>
+          <a:bodyPr/>
+          <a:lstStyle/>
+          <a:p>
+            <a:pPr>
+              <a:defRPr/>
+            </a:pPr>
+            <a:endParaRPr lang="en-US"/>
+          </a:p>
+          <a:p>
+            <a:pPr>
+              <a:defRPr/>
+            </a:pPr>
+            <a:fld id="{E9A8CBA3-AA2B-46A6-BFA3-DCEBEAAB3F0A}" type="slidenum">
+              <a:rPr lang="en-US" smtClean="0"/>
+              <a:pPr>
+                <a:defRPr/>
+              </a:pPr>
+              <a:t>23</a:t>
+            </a:fld>
+            <a:endParaRPr lang="en-US"/>
+          </a:p>
+        </p:txBody>
+      </p:sp>
+      <p:sp>
+        <p:nvSpPr>
+          <p:cNvPr id="6" name="Text Placeholder 5"/>
+          <p:cNvSpPr>
+            <a:spLocks noGrp="1"/>
+          </p:cNvSpPr>
+          <p:nvPr>
+            <p:ph type="body" sz="quarter" idx="12"/>
+          </p:nvPr>
+        </p:nvSpPr>
+        <p:spPr/>
+        <p:txBody>
+          <a:bodyPr/>
+          <a:lstStyle/>
+          <a:p>
+            <a:endParaRPr lang="en-US" dirty="0"/>
+          </a:p>
+        </p:txBody>
+      </p:sp>
+      <p:pic>
+        <p:nvPicPr>
+          <p:cNvPr id="3" name="Picture 2">
+            <a:extLst>
+              <a:ext uri="{FF2B5EF4-FFF2-40B4-BE49-F238E27FC236}">
+                <a16:creationId xmlns:a16="http://schemas.microsoft.com/office/drawing/2014/main" id="{3EC2B57A-5CC1-4007-A08E-2045730C0868}"/>
+              </a:ext>
+            </a:extLst>
+          </p:cNvPr>
+          <p:cNvPicPr>
+            <a:picLocks noChangeAspect="1"/>
+          </p:cNvPicPr>
+          <p:nvPr/>
+        </p:nvPicPr>
+        <p:blipFill>
+          <a:blip r:embed="rId2"/>
+          <a:stretch>
+            <a:fillRect/>
+          </a:stretch>
+        </p:blipFill>
+        <p:spPr>
+          <a:xfrm>
+            <a:off x="457714" y="1143285"/>
+            <a:ext cx="8228571" cy="4571429"/>
+          </a:xfrm>
+          <a:prstGeom prst="rect">
+            <a:avLst/>
+          </a:prstGeom>
+        </p:spPr>
+      </p:pic>
+    </p:spTree>
+    <p:extLst>
+      <p:ext uri="{BB962C8B-B14F-4D97-AF65-F5344CB8AC3E}">
+        <p14:creationId xmlns:p14="http://schemas.microsoft.com/office/powerpoint/2010/main" val="1612526408"/>
+      </p:ext>
+    </p:extLst>
+  </p:cSld>
+  <p:clrMapOvr>
+    <a:masterClrMapping/>
+  </p:clrMapOvr>
+</p:sld>
+</file>
+
+<file path=ppt/slides/slide24.xml><?xml version="1.0" encoding="utf-8"?>
+<p:sld xmlns:a="http://schemas.openxmlformats.org/drawingml/2006/main" xmlns:r="http://schemas.openxmlformats.org/officeDocument/2006/relationships" xmlns:p="http://schemas.openxmlformats.org/presentationml/2006/main">
+  <p:cSld>
+    <p:spTree>
+      <p:nvGrpSpPr>
+        <p:cNvPr id="1" name=""/>
+        <p:cNvGrpSpPr/>
+        <p:nvPr/>
+      </p:nvGrpSpPr>
+      <p:grpSpPr>
+        <a:xfrm>
+          <a:off x="0" y="0"/>
+          <a:ext cx="0" cy="0"/>
+          <a:chOff x="0" y="0"/>
+          <a:chExt cx="0" cy="0"/>
+        </a:xfrm>
+      </p:grpSpPr>
+      <p:sp>
+        <p:nvSpPr>
+          <p:cNvPr id="2" name="Title 1"/>
+          <p:cNvSpPr>
+            <a:spLocks noGrp="1"/>
+          </p:cNvSpPr>
+          <p:nvPr>
+            <p:ph type="title"/>
+          </p:nvPr>
+        </p:nvSpPr>
+        <p:spPr/>
+        <p:txBody>
+          <a:bodyPr/>
+          <a:lstStyle/>
+          <a:p>
+            <a:r>
+              <a:rPr lang="en-US" dirty="0"/>
+              <a:t>First, fit a null Weibull model</a:t>
+            </a:r>
+          </a:p>
+        </p:txBody>
+      </p:sp>
+      <p:sp>
+        <p:nvSpPr>
+          <p:cNvPr id="4" name="Footer Placeholder 3"/>
+          <p:cNvSpPr>
+            <a:spLocks noGrp="1"/>
+          </p:cNvSpPr>
+          <p:nvPr>
+            <p:ph type="ftr" sz="quarter" idx="10"/>
+          </p:nvPr>
+        </p:nvSpPr>
+        <p:spPr/>
+        <p:txBody>
+          <a:bodyPr/>
+          <a:lstStyle/>
+          <a:p>
+            <a:pPr>
+              <a:defRPr/>
+            </a:pPr>
+            <a:r>
+              <a:rPr lang="en-US" altLang="en-US" dirty="0"/>
+              <a:t>©2018 Steve Simon    http://TheAnalysisFactor.com</a:t>
+            </a:r>
+          </a:p>
+        </p:txBody>
+      </p:sp>
+      <p:sp>
+        <p:nvSpPr>
+          <p:cNvPr id="5" name="Slide Number Placeholder 4"/>
+          <p:cNvSpPr>
+            <a:spLocks noGrp="1"/>
+          </p:cNvSpPr>
+          <p:nvPr>
+            <p:ph type="sldNum" sz="quarter" idx="11"/>
+          </p:nvPr>
+        </p:nvSpPr>
+        <p:spPr/>
+        <p:txBody>
+          <a:bodyPr/>
+          <a:lstStyle/>
+          <a:p>
+            <a:pPr>
+              <a:defRPr/>
+            </a:pPr>
+            <a:endParaRPr lang="en-US"/>
+          </a:p>
+          <a:p>
+            <a:pPr>
+              <a:defRPr/>
+            </a:pPr>
+            <a:fld id="{E9A8CBA3-AA2B-46A6-BFA3-DCEBEAAB3F0A}" type="slidenum">
+              <a:rPr lang="en-US" smtClean="0"/>
+              <a:pPr>
+                <a:defRPr/>
+              </a:pPr>
+              <a:t>24</a:t>
+            </a:fld>
+            <a:endParaRPr lang="en-US"/>
+          </a:p>
+        </p:txBody>
+      </p:sp>
+      <p:pic>
+        <p:nvPicPr>
+          <p:cNvPr id="12" name="Picture 11">
+            <a:extLst>
+              <a:ext uri="{FF2B5EF4-FFF2-40B4-BE49-F238E27FC236}">
+                <a16:creationId xmlns:a16="http://schemas.microsoft.com/office/drawing/2014/main" id="{E6E1D944-EAD3-43D3-934E-CB9D798E2576}"/>
+              </a:ext>
+            </a:extLst>
+          </p:cNvPr>
+          <p:cNvPicPr>
+            <a:picLocks noChangeAspect="1"/>
+          </p:cNvPicPr>
+          <p:nvPr/>
+        </p:nvPicPr>
+        <p:blipFill>
+          <a:blip r:embed="rId2"/>
+          <a:stretch>
+            <a:fillRect/>
+          </a:stretch>
+        </p:blipFill>
+        <p:spPr>
+          <a:xfrm>
+            <a:off x="509437" y="1295400"/>
+            <a:ext cx="7695238" cy="3038095"/>
+          </a:xfrm>
+          <a:prstGeom prst="rect">
+            <a:avLst/>
+          </a:prstGeom>
+        </p:spPr>
+      </p:pic>
+    </p:spTree>
+    <p:extLst>
+      <p:ext uri="{BB962C8B-B14F-4D97-AF65-F5344CB8AC3E}">
+        <p14:creationId xmlns:p14="http://schemas.microsoft.com/office/powerpoint/2010/main" val="1063866839"/>
+      </p:ext>
+    </p:extLst>
+  </p:cSld>
+  <p:clrMapOvr>
+    <a:masterClrMapping/>
+  </p:clrMapOvr>
+</p:sld>
+</file>
+
+<file path=ppt/slides/slide25.xml><?xml version="1.0" encoding="utf-8"?>
+<p:sld xmlns:a="http://schemas.openxmlformats.org/drawingml/2006/main" xmlns:r="http://schemas.openxmlformats.org/officeDocument/2006/relationships" xmlns:p="http://schemas.openxmlformats.org/presentationml/2006/main">
+  <p:cSld>
+    <p:spTree>
+      <p:nvGrpSpPr>
+        <p:cNvPr id="1" name=""/>
+        <p:cNvGrpSpPr/>
+        <p:nvPr/>
+      </p:nvGrpSpPr>
+      <p:grpSpPr>
+        <a:xfrm>
+          <a:off x="0" y="0"/>
+          <a:ext cx="0" cy="0"/>
+          <a:chOff x="0" y="0"/>
+          <a:chExt cx="0" cy="0"/>
+        </a:xfrm>
+      </p:grpSpPr>
+      <p:sp>
+        <p:nvSpPr>
+          <p:cNvPr id="2" name="Title 1"/>
+          <p:cNvSpPr>
+            <a:spLocks noGrp="1"/>
+          </p:cNvSpPr>
+          <p:nvPr>
+            <p:ph type="title"/>
+          </p:nvPr>
+        </p:nvSpPr>
+        <p:spPr/>
+        <p:txBody>
+          <a:bodyPr/>
+          <a:lstStyle/>
+          <a:p>
+            <a:r>
+              <a:rPr lang="en-US" dirty="0"/>
+              <a:t>First, fit a null Weibull model</a:t>
+            </a:r>
+          </a:p>
+        </p:txBody>
+      </p:sp>
+      <p:sp>
+        <p:nvSpPr>
+          <p:cNvPr id="4" name="Footer Placeholder 3"/>
+          <p:cNvSpPr>
+            <a:spLocks noGrp="1"/>
+          </p:cNvSpPr>
+          <p:nvPr>
+            <p:ph type="ftr" sz="quarter" idx="10"/>
+          </p:nvPr>
+        </p:nvSpPr>
+        <p:spPr/>
+        <p:txBody>
+          <a:bodyPr/>
+          <a:lstStyle/>
+          <a:p>
+            <a:pPr>
+              <a:defRPr/>
+            </a:pPr>
+            <a:r>
+              <a:rPr lang="en-US" altLang="en-US" dirty="0"/>
+              <a:t>©2018 Steve Simon    http://TheAnalysisFactor.com</a:t>
+            </a:r>
+          </a:p>
+        </p:txBody>
+      </p:sp>
+      <p:sp>
+        <p:nvSpPr>
+          <p:cNvPr id="5" name="Slide Number Placeholder 4"/>
+          <p:cNvSpPr>
+            <a:spLocks noGrp="1"/>
+          </p:cNvSpPr>
+          <p:nvPr>
+            <p:ph type="sldNum" sz="quarter" idx="11"/>
+          </p:nvPr>
+        </p:nvSpPr>
+        <p:spPr/>
+        <p:txBody>
+          <a:bodyPr/>
+          <a:lstStyle/>
+          <a:p>
+            <a:pPr>
+              <a:defRPr/>
+            </a:pPr>
+            <a:endParaRPr lang="en-US"/>
+          </a:p>
+          <a:p>
+            <a:pPr>
+              <a:defRPr/>
+            </a:pPr>
+            <a:fld id="{E9A8CBA3-AA2B-46A6-BFA3-DCEBEAAB3F0A}" type="slidenum">
+              <a:rPr lang="en-US" smtClean="0"/>
+              <a:pPr>
+                <a:defRPr/>
+              </a:pPr>
+              <a:t>25</a:t>
+            </a:fld>
+            <a:endParaRPr lang="en-US"/>
+          </a:p>
+        </p:txBody>
+      </p:sp>
+      <p:sp>
+        <p:nvSpPr>
+          <p:cNvPr id="6" name="Text Placeholder 5"/>
+          <p:cNvSpPr>
+            <a:spLocks noGrp="1"/>
+          </p:cNvSpPr>
+          <p:nvPr>
+            <p:ph type="body" sz="quarter" idx="12"/>
+          </p:nvPr>
+        </p:nvSpPr>
+        <p:spPr/>
+        <p:txBody>
+          <a:bodyPr/>
+          <a:lstStyle/>
+          <a:p>
+            <a:endParaRPr lang="en-US" dirty="0"/>
+          </a:p>
+        </p:txBody>
+      </p:sp>
+      <p:pic>
+        <p:nvPicPr>
+          <p:cNvPr id="9" name="Picture 8">
+            <a:extLst>
+              <a:ext uri="{FF2B5EF4-FFF2-40B4-BE49-F238E27FC236}">
+                <a16:creationId xmlns:a16="http://schemas.microsoft.com/office/drawing/2014/main" id="{5F016605-FEB2-450B-BCA5-F6F88EF646FF}"/>
+              </a:ext>
+            </a:extLst>
+          </p:cNvPr>
+          <p:cNvPicPr>
+            <a:picLocks noChangeAspect="1"/>
+          </p:cNvPicPr>
+          <p:nvPr/>
+        </p:nvPicPr>
+        <p:blipFill>
+          <a:blip r:embed="rId2"/>
+          <a:stretch>
+            <a:fillRect/>
+          </a:stretch>
+        </p:blipFill>
+        <p:spPr>
+          <a:xfrm>
+            <a:off x="457714" y="1143285"/>
+            <a:ext cx="8228571" cy="4571429"/>
+          </a:xfrm>
+          <a:prstGeom prst="rect">
+            <a:avLst/>
+          </a:prstGeom>
+        </p:spPr>
+      </p:pic>
+    </p:spTree>
+    <p:extLst>
+      <p:ext uri="{BB962C8B-B14F-4D97-AF65-F5344CB8AC3E}">
+        <p14:creationId xmlns:p14="http://schemas.microsoft.com/office/powerpoint/2010/main" val="999195860"/>
+      </p:ext>
+    </p:extLst>
+  </p:cSld>
+  <p:clrMapOvr>
+    <a:masterClrMapping/>
+  </p:clrMapOvr>
+</p:sld>
+</file>
+
+<file path=ppt/slides/slide26.xml><?xml version="1.0" encoding="utf-8"?>
+<p:sld xmlns:a="http://schemas.openxmlformats.org/drawingml/2006/main" xmlns:r="http://schemas.openxmlformats.org/officeDocument/2006/relationships" xmlns:p="http://schemas.openxmlformats.org/presentationml/2006/main">
+  <p:cSld>
+    <p:spTree>
+      <p:nvGrpSpPr>
+        <p:cNvPr id="1" name=""/>
+        <p:cNvGrpSpPr/>
+        <p:nvPr/>
+      </p:nvGrpSpPr>
+      <p:grpSpPr>
+        <a:xfrm>
+          <a:off x="0" y="0"/>
+          <a:ext cx="0" cy="0"/>
+          <a:chOff x="0" y="0"/>
+          <a:chExt cx="0" cy="0"/>
+        </a:xfrm>
+      </p:grpSpPr>
+      <p:sp>
+        <p:nvSpPr>
+          <p:cNvPr id="2" name="Title 1"/>
+          <p:cNvSpPr>
+            <a:spLocks noGrp="1"/>
+          </p:cNvSpPr>
+          <p:nvPr>
+            <p:ph type="title"/>
+          </p:nvPr>
+        </p:nvSpPr>
+        <p:spPr/>
+        <p:txBody>
+          <a:bodyPr/>
+          <a:lstStyle/>
+          <a:p>
+            <a:r>
+              <a:rPr lang="en-US" dirty="0"/>
+              <a:t>The Weibull model</a:t>
+            </a:r>
+          </a:p>
+        </p:txBody>
+      </p:sp>
+      <p:sp>
+        <p:nvSpPr>
+          <p:cNvPr id="4" name="Footer Placeholder 3"/>
+          <p:cNvSpPr>
+            <a:spLocks noGrp="1"/>
+          </p:cNvSpPr>
+          <p:nvPr>
+            <p:ph type="ftr" sz="quarter" idx="10"/>
+          </p:nvPr>
+        </p:nvSpPr>
+        <p:spPr/>
+        <p:txBody>
+          <a:bodyPr/>
+          <a:lstStyle/>
+          <a:p>
+            <a:pPr>
+              <a:defRPr/>
+            </a:pPr>
+            <a:r>
+              <a:rPr lang="en-US" altLang="en-US" dirty="0"/>
+              <a:t>©2018 Steve Simon    http://TheAnalysisFactor.com</a:t>
+            </a:r>
+          </a:p>
+        </p:txBody>
+      </p:sp>
+      <p:sp>
+        <p:nvSpPr>
+          <p:cNvPr id="5" name="Slide Number Placeholder 4"/>
+          <p:cNvSpPr>
+            <a:spLocks noGrp="1"/>
+          </p:cNvSpPr>
+          <p:nvPr>
+            <p:ph type="sldNum" sz="quarter" idx="11"/>
+          </p:nvPr>
+        </p:nvSpPr>
+        <p:spPr/>
+        <p:txBody>
+          <a:bodyPr/>
+          <a:lstStyle/>
+          <a:p>
+            <a:pPr>
+              <a:defRPr/>
+            </a:pPr>
+            <a:endParaRPr lang="en-US"/>
+          </a:p>
+          <a:p>
+            <a:pPr>
+              <a:defRPr/>
+            </a:pPr>
+            <a:fld id="{E9A8CBA3-AA2B-46A6-BFA3-DCEBEAAB3F0A}" type="slidenum">
+              <a:rPr lang="en-US" smtClean="0"/>
+              <a:pPr>
+                <a:defRPr/>
+              </a:pPr>
+              <a:t>26</a:t>
+            </a:fld>
+            <a:endParaRPr lang="en-US"/>
+          </a:p>
+        </p:txBody>
+      </p:sp>
+      <p:sp>
+        <p:nvSpPr>
+          <p:cNvPr id="6" name="Text Placeholder 5"/>
+          <p:cNvSpPr>
+            <a:spLocks noGrp="1"/>
+          </p:cNvSpPr>
+          <p:nvPr>
+            <p:ph type="body" sz="quarter" idx="12"/>
+          </p:nvPr>
+        </p:nvSpPr>
+        <p:spPr/>
+        <p:txBody>
+          <a:bodyPr/>
+          <a:lstStyle/>
+          <a:p>
+            <a:endParaRPr lang="en-US" dirty="0"/>
+          </a:p>
+        </p:txBody>
+      </p:sp>
+      <p:pic>
+        <p:nvPicPr>
+          <p:cNvPr id="7" name="Picture 6">
+            <a:extLst>
+              <a:ext uri="{FF2B5EF4-FFF2-40B4-BE49-F238E27FC236}">
+                <a16:creationId xmlns:a16="http://schemas.microsoft.com/office/drawing/2014/main" id="{745E9504-18DB-41DD-9172-BEB31BCE8637}"/>
+              </a:ext>
+            </a:extLst>
+          </p:cNvPr>
+          <p:cNvPicPr>
+            <a:picLocks noChangeAspect="1"/>
+          </p:cNvPicPr>
+          <p:nvPr/>
+        </p:nvPicPr>
+        <p:blipFill>
+          <a:blip r:embed="rId2"/>
+          <a:stretch>
+            <a:fillRect/>
+          </a:stretch>
+        </p:blipFill>
+        <p:spPr>
+          <a:xfrm>
+            <a:off x="448654" y="1176619"/>
+            <a:ext cx="7685714" cy="4504762"/>
+          </a:xfrm>
+          <a:prstGeom prst="rect">
+            <a:avLst/>
+          </a:prstGeom>
+        </p:spPr>
+      </p:pic>
+    </p:spTree>
+    <p:extLst>
+      <p:ext uri="{BB962C8B-B14F-4D97-AF65-F5344CB8AC3E}">
+        <p14:creationId xmlns:p14="http://schemas.microsoft.com/office/powerpoint/2010/main" val="2160342575"/>
+      </p:ext>
+    </p:extLst>
+  </p:cSld>
+  <p:clrMapOvr>
+    <a:masterClrMapping/>
+  </p:clrMapOvr>
+</p:sld>
+</file>
+
+<file path=ppt/slides/slide27.xml><?xml version="1.0" encoding="utf-8"?>
+<p:sld xmlns:a="http://schemas.openxmlformats.org/drawingml/2006/main" xmlns:r="http://schemas.openxmlformats.org/officeDocument/2006/relationships" xmlns:p="http://schemas.openxmlformats.org/presentationml/2006/main">
+  <p:cSld>
+    <p:spTree>
+      <p:nvGrpSpPr>
+        <p:cNvPr id="1" name=""/>
+        <p:cNvGrpSpPr/>
+        <p:nvPr/>
+      </p:nvGrpSpPr>
+      <p:grpSpPr>
+        <a:xfrm>
+          <a:off x="0" y="0"/>
+          <a:ext cx="0" cy="0"/>
+          <a:chOff x="0" y="0"/>
+          <a:chExt cx="0" cy="0"/>
+        </a:xfrm>
+      </p:grpSpPr>
+      <p:sp>
+        <p:nvSpPr>
+          <p:cNvPr id="2" name="Title 1"/>
+          <p:cNvSpPr>
+            <a:spLocks noGrp="1"/>
+          </p:cNvSpPr>
+          <p:nvPr>
+            <p:ph type="title"/>
+          </p:nvPr>
+        </p:nvSpPr>
+        <p:spPr/>
+        <p:txBody>
+          <a:bodyPr/>
+          <a:lstStyle/>
+          <a:p>
+            <a:r>
+              <a:rPr lang="en-US" dirty="0"/>
+              <a:t>Interpreting the coefficients</a:t>
+            </a:r>
+          </a:p>
+        </p:txBody>
+      </p:sp>
+      <p:sp>
+        <p:nvSpPr>
+          <p:cNvPr id="3" name="Text Placeholder 2"/>
+          <p:cNvSpPr>
+            <a:spLocks noGrp="1"/>
+          </p:cNvSpPr>
+          <p:nvPr>
+            <p:ph type="body" idx="1"/>
+          </p:nvPr>
+        </p:nvSpPr>
+        <p:spPr/>
+        <p:txBody>
+          <a:bodyPr/>
+          <a:lstStyle/>
+          <a:p>
+            <a:endParaRPr lang="en-US" dirty="0"/>
+          </a:p>
+          <a:p>
+            <a:endParaRPr lang="en-US" dirty="0"/>
+          </a:p>
+          <a:p>
+            <a:endParaRPr lang="en-US" dirty="0"/>
+          </a:p>
+          <a:p>
+            <a:endParaRPr lang="en-US" dirty="0"/>
+          </a:p>
+          <a:p>
+            <a:r>
+              <a:rPr lang="en-US" dirty="0"/>
+              <a:t>The 95% confidence interval for the scale parameter is </a:t>
+            </a:r>
+          </a:p>
+          <a:p>
+            <a:endParaRPr lang="en-US" dirty="0"/>
+          </a:p>
+          <a:p>
+            <a:r>
+              <a:rPr lang="en-US" dirty="0"/>
+              <a:t>exp(0.225 +/- 1.96*0.124) or 0.982 to 1.598.</a:t>
+            </a:r>
+          </a:p>
+        </p:txBody>
+      </p:sp>
+      <p:sp>
+        <p:nvSpPr>
+          <p:cNvPr id="4" name="Footer Placeholder 3"/>
+          <p:cNvSpPr>
+            <a:spLocks noGrp="1"/>
+          </p:cNvSpPr>
+          <p:nvPr>
+            <p:ph type="ftr" sz="quarter" idx="10"/>
+          </p:nvPr>
+        </p:nvSpPr>
+        <p:spPr/>
+        <p:txBody>
+          <a:bodyPr/>
+          <a:lstStyle/>
+          <a:p>
+            <a:pPr>
+              <a:defRPr/>
+            </a:pPr>
+            <a:r>
+              <a:rPr lang="en-US" altLang="en-US" dirty="0"/>
+              <a:t>©2018 Steve Simon    http://TheAnalysisFactor.com</a:t>
+            </a:r>
+          </a:p>
+        </p:txBody>
+      </p:sp>
+      <p:sp>
+        <p:nvSpPr>
+          <p:cNvPr id="5" name="Slide Number Placeholder 4"/>
+          <p:cNvSpPr>
+            <a:spLocks noGrp="1"/>
+          </p:cNvSpPr>
+          <p:nvPr>
+            <p:ph type="sldNum" sz="quarter" idx="11"/>
+          </p:nvPr>
+        </p:nvSpPr>
+        <p:spPr/>
+        <p:txBody>
+          <a:bodyPr/>
+          <a:lstStyle/>
+          <a:p>
+            <a:pPr>
+              <a:defRPr/>
+            </a:pPr>
+            <a:endParaRPr lang="en-US"/>
+          </a:p>
+          <a:p>
+            <a:pPr>
+              <a:defRPr/>
+            </a:pPr>
+            <a:fld id="{E9A8CBA3-AA2B-46A6-BFA3-DCEBEAAB3F0A}" type="slidenum">
+              <a:rPr lang="en-US" smtClean="0"/>
+              <a:pPr>
+                <a:defRPr/>
+              </a:pPr>
+              <a:t>27</a:t>
+            </a:fld>
+            <a:endParaRPr lang="en-US"/>
+          </a:p>
+        </p:txBody>
+      </p:sp>
+      <p:pic>
+        <p:nvPicPr>
+          <p:cNvPr id="6" name="Picture 5">
+            <a:extLst>
+              <a:ext uri="{FF2B5EF4-FFF2-40B4-BE49-F238E27FC236}">
+                <a16:creationId xmlns:a16="http://schemas.microsoft.com/office/drawing/2014/main" id="{8C956AB3-84EE-4773-B245-7376C204967A}"/>
+              </a:ext>
+            </a:extLst>
+          </p:cNvPr>
+          <p:cNvPicPr>
+            <a:picLocks noChangeAspect="1"/>
+          </p:cNvPicPr>
+          <p:nvPr/>
+        </p:nvPicPr>
+        <p:blipFill>
+          <a:blip r:embed="rId2"/>
+          <a:stretch>
+            <a:fillRect/>
+          </a:stretch>
+        </p:blipFill>
+        <p:spPr>
+          <a:xfrm>
+            <a:off x="738666" y="1229000"/>
+            <a:ext cx="7666667" cy="2200000"/>
+          </a:xfrm>
+          <a:prstGeom prst="rect">
+            <a:avLst/>
+          </a:prstGeom>
+        </p:spPr>
+      </p:pic>
+    </p:spTree>
+    <p:extLst>
+      <p:ext uri="{BB962C8B-B14F-4D97-AF65-F5344CB8AC3E}">
+        <p14:creationId xmlns:p14="http://schemas.microsoft.com/office/powerpoint/2010/main" val="760566019"/>
+      </p:ext>
+    </p:extLst>
+  </p:cSld>
+  <p:clrMapOvr>
+    <a:masterClrMapping/>
+  </p:clrMapOvr>
+</p:sld>
+</file>
+
+<file path=ppt/slides/slide28.xml><?xml version="1.0" encoding="utf-8"?>
+<p:sld xmlns:a="http://schemas.openxmlformats.org/drawingml/2006/main" xmlns:r="http://schemas.openxmlformats.org/officeDocument/2006/relationships" xmlns:p="http://schemas.openxmlformats.org/presentationml/2006/main">
+  <p:cSld>
+    <p:spTree>
+      <p:nvGrpSpPr>
+        <p:cNvPr id="1" name=""/>
+        <p:cNvGrpSpPr/>
+        <p:nvPr/>
+      </p:nvGrpSpPr>
+      <p:grpSpPr>
+        <a:xfrm>
+          <a:off x="0" y="0"/>
+          <a:ext cx="0" cy="0"/>
+          <a:chOff x="0" y="0"/>
+          <a:chExt cx="0" cy="0"/>
+        </a:xfrm>
+      </p:grpSpPr>
+      <p:sp>
+        <p:nvSpPr>
+          <p:cNvPr id="2" name="Title 1"/>
+          <p:cNvSpPr>
+            <a:spLocks noGrp="1"/>
+          </p:cNvSpPr>
+          <p:nvPr>
+            <p:ph type="title"/>
+          </p:nvPr>
+        </p:nvSpPr>
+        <p:spPr/>
+        <p:txBody>
+          <a:bodyPr/>
+          <a:lstStyle/>
+          <a:p>
+            <a:r>
+              <a:rPr lang="en-US" dirty="0"/>
+              <a:t>The Weibull model</a:t>
+            </a:r>
+          </a:p>
+        </p:txBody>
+      </p:sp>
+      <p:sp>
+        <p:nvSpPr>
+          <p:cNvPr id="4" name="Footer Placeholder 3"/>
+          <p:cNvSpPr>
+            <a:spLocks noGrp="1"/>
+          </p:cNvSpPr>
+          <p:nvPr>
+            <p:ph type="ftr" sz="quarter" idx="10"/>
+          </p:nvPr>
+        </p:nvSpPr>
+        <p:spPr/>
+        <p:txBody>
+          <a:bodyPr/>
+          <a:lstStyle/>
+          <a:p>
+            <a:pPr>
+              <a:defRPr/>
+            </a:pPr>
+            <a:r>
+              <a:rPr lang="en-US" altLang="en-US" dirty="0"/>
+              <a:t>©2018 Steve Simon    http://TheAnalysisFactor.com</a:t>
+            </a:r>
+          </a:p>
+        </p:txBody>
+      </p:sp>
+      <p:sp>
+        <p:nvSpPr>
+          <p:cNvPr id="5" name="Slide Number Placeholder 4"/>
+          <p:cNvSpPr>
+            <a:spLocks noGrp="1"/>
+          </p:cNvSpPr>
+          <p:nvPr>
+            <p:ph type="sldNum" sz="quarter" idx="11"/>
+          </p:nvPr>
+        </p:nvSpPr>
+        <p:spPr/>
+        <p:txBody>
+          <a:bodyPr/>
+          <a:lstStyle/>
+          <a:p>
+            <a:pPr>
+              <a:defRPr/>
+            </a:pPr>
+            <a:endParaRPr lang="en-US"/>
+          </a:p>
+          <a:p>
+            <a:pPr>
+              <a:defRPr/>
+            </a:pPr>
+            <a:fld id="{E9A8CBA3-AA2B-46A6-BFA3-DCEBEAAB3F0A}" type="slidenum">
+              <a:rPr lang="en-US" smtClean="0"/>
+              <a:pPr>
+                <a:defRPr/>
+              </a:pPr>
+              <a:t>28</a:t>
+            </a:fld>
+            <a:endParaRPr lang="en-US"/>
+          </a:p>
+        </p:txBody>
+      </p:sp>
+      <p:sp>
+        <p:nvSpPr>
+          <p:cNvPr id="6" name="Text Placeholder 5"/>
+          <p:cNvSpPr>
+            <a:spLocks noGrp="1"/>
+          </p:cNvSpPr>
+          <p:nvPr>
+            <p:ph type="body" sz="quarter" idx="12"/>
+          </p:nvPr>
+        </p:nvSpPr>
+        <p:spPr/>
+        <p:txBody>
+          <a:bodyPr/>
+          <a:lstStyle/>
+          <a:p>
+            <a:endParaRPr lang="en-US" dirty="0"/>
+          </a:p>
+        </p:txBody>
+      </p:sp>
+      <p:pic>
+        <p:nvPicPr>
+          <p:cNvPr id="7" name="Picture 6">
+            <a:extLst>
+              <a:ext uri="{FF2B5EF4-FFF2-40B4-BE49-F238E27FC236}">
+                <a16:creationId xmlns:a16="http://schemas.microsoft.com/office/drawing/2014/main" id="{745E9504-18DB-41DD-9172-BEB31BCE8637}"/>
+              </a:ext>
+            </a:extLst>
+          </p:cNvPr>
+          <p:cNvPicPr>
+            <a:picLocks noChangeAspect="1"/>
+          </p:cNvPicPr>
+          <p:nvPr/>
+        </p:nvPicPr>
+        <p:blipFill>
+          <a:blip r:embed="rId2"/>
+          <a:stretch>
+            <a:fillRect/>
+          </a:stretch>
+        </p:blipFill>
+        <p:spPr>
+          <a:xfrm>
+            <a:off x="448654" y="1176619"/>
+            <a:ext cx="7685714" cy="4504762"/>
+          </a:xfrm>
+          <a:prstGeom prst="rect">
+            <a:avLst/>
+          </a:prstGeom>
+        </p:spPr>
+      </p:pic>
+    </p:spTree>
+    <p:extLst>
+      <p:ext uri="{BB962C8B-B14F-4D97-AF65-F5344CB8AC3E}">
+        <p14:creationId xmlns:p14="http://schemas.microsoft.com/office/powerpoint/2010/main" val="3893103565"/>
+      </p:ext>
+    </p:extLst>
+  </p:cSld>
+  <p:clrMapOvr>
+    <a:masterClrMapping/>
+  </p:clrMapOvr>
+</p:sld>
+</file>
+
+<file path=ppt/slides/slide29.xml><?xml version="1.0" encoding="utf-8"?>
+<p:sld xmlns:a="http://schemas.openxmlformats.org/drawingml/2006/main" xmlns:r="http://schemas.openxmlformats.org/officeDocument/2006/relationships" xmlns:p="http://schemas.openxmlformats.org/presentationml/2006/main">
+  <p:cSld>
+    <p:spTree>
+      <p:nvGrpSpPr>
+        <p:cNvPr id="1" name=""/>
+        <p:cNvGrpSpPr/>
+        <p:nvPr/>
+      </p:nvGrpSpPr>
+      <p:grpSpPr>
+        <a:xfrm>
+          <a:off x="0" y="0"/>
+          <a:ext cx="0" cy="0"/>
+          <a:chOff x="0" y="0"/>
+          <a:chExt cx="0" cy="0"/>
+        </a:xfrm>
+      </p:grpSpPr>
+      <p:sp>
+        <p:nvSpPr>
+          <p:cNvPr id="2" name="Title 1"/>
+          <p:cNvSpPr>
+            <a:spLocks noGrp="1"/>
+          </p:cNvSpPr>
+          <p:nvPr>
+            <p:ph type="title"/>
+          </p:nvPr>
+        </p:nvSpPr>
+        <p:spPr/>
+        <p:txBody>
+          <a:bodyPr/>
+          <a:lstStyle/>
+          <a:p>
+            <a:r>
+              <a:rPr lang="en-US" dirty="0"/>
+              <a:t>Conclusion</a:t>
+            </a:r>
+          </a:p>
+        </p:txBody>
+      </p:sp>
+      <p:sp>
+        <p:nvSpPr>
+          <p:cNvPr id="3" name="Text Placeholder 2"/>
+          <p:cNvSpPr>
+            <a:spLocks noGrp="1"/>
+          </p:cNvSpPr>
+          <p:nvPr>
+            <p:ph type="body" idx="1"/>
+          </p:nvPr>
+        </p:nvSpPr>
+        <p:spPr/>
+        <p:txBody>
+          <a:bodyPr/>
+          <a:lstStyle/>
+          <a:p>
+            <a:pPr marL="457200" indent="-457200">
+              <a:buFont typeface="+mj-lt"/>
+              <a:buAutoNum type="arabicPeriod"/>
+            </a:pPr>
+            <a:r>
+              <a:rPr lang="en-US" dirty="0">
+                <a:latin typeface="+mj-lt"/>
+                <a:cs typeface="Courier New" panose="02070309020205020404" pitchFamily="49" charset="0"/>
+              </a:rPr>
+              <a:t>The exponential and Weibull regression models fit a parametric survival curve to the data.</a:t>
+            </a:r>
+          </a:p>
+          <a:p>
+            <a:pPr marL="457200" indent="-457200">
+              <a:buFont typeface="+mj-lt"/>
+              <a:buAutoNum type="arabicPeriod"/>
+            </a:pPr>
+            <a:r>
+              <a:rPr lang="en-US" dirty="0">
+                <a:latin typeface="+mj-lt"/>
+                <a:cs typeface="Courier New" panose="02070309020205020404" pitchFamily="49" charset="0"/>
+              </a:rPr>
+              <a:t>You can interpret both models in terms of accelerated time.</a:t>
+            </a:r>
+          </a:p>
+          <a:p>
+            <a:pPr marL="457200" indent="-457200">
+              <a:buFont typeface="+mj-lt"/>
+              <a:buAutoNum type="arabicPeriod"/>
+            </a:pPr>
+            <a:r>
+              <a:rPr lang="en-US" dirty="0">
+                <a:latin typeface="+mj-lt"/>
+                <a:cs typeface="Courier New" panose="02070309020205020404" pitchFamily="49" charset="0"/>
+              </a:rPr>
+              <a:t>The exponential survival curve is associated with a constant hazard.</a:t>
+            </a:r>
+          </a:p>
+          <a:p>
+            <a:pPr marL="457200" indent="-457200">
+              <a:buFont typeface="+mj-lt"/>
+              <a:buAutoNum type="arabicPeriod"/>
+            </a:pPr>
+            <a:r>
+              <a:rPr lang="en-US" dirty="0">
+                <a:latin typeface="+mj-lt"/>
+                <a:cs typeface="Courier New" panose="02070309020205020404" pitchFamily="49" charset="0"/>
+              </a:rPr>
+              <a:t>The Weibull survival curve is associated with</a:t>
+            </a:r>
+          </a:p>
+          <a:p>
+            <a:pPr marL="914400" lvl="1" indent="-457200">
+              <a:buFont typeface="Arial" panose="020B0604020202020204" pitchFamily="34" charset="0"/>
+              <a:buChar char="•"/>
+            </a:pPr>
+            <a:r>
+              <a:rPr lang="en-US" dirty="0">
+                <a:latin typeface="+mj-lt"/>
+                <a:cs typeface="Courier New" panose="02070309020205020404" pitchFamily="49" charset="0"/>
+              </a:rPr>
+              <a:t> a decreasing hazard if the scale parameter is less than one,</a:t>
+            </a:r>
+          </a:p>
+          <a:p>
+            <a:pPr marL="914400" lvl="1" indent="-457200">
+              <a:buFont typeface="Arial" panose="020B0604020202020204" pitchFamily="34" charset="0"/>
+              <a:buChar char="•"/>
+            </a:pPr>
+            <a:r>
+              <a:rPr lang="en-US" dirty="0">
+                <a:latin typeface="+mj-lt"/>
+                <a:cs typeface="Courier New" panose="02070309020205020404" pitchFamily="49" charset="0"/>
+              </a:rPr>
+              <a:t>a constant hazard if the scale parameter equals one, and</a:t>
+            </a:r>
+          </a:p>
+          <a:p>
+            <a:pPr marL="914400" lvl="1" indent="-457200">
+              <a:buFont typeface="Arial" panose="020B0604020202020204" pitchFamily="34" charset="0"/>
+              <a:buChar char="•"/>
+            </a:pPr>
+            <a:r>
+              <a:rPr lang="en-US" dirty="0">
+                <a:latin typeface="+mj-lt"/>
+                <a:cs typeface="Courier New" panose="02070309020205020404" pitchFamily="49" charset="0"/>
+              </a:rPr>
+              <a:t>an increasing hazard if the scale parameter is greater than one.</a:t>
+            </a:r>
+            <a:endParaRPr lang="en-US" dirty="0">
+              <a:latin typeface="+mj-lt"/>
+            </a:endParaRPr>
+          </a:p>
+        </p:txBody>
+      </p:sp>
+      <p:sp>
+        <p:nvSpPr>
+          <p:cNvPr id="4" name="Footer Placeholder 3"/>
+          <p:cNvSpPr>
+            <a:spLocks noGrp="1"/>
+          </p:cNvSpPr>
+          <p:nvPr>
+            <p:ph type="ftr" sz="quarter" idx="10"/>
+          </p:nvPr>
+        </p:nvSpPr>
+        <p:spPr/>
+        <p:txBody>
+          <a:bodyPr/>
+          <a:lstStyle/>
+          <a:p>
+            <a:pPr>
+              <a:defRPr/>
+            </a:pPr>
+            <a:r>
+              <a:rPr lang="en-US" altLang="en-US" dirty="0"/>
+              <a:t>©2018 Steve Simon    http://TheAnalysisFactor.com</a:t>
+            </a:r>
+          </a:p>
+        </p:txBody>
+      </p:sp>
+      <p:sp>
+        <p:nvSpPr>
+          <p:cNvPr id="5" name="Slide Number Placeholder 4"/>
+          <p:cNvSpPr>
+            <a:spLocks noGrp="1"/>
+          </p:cNvSpPr>
+          <p:nvPr>
+            <p:ph type="sldNum" sz="quarter" idx="11"/>
+          </p:nvPr>
+        </p:nvSpPr>
+        <p:spPr/>
+        <p:txBody>
+          <a:bodyPr/>
+          <a:lstStyle/>
+          <a:p>
+            <a:pPr>
+              <a:defRPr/>
+            </a:pPr>
+            <a:endParaRPr lang="en-US"/>
+          </a:p>
+          <a:p>
+            <a:pPr>
+              <a:defRPr/>
+            </a:pPr>
+            <a:fld id="{E9A8CBA3-AA2B-46A6-BFA3-DCEBEAAB3F0A}" type="slidenum">
+              <a:rPr lang="en-US" smtClean="0"/>
+              <a:pPr>
+                <a:defRPr/>
+              </a:pPr>
+              <a:t>29</a:t>
+            </a:fld>
+            <a:endParaRPr lang="en-US"/>
+          </a:p>
+        </p:txBody>
+      </p:sp>
+      <p:sp>
+        <p:nvSpPr>
+          <p:cNvPr id="6" name="Text Placeholder 5"/>
+          <p:cNvSpPr>
+            <a:spLocks noGrp="1"/>
+          </p:cNvSpPr>
+          <p:nvPr>
+            <p:ph type="body" sz="quarter" idx="12"/>
+          </p:nvPr>
+        </p:nvSpPr>
+        <p:spPr/>
+        <p:txBody>
+          <a:bodyPr/>
+          <a:lstStyle/>
+          <a:p>
+            <a:r>
+              <a:rPr lang="en-US" dirty="0"/>
+              <a:t>What have you learned today?</a:t>
+            </a:r>
+          </a:p>
+        </p:txBody>
+      </p:sp>
+    </p:spTree>
+    <p:extLst>
+      <p:ext uri="{BB962C8B-B14F-4D97-AF65-F5344CB8AC3E}">
+        <p14:creationId xmlns:p14="http://schemas.microsoft.com/office/powerpoint/2010/main" val="1691035053"/>
       </p:ext>
     </p:extLst>
   </p:cSld>
@@ -5422,7 +7946,15 @@
           <a:p>
             <a:r>
               <a:rPr lang="en-US" dirty="0"/>
-              <a:t>The exponential distribution</a:t>
+              <a:t>Survival curve for </a:t>
+            </a:r>
+            <a:r>
+              <a:rPr lang="el-GR" dirty="0"/>
+              <a:t>θ</a:t>
+            </a:r>
+            <a:r>
+              <a:rPr lang="en-US" dirty="0"/>
+              <a:t>=2</a:t>
             </a:r>
           </a:p>
         </p:txBody>
@@ -5482,6 +8014,298 @@
                 <a:defRPr/>
               </a:pPr>
               <a:t>6</a:t>
+            </a:fld>
+            <a:endParaRPr lang="en-US"/>
+          </a:p>
+        </p:txBody>
+      </p:sp>
+      <p:pic>
+        <p:nvPicPr>
+          <p:cNvPr id="7" name="Picture 6">
+            <a:extLst>
+              <a:ext uri="{FF2B5EF4-FFF2-40B4-BE49-F238E27FC236}">
+                <a16:creationId xmlns:a16="http://schemas.microsoft.com/office/drawing/2014/main" id="{07196F52-C4CD-49C8-BEB5-B7F4441322C3}"/>
+              </a:ext>
+            </a:extLst>
+          </p:cNvPr>
+          <p:cNvPicPr>
+            <a:picLocks noChangeAspect="1"/>
+          </p:cNvPicPr>
+          <p:nvPr/>
+        </p:nvPicPr>
+        <p:blipFill>
+          <a:blip r:embed="rId2"/>
+          <a:stretch>
+            <a:fillRect/>
+          </a:stretch>
+        </p:blipFill>
+        <p:spPr>
+          <a:xfrm>
+            <a:off x="457200" y="1143000"/>
+            <a:ext cx="8229600" cy="4572000"/>
+          </a:xfrm>
+          <a:prstGeom prst="rect">
+            <a:avLst/>
+          </a:prstGeom>
+        </p:spPr>
+      </p:pic>
+    </p:spTree>
+    <p:extLst>
+      <p:ext uri="{BB962C8B-B14F-4D97-AF65-F5344CB8AC3E}">
+        <p14:creationId xmlns:p14="http://schemas.microsoft.com/office/powerpoint/2010/main" val="3020556149"/>
+      </p:ext>
+    </p:extLst>
+  </p:cSld>
+  <p:clrMapOvr>
+    <a:masterClrMapping/>
+  </p:clrMapOvr>
+</p:sld>
+</file>
+
+<file path=ppt/slides/slide7.xml><?xml version="1.0" encoding="utf-8"?>
+<p:sld xmlns:a="http://schemas.openxmlformats.org/drawingml/2006/main" xmlns:r="http://schemas.openxmlformats.org/officeDocument/2006/relationships" xmlns:p="http://schemas.openxmlformats.org/presentationml/2006/main">
+  <p:cSld>
+    <p:spTree>
+      <p:nvGrpSpPr>
+        <p:cNvPr id="1" name=""/>
+        <p:cNvGrpSpPr/>
+        <p:nvPr/>
+      </p:nvGrpSpPr>
+      <p:grpSpPr>
+        <a:xfrm>
+          <a:off x="0" y="0"/>
+          <a:ext cx="0" cy="0"/>
+          <a:chOff x="0" y="0"/>
+          <a:chExt cx="0" cy="0"/>
+        </a:xfrm>
+      </p:grpSpPr>
+      <p:sp>
+        <p:nvSpPr>
+          <p:cNvPr id="2" name="Title 1"/>
+          <p:cNvSpPr>
+            <a:spLocks noGrp="1"/>
+          </p:cNvSpPr>
+          <p:nvPr>
+            <p:ph type="title"/>
+          </p:nvPr>
+        </p:nvSpPr>
+        <p:spPr/>
+        <p:txBody>
+          <a:bodyPr/>
+          <a:lstStyle/>
+          <a:p>
+            <a:r>
+              <a:rPr lang="en-US" dirty="0"/>
+              <a:t>Survival curve for </a:t>
+            </a:r>
+            <a:r>
+              <a:rPr lang="el-GR" dirty="0"/>
+              <a:t>θ</a:t>
+            </a:r>
+            <a:r>
+              <a:rPr lang="en-US" dirty="0"/>
+              <a:t>=0.5</a:t>
+            </a:r>
+          </a:p>
+        </p:txBody>
+      </p:sp>
+      <p:sp>
+        <p:nvSpPr>
+          <p:cNvPr id="4" name="Footer Placeholder 3"/>
+          <p:cNvSpPr>
+            <a:spLocks noGrp="1"/>
+          </p:cNvSpPr>
+          <p:nvPr>
+            <p:ph type="ftr" sz="quarter" idx="10"/>
+          </p:nvPr>
+        </p:nvSpPr>
+        <p:spPr/>
+        <p:txBody>
+          <a:bodyPr/>
+          <a:lstStyle/>
+          <a:p>
+            <a:pPr>
+              <a:defRPr/>
+            </a:pPr>
+            <a:r>
+              <a:rPr lang="en-US" altLang="en-US" dirty="0"/>
+              <a:t>©2018 Steve Simon    http://TheAnalysisFactor.com</a:t>
+            </a:r>
+          </a:p>
+        </p:txBody>
+      </p:sp>
+      <p:sp>
+        <p:nvSpPr>
+          <p:cNvPr id="5" name="Slide Number Placeholder 4"/>
+          <p:cNvSpPr>
+            <a:spLocks noGrp="1"/>
+          </p:cNvSpPr>
+          <p:nvPr>
+            <p:ph type="sldNum" sz="quarter" idx="11"/>
+          </p:nvPr>
+        </p:nvSpPr>
+        <p:spPr/>
+        <p:txBody>
+          <a:bodyPr/>
+          <a:lstStyle/>
+          <a:p>
+            <a:pPr>
+              <a:defRPr/>
+            </a:pPr>
+            <a:endParaRPr lang="en-US"/>
+          </a:p>
+          <a:p>
+            <a:pPr>
+              <a:defRPr/>
+            </a:pPr>
+            <a:fld id="{E9A8CBA3-AA2B-46A6-BFA3-DCEBEAAB3F0A}" type="slidenum">
+              <a:rPr lang="en-US" smtClean="0"/>
+              <a:pPr>
+                <a:defRPr/>
+              </a:pPr>
+              <a:t>7</a:t>
+            </a:fld>
+            <a:endParaRPr lang="en-US"/>
+          </a:p>
+        </p:txBody>
+      </p:sp>
+      <p:pic>
+        <p:nvPicPr>
+          <p:cNvPr id="3" name="Picture 2">
+            <a:extLst>
+              <a:ext uri="{FF2B5EF4-FFF2-40B4-BE49-F238E27FC236}">
+                <a16:creationId xmlns:a16="http://schemas.microsoft.com/office/drawing/2014/main" id="{C771C97A-9A49-4C77-A582-640E486D995A}"/>
+              </a:ext>
+            </a:extLst>
+          </p:cNvPr>
+          <p:cNvPicPr>
+            <a:picLocks noChangeAspect="1"/>
+          </p:cNvPicPr>
+          <p:nvPr/>
+        </p:nvPicPr>
+        <p:blipFill>
+          <a:blip r:embed="rId2"/>
+          <a:stretch>
+            <a:fillRect/>
+          </a:stretch>
+        </p:blipFill>
+        <p:spPr>
+          <a:xfrm>
+            <a:off x="457200" y="1143000"/>
+            <a:ext cx="8229600" cy="4572000"/>
+          </a:xfrm>
+          <a:prstGeom prst="rect">
+            <a:avLst/>
+          </a:prstGeom>
+        </p:spPr>
+      </p:pic>
+    </p:spTree>
+    <p:extLst>
+      <p:ext uri="{BB962C8B-B14F-4D97-AF65-F5344CB8AC3E}">
+        <p14:creationId xmlns:p14="http://schemas.microsoft.com/office/powerpoint/2010/main" val="153076502"/>
+      </p:ext>
+    </p:extLst>
+  </p:cSld>
+  <p:clrMapOvr>
+    <a:masterClrMapping/>
+  </p:clrMapOvr>
+</p:sld>
+</file>
+
+<file path=ppt/slides/slide8.xml><?xml version="1.0" encoding="utf-8"?>
+<p:sld xmlns:a="http://schemas.openxmlformats.org/drawingml/2006/main" xmlns:r="http://schemas.openxmlformats.org/officeDocument/2006/relationships" xmlns:p="http://schemas.openxmlformats.org/presentationml/2006/main">
+  <p:cSld>
+    <p:spTree>
+      <p:nvGrpSpPr>
+        <p:cNvPr id="1" name=""/>
+        <p:cNvGrpSpPr/>
+        <p:nvPr/>
+      </p:nvGrpSpPr>
+      <p:grpSpPr>
+        <a:xfrm>
+          <a:off x="0" y="0"/>
+          <a:ext cx="0" cy="0"/>
+          <a:chOff x="0" y="0"/>
+          <a:chExt cx="0" cy="0"/>
+        </a:xfrm>
+      </p:grpSpPr>
+      <p:sp>
+        <p:nvSpPr>
+          <p:cNvPr id="2" name="Title 1"/>
+          <p:cNvSpPr>
+            <a:spLocks noGrp="1"/>
+          </p:cNvSpPr>
+          <p:nvPr>
+            <p:ph type="title"/>
+          </p:nvPr>
+        </p:nvSpPr>
+        <p:spPr/>
+        <p:txBody>
+          <a:bodyPr/>
+          <a:lstStyle/>
+          <a:p>
+            <a:r>
+              <a:rPr lang="en-US" dirty="0"/>
+              <a:t>The exponential distribution</a:t>
+            </a:r>
+          </a:p>
+        </p:txBody>
+      </p:sp>
+      <p:sp>
+        <p:nvSpPr>
+          <p:cNvPr id="4" name="Footer Placeholder 3"/>
+          <p:cNvSpPr>
+            <a:spLocks noGrp="1"/>
+          </p:cNvSpPr>
+          <p:nvPr>
+            <p:ph type="ftr" sz="quarter" idx="10"/>
+          </p:nvPr>
+        </p:nvSpPr>
+        <p:spPr/>
+        <p:txBody>
+          <a:bodyPr/>
+          <a:lstStyle/>
+          <a:p>
+            <a:pPr>
+              <a:defRPr/>
+            </a:pPr>
+            <a:r>
+              <a:rPr lang="en-US" altLang="en-US" dirty="0"/>
+              <a:t>©2018 Steve Simon    http://TheAnalysisFactor.com</a:t>
+            </a:r>
+          </a:p>
+        </p:txBody>
+      </p:sp>
+      <p:sp>
+        <p:nvSpPr>
+          <p:cNvPr id="5" name="Slide Number Placeholder 4"/>
+          <p:cNvSpPr>
+            <a:spLocks noGrp="1"/>
+          </p:cNvSpPr>
+          <p:nvPr>
+            <p:ph type="sldNum" sz="quarter" idx="11"/>
+          </p:nvPr>
+        </p:nvSpPr>
+        <p:spPr/>
+        <p:txBody>
+          <a:bodyPr/>
+          <a:lstStyle/>
+          <a:p>
+            <a:pPr>
+              <a:defRPr/>
+            </a:pPr>
+            <a:endParaRPr lang="en-US"/>
+          </a:p>
+          <a:p>
+            <a:pPr>
+              <a:defRPr/>
+            </a:pPr>
+            <a:fld id="{E9A8CBA3-AA2B-46A6-BFA3-DCEBEAAB3F0A}" type="slidenum">
+              <a:rPr lang="en-US" smtClean="0"/>
+              <a:pPr>
+                <a:defRPr/>
+              </a:pPr>
+              <a:t>8</a:t>
             </a:fld>
             <a:endParaRPr lang="en-US"/>
           </a:p>
@@ -5552,7 +8376,7 @@
 </p:sld>
 </file>
 
-<file path=ppt/slides/slide7.xml><?xml version="1.0" encoding="utf-8"?>
+<file path=ppt/slides/slide9.xml><?xml version="1.0" encoding="utf-8"?>
 <p:sld xmlns:a="http://schemas.openxmlformats.org/drawingml/2006/main" xmlns:r="http://schemas.openxmlformats.org/officeDocument/2006/relationships" xmlns:p="http://schemas.openxmlformats.org/presentationml/2006/main">
   <p:cSld>
     <p:spTree>
@@ -5645,7 +8469,7 @@
               <a:pPr>
                 <a:defRPr/>
               </a:pPr>
-              <a:t>7</a:t>
+              <a:t>9</a:t>
             </a:fld>
             <a:endParaRPr lang="en-US"/>
           </a:p>
@@ -5707,306 +8531,6 @@
     <p:extLst>
       <p:ext uri="{BB962C8B-B14F-4D97-AF65-F5344CB8AC3E}">
         <p14:creationId xmlns:p14="http://schemas.microsoft.com/office/powerpoint/2010/main" val="3092994078"/>
-      </p:ext>
-    </p:extLst>
-  </p:cSld>
-  <p:clrMapOvr>
-    <a:masterClrMapping/>
-  </p:clrMapOvr>
-</p:sld>
-</file>
-
-<file path=ppt/slides/slide8.xml><?xml version="1.0" encoding="utf-8"?>
-<p:sld xmlns:a="http://schemas.openxmlformats.org/drawingml/2006/main" xmlns:r="http://schemas.openxmlformats.org/officeDocument/2006/relationships" xmlns:p="http://schemas.openxmlformats.org/presentationml/2006/main">
-  <p:cSld>
-    <p:spTree>
-      <p:nvGrpSpPr>
-        <p:cNvPr id="1" name=""/>
-        <p:cNvGrpSpPr/>
-        <p:nvPr/>
-      </p:nvGrpSpPr>
-      <p:grpSpPr>
-        <a:xfrm>
-          <a:off x="0" y="0"/>
-          <a:ext cx="0" cy="0"/>
-          <a:chOff x="0" y="0"/>
-          <a:chExt cx="0" cy="0"/>
-        </a:xfrm>
-      </p:grpSpPr>
-      <p:sp>
-        <p:nvSpPr>
-          <p:cNvPr id="2" name="Title 1"/>
-          <p:cNvSpPr>
-            <a:spLocks noGrp="1"/>
-          </p:cNvSpPr>
-          <p:nvPr>
-            <p:ph type="title"/>
-          </p:nvPr>
-        </p:nvSpPr>
-        <p:spPr/>
-        <p:txBody>
-          <a:bodyPr/>
-          <a:lstStyle/>
-          <a:p>
-            <a:r>
-              <a:rPr lang="en-US" dirty="0"/>
-              <a:t>Survival curve for </a:t>
-            </a:r>
-            <a:r>
-              <a:rPr lang="el-GR" dirty="0"/>
-              <a:t>θ</a:t>
-            </a:r>
-            <a:r>
-              <a:rPr lang="en-US" dirty="0"/>
-              <a:t>=2</a:t>
-            </a:r>
-          </a:p>
-        </p:txBody>
-      </p:sp>
-      <p:sp>
-        <p:nvSpPr>
-          <p:cNvPr id="4" name="Footer Placeholder 3"/>
-          <p:cNvSpPr>
-            <a:spLocks noGrp="1"/>
-          </p:cNvSpPr>
-          <p:nvPr>
-            <p:ph type="ftr" sz="quarter" idx="10"/>
-          </p:nvPr>
-        </p:nvSpPr>
-        <p:spPr/>
-        <p:txBody>
-          <a:bodyPr/>
-          <a:lstStyle/>
-          <a:p>
-            <a:pPr>
-              <a:defRPr/>
-            </a:pPr>
-            <a:r>
-              <a:rPr lang="en-US" altLang="en-US" dirty="0"/>
-              <a:t>©2018 Steve Simon    http://TheAnalysisFactor.com</a:t>
-            </a:r>
-          </a:p>
-        </p:txBody>
-      </p:sp>
-      <p:sp>
-        <p:nvSpPr>
-          <p:cNvPr id="5" name="Slide Number Placeholder 4"/>
-          <p:cNvSpPr>
-            <a:spLocks noGrp="1"/>
-          </p:cNvSpPr>
-          <p:nvPr>
-            <p:ph type="sldNum" sz="quarter" idx="11"/>
-          </p:nvPr>
-        </p:nvSpPr>
-        <p:spPr/>
-        <p:txBody>
-          <a:bodyPr/>
-          <a:lstStyle/>
-          <a:p>
-            <a:pPr>
-              <a:defRPr/>
-            </a:pPr>
-            <a:endParaRPr lang="en-US"/>
-          </a:p>
-          <a:p>
-            <a:pPr>
-              <a:defRPr/>
-            </a:pPr>
-            <a:fld id="{E9A8CBA3-AA2B-46A6-BFA3-DCEBEAAB3F0A}" type="slidenum">
-              <a:rPr lang="en-US" smtClean="0"/>
-              <a:pPr>
-                <a:defRPr/>
-              </a:pPr>
-              <a:t>8</a:t>
-            </a:fld>
-            <a:endParaRPr lang="en-US"/>
-          </a:p>
-        </p:txBody>
-      </p:sp>
-      <p:pic>
-        <p:nvPicPr>
-          <p:cNvPr id="7" name="Picture 6">
-            <a:extLst>
-              <a:ext uri="{FF2B5EF4-FFF2-40B4-BE49-F238E27FC236}">
-                <a16:creationId xmlns:a16="http://schemas.microsoft.com/office/drawing/2014/main" id="{07196F52-C4CD-49C8-BEB5-B7F4441322C3}"/>
-              </a:ext>
-            </a:extLst>
-          </p:cNvPr>
-          <p:cNvPicPr>
-            <a:picLocks noChangeAspect="1"/>
-          </p:cNvPicPr>
-          <p:nvPr/>
-        </p:nvPicPr>
-        <p:blipFill>
-          <a:blip r:embed="rId2"/>
-          <a:stretch>
-            <a:fillRect/>
-          </a:stretch>
-        </p:blipFill>
-        <p:spPr>
-          <a:xfrm>
-            <a:off x="457200" y="1143000"/>
-            <a:ext cx="8229600" cy="4572000"/>
-          </a:xfrm>
-          <a:prstGeom prst="rect">
-            <a:avLst/>
-          </a:prstGeom>
-        </p:spPr>
-      </p:pic>
-    </p:spTree>
-    <p:extLst>
-      <p:ext uri="{BB962C8B-B14F-4D97-AF65-F5344CB8AC3E}">
-        <p14:creationId xmlns:p14="http://schemas.microsoft.com/office/powerpoint/2010/main" val="3020556149"/>
-      </p:ext>
-    </p:extLst>
-  </p:cSld>
-  <p:clrMapOvr>
-    <a:masterClrMapping/>
-  </p:clrMapOvr>
-</p:sld>
-</file>
-
-<file path=ppt/slides/slide9.xml><?xml version="1.0" encoding="utf-8"?>
-<p:sld xmlns:a="http://schemas.openxmlformats.org/drawingml/2006/main" xmlns:r="http://schemas.openxmlformats.org/officeDocument/2006/relationships" xmlns:p="http://schemas.openxmlformats.org/presentationml/2006/main">
-  <p:cSld>
-    <p:spTree>
-      <p:nvGrpSpPr>
-        <p:cNvPr id="1" name=""/>
-        <p:cNvGrpSpPr/>
-        <p:nvPr/>
-      </p:nvGrpSpPr>
-      <p:grpSpPr>
-        <a:xfrm>
-          <a:off x="0" y="0"/>
-          <a:ext cx="0" cy="0"/>
-          <a:chOff x="0" y="0"/>
-          <a:chExt cx="0" cy="0"/>
-        </a:xfrm>
-      </p:grpSpPr>
-      <p:sp>
-        <p:nvSpPr>
-          <p:cNvPr id="2" name="Title 1"/>
-          <p:cNvSpPr>
-            <a:spLocks noGrp="1"/>
-          </p:cNvSpPr>
-          <p:nvPr>
-            <p:ph type="title"/>
-          </p:nvPr>
-        </p:nvSpPr>
-        <p:spPr/>
-        <p:txBody>
-          <a:bodyPr/>
-          <a:lstStyle/>
-          <a:p>
-            <a:r>
-              <a:rPr lang="en-US" dirty="0"/>
-              <a:t>Survival curve for </a:t>
-            </a:r>
-            <a:r>
-              <a:rPr lang="el-GR" dirty="0"/>
-              <a:t>θ</a:t>
-            </a:r>
-            <a:r>
-              <a:rPr lang="en-US" dirty="0"/>
-              <a:t>=0.5</a:t>
-            </a:r>
-          </a:p>
-        </p:txBody>
-      </p:sp>
-      <p:sp>
-        <p:nvSpPr>
-          <p:cNvPr id="4" name="Footer Placeholder 3"/>
-          <p:cNvSpPr>
-            <a:spLocks noGrp="1"/>
-          </p:cNvSpPr>
-          <p:nvPr>
-            <p:ph type="ftr" sz="quarter" idx="10"/>
-          </p:nvPr>
-        </p:nvSpPr>
-        <p:spPr/>
-        <p:txBody>
-          <a:bodyPr/>
-          <a:lstStyle/>
-          <a:p>
-            <a:pPr>
-              <a:defRPr/>
-            </a:pPr>
-            <a:r>
-              <a:rPr lang="en-US" altLang="en-US" dirty="0"/>
-              <a:t>©2018 Steve Simon    http://TheAnalysisFactor.com</a:t>
-            </a:r>
-          </a:p>
-        </p:txBody>
-      </p:sp>
-      <p:sp>
-        <p:nvSpPr>
-          <p:cNvPr id="5" name="Slide Number Placeholder 4"/>
-          <p:cNvSpPr>
-            <a:spLocks noGrp="1"/>
-          </p:cNvSpPr>
-          <p:nvPr>
-            <p:ph type="sldNum" sz="quarter" idx="11"/>
-          </p:nvPr>
-        </p:nvSpPr>
-        <p:spPr/>
-        <p:txBody>
-          <a:bodyPr/>
-          <a:lstStyle/>
-          <a:p>
-            <a:pPr>
-              <a:defRPr/>
-            </a:pPr>
-            <a:endParaRPr lang="en-US"/>
-          </a:p>
-          <a:p>
-            <a:pPr>
-              <a:defRPr/>
-            </a:pPr>
-            <a:fld id="{E9A8CBA3-AA2B-46A6-BFA3-DCEBEAAB3F0A}" type="slidenum">
-              <a:rPr lang="en-US" smtClean="0"/>
-              <a:pPr>
-                <a:defRPr/>
-              </a:pPr>
-              <a:t>9</a:t>
-            </a:fld>
-            <a:endParaRPr lang="en-US"/>
-          </a:p>
-        </p:txBody>
-      </p:sp>
-      <p:pic>
-        <p:nvPicPr>
-          <p:cNvPr id="3" name="Picture 2">
-            <a:extLst>
-              <a:ext uri="{FF2B5EF4-FFF2-40B4-BE49-F238E27FC236}">
-                <a16:creationId xmlns:a16="http://schemas.microsoft.com/office/drawing/2014/main" id="{C771C97A-9A49-4C77-A582-640E486D995A}"/>
-              </a:ext>
-            </a:extLst>
-          </p:cNvPr>
-          <p:cNvPicPr>
-            <a:picLocks noChangeAspect="1"/>
-          </p:cNvPicPr>
-          <p:nvPr/>
-        </p:nvPicPr>
-        <p:blipFill>
-          <a:blip r:embed="rId2"/>
-          <a:stretch>
-            <a:fillRect/>
-          </a:stretch>
-        </p:blipFill>
-        <p:spPr>
-          <a:xfrm>
-            <a:off x="457200" y="1143000"/>
-            <a:ext cx="8229600" cy="4572000"/>
-          </a:xfrm>
-          <a:prstGeom prst="rect">
-            <a:avLst/>
-          </a:prstGeom>
-        </p:spPr>
-      </p:pic>
-    </p:spTree>
-    <p:extLst>
-      <p:ext uri="{BB962C8B-B14F-4D97-AF65-F5344CB8AC3E}">
-        <p14:creationId xmlns:p14="http://schemas.microsoft.com/office/powerpoint/2010/main" val="153076502"/>
       </p:ext>
     </p:extLst>
   </p:cSld>

--- a/bin/survival lecture 6.pptx
+++ b/bin/survival lecture 6.pptx
@@ -5,41 +5,28 @@
     <p:sldMasterId id="2147483664" r:id="rId1"/>
   </p:sldMasterIdLst>
   <p:notesMasterIdLst>
-    <p:notesMasterId r:id="rId31"/>
+    <p:notesMasterId r:id="rId18"/>
   </p:notesMasterIdLst>
   <p:handoutMasterIdLst>
-    <p:handoutMasterId r:id="rId32"/>
+    <p:handoutMasterId r:id="rId19"/>
   </p:handoutMasterIdLst>
   <p:sldIdLst>
     <p:sldId id="256" r:id="rId2"/>
     <p:sldId id="258" r:id="rId3"/>
     <p:sldId id="385" r:id="rId4"/>
     <p:sldId id="389" r:id="rId5"/>
-    <p:sldId id="390" r:id="rId6"/>
-    <p:sldId id="391" r:id="rId7"/>
-    <p:sldId id="392" r:id="rId8"/>
-    <p:sldId id="397" r:id="rId9"/>
-    <p:sldId id="398" r:id="rId10"/>
-    <p:sldId id="393" r:id="rId11"/>
-    <p:sldId id="394" r:id="rId12"/>
-    <p:sldId id="395" r:id="rId13"/>
-    <p:sldId id="399" r:id="rId14"/>
-    <p:sldId id="401" r:id="rId15"/>
-    <p:sldId id="402" r:id="rId16"/>
-    <p:sldId id="403" r:id="rId17"/>
-    <p:sldId id="404" r:id="rId18"/>
-    <p:sldId id="396" r:id="rId19"/>
-    <p:sldId id="405" r:id="rId20"/>
-    <p:sldId id="406" r:id="rId21"/>
-    <p:sldId id="407" r:id="rId22"/>
-    <p:sldId id="408" r:id="rId23"/>
-    <p:sldId id="410" r:id="rId24"/>
-    <p:sldId id="409" r:id="rId25"/>
-    <p:sldId id="414" r:id="rId26"/>
-    <p:sldId id="413" r:id="rId27"/>
-    <p:sldId id="412" r:id="rId28"/>
-    <p:sldId id="411" r:id="rId29"/>
-    <p:sldId id="342" r:id="rId30"/>
+    <p:sldId id="386" r:id="rId6"/>
+    <p:sldId id="387" r:id="rId7"/>
+    <p:sldId id="388" r:id="rId8"/>
+    <p:sldId id="390" r:id="rId9"/>
+    <p:sldId id="391" r:id="rId10"/>
+    <p:sldId id="392" r:id="rId11"/>
+    <p:sldId id="393" r:id="rId12"/>
+    <p:sldId id="394" r:id="rId13"/>
+    <p:sldId id="395" r:id="rId14"/>
+    <p:sldId id="396" r:id="rId15"/>
+    <p:sldId id="397" r:id="rId16"/>
+    <p:sldId id="342" r:id="rId17"/>
   </p:sldIdLst>
   <p:sldSz cx="9144000" cy="6858000" type="screen4x3"/>
   <p:notesSz cx="9601200" cy="7315200"/>
@@ -356,7 +343,7 @@
               <a:pPr>
                 <a:defRPr/>
               </a:pPr>
-              <a:t>5/27/2018</a:t>
+              <a:t>5/20/2018</a:t>
             </a:fld>
             <a:endParaRPr lang="en-US" altLang="en-US"/>
           </a:p>
@@ -664,7 +651,7 @@
               <a:pPr>
                 <a:defRPr/>
               </a:pPr>
-              <a:t>5/27/2018</a:t>
+              <a:t>5/19/2018</a:t>
             </a:fld>
             <a:endParaRPr lang="en-US" altLang="en-US"/>
           </a:p>
@@ -3888,7 +3875,7 @@
                 <a:latin typeface="Calibri" pitchFamily="34" charset="0"/>
                 <a:cs typeface="Arial" charset="0"/>
               </a:rPr>
-              <a:t>Parametric survival models</a:t>
+              <a:t>Time varying covariates in a Cox model</a:t>
             </a:r>
             <a:endParaRPr lang="en-US" altLang="en-US" sz="2800" dirty="0">
               <a:solidFill>
@@ -4055,7 +4042,7 @@
           <a:p>
             <a:r>
               <a:rPr lang="en-US" dirty="0"/>
-              <a:t>The exponential distribution</a:t>
+              <a:t>Complementary log-log</a:t>
             </a:r>
           </a:p>
         </p:txBody>
@@ -4122,294 +4109,10 @@
       </p:sp>
       <p:pic>
         <p:nvPicPr>
-          <p:cNvPr id="12" name="Picture 11">
-            <a:extLst>
-              <a:ext uri="{FF2B5EF4-FFF2-40B4-BE49-F238E27FC236}">
-                <a16:creationId xmlns:a16="http://schemas.microsoft.com/office/drawing/2014/main" id="{0C695390-BBCE-46DA-8AD0-76B072D6F1F6}"/>
-              </a:ext>
-            </a:extLst>
-          </p:cNvPr>
-          <p:cNvPicPr>
-            <a:picLocks noChangeAspect="1"/>
-          </p:cNvPicPr>
-          <p:nvPr/>
-        </p:nvPicPr>
-        <p:blipFill>
-          <a:blip r:embed="rId2"/>
-          <a:stretch>
-            <a:fillRect/>
-          </a:stretch>
-        </p:blipFill>
-        <p:spPr>
-          <a:xfrm>
-            <a:off x="457200" y="1219200"/>
-            <a:ext cx="7638095" cy="2695238"/>
-          </a:xfrm>
-          <a:prstGeom prst="rect">
-            <a:avLst/>
-          </a:prstGeom>
-        </p:spPr>
-      </p:pic>
-    </p:spTree>
-    <p:extLst>
-      <p:ext uri="{BB962C8B-B14F-4D97-AF65-F5344CB8AC3E}">
-        <p14:creationId xmlns:p14="http://schemas.microsoft.com/office/powerpoint/2010/main" val="2486272613"/>
-      </p:ext>
-    </p:extLst>
-  </p:cSld>
-  <p:clrMapOvr>
-    <a:masterClrMapping/>
-  </p:clrMapOvr>
-</p:sld>
-</file>
-
-<file path=ppt/slides/slide11.xml><?xml version="1.0" encoding="utf-8"?>
-<p:sld xmlns:a="http://schemas.openxmlformats.org/drawingml/2006/main" xmlns:r="http://schemas.openxmlformats.org/officeDocument/2006/relationships" xmlns:p="http://schemas.openxmlformats.org/presentationml/2006/main">
-  <p:cSld>
-    <p:spTree>
-      <p:nvGrpSpPr>
-        <p:cNvPr id="1" name=""/>
-        <p:cNvGrpSpPr/>
-        <p:nvPr/>
-      </p:nvGrpSpPr>
-      <p:grpSpPr>
-        <a:xfrm>
-          <a:off x="0" y="0"/>
-          <a:ext cx="0" cy="0"/>
-          <a:chOff x="0" y="0"/>
-          <a:chExt cx="0" cy="0"/>
-        </a:xfrm>
-      </p:grpSpPr>
-      <p:sp>
-        <p:nvSpPr>
-          <p:cNvPr id="2" name="Title 1"/>
-          <p:cNvSpPr>
-            <a:spLocks noGrp="1"/>
-          </p:cNvSpPr>
-          <p:nvPr>
-            <p:ph type="title"/>
-          </p:nvPr>
-        </p:nvSpPr>
-        <p:spPr/>
-        <p:txBody>
-          <a:bodyPr/>
-          <a:lstStyle/>
-          <a:p>
-            <a:r>
-              <a:rPr lang="en-US" dirty="0"/>
-              <a:t>Survival curves (no covariates)</a:t>
-            </a:r>
-          </a:p>
-        </p:txBody>
-      </p:sp>
-      <p:sp>
-        <p:nvSpPr>
-          <p:cNvPr id="4" name="Footer Placeholder 3"/>
-          <p:cNvSpPr>
-            <a:spLocks noGrp="1"/>
-          </p:cNvSpPr>
-          <p:nvPr>
-            <p:ph type="ftr" sz="quarter" idx="10"/>
-          </p:nvPr>
-        </p:nvSpPr>
-        <p:spPr/>
-        <p:txBody>
-          <a:bodyPr/>
-          <a:lstStyle/>
-          <a:p>
-            <a:pPr>
-              <a:defRPr/>
-            </a:pPr>
-            <a:r>
-              <a:rPr lang="en-US" altLang="en-US" dirty="0"/>
-              <a:t>©2018 Steve Simon    http://TheAnalysisFactor.com</a:t>
-            </a:r>
-          </a:p>
-        </p:txBody>
-      </p:sp>
-      <p:sp>
-        <p:nvSpPr>
-          <p:cNvPr id="5" name="Slide Number Placeholder 4"/>
-          <p:cNvSpPr>
-            <a:spLocks noGrp="1"/>
-          </p:cNvSpPr>
-          <p:nvPr>
-            <p:ph type="sldNum" sz="quarter" idx="11"/>
-          </p:nvPr>
-        </p:nvSpPr>
-        <p:spPr/>
-        <p:txBody>
-          <a:bodyPr/>
-          <a:lstStyle/>
-          <a:p>
-            <a:pPr>
-              <a:defRPr/>
-            </a:pPr>
-            <a:endParaRPr lang="en-US"/>
-          </a:p>
-          <a:p>
-            <a:pPr>
-              <a:defRPr/>
-            </a:pPr>
-            <a:fld id="{E9A8CBA3-AA2B-46A6-BFA3-DCEBEAAB3F0A}" type="slidenum">
-              <a:rPr lang="en-US" smtClean="0"/>
-              <a:pPr>
-                <a:defRPr/>
-              </a:pPr>
-              <a:t>11</a:t>
-            </a:fld>
-            <a:endParaRPr lang="en-US"/>
-          </a:p>
-        </p:txBody>
-      </p:sp>
-      <p:pic>
-        <p:nvPicPr>
-          <p:cNvPr id="6" name="Picture 5">
-            <a:extLst>
-              <a:ext uri="{FF2B5EF4-FFF2-40B4-BE49-F238E27FC236}">
-                <a16:creationId xmlns:a16="http://schemas.microsoft.com/office/drawing/2014/main" id="{F4F31C4F-96D2-4F9D-9385-FFB5AC44187E}"/>
-              </a:ext>
-            </a:extLst>
-          </p:cNvPr>
-          <p:cNvPicPr>
-            <a:picLocks noChangeAspect="1"/>
-          </p:cNvPicPr>
-          <p:nvPr/>
-        </p:nvPicPr>
-        <p:blipFill>
-          <a:blip r:embed="rId2"/>
-          <a:stretch>
-            <a:fillRect/>
-          </a:stretch>
-        </p:blipFill>
-        <p:spPr>
-          <a:xfrm>
-            <a:off x="457200" y="1143000"/>
-            <a:ext cx="8229600" cy="4572000"/>
-          </a:xfrm>
-          <a:prstGeom prst="rect">
-            <a:avLst/>
-          </a:prstGeom>
-        </p:spPr>
-      </p:pic>
-    </p:spTree>
-    <p:extLst>
-      <p:ext uri="{BB962C8B-B14F-4D97-AF65-F5344CB8AC3E}">
-        <p14:creationId xmlns:p14="http://schemas.microsoft.com/office/powerpoint/2010/main" val="170401908"/>
-      </p:ext>
-    </p:extLst>
-  </p:cSld>
-  <p:clrMapOvr>
-    <a:masterClrMapping/>
-  </p:clrMapOvr>
-</p:sld>
-</file>
-
-<file path=ppt/slides/slide12.xml><?xml version="1.0" encoding="utf-8"?>
-<p:sld xmlns:a="http://schemas.openxmlformats.org/drawingml/2006/main" xmlns:r="http://schemas.openxmlformats.org/officeDocument/2006/relationships" xmlns:p="http://schemas.openxmlformats.org/presentationml/2006/main">
-  <p:cSld>
-    <p:spTree>
-      <p:nvGrpSpPr>
-        <p:cNvPr id="1" name=""/>
-        <p:cNvGrpSpPr/>
-        <p:nvPr/>
-      </p:nvGrpSpPr>
-      <p:grpSpPr>
-        <a:xfrm>
-          <a:off x="0" y="0"/>
-          <a:ext cx="0" cy="0"/>
-          <a:chOff x="0" y="0"/>
-          <a:chExt cx="0" cy="0"/>
-        </a:xfrm>
-      </p:grpSpPr>
-      <p:sp>
-        <p:nvSpPr>
-          <p:cNvPr id="2" name="Title 1"/>
-          <p:cNvSpPr>
-            <a:spLocks noGrp="1"/>
-          </p:cNvSpPr>
-          <p:nvPr>
-            <p:ph type="title"/>
-          </p:nvPr>
-        </p:nvSpPr>
-        <p:spPr/>
-        <p:txBody>
-          <a:bodyPr/>
-          <a:lstStyle/>
-          <a:p>
-            <a:r>
-              <a:rPr lang="en-US" dirty="0"/>
-              <a:t>Cumulative hazards (no covariates)</a:t>
-            </a:r>
-          </a:p>
-        </p:txBody>
-      </p:sp>
-      <p:sp>
-        <p:nvSpPr>
-          <p:cNvPr id="4" name="Footer Placeholder 3"/>
-          <p:cNvSpPr>
-            <a:spLocks noGrp="1"/>
-          </p:cNvSpPr>
-          <p:nvPr>
-            <p:ph type="ftr" sz="quarter" idx="10"/>
-          </p:nvPr>
-        </p:nvSpPr>
-        <p:spPr/>
-        <p:txBody>
-          <a:bodyPr/>
-          <a:lstStyle/>
-          <a:p>
-            <a:pPr>
-              <a:defRPr/>
-            </a:pPr>
-            <a:r>
-              <a:rPr lang="en-US" altLang="en-US" dirty="0"/>
-              <a:t>©2018 Steve Simon    http://TheAnalysisFactor.com</a:t>
-            </a:r>
-          </a:p>
-        </p:txBody>
-      </p:sp>
-      <p:sp>
-        <p:nvSpPr>
-          <p:cNvPr id="5" name="Slide Number Placeholder 4"/>
-          <p:cNvSpPr>
-            <a:spLocks noGrp="1"/>
-          </p:cNvSpPr>
-          <p:nvPr>
-            <p:ph type="sldNum" sz="quarter" idx="11"/>
-          </p:nvPr>
-        </p:nvSpPr>
-        <p:spPr/>
-        <p:txBody>
-          <a:bodyPr/>
-          <a:lstStyle/>
-          <a:p>
-            <a:pPr>
-              <a:defRPr/>
-            </a:pPr>
-            <a:endParaRPr lang="en-US"/>
-          </a:p>
-          <a:p>
-            <a:pPr>
-              <a:defRPr/>
-            </a:pPr>
-            <a:fld id="{E9A8CBA3-AA2B-46A6-BFA3-DCEBEAAB3F0A}" type="slidenum">
-              <a:rPr lang="en-US" smtClean="0"/>
-              <a:pPr>
-                <a:defRPr/>
-              </a:pPr>
-              <a:t>12</a:t>
-            </a:fld>
-            <a:endParaRPr lang="en-US"/>
-          </a:p>
-        </p:txBody>
-      </p:sp>
-      <p:pic>
-        <p:nvPicPr>
           <p:cNvPr id="3" name="Picture 2">
             <a:extLst>
               <a:ext uri="{FF2B5EF4-FFF2-40B4-BE49-F238E27FC236}">
-                <a16:creationId xmlns:a16="http://schemas.microsoft.com/office/drawing/2014/main" id="{A7F0933E-5692-42CE-B7A2-E6CE4A5D6FE2}"/>
+                <a16:creationId xmlns:a16="http://schemas.microsoft.com/office/drawing/2014/main" id="{D416A30F-E158-4CDE-BF73-E61C43BF4527}"/>
               </a:ext>
             </a:extLst>
           </p:cNvPr>
@@ -4437,7 +4140,291 @@
     </p:spTree>
     <p:extLst>
       <p:ext uri="{BB962C8B-B14F-4D97-AF65-F5344CB8AC3E}">
-        <p14:creationId xmlns:p14="http://schemas.microsoft.com/office/powerpoint/2010/main" val="2153741610"/>
+        <p14:creationId xmlns:p14="http://schemas.microsoft.com/office/powerpoint/2010/main" val="2875145989"/>
+      </p:ext>
+    </p:extLst>
+  </p:cSld>
+  <p:clrMapOvr>
+    <a:masterClrMapping/>
+  </p:clrMapOvr>
+</p:sld>
+</file>
+
+<file path=ppt/slides/slide11.xml><?xml version="1.0" encoding="utf-8"?>
+<p:sld xmlns:a="http://schemas.openxmlformats.org/drawingml/2006/main" xmlns:r="http://schemas.openxmlformats.org/officeDocument/2006/relationships" xmlns:p="http://schemas.openxmlformats.org/presentationml/2006/main">
+  <p:cSld>
+    <p:spTree>
+      <p:nvGrpSpPr>
+        <p:cNvPr id="1" name=""/>
+        <p:cNvGrpSpPr/>
+        <p:nvPr/>
+      </p:nvGrpSpPr>
+      <p:grpSpPr>
+        <a:xfrm>
+          <a:off x="0" y="0"/>
+          <a:ext cx="0" cy="0"/>
+          <a:chOff x="0" y="0"/>
+          <a:chExt cx="0" cy="0"/>
+        </a:xfrm>
+      </p:grpSpPr>
+      <p:sp>
+        <p:nvSpPr>
+          <p:cNvPr id="2" name="Title 1"/>
+          <p:cNvSpPr>
+            <a:spLocks noGrp="1"/>
+          </p:cNvSpPr>
+          <p:nvPr>
+            <p:ph type="title"/>
+          </p:nvPr>
+        </p:nvSpPr>
+        <p:spPr/>
+        <p:txBody>
+          <a:bodyPr/>
+          <a:lstStyle/>
+          <a:p>
+            <a:r>
+              <a:rPr lang="en-US" dirty="0"/>
+              <a:t>Review of likelihood</a:t>
+            </a:r>
+          </a:p>
+        </p:txBody>
+      </p:sp>
+      <p:sp>
+        <p:nvSpPr>
+          <p:cNvPr id="4" name="Footer Placeholder 3"/>
+          <p:cNvSpPr>
+            <a:spLocks noGrp="1"/>
+          </p:cNvSpPr>
+          <p:nvPr>
+            <p:ph type="ftr" sz="quarter" idx="10"/>
+          </p:nvPr>
+        </p:nvSpPr>
+        <p:spPr/>
+        <p:txBody>
+          <a:bodyPr/>
+          <a:lstStyle/>
+          <a:p>
+            <a:pPr>
+              <a:defRPr/>
+            </a:pPr>
+            <a:r>
+              <a:rPr lang="en-US" altLang="en-US" dirty="0"/>
+              <a:t>©2018 Steve Simon    http://TheAnalysisFactor.com</a:t>
+            </a:r>
+          </a:p>
+        </p:txBody>
+      </p:sp>
+      <p:sp>
+        <p:nvSpPr>
+          <p:cNvPr id="5" name="Slide Number Placeholder 4"/>
+          <p:cNvSpPr>
+            <a:spLocks noGrp="1"/>
+          </p:cNvSpPr>
+          <p:nvPr>
+            <p:ph type="sldNum" sz="quarter" idx="11"/>
+          </p:nvPr>
+        </p:nvSpPr>
+        <p:spPr/>
+        <p:txBody>
+          <a:bodyPr/>
+          <a:lstStyle/>
+          <a:p>
+            <a:pPr>
+              <a:defRPr/>
+            </a:pPr>
+            <a:endParaRPr lang="en-US"/>
+          </a:p>
+          <a:p>
+            <a:pPr>
+              <a:defRPr/>
+            </a:pPr>
+            <a:fld id="{E9A8CBA3-AA2B-46A6-BFA3-DCEBEAAB3F0A}" type="slidenum">
+              <a:rPr lang="en-US" smtClean="0"/>
+              <a:pPr>
+                <a:defRPr/>
+              </a:pPr>
+              <a:t>11</a:t>
+            </a:fld>
+            <a:endParaRPr lang="en-US"/>
+          </a:p>
+        </p:txBody>
+      </p:sp>
+      <p:pic>
+        <p:nvPicPr>
+          <p:cNvPr id="7" name="Picture 6">
+            <a:extLst>
+              <a:ext uri="{FF2B5EF4-FFF2-40B4-BE49-F238E27FC236}">
+                <a16:creationId xmlns:a16="http://schemas.microsoft.com/office/drawing/2014/main" id="{4F639BE1-45AB-454F-8252-1DDB697F624A}"/>
+              </a:ext>
+            </a:extLst>
+          </p:cNvPr>
+          <p:cNvPicPr>
+            <a:picLocks noChangeAspect="1"/>
+          </p:cNvPicPr>
+          <p:nvPr/>
+        </p:nvPicPr>
+        <p:blipFill>
+          <a:blip r:embed="rId2"/>
+          <a:stretch>
+            <a:fillRect/>
+          </a:stretch>
+        </p:blipFill>
+        <p:spPr>
+          <a:xfrm>
+            <a:off x="457200" y="1219200"/>
+            <a:ext cx="8420100" cy="2028825"/>
+          </a:xfrm>
+          <a:prstGeom prst="rect">
+            <a:avLst/>
+          </a:prstGeom>
+        </p:spPr>
+      </p:pic>
+    </p:spTree>
+    <p:extLst>
+      <p:ext uri="{BB962C8B-B14F-4D97-AF65-F5344CB8AC3E}">
+        <p14:creationId xmlns:p14="http://schemas.microsoft.com/office/powerpoint/2010/main" val="940915214"/>
+      </p:ext>
+    </p:extLst>
+  </p:cSld>
+  <p:clrMapOvr>
+    <a:masterClrMapping/>
+  </p:clrMapOvr>
+</p:sld>
+</file>
+
+<file path=ppt/slides/slide12.xml><?xml version="1.0" encoding="utf-8"?>
+<p:sld xmlns:a="http://schemas.openxmlformats.org/drawingml/2006/main" xmlns:r="http://schemas.openxmlformats.org/officeDocument/2006/relationships" xmlns:p="http://schemas.openxmlformats.org/presentationml/2006/main">
+  <p:cSld>
+    <p:spTree>
+      <p:nvGrpSpPr>
+        <p:cNvPr id="1" name=""/>
+        <p:cNvGrpSpPr/>
+        <p:nvPr/>
+      </p:nvGrpSpPr>
+      <p:grpSpPr>
+        <a:xfrm>
+          <a:off x="0" y="0"/>
+          <a:ext cx="0" cy="0"/>
+          <a:chOff x="0" y="0"/>
+          <a:chExt cx="0" cy="0"/>
+        </a:xfrm>
+      </p:grpSpPr>
+      <p:sp>
+        <p:nvSpPr>
+          <p:cNvPr id="2" name="Title 1"/>
+          <p:cNvSpPr>
+            <a:spLocks noGrp="1"/>
+          </p:cNvSpPr>
+          <p:nvPr>
+            <p:ph type="title"/>
+          </p:nvPr>
+        </p:nvSpPr>
+        <p:spPr/>
+        <p:txBody>
+          <a:bodyPr/>
+          <a:lstStyle/>
+          <a:p>
+            <a:r>
+              <a:rPr lang="en-US" dirty="0"/>
+              <a:t>Review of likelihood</a:t>
+            </a:r>
+          </a:p>
+        </p:txBody>
+      </p:sp>
+      <p:sp>
+        <p:nvSpPr>
+          <p:cNvPr id="4" name="Footer Placeholder 3"/>
+          <p:cNvSpPr>
+            <a:spLocks noGrp="1"/>
+          </p:cNvSpPr>
+          <p:nvPr>
+            <p:ph type="ftr" sz="quarter" idx="10"/>
+          </p:nvPr>
+        </p:nvSpPr>
+        <p:spPr/>
+        <p:txBody>
+          <a:bodyPr/>
+          <a:lstStyle/>
+          <a:p>
+            <a:pPr>
+              <a:defRPr/>
+            </a:pPr>
+            <a:r>
+              <a:rPr lang="en-US" altLang="en-US" dirty="0"/>
+              <a:t>©2018 Steve Simon    http://TheAnalysisFactor.com</a:t>
+            </a:r>
+          </a:p>
+        </p:txBody>
+      </p:sp>
+      <p:sp>
+        <p:nvSpPr>
+          <p:cNvPr id="5" name="Slide Number Placeholder 4"/>
+          <p:cNvSpPr>
+            <a:spLocks noGrp="1"/>
+          </p:cNvSpPr>
+          <p:nvPr>
+            <p:ph type="sldNum" sz="quarter" idx="11"/>
+          </p:nvPr>
+        </p:nvSpPr>
+        <p:spPr/>
+        <p:txBody>
+          <a:bodyPr/>
+          <a:lstStyle/>
+          <a:p>
+            <a:pPr>
+              <a:defRPr/>
+            </a:pPr>
+            <a:endParaRPr lang="en-US"/>
+          </a:p>
+          <a:p>
+            <a:pPr>
+              <a:defRPr/>
+            </a:pPr>
+            <a:fld id="{E9A8CBA3-AA2B-46A6-BFA3-DCEBEAAB3F0A}" type="slidenum">
+              <a:rPr lang="en-US" smtClean="0"/>
+              <a:pPr>
+                <a:defRPr/>
+              </a:pPr>
+              <a:t>12</a:t>
+            </a:fld>
+            <a:endParaRPr lang="en-US"/>
+          </a:p>
+        </p:txBody>
+      </p:sp>
+      <p:pic>
+        <p:nvPicPr>
+          <p:cNvPr id="6" name="Picture 5">
+            <a:extLst>
+              <a:ext uri="{FF2B5EF4-FFF2-40B4-BE49-F238E27FC236}">
+                <a16:creationId xmlns:a16="http://schemas.microsoft.com/office/drawing/2014/main" id="{D98862B1-C74B-4A43-94A5-FAB6CD0835DC}"/>
+              </a:ext>
+            </a:extLst>
+          </p:cNvPr>
+          <p:cNvPicPr>
+            <a:picLocks noChangeAspect="1"/>
+          </p:cNvPicPr>
+          <p:nvPr/>
+        </p:nvPicPr>
+        <p:blipFill>
+          <a:blip r:embed="rId2"/>
+          <a:stretch>
+            <a:fillRect/>
+          </a:stretch>
+        </p:blipFill>
+        <p:spPr>
+          <a:xfrm>
+            <a:off x="642937" y="1295400"/>
+            <a:ext cx="7858125" cy="3028950"/>
+          </a:xfrm>
+          <a:prstGeom prst="rect">
+            <a:avLst/>
+          </a:prstGeom>
+        </p:spPr>
+      </p:pic>
+    </p:spTree>
+    <p:extLst>
+      <p:ext uri="{BB962C8B-B14F-4D97-AF65-F5344CB8AC3E}">
+        <p14:creationId xmlns:p14="http://schemas.microsoft.com/office/powerpoint/2010/main" val="3674636435"/>
       </p:ext>
     </p:extLst>
   </p:cSld>
@@ -4481,7 +4468,7 @@
           <a:p>
             <a:r>
               <a:rPr lang="en-US" dirty="0"/>
-              <a:t>The exponential distribution</a:t>
+              <a:t>Schoenfeld residuals</a:t>
             </a:r>
           </a:p>
         </p:txBody>
@@ -4548,10 +4535,10 @@
       </p:sp>
       <p:pic>
         <p:nvPicPr>
-          <p:cNvPr id="3" name="Picture 2">
+          <p:cNvPr id="7" name="Picture 6">
             <a:extLst>
               <a:ext uri="{FF2B5EF4-FFF2-40B4-BE49-F238E27FC236}">
-                <a16:creationId xmlns:a16="http://schemas.microsoft.com/office/drawing/2014/main" id="{E4FB818B-F69C-40A2-A046-C14EBF271AD8}"/>
+                <a16:creationId xmlns:a16="http://schemas.microsoft.com/office/drawing/2014/main" id="{9A080A8D-0EC4-476B-96EA-BC5AD88A806F}"/>
               </a:ext>
             </a:extLst>
           </p:cNvPr>
@@ -4568,8 +4555,8 @@
         </p:blipFill>
         <p:spPr>
           <a:xfrm>
-            <a:off x="657714" y="1305190"/>
-            <a:ext cx="7828571" cy="4247619"/>
+            <a:off x="623887" y="1225550"/>
+            <a:ext cx="7896225" cy="2390775"/>
           </a:xfrm>
           <a:prstGeom prst="rect">
             <a:avLst/>
@@ -4579,7 +4566,7 @@
     </p:spTree>
     <p:extLst>
       <p:ext uri="{BB962C8B-B14F-4D97-AF65-F5344CB8AC3E}">
-        <p14:creationId xmlns:p14="http://schemas.microsoft.com/office/powerpoint/2010/main" val="932428713"/>
+        <p14:creationId xmlns:p14="http://schemas.microsoft.com/office/powerpoint/2010/main" val="2001468847"/>
       </p:ext>
     </p:extLst>
   </p:cSld>
@@ -4623,7 +4610,7 @@
           <a:p>
             <a:r>
               <a:rPr lang="en-US" dirty="0"/>
-              <a:t>Interpreting the coefficients</a:t>
+              <a:t>Schoenfeld residuals</a:t>
             </a:r>
           </a:p>
         </p:txBody>
@@ -4643,18 +4630,27 @@
           <a:bodyPr/>
           <a:lstStyle/>
           <a:p>
+            <a:r>
+              <a:rPr lang="en-US" dirty="0"/>
+              <a:t>Normally, the Schoenfeld residuals are standardized.</a:t>
+            </a:r>
+          </a:p>
+          <a:p>
             <a:endParaRPr lang="en-US" dirty="0"/>
           </a:p>
           <a:p>
+            <a:r>
+              <a:rPr lang="en-US" dirty="0"/>
+              <a:t>A time trend is evidence of a violation of the proportional hazards assumption.</a:t>
+            </a:r>
+          </a:p>
+          <a:p>
             <a:endParaRPr lang="en-US" dirty="0"/>
           </a:p>
           <a:p>
-            <a:endParaRPr lang="en-US" dirty="0"/>
-          </a:p>
-          <a:p>
             <a:r>
               <a:rPr lang="en-US" dirty="0"/>
-              <a:t>Each unit increase in BMI shifts the survival percentiles by a factor of exp(0.093) = 1.098. A five unit shift in BMI shifts the survival percentiles by 1.098^5 = 1.596.</a:t>
+              <a:t>Consider this as evidence of an interaction between time and your independent variable.</a:t>
             </a:r>
           </a:p>
         </p:txBody>
@@ -4719,40 +4715,32 @@
           </a:p>
         </p:txBody>
       </p:sp>
-      <p:pic>
-        <p:nvPicPr>
-          <p:cNvPr id="7" name="Picture 6">
-            <a:extLst>
-              <a:ext uri="{FF2B5EF4-FFF2-40B4-BE49-F238E27FC236}">
-                <a16:creationId xmlns:a16="http://schemas.microsoft.com/office/drawing/2014/main" id="{48814255-6FAF-4615-9380-5B09A90340A5}"/>
-              </a:ext>
-            </a:extLst>
-          </p:cNvPr>
-          <p:cNvPicPr>
-            <a:picLocks noChangeAspect="1"/>
-          </p:cNvPicPr>
-          <p:nvPr/>
-        </p:nvPicPr>
-        <p:blipFill>
-          <a:blip r:embed="rId2"/>
-          <a:stretch>
-            <a:fillRect/>
-          </a:stretch>
-        </p:blipFill>
-        <p:spPr>
-          <a:xfrm>
-            <a:off x="533400" y="1219200"/>
-            <a:ext cx="7790476" cy="1914286"/>
-          </a:xfrm>
-          <a:prstGeom prst="rect">
-            <a:avLst/>
-          </a:prstGeom>
-        </p:spPr>
-      </p:pic>
+      <p:sp>
+        <p:nvSpPr>
+          <p:cNvPr id="6" name="Text Placeholder 5"/>
+          <p:cNvSpPr>
+            <a:spLocks noGrp="1"/>
+          </p:cNvSpPr>
+          <p:nvPr>
+            <p:ph type="body" sz="quarter" idx="12"/>
+          </p:nvPr>
+        </p:nvSpPr>
+        <p:spPr/>
+        <p:txBody>
+          <a:bodyPr/>
+          <a:lstStyle/>
+          <a:p>
+            <a:r>
+              <a:rPr lang="en-US" dirty="0"/>
+              <a:t>Interpretation</a:t>
+            </a:r>
+          </a:p>
+        </p:txBody>
+      </p:sp>
     </p:spTree>
     <p:extLst>
       <p:ext uri="{BB962C8B-B14F-4D97-AF65-F5344CB8AC3E}">
-        <p14:creationId xmlns:p14="http://schemas.microsoft.com/office/powerpoint/2010/main" val="2739342833"/>
+        <p14:creationId xmlns:p14="http://schemas.microsoft.com/office/powerpoint/2010/main" val="3772005837"/>
       </p:ext>
     </p:extLst>
   </p:cSld>
@@ -4796,7 +4784,7 @@
           <a:p>
             <a:r>
               <a:rPr lang="en-US" dirty="0"/>
-              <a:t>Interpreting the coefficients</a:t>
+              <a:t>Schoenfeld residuals</a:t>
             </a:r>
           </a:p>
         </p:txBody>
@@ -4816,18 +4804,35 @@
           <a:bodyPr/>
           <a:lstStyle/>
           <a:p>
-            <a:endParaRPr lang="en-US" dirty="0"/>
-          </a:p>
-          <a:p>
-            <a:endParaRPr lang="en-US" dirty="0"/>
-          </a:p>
-          <a:p>
-            <a:endParaRPr lang="en-US" dirty="0"/>
-          </a:p>
-          <a:p>
             <a:r>
               <a:rPr lang="en-US" dirty="0"/>
-              <a:t>Because of the interaction, the effect of age is different for men and women. For men, a one year increase in age will shift the survival percentiles by a factor of exp(-0.053) = 0.948.</a:t>
+              <a:t>Regions of time where residuals are negative</a:t>
+            </a:r>
+          </a:p>
+          <a:p>
+            <a:pPr marL="342900" indent="-342900">
+              <a:buFont typeface="Arial" panose="020B0604020202020204" pitchFamily="34" charset="0"/>
+              <a:buChar char="•"/>
+            </a:pPr>
+            <a:r>
+              <a:rPr lang="en-US" dirty="0"/>
+              <a:t>the hazard ratio is a bit too large.</a:t>
+            </a:r>
+          </a:p>
+          <a:p>
+            <a:r>
+              <a:rPr lang="en-US" dirty="0"/>
+              <a:t>Regions of time where residuals are positive</a:t>
+            </a:r>
+          </a:p>
+          <a:p>
+            <a:pPr marL="342900" indent="-342900">
+              <a:buFont typeface="Arial" panose="020B0604020202020204" pitchFamily="34" charset="0"/>
+              <a:buChar char="•"/>
+            </a:pPr>
+            <a:r>
+              <a:rPr lang="en-US" dirty="0"/>
+              <a:t>the hazard ratio is a bit too small.</a:t>
             </a:r>
           </a:p>
         </p:txBody>
@@ -4892,40 +4897,32 @@
           </a:p>
         </p:txBody>
       </p:sp>
-      <p:pic>
-        <p:nvPicPr>
-          <p:cNvPr id="6" name="Picture 5">
-            <a:extLst>
-              <a:ext uri="{FF2B5EF4-FFF2-40B4-BE49-F238E27FC236}">
-                <a16:creationId xmlns:a16="http://schemas.microsoft.com/office/drawing/2014/main" id="{135C642C-5307-4072-B118-649E1AE4F20F}"/>
-              </a:ext>
-            </a:extLst>
-          </p:cNvPr>
-          <p:cNvPicPr>
-            <a:picLocks noChangeAspect="1"/>
-          </p:cNvPicPr>
-          <p:nvPr/>
-        </p:nvPicPr>
-        <p:blipFill>
-          <a:blip r:embed="rId2"/>
-          <a:stretch>
-            <a:fillRect/>
-          </a:stretch>
-        </p:blipFill>
-        <p:spPr>
-          <a:xfrm>
-            <a:off x="676762" y="1295400"/>
-            <a:ext cx="7790476" cy="1914286"/>
-          </a:xfrm>
-          <a:prstGeom prst="rect">
-            <a:avLst/>
-          </a:prstGeom>
-        </p:spPr>
-      </p:pic>
+      <p:sp>
+        <p:nvSpPr>
+          <p:cNvPr id="6" name="Text Placeholder 5"/>
+          <p:cNvSpPr>
+            <a:spLocks noGrp="1"/>
+          </p:cNvSpPr>
+          <p:nvPr>
+            <p:ph type="body" sz="quarter" idx="12"/>
+          </p:nvPr>
+        </p:nvSpPr>
+        <p:spPr/>
+        <p:txBody>
+          <a:bodyPr/>
+          <a:lstStyle/>
+          <a:p>
+            <a:r>
+              <a:rPr lang="en-US" dirty="0"/>
+              <a:t>Interpretation</a:t>
+            </a:r>
+          </a:p>
+        </p:txBody>
+      </p:sp>
     </p:spTree>
     <p:extLst>
       <p:ext uri="{BB962C8B-B14F-4D97-AF65-F5344CB8AC3E}">
-        <p14:creationId xmlns:p14="http://schemas.microsoft.com/office/powerpoint/2010/main" val="3504155553"/>
+        <p14:creationId xmlns:p14="http://schemas.microsoft.com/office/powerpoint/2010/main" val="2809644282"/>
       </p:ext>
     </p:extLst>
   </p:cSld>
@@ -4969,7 +4966,7 @@
           <a:p>
             <a:r>
               <a:rPr lang="en-US" dirty="0"/>
-              <a:t>Interpreting the coefficients</a:t>
+              <a:t>Conclusion</a:t>
             </a:r>
           </a:p>
         </p:txBody>
@@ -4989,19 +4986,20 @@
           <a:bodyPr/>
           <a:lstStyle/>
           <a:p>
-            <a:endParaRPr lang="en-US" dirty="0"/>
-          </a:p>
-          <a:p>
-            <a:endParaRPr lang="en-US" dirty="0"/>
-          </a:p>
-          <a:p>
-            <a:endParaRPr lang="en-US" dirty="0"/>
-          </a:p>
-          <a:p>
-            <a:r>
-              <a:rPr lang="en-US" dirty="0"/>
-              <a:t>For women, a one year increase in age will shift the survival percentiles by a factor of exp(-0.053 + 0.05) = 0.997.</a:t>
-            </a:r>
+            <a:pPr marL="457200" indent="-457200">
+              <a:buFont typeface="+mj-lt"/>
+              <a:buAutoNum type="arabicPeriod"/>
+            </a:pPr>
+            <a:r>
+              <a:rPr lang="en-US" dirty="0">
+                <a:latin typeface="+mj-lt"/>
+                <a:cs typeface="Courier New" panose="02070309020205020404" pitchFamily="49" charset="0"/>
+              </a:rPr>
+              <a:t>The</a:t>
+            </a:r>
+            <a:endParaRPr lang="en-US" dirty="0">
+              <a:latin typeface="+mj-lt"/>
+            </a:endParaRPr>
           </a:p>
         </p:txBody>
       </p:sp>
@@ -5065,504 +5063,32 @@
           </a:p>
         </p:txBody>
       </p:sp>
-      <p:pic>
-        <p:nvPicPr>
-          <p:cNvPr id="7" name="Picture 6">
-            <a:extLst>
-              <a:ext uri="{FF2B5EF4-FFF2-40B4-BE49-F238E27FC236}">
-                <a16:creationId xmlns:a16="http://schemas.microsoft.com/office/drawing/2014/main" id="{448F9702-8A06-4596-94E9-226B3B93B40D}"/>
-              </a:ext>
-            </a:extLst>
-          </p:cNvPr>
-          <p:cNvPicPr>
-            <a:picLocks noChangeAspect="1"/>
-          </p:cNvPicPr>
-          <p:nvPr/>
-        </p:nvPicPr>
-        <p:blipFill>
-          <a:blip r:embed="rId2"/>
-          <a:stretch>
-            <a:fillRect/>
-          </a:stretch>
-        </p:blipFill>
-        <p:spPr>
-          <a:xfrm>
-            <a:off x="676762" y="1568125"/>
-            <a:ext cx="7790476" cy="1914286"/>
-          </a:xfrm>
-          <a:prstGeom prst="rect">
-            <a:avLst/>
-          </a:prstGeom>
-        </p:spPr>
-      </p:pic>
+      <p:sp>
+        <p:nvSpPr>
+          <p:cNvPr id="6" name="Text Placeholder 5"/>
+          <p:cNvSpPr>
+            <a:spLocks noGrp="1"/>
+          </p:cNvSpPr>
+          <p:nvPr>
+            <p:ph type="body" sz="quarter" idx="12"/>
+          </p:nvPr>
+        </p:nvSpPr>
+        <p:spPr/>
+        <p:txBody>
+          <a:bodyPr/>
+          <a:lstStyle/>
+          <a:p>
+            <a:r>
+              <a:rPr lang="en-US" dirty="0"/>
+              <a:t>What have you learned today?</a:t>
+            </a:r>
+          </a:p>
+        </p:txBody>
+      </p:sp>
     </p:spTree>
     <p:extLst>
       <p:ext uri="{BB962C8B-B14F-4D97-AF65-F5344CB8AC3E}">
-        <p14:creationId xmlns:p14="http://schemas.microsoft.com/office/powerpoint/2010/main" val="500911160"/>
-      </p:ext>
-    </p:extLst>
-  </p:cSld>
-  <p:clrMapOvr>
-    <a:masterClrMapping/>
-  </p:clrMapOvr>
-</p:sld>
-</file>
-
-<file path=ppt/slides/slide17.xml><?xml version="1.0" encoding="utf-8"?>
-<p:sld xmlns:a="http://schemas.openxmlformats.org/drawingml/2006/main" xmlns:r="http://schemas.openxmlformats.org/officeDocument/2006/relationships" xmlns:p="http://schemas.openxmlformats.org/presentationml/2006/main">
-  <p:cSld>
-    <p:spTree>
-      <p:nvGrpSpPr>
-        <p:cNvPr id="1" name=""/>
-        <p:cNvGrpSpPr/>
-        <p:nvPr/>
-      </p:nvGrpSpPr>
-      <p:grpSpPr>
-        <a:xfrm>
-          <a:off x="0" y="0"/>
-          <a:ext cx="0" cy="0"/>
-          <a:chOff x="0" y="0"/>
-          <a:chExt cx="0" cy="0"/>
-        </a:xfrm>
-      </p:grpSpPr>
-      <p:sp>
-        <p:nvSpPr>
-          <p:cNvPr id="2" name="Title 1"/>
-          <p:cNvSpPr>
-            <a:spLocks noGrp="1"/>
-          </p:cNvSpPr>
-          <p:nvPr>
-            <p:ph type="title"/>
-          </p:nvPr>
-        </p:nvSpPr>
-        <p:spPr/>
-        <p:txBody>
-          <a:bodyPr/>
-          <a:lstStyle/>
-          <a:p>
-            <a:r>
-              <a:rPr lang="en-US" dirty="0"/>
-              <a:t>The exponential distribution</a:t>
-            </a:r>
-          </a:p>
-        </p:txBody>
-      </p:sp>
-      <p:sp>
-        <p:nvSpPr>
-          <p:cNvPr id="4" name="Footer Placeholder 3"/>
-          <p:cNvSpPr>
-            <a:spLocks noGrp="1"/>
-          </p:cNvSpPr>
-          <p:nvPr>
-            <p:ph type="ftr" sz="quarter" idx="10"/>
-          </p:nvPr>
-        </p:nvSpPr>
-        <p:spPr/>
-        <p:txBody>
-          <a:bodyPr/>
-          <a:lstStyle/>
-          <a:p>
-            <a:pPr>
-              <a:defRPr/>
-            </a:pPr>
-            <a:r>
-              <a:rPr lang="en-US" altLang="en-US" dirty="0"/>
-              <a:t>©2018 Steve Simon    http://TheAnalysisFactor.com</a:t>
-            </a:r>
-          </a:p>
-        </p:txBody>
-      </p:sp>
-      <p:sp>
-        <p:nvSpPr>
-          <p:cNvPr id="5" name="Slide Number Placeholder 4"/>
-          <p:cNvSpPr>
-            <a:spLocks noGrp="1"/>
-          </p:cNvSpPr>
-          <p:nvPr>
-            <p:ph type="sldNum" sz="quarter" idx="11"/>
-          </p:nvPr>
-        </p:nvSpPr>
-        <p:spPr/>
-        <p:txBody>
-          <a:bodyPr/>
-          <a:lstStyle/>
-          <a:p>
-            <a:pPr>
-              <a:defRPr/>
-            </a:pPr>
-            <a:endParaRPr lang="en-US"/>
-          </a:p>
-          <a:p>
-            <a:pPr>
-              <a:defRPr/>
-            </a:pPr>
-            <a:fld id="{E9A8CBA3-AA2B-46A6-BFA3-DCEBEAAB3F0A}" type="slidenum">
-              <a:rPr lang="en-US" smtClean="0"/>
-              <a:pPr>
-                <a:defRPr/>
-              </a:pPr>
-              <a:t>17</a:t>
-            </a:fld>
-            <a:endParaRPr lang="en-US"/>
-          </a:p>
-        </p:txBody>
-      </p:sp>
-      <p:pic>
-        <p:nvPicPr>
-          <p:cNvPr id="7" name="Picture 6">
-            <a:extLst>
-              <a:ext uri="{FF2B5EF4-FFF2-40B4-BE49-F238E27FC236}">
-                <a16:creationId xmlns:a16="http://schemas.microsoft.com/office/drawing/2014/main" id="{31E1B2F7-B8D8-476F-B490-247A33D10563}"/>
-              </a:ext>
-            </a:extLst>
-          </p:cNvPr>
-          <p:cNvPicPr>
-            <a:picLocks noChangeAspect="1"/>
-          </p:cNvPicPr>
-          <p:nvPr/>
-        </p:nvPicPr>
-        <p:blipFill>
-          <a:blip r:embed="rId2"/>
-          <a:stretch>
-            <a:fillRect/>
-          </a:stretch>
-        </p:blipFill>
-        <p:spPr>
-          <a:xfrm>
-            <a:off x="372000" y="1471857"/>
-            <a:ext cx="8400000" cy="3914286"/>
-          </a:xfrm>
-          <a:prstGeom prst="rect">
-            <a:avLst/>
-          </a:prstGeom>
-        </p:spPr>
-      </p:pic>
-    </p:spTree>
-    <p:extLst>
-      <p:ext uri="{BB962C8B-B14F-4D97-AF65-F5344CB8AC3E}">
-        <p14:creationId xmlns:p14="http://schemas.microsoft.com/office/powerpoint/2010/main" val="1776071313"/>
-      </p:ext>
-    </p:extLst>
-  </p:cSld>
-  <p:clrMapOvr>
-    <a:masterClrMapping/>
-  </p:clrMapOvr>
-</p:sld>
-</file>
-
-<file path=ppt/slides/slide18.xml><?xml version="1.0" encoding="utf-8"?>
-<p:sld xmlns:a="http://schemas.openxmlformats.org/drawingml/2006/main" xmlns:r="http://schemas.openxmlformats.org/officeDocument/2006/relationships" xmlns:p="http://schemas.openxmlformats.org/presentationml/2006/main">
-  <p:cSld>
-    <p:spTree>
-      <p:nvGrpSpPr>
-        <p:cNvPr id="1" name=""/>
-        <p:cNvGrpSpPr/>
-        <p:nvPr/>
-      </p:nvGrpSpPr>
-      <p:grpSpPr>
-        <a:xfrm>
-          <a:off x="0" y="0"/>
-          <a:ext cx="0" cy="0"/>
-          <a:chOff x="0" y="0"/>
-          <a:chExt cx="0" cy="0"/>
-        </a:xfrm>
-      </p:grpSpPr>
-      <p:sp>
-        <p:nvSpPr>
-          <p:cNvPr id="2" name="Title 1"/>
-          <p:cNvSpPr>
-            <a:spLocks noGrp="1"/>
-          </p:cNvSpPr>
-          <p:nvPr>
-            <p:ph type="title"/>
-          </p:nvPr>
-        </p:nvSpPr>
-        <p:spPr/>
-        <p:txBody>
-          <a:bodyPr/>
-          <a:lstStyle/>
-          <a:p>
-            <a:r>
-              <a:rPr lang="en-US" dirty="0"/>
-              <a:t>The Weibull distribution</a:t>
-            </a:r>
-          </a:p>
-        </p:txBody>
-      </p:sp>
-      <p:sp>
-        <p:nvSpPr>
-          <p:cNvPr id="4" name="Footer Placeholder 3"/>
-          <p:cNvSpPr>
-            <a:spLocks noGrp="1"/>
-          </p:cNvSpPr>
-          <p:nvPr>
-            <p:ph type="ftr" sz="quarter" idx="10"/>
-          </p:nvPr>
-        </p:nvSpPr>
-        <p:spPr/>
-        <p:txBody>
-          <a:bodyPr/>
-          <a:lstStyle/>
-          <a:p>
-            <a:pPr>
-              <a:defRPr/>
-            </a:pPr>
-            <a:r>
-              <a:rPr lang="en-US" altLang="en-US" dirty="0"/>
-              <a:t>©2018 Steve Simon    http://TheAnalysisFactor.com</a:t>
-            </a:r>
-          </a:p>
-        </p:txBody>
-      </p:sp>
-      <p:sp>
-        <p:nvSpPr>
-          <p:cNvPr id="5" name="Slide Number Placeholder 4"/>
-          <p:cNvSpPr>
-            <a:spLocks noGrp="1"/>
-          </p:cNvSpPr>
-          <p:nvPr>
-            <p:ph type="sldNum" sz="quarter" idx="11"/>
-          </p:nvPr>
-        </p:nvSpPr>
-        <p:spPr/>
-        <p:txBody>
-          <a:bodyPr/>
-          <a:lstStyle/>
-          <a:p>
-            <a:pPr>
-              <a:defRPr/>
-            </a:pPr>
-            <a:endParaRPr lang="en-US"/>
-          </a:p>
-          <a:p>
-            <a:pPr>
-              <a:defRPr/>
-            </a:pPr>
-            <a:fld id="{E9A8CBA3-AA2B-46A6-BFA3-DCEBEAAB3F0A}" type="slidenum">
-              <a:rPr lang="en-US" smtClean="0"/>
-              <a:pPr>
-                <a:defRPr/>
-              </a:pPr>
-              <a:t>18</a:t>
-            </a:fld>
-            <a:endParaRPr lang="en-US"/>
-          </a:p>
-        </p:txBody>
-      </p:sp>
-      <p:sp>
-        <p:nvSpPr>
-          <p:cNvPr id="6" name="Text Placeholder 5"/>
-          <p:cNvSpPr>
-            <a:spLocks noGrp="1"/>
-          </p:cNvSpPr>
-          <p:nvPr>
-            <p:ph type="body" sz="quarter" idx="12"/>
-          </p:nvPr>
-        </p:nvSpPr>
-        <p:spPr/>
-        <p:txBody>
-          <a:bodyPr/>
-          <a:lstStyle/>
-          <a:p>
-            <a:endParaRPr lang="en-US" dirty="0"/>
-          </a:p>
-        </p:txBody>
-      </p:sp>
-      <p:pic>
-        <p:nvPicPr>
-          <p:cNvPr id="7" name="Picture 6">
-            <a:extLst>
-              <a:ext uri="{FF2B5EF4-FFF2-40B4-BE49-F238E27FC236}">
-                <a16:creationId xmlns:a16="http://schemas.microsoft.com/office/drawing/2014/main" id="{C6E3AD47-5F6D-4362-AF18-D8BEAEEEAC8A}"/>
-              </a:ext>
-            </a:extLst>
-          </p:cNvPr>
-          <p:cNvPicPr>
-            <a:picLocks noChangeAspect="1"/>
-          </p:cNvPicPr>
-          <p:nvPr/>
-        </p:nvPicPr>
-        <p:blipFill>
-          <a:blip r:embed="rId2"/>
-          <a:stretch>
-            <a:fillRect/>
-          </a:stretch>
-        </p:blipFill>
-        <p:spPr>
-          <a:xfrm>
-            <a:off x="470731" y="2419476"/>
-            <a:ext cx="8409524" cy="2019048"/>
-          </a:xfrm>
-          <a:prstGeom prst="rect">
-            <a:avLst/>
-          </a:prstGeom>
-        </p:spPr>
-      </p:pic>
-    </p:spTree>
-    <p:extLst>
-      <p:ext uri="{BB962C8B-B14F-4D97-AF65-F5344CB8AC3E}">
-        <p14:creationId xmlns:p14="http://schemas.microsoft.com/office/powerpoint/2010/main" val="2762783575"/>
-      </p:ext>
-    </p:extLst>
-  </p:cSld>
-  <p:clrMapOvr>
-    <a:masterClrMapping/>
-  </p:clrMapOvr>
-</p:sld>
-</file>
-
-<file path=ppt/slides/slide19.xml><?xml version="1.0" encoding="utf-8"?>
-<p:sld xmlns:a="http://schemas.openxmlformats.org/drawingml/2006/main" xmlns:r="http://schemas.openxmlformats.org/officeDocument/2006/relationships" xmlns:p="http://schemas.openxmlformats.org/presentationml/2006/main">
-  <p:cSld>
-    <p:spTree>
-      <p:nvGrpSpPr>
-        <p:cNvPr id="1" name=""/>
-        <p:cNvGrpSpPr/>
-        <p:nvPr/>
-      </p:nvGrpSpPr>
-      <p:grpSpPr>
-        <a:xfrm>
-          <a:off x="0" y="0"/>
-          <a:ext cx="0" cy="0"/>
-          <a:chOff x="0" y="0"/>
-          <a:chExt cx="0" cy="0"/>
-        </a:xfrm>
-      </p:grpSpPr>
-      <p:sp>
-        <p:nvSpPr>
-          <p:cNvPr id="2" name="Title 1"/>
-          <p:cNvSpPr>
-            <a:spLocks noGrp="1"/>
-          </p:cNvSpPr>
-          <p:nvPr>
-            <p:ph type="title"/>
-          </p:nvPr>
-        </p:nvSpPr>
-        <p:spPr/>
-        <p:txBody>
-          <a:bodyPr/>
-          <a:lstStyle/>
-          <a:p>
-            <a:r>
-              <a:rPr lang="en-US" dirty="0"/>
-              <a:t>The Weibull distribution (k=2)</a:t>
-            </a:r>
-          </a:p>
-        </p:txBody>
-      </p:sp>
-      <p:sp>
-        <p:nvSpPr>
-          <p:cNvPr id="4" name="Footer Placeholder 3"/>
-          <p:cNvSpPr>
-            <a:spLocks noGrp="1"/>
-          </p:cNvSpPr>
-          <p:nvPr>
-            <p:ph type="ftr" sz="quarter" idx="10"/>
-          </p:nvPr>
-        </p:nvSpPr>
-        <p:spPr/>
-        <p:txBody>
-          <a:bodyPr/>
-          <a:lstStyle/>
-          <a:p>
-            <a:pPr>
-              <a:defRPr/>
-            </a:pPr>
-            <a:r>
-              <a:rPr lang="en-US" altLang="en-US" dirty="0"/>
-              <a:t>©2018 Steve Simon    http://TheAnalysisFactor.com</a:t>
-            </a:r>
-          </a:p>
-        </p:txBody>
-      </p:sp>
-      <p:sp>
-        <p:nvSpPr>
-          <p:cNvPr id="5" name="Slide Number Placeholder 4"/>
-          <p:cNvSpPr>
-            <a:spLocks noGrp="1"/>
-          </p:cNvSpPr>
-          <p:nvPr>
-            <p:ph type="sldNum" sz="quarter" idx="11"/>
-          </p:nvPr>
-        </p:nvSpPr>
-        <p:spPr/>
-        <p:txBody>
-          <a:bodyPr/>
-          <a:lstStyle/>
-          <a:p>
-            <a:pPr>
-              <a:defRPr/>
-            </a:pPr>
-            <a:endParaRPr lang="en-US"/>
-          </a:p>
-          <a:p>
-            <a:pPr>
-              <a:defRPr/>
-            </a:pPr>
-            <a:fld id="{E9A8CBA3-AA2B-46A6-BFA3-DCEBEAAB3F0A}" type="slidenum">
-              <a:rPr lang="en-US" smtClean="0"/>
-              <a:pPr>
-                <a:defRPr/>
-              </a:pPr>
-              <a:t>19</a:t>
-            </a:fld>
-            <a:endParaRPr lang="en-US"/>
-          </a:p>
-        </p:txBody>
-      </p:sp>
-      <p:sp>
-        <p:nvSpPr>
-          <p:cNvPr id="6" name="Text Placeholder 5"/>
-          <p:cNvSpPr>
-            <a:spLocks noGrp="1"/>
-          </p:cNvSpPr>
-          <p:nvPr>
-            <p:ph type="body" sz="quarter" idx="12"/>
-          </p:nvPr>
-        </p:nvSpPr>
-        <p:spPr/>
-        <p:txBody>
-          <a:bodyPr/>
-          <a:lstStyle/>
-          <a:p>
-            <a:endParaRPr lang="en-US" dirty="0"/>
-          </a:p>
-        </p:txBody>
-      </p:sp>
-      <p:pic>
-        <p:nvPicPr>
-          <p:cNvPr id="8" name="Picture 7">
-            <a:extLst>
-              <a:ext uri="{FF2B5EF4-FFF2-40B4-BE49-F238E27FC236}">
-                <a16:creationId xmlns:a16="http://schemas.microsoft.com/office/drawing/2014/main" id="{2C6FE9D5-9955-4CF9-AC5E-DB17892BBA3A}"/>
-              </a:ext>
-            </a:extLst>
-          </p:cNvPr>
-          <p:cNvPicPr>
-            <a:picLocks noChangeAspect="1"/>
-          </p:cNvPicPr>
-          <p:nvPr/>
-        </p:nvPicPr>
-        <p:blipFill>
-          <a:blip r:embed="rId2"/>
-          <a:stretch>
-            <a:fillRect/>
-          </a:stretch>
-        </p:blipFill>
-        <p:spPr>
-          <a:xfrm>
-            <a:off x="457200" y="1143000"/>
-            <a:ext cx="8229600" cy="4572000"/>
-          </a:xfrm>
-          <a:prstGeom prst="rect">
-            <a:avLst/>
-          </a:prstGeom>
-        </p:spPr>
-      </p:pic>
-    </p:spTree>
-    <p:extLst>
-      <p:ext uri="{BB962C8B-B14F-4D97-AF65-F5344CB8AC3E}">
-        <p14:creationId xmlns:p14="http://schemas.microsoft.com/office/powerpoint/2010/main" val="2170661538"/>
+        <p14:creationId xmlns:p14="http://schemas.microsoft.com/office/powerpoint/2010/main" val="1691035053"/>
       </p:ext>
     </p:extLst>
   </p:cSld>
@@ -5628,7 +5154,7 @@
           <a:p>
             <a:r>
               <a:rPr lang="en-US" dirty="0"/>
-              <a:t>Parametric models. Parametric models provide an alternative analysis to the Cox proportional hazards model. You’ll compare the hazard function for various popular survival distributions and understand the advantages and disadvantages of a parametric approach to survival. You’ll fit parametric models and interpret the coefficients.</a:t>
+              <a:t>Time varying covariates allow you to account for non-proportional hazards and can model settings where patients switch from one therapy to another. You will code data for time-varying covariates, fit time-varying models, and interpret the results.</a:t>
             </a:r>
           </a:p>
         </p:txBody>
@@ -5710,7 +5236,7 @@
           <a:p>
             <a:r>
               <a:rPr lang="en-US" dirty="0"/>
-              <a:t>Lecture 6.</a:t>
+              <a:t>Lecture 7.</a:t>
             </a:r>
           </a:p>
         </p:txBody>
@@ -5719,1720 +5245,6 @@
     <p:extLst>
       <p:ext uri="{BB962C8B-B14F-4D97-AF65-F5344CB8AC3E}">
         <p14:creationId xmlns:p14="http://schemas.microsoft.com/office/powerpoint/2010/main" val="3091858404"/>
-      </p:ext>
-    </p:extLst>
-  </p:cSld>
-  <p:clrMapOvr>
-    <a:masterClrMapping/>
-  </p:clrMapOvr>
-</p:sld>
-</file>
-
-<file path=ppt/slides/slide20.xml><?xml version="1.0" encoding="utf-8"?>
-<p:sld xmlns:a="http://schemas.openxmlformats.org/drawingml/2006/main" xmlns:r="http://schemas.openxmlformats.org/officeDocument/2006/relationships" xmlns:p="http://schemas.openxmlformats.org/presentationml/2006/main">
-  <p:cSld>
-    <p:spTree>
-      <p:nvGrpSpPr>
-        <p:cNvPr id="1" name=""/>
-        <p:cNvGrpSpPr/>
-        <p:nvPr/>
-      </p:nvGrpSpPr>
-      <p:grpSpPr>
-        <a:xfrm>
-          <a:off x="0" y="0"/>
-          <a:ext cx="0" cy="0"/>
-          <a:chOff x="0" y="0"/>
-          <a:chExt cx="0" cy="0"/>
-        </a:xfrm>
-      </p:grpSpPr>
-      <p:sp>
-        <p:nvSpPr>
-          <p:cNvPr id="2" name="Title 1"/>
-          <p:cNvSpPr>
-            <a:spLocks noGrp="1"/>
-          </p:cNvSpPr>
-          <p:nvPr>
-            <p:ph type="title"/>
-          </p:nvPr>
-        </p:nvSpPr>
-        <p:spPr/>
-        <p:txBody>
-          <a:bodyPr/>
-          <a:lstStyle/>
-          <a:p>
-            <a:r>
-              <a:rPr lang="en-US" dirty="0"/>
-              <a:t>The Weibull distribution (k=0.5)</a:t>
-            </a:r>
-          </a:p>
-        </p:txBody>
-      </p:sp>
-      <p:sp>
-        <p:nvSpPr>
-          <p:cNvPr id="4" name="Footer Placeholder 3"/>
-          <p:cNvSpPr>
-            <a:spLocks noGrp="1"/>
-          </p:cNvSpPr>
-          <p:nvPr>
-            <p:ph type="ftr" sz="quarter" idx="10"/>
-          </p:nvPr>
-        </p:nvSpPr>
-        <p:spPr/>
-        <p:txBody>
-          <a:bodyPr/>
-          <a:lstStyle/>
-          <a:p>
-            <a:pPr>
-              <a:defRPr/>
-            </a:pPr>
-            <a:r>
-              <a:rPr lang="en-US" altLang="en-US" dirty="0"/>
-              <a:t>©2018 Steve Simon    http://TheAnalysisFactor.com</a:t>
-            </a:r>
-          </a:p>
-        </p:txBody>
-      </p:sp>
-      <p:sp>
-        <p:nvSpPr>
-          <p:cNvPr id="5" name="Slide Number Placeholder 4"/>
-          <p:cNvSpPr>
-            <a:spLocks noGrp="1"/>
-          </p:cNvSpPr>
-          <p:nvPr>
-            <p:ph type="sldNum" sz="quarter" idx="11"/>
-          </p:nvPr>
-        </p:nvSpPr>
-        <p:spPr/>
-        <p:txBody>
-          <a:bodyPr/>
-          <a:lstStyle/>
-          <a:p>
-            <a:pPr>
-              <a:defRPr/>
-            </a:pPr>
-            <a:endParaRPr lang="en-US"/>
-          </a:p>
-          <a:p>
-            <a:pPr>
-              <a:defRPr/>
-            </a:pPr>
-            <a:fld id="{E9A8CBA3-AA2B-46A6-BFA3-DCEBEAAB3F0A}" type="slidenum">
-              <a:rPr lang="en-US" smtClean="0"/>
-              <a:pPr>
-                <a:defRPr/>
-              </a:pPr>
-              <a:t>20</a:t>
-            </a:fld>
-            <a:endParaRPr lang="en-US"/>
-          </a:p>
-        </p:txBody>
-      </p:sp>
-      <p:sp>
-        <p:nvSpPr>
-          <p:cNvPr id="6" name="Text Placeholder 5"/>
-          <p:cNvSpPr>
-            <a:spLocks noGrp="1"/>
-          </p:cNvSpPr>
-          <p:nvPr>
-            <p:ph type="body" sz="quarter" idx="12"/>
-          </p:nvPr>
-        </p:nvSpPr>
-        <p:spPr/>
-        <p:txBody>
-          <a:bodyPr/>
-          <a:lstStyle/>
-          <a:p>
-            <a:endParaRPr lang="en-US" dirty="0"/>
-          </a:p>
-        </p:txBody>
-      </p:sp>
-      <p:pic>
-        <p:nvPicPr>
-          <p:cNvPr id="3" name="Picture 2">
-            <a:extLst>
-              <a:ext uri="{FF2B5EF4-FFF2-40B4-BE49-F238E27FC236}">
-                <a16:creationId xmlns:a16="http://schemas.microsoft.com/office/drawing/2014/main" id="{4E9C8823-873B-41F5-841D-9D9C57D4C343}"/>
-              </a:ext>
-            </a:extLst>
-          </p:cNvPr>
-          <p:cNvPicPr>
-            <a:picLocks noChangeAspect="1"/>
-          </p:cNvPicPr>
-          <p:nvPr/>
-        </p:nvPicPr>
-        <p:blipFill>
-          <a:blip r:embed="rId2"/>
-          <a:stretch>
-            <a:fillRect/>
-          </a:stretch>
-        </p:blipFill>
-        <p:spPr>
-          <a:xfrm>
-            <a:off x="457200" y="1143000"/>
-            <a:ext cx="8229600" cy="4572000"/>
-          </a:xfrm>
-          <a:prstGeom prst="rect">
-            <a:avLst/>
-          </a:prstGeom>
-        </p:spPr>
-      </p:pic>
-    </p:spTree>
-    <p:extLst>
-      <p:ext uri="{BB962C8B-B14F-4D97-AF65-F5344CB8AC3E}">
-        <p14:creationId xmlns:p14="http://schemas.microsoft.com/office/powerpoint/2010/main" val="2931558668"/>
-      </p:ext>
-    </p:extLst>
-  </p:cSld>
-  <p:clrMapOvr>
-    <a:masterClrMapping/>
-  </p:clrMapOvr>
-</p:sld>
-</file>
-
-<file path=ppt/slides/slide21.xml><?xml version="1.0" encoding="utf-8"?>
-<p:sld xmlns:a="http://schemas.openxmlformats.org/drawingml/2006/main" xmlns:r="http://schemas.openxmlformats.org/officeDocument/2006/relationships" xmlns:p="http://schemas.openxmlformats.org/presentationml/2006/main">
-  <p:cSld>
-    <p:spTree>
-      <p:nvGrpSpPr>
-        <p:cNvPr id="1" name=""/>
-        <p:cNvGrpSpPr/>
-        <p:nvPr/>
-      </p:nvGrpSpPr>
-      <p:grpSpPr>
-        <a:xfrm>
-          <a:off x="0" y="0"/>
-          <a:ext cx="0" cy="0"/>
-          <a:chOff x="0" y="0"/>
-          <a:chExt cx="0" cy="0"/>
-        </a:xfrm>
-      </p:grpSpPr>
-      <p:sp>
-        <p:nvSpPr>
-          <p:cNvPr id="2" name="Title 1"/>
-          <p:cNvSpPr>
-            <a:spLocks noGrp="1"/>
-          </p:cNvSpPr>
-          <p:nvPr>
-            <p:ph type="title"/>
-          </p:nvPr>
-        </p:nvSpPr>
-        <p:spPr/>
-        <p:txBody>
-          <a:bodyPr/>
-          <a:lstStyle/>
-          <a:p>
-            <a:r>
-              <a:rPr lang="en-US" dirty="0"/>
-              <a:t>The Weibull distribution</a:t>
-            </a:r>
-          </a:p>
-        </p:txBody>
-      </p:sp>
-      <p:sp>
-        <p:nvSpPr>
-          <p:cNvPr id="4" name="Footer Placeholder 3"/>
-          <p:cNvSpPr>
-            <a:spLocks noGrp="1"/>
-          </p:cNvSpPr>
-          <p:nvPr>
-            <p:ph type="ftr" sz="quarter" idx="10"/>
-          </p:nvPr>
-        </p:nvSpPr>
-        <p:spPr/>
-        <p:txBody>
-          <a:bodyPr/>
-          <a:lstStyle/>
-          <a:p>
-            <a:pPr>
-              <a:defRPr/>
-            </a:pPr>
-            <a:r>
-              <a:rPr lang="en-US" altLang="en-US" dirty="0"/>
-              <a:t>©2018 Steve Simon    http://TheAnalysisFactor.com</a:t>
-            </a:r>
-          </a:p>
-        </p:txBody>
-      </p:sp>
-      <p:sp>
-        <p:nvSpPr>
-          <p:cNvPr id="5" name="Slide Number Placeholder 4"/>
-          <p:cNvSpPr>
-            <a:spLocks noGrp="1"/>
-          </p:cNvSpPr>
-          <p:nvPr>
-            <p:ph type="sldNum" sz="quarter" idx="11"/>
-          </p:nvPr>
-        </p:nvSpPr>
-        <p:spPr/>
-        <p:txBody>
-          <a:bodyPr/>
-          <a:lstStyle/>
-          <a:p>
-            <a:pPr>
-              <a:defRPr/>
-            </a:pPr>
-            <a:endParaRPr lang="en-US"/>
-          </a:p>
-          <a:p>
-            <a:pPr>
-              <a:defRPr/>
-            </a:pPr>
-            <a:fld id="{E9A8CBA3-AA2B-46A6-BFA3-DCEBEAAB3F0A}" type="slidenum">
-              <a:rPr lang="en-US" smtClean="0"/>
-              <a:pPr>
-                <a:defRPr/>
-              </a:pPr>
-              <a:t>21</a:t>
-            </a:fld>
-            <a:endParaRPr lang="en-US"/>
-          </a:p>
-        </p:txBody>
-      </p:sp>
-      <p:sp>
-        <p:nvSpPr>
-          <p:cNvPr id="6" name="Text Placeholder 5"/>
-          <p:cNvSpPr>
-            <a:spLocks noGrp="1"/>
-          </p:cNvSpPr>
-          <p:nvPr>
-            <p:ph type="body" sz="quarter" idx="12"/>
-          </p:nvPr>
-        </p:nvSpPr>
-        <p:spPr/>
-        <p:txBody>
-          <a:bodyPr/>
-          <a:lstStyle/>
-          <a:p>
-            <a:endParaRPr lang="en-US" dirty="0"/>
-          </a:p>
-        </p:txBody>
-      </p:sp>
-      <p:pic>
-        <p:nvPicPr>
-          <p:cNvPr id="7" name="Picture 6">
-            <a:extLst>
-              <a:ext uri="{FF2B5EF4-FFF2-40B4-BE49-F238E27FC236}">
-                <a16:creationId xmlns:a16="http://schemas.microsoft.com/office/drawing/2014/main" id="{4DC706AE-F6B3-4ED0-ABF2-CB981CA3A7D3}"/>
-              </a:ext>
-            </a:extLst>
-          </p:cNvPr>
-          <p:cNvPicPr>
-            <a:picLocks noChangeAspect="1"/>
-          </p:cNvPicPr>
-          <p:nvPr/>
-        </p:nvPicPr>
-        <p:blipFill>
-          <a:blip r:embed="rId2"/>
-          <a:stretch>
-            <a:fillRect/>
-          </a:stretch>
-        </p:blipFill>
-        <p:spPr>
-          <a:xfrm>
-            <a:off x="457200" y="1584533"/>
-            <a:ext cx="8438095" cy="2400000"/>
-          </a:xfrm>
-          <a:prstGeom prst="rect">
-            <a:avLst/>
-          </a:prstGeom>
-        </p:spPr>
-      </p:pic>
-    </p:spTree>
-    <p:extLst>
-      <p:ext uri="{BB962C8B-B14F-4D97-AF65-F5344CB8AC3E}">
-        <p14:creationId xmlns:p14="http://schemas.microsoft.com/office/powerpoint/2010/main" val="2098871935"/>
-      </p:ext>
-    </p:extLst>
-  </p:cSld>
-  <p:clrMapOvr>
-    <a:masterClrMapping/>
-  </p:clrMapOvr>
-</p:sld>
-</file>
-
-<file path=ppt/slides/slide22.xml><?xml version="1.0" encoding="utf-8"?>
-<p:sld xmlns:a="http://schemas.openxmlformats.org/drawingml/2006/main" xmlns:r="http://schemas.openxmlformats.org/officeDocument/2006/relationships" xmlns:p="http://schemas.openxmlformats.org/presentationml/2006/main">
-  <p:cSld>
-    <p:spTree>
-      <p:nvGrpSpPr>
-        <p:cNvPr id="1" name=""/>
-        <p:cNvGrpSpPr/>
-        <p:nvPr/>
-      </p:nvGrpSpPr>
-      <p:grpSpPr>
-        <a:xfrm>
-          <a:off x="0" y="0"/>
-          <a:ext cx="0" cy="0"/>
-          <a:chOff x="0" y="0"/>
-          <a:chExt cx="0" cy="0"/>
-        </a:xfrm>
-      </p:grpSpPr>
-      <p:sp>
-        <p:nvSpPr>
-          <p:cNvPr id="2" name="Title 1"/>
-          <p:cNvSpPr>
-            <a:spLocks noGrp="1"/>
-          </p:cNvSpPr>
-          <p:nvPr>
-            <p:ph type="title"/>
-          </p:nvPr>
-        </p:nvSpPr>
-        <p:spPr/>
-        <p:txBody>
-          <a:bodyPr/>
-          <a:lstStyle/>
-          <a:p>
-            <a:r>
-              <a:rPr lang="en-US" dirty="0"/>
-              <a:t>The Weibull distribution (</a:t>
-            </a:r>
-            <a:r>
-              <a:rPr lang="el-GR" dirty="0"/>
-              <a:t>θ</a:t>
-            </a:r>
-            <a:r>
-              <a:rPr lang="en-US" dirty="0"/>
-              <a:t>=2)</a:t>
-            </a:r>
-          </a:p>
-        </p:txBody>
-      </p:sp>
-      <p:sp>
-        <p:nvSpPr>
-          <p:cNvPr id="4" name="Footer Placeholder 3"/>
-          <p:cNvSpPr>
-            <a:spLocks noGrp="1"/>
-          </p:cNvSpPr>
-          <p:nvPr>
-            <p:ph type="ftr" sz="quarter" idx="10"/>
-          </p:nvPr>
-        </p:nvSpPr>
-        <p:spPr/>
-        <p:txBody>
-          <a:bodyPr/>
-          <a:lstStyle/>
-          <a:p>
-            <a:pPr>
-              <a:defRPr/>
-            </a:pPr>
-            <a:r>
-              <a:rPr lang="en-US" altLang="en-US" dirty="0"/>
-              <a:t>©2018 Steve Simon    http://TheAnalysisFactor.com</a:t>
-            </a:r>
-          </a:p>
-        </p:txBody>
-      </p:sp>
-      <p:sp>
-        <p:nvSpPr>
-          <p:cNvPr id="5" name="Slide Number Placeholder 4"/>
-          <p:cNvSpPr>
-            <a:spLocks noGrp="1"/>
-          </p:cNvSpPr>
-          <p:nvPr>
-            <p:ph type="sldNum" sz="quarter" idx="11"/>
-          </p:nvPr>
-        </p:nvSpPr>
-        <p:spPr/>
-        <p:txBody>
-          <a:bodyPr/>
-          <a:lstStyle/>
-          <a:p>
-            <a:pPr>
-              <a:defRPr/>
-            </a:pPr>
-            <a:endParaRPr lang="en-US"/>
-          </a:p>
-          <a:p>
-            <a:pPr>
-              <a:defRPr/>
-            </a:pPr>
-            <a:fld id="{E9A8CBA3-AA2B-46A6-BFA3-DCEBEAAB3F0A}" type="slidenum">
-              <a:rPr lang="en-US" smtClean="0"/>
-              <a:pPr>
-                <a:defRPr/>
-              </a:pPr>
-              <a:t>22</a:t>
-            </a:fld>
-            <a:endParaRPr lang="en-US"/>
-          </a:p>
-        </p:txBody>
-      </p:sp>
-      <p:sp>
-        <p:nvSpPr>
-          <p:cNvPr id="6" name="Text Placeholder 5"/>
-          <p:cNvSpPr>
-            <a:spLocks noGrp="1"/>
-          </p:cNvSpPr>
-          <p:nvPr>
-            <p:ph type="body" sz="quarter" idx="12"/>
-          </p:nvPr>
-        </p:nvSpPr>
-        <p:spPr/>
-        <p:txBody>
-          <a:bodyPr/>
-          <a:lstStyle/>
-          <a:p>
-            <a:endParaRPr lang="en-US" dirty="0"/>
-          </a:p>
-        </p:txBody>
-      </p:sp>
-      <p:pic>
-        <p:nvPicPr>
-          <p:cNvPr id="9" name="Picture 8">
-            <a:extLst>
-              <a:ext uri="{FF2B5EF4-FFF2-40B4-BE49-F238E27FC236}">
-                <a16:creationId xmlns:a16="http://schemas.microsoft.com/office/drawing/2014/main" id="{CA14478C-53BE-4B0E-819B-59B16C6C1A38}"/>
-              </a:ext>
-            </a:extLst>
-          </p:cNvPr>
-          <p:cNvPicPr>
-            <a:picLocks noChangeAspect="1"/>
-          </p:cNvPicPr>
-          <p:nvPr/>
-        </p:nvPicPr>
-        <p:blipFill>
-          <a:blip r:embed="rId2"/>
-          <a:stretch>
-            <a:fillRect/>
-          </a:stretch>
-        </p:blipFill>
-        <p:spPr>
-          <a:xfrm>
-            <a:off x="457714" y="1143285"/>
-            <a:ext cx="8228571" cy="4571429"/>
-          </a:xfrm>
-          <a:prstGeom prst="rect">
-            <a:avLst/>
-          </a:prstGeom>
-        </p:spPr>
-      </p:pic>
-    </p:spTree>
-    <p:extLst>
-      <p:ext uri="{BB962C8B-B14F-4D97-AF65-F5344CB8AC3E}">
-        <p14:creationId xmlns:p14="http://schemas.microsoft.com/office/powerpoint/2010/main" val="725762749"/>
-      </p:ext>
-    </p:extLst>
-  </p:cSld>
-  <p:clrMapOvr>
-    <a:masterClrMapping/>
-  </p:clrMapOvr>
-</p:sld>
-</file>
-
-<file path=ppt/slides/slide23.xml><?xml version="1.0" encoding="utf-8"?>
-<p:sld xmlns:a="http://schemas.openxmlformats.org/drawingml/2006/main" xmlns:r="http://schemas.openxmlformats.org/officeDocument/2006/relationships" xmlns:p="http://schemas.openxmlformats.org/presentationml/2006/main">
-  <p:cSld>
-    <p:spTree>
-      <p:nvGrpSpPr>
-        <p:cNvPr id="1" name=""/>
-        <p:cNvGrpSpPr/>
-        <p:nvPr/>
-      </p:nvGrpSpPr>
-      <p:grpSpPr>
-        <a:xfrm>
-          <a:off x="0" y="0"/>
-          <a:ext cx="0" cy="0"/>
-          <a:chOff x="0" y="0"/>
-          <a:chExt cx="0" cy="0"/>
-        </a:xfrm>
-      </p:grpSpPr>
-      <p:sp>
-        <p:nvSpPr>
-          <p:cNvPr id="2" name="Title 1"/>
-          <p:cNvSpPr>
-            <a:spLocks noGrp="1"/>
-          </p:cNvSpPr>
-          <p:nvPr>
-            <p:ph type="title"/>
-          </p:nvPr>
-        </p:nvSpPr>
-        <p:spPr/>
-        <p:txBody>
-          <a:bodyPr/>
-          <a:lstStyle/>
-          <a:p>
-            <a:r>
-              <a:rPr lang="en-US" dirty="0"/>
-              <a:t>The Weibull distribution (</a:t>
-            </a:r>
-            <a:r>
-              <a:rPr lang="el-GR" dirty="0"/>
-              <a:t>θ</a:t>
-            </a:r>
-            <a:r>
-              <a:rPr lang="en-US" dirty="0"/>
-              <a:t>=0.5)</a:t>
-            </a:r>
-          </a:p>
-        </p:txBody>
-      </p:sp>
-      <p:sp>
-        <p:nvSpPr>
-          <p:cNvPr id="4" name="Footer Placeholder 3"/>
-          <p:cNvSpPr>
-            <a:spLocks noGrp="1"/>
-          </p:cNvSpPr>
-          <p:nvPr>
-            <p:ph type="ftr" sz="quarter" idx="10"/>
-          </p:nvPr>
-        </p:nvSpPr>
-        <p:spPr/>
-        <p:txBody>
-          <a:bodyPr/>
-          <a:lstStyle/>
-          <a:p>
-            <a:pPr>
-              <a:defRPr/>
-            </a:pPr>
-            <a:r>
-              <a:rPr lang="en-US" altLang="en-US" dirty="0"/>
-              <a:t>©2018 Steve Simon    http://TheAnalysisFactor.com</a:t>
-            </a:r>
-          </a:p>
-        </p:txBody>
-      </p:sp>
-      <p:sp>
-        <p:nvSpPr>
-          <p:cNvPr id="5" name="Slide Number Placeholder 4"/>
-          <p:cNvSpPr>
-            <a:spLocks noGrp="1"/>
-          </p:cNvSpPr>
-          <p:nvPr>
-            <p:ph type="sldNum" sz="quarter" idx="11"/>
-          </p:nvPr>
-        </p:nvSpPr>
-        <p:spPr/>
-        <p:txBody>
-          <a:bodyPr/>
-          <a:lstStyle/>
-          <a:p>
-            <a:pPr>
-              <a:defRPr/>
-            </a:pPr>
-            <a:endParaRPr lang="en-US"/>
-          </a:p>
-          <a:p>
-            <a:pPr>
-              <a:defRPr/>
-            </a:pPr>
-            <a:fld id="{E9A8CBA3-AA2B-46A6-BFA3-DCEBEAAB3F0A}" type="slidenum">
-              <a:rPr lang="en-US" smtClean="0"/>
-              <a:pPr>
-                <a:defRPr/>
-              </a:pPr>
-              <a:t>23</a:t>
-            </a:fld>
-            <a:endParaRPr lang="en-US"/>
-          </a:p>
-        </p:txBody>
-      </p:sp>
-      <p:sp>
-        <p:nvSpPr>
-          <p:cNvPr id="6" name="Text Placeholder 5"/>
-          <p:cNvSpPr>
-            <a:spLocks noGrp="1"/>
-          </p:cNvSpPr>
-          <p:nvPr>
-            <p:ph type="body" sz="quarter" idx="12"/>
-          </p:nvPr>
-        </p:nvSpPr>
-        <p:spPr/>
-        <p:txBody>
-          <a:bodyPr/>
-          <a:lstStyle/>
-          <a:p>
-            <a:endParaRPr lang="en-US" dirty="0"/>
-          </a:p>
-        </p:txBody>
-      </p:sp>
-      <p:pic>
-        <p:nvPicPr>
-          <p:cNvPr id="3" name="Picture 2">
-            <a:extLst>
-              <a:ext uri="{FF2B5EF4-FFF2-40B4-BE49-F238E27FC236}">
-                <a16:creationId xmlns:a16="http://schemas.microsoft.com/office/drawing/2014/main" id="{3EC2B57A-5CC1-4007-A08E-2045730C0868}"/>
-              </a:ext>
-            </a:extLst>
-          </p:cNvPr>
-          <p:cNvPicPr>
-            <a:picLocks noChangeAspect="1"/>
-          </p:cNvPicPr>
-          <p:nvPr/>
-        </p:nvPicPr>
-        <p:blipFill>
-          <a:blip r:embed="rId2"/>
-          <a:stretch>
-            <a:fillRect/>
-          </a:stretch>
-        </p:blipFill>
-        <p:spPr>
-          <a:xfrm>
-            <a:off x="457714" y="1143285"/>
-            <a:ext cx="8228571" cy="4571429"/>
-          </a:xfrm>
-          <a:prstGeom prst="rect">
-            <a:avLst/>
-          </a:prstGeom>
-        </p:spPr>
-      </p:pic>
-    </p:spTree>
-    <p:extLst>
-      <p:ext uri="{BB962C8B-B14F-4D97-AF65-F5344CB8AC3E}">
-        <p14:creationId xmlns:p14="http://schemas.microsoft.com/office/powerpoint/2010/main" val="1612526408"/>
-      </p:ext>
-    </p:extLst>
-  </p:cSld>
-  <p:clrMapOvr>
-    <a:masterClrMapping/>
-  </p:clrMapOvr>
-</p:sld>
-</file>
-
-<file path=ppt/slides/slide24.xml><?xml version="1.0" encoding="utf-8"?>
-<p:sld xmlns:a="http://schemas.openxmlformats.org/drawingml/2006/main" xmlns:r="http://schemas.openxmlformats.org/officeDocument/2006/relationships" xmlns:p="http://schemas.openxmlformats.org/presentationml/2006/main">
-  <p:cSld>
-    <p:spTree>
-      <p:nvGrpSpPr>
-        <p:cNvPr id="1" name=""/>
-        <p:cNvGrpSpPr/>
-        <p:nvPr/>
-      </p:nvGrpSpPr>
-      <p:grpSpPr>
-        <a:xfrm>
-          <a:off x="0" y="0"/>
-          <a:ext cx="0" cy="0"/>
-          <a:chOff x="0" y="0"/>
-          <a:chExt cx="0" cy="0"/>
-        </a:xfrm>
-      </p:grpSpPr>
-      <p:sp>
-        <p:nvSpPr>
-          <p:cNvPr id="2" name="Title 1"/>
-          <p:cNvSpPr>
-            <a:spLocks noGrp="1"/>
-          </p:cNvSpPr>
-          <p:nvPr>
-            <p:ph type="title"/>
-          </p:nvPr>
-        </p:nvSpPr>
-        <p:spPr/>
-        <p:txBody>
-          <a:bodyPr/>
-          <a:lstStyle/>
-          <a:p>
-            <a:r>
-              <a:rPr lang="en-US" dirty="0"/>
-              <a:t>First, fit a null Weibull model</a:t>
-            </a:r>
-          </a:p>
-        </p:txBody>
-      </p:sp>
-      <p:sp>
-        <p:nvSpPr>
-          <p:cNvPr id="4" name="Footer Placeholder 3"/>
-          <p:cNvSpPr>
-            <a:spLocks noGrp="1"/>
-          </p:cNvSpPr>
-          <p:nvPr>
-            <p:ph type="ftr" sz="quarter" idx="10"/>
-          </p:nvPr>
-        </p:nvSpPr>
-        <p:spPr/>
-        <p:txBody>
-          <a:bodyPr/>
-          <a:lstStyle/>
-          <a:p>
-            <a:pPr>
-              <a:defRPr/>
-            </a:pPr>
-            <a:r>
-              <a:rPr lang="en-US" altLang="en-US" dirty="0"/>
-              <a:t>©2018 Steve Simon    http://TheAnalysisFactor.com</a:t>
-            </a:r>
-          </a:p>
-        </p:txBody>
-      </p:sp>
-      <p:sp>
-        <p:nvSpPr>
-          <p:cNvPr id="5" name="Slide Number Placeholder 4"/>
-          <p:cNvSpPr>
-            <a:spLocks noGrp="1"/>
-          </p:cNvSpPr>
-          <p:nvPr>
-            <p:ph type="sldNum" sz="quarter" idx="11"/>
-          </p:nvPr>
-        </p:nvSpPr>
-        <p:spPr/>
-        <p:txBody>
-          <a:bodyPr/>
-          <a:lstStyle/>
-          <a:p>
-            <a:pPr>
-              <a:defRPr/>
-            </a:pPr>
-            <a:endParaRPr lang="en-US"/>
-          </a:p>
-          <a:p>
-            <a:pPr>
-              <a:defRPr/>
-            </a:pPr>
-            <a:fld id="{E9A8CBA3-AA2B-46A6-BFA3-DCEBEAAB3F0A}" type="slidenum">
-              <a:rPr lang="en-US" smtClean="0"/>
-              <a:pPr>
-                <a:defRPr/>
-              </a:pPr>
-              <a:t>24</a:t>
-            </a:fld>
-            <a:endParaRPr lang="en-US"/>
-          </a:p>
-        </p:txBody>
-      </p:sp>
-      <p:pic>
-        <p:nvPicPr>
-          <p:cNvPr id="12" name="Picture 11">
-            <a:extLst>
-              <a:ext uri="{FF2B5EF4-FFF2-40B4-BE49-F238E27FC236}">
-                <a16:creationId xmlns:a16="http://schemas.microsoft.com/office/drawing/2014/main" id="{E6E1D944-EAD3-43D3-934E-CB9D798E2576}"/>
-              </a:ext>
-            </a:extLst>
-          </p:cNvPr>
-          <p:cNvPicPr>
-            <a:picLocks noChangeAspect="1"/>
-          </p:cNvPicPr>
-          <p:nvPr/>
-        </p:nvPicPr>
-        <p:blipFill>
-          <a:blip r:embed="rId2"/>
-          <a:stretch>
-            <a:fillRect/>
-          </a:stretch>
-        </p:blipFill>
-        <p:spPr>
-          <a:xfrm>
-            <a:off x="509437" y="1295400"/>
-            <a:ext cx="7695238" cy="3038095"/>
-          </a:xfrm>
-          <a:prstGeom prst="rect">
-            <a:avLst/>
-          </a:prstGeom>
-        </p:spPr>
-      </p:pic>
-    </p:spTree>
-    <p:extLst>
-      <p:ext uri="{BB962C8B-B14F-4D97-AF65-F5344CB8AC3E}">
-        <p14:creationId xmlns:p14="http://schemas.microsoft.com/office/powerpoint/2010/main" val="1063866839"/>
-      </p:ext>
-    </p:extLst>
-  </p:cSld>
-  <p:clrMapOvr>
-    <a:masterClrMapping/>
-  </p:clrMapOvr>
-</p:sld>
-</file>
-
-<file path=ppt/slides/slide25.xml><?xml version="1.0" encoding="utf-8"?>
-<p:sld xmlns:a="http://schemas.openxmlformats.org/drawingml/2006/main" xmlns:r="http://schemas.openxmlformats.org/officeDocument/2006/relationships" xmlns:p="http://schemas.openxmlformats.org/presentationml/2006/main">
-  <p:cSld>
-    <p:spTree>
-      <p:nvGrpSpPr>
-        <p:cNvPr id="1" name=""/>
-        <p:cNvGrpSpPr/>
-        <p:nvPr/>
-      </p:nvGrpSpPr>
-      <p:grpSpPr>
-        <a:xfrm>
-          <a:off x="0" y="0"/>
-          <a:ext cx="0" cy="0"/>
-          <a:chOff x="0" y="0"/>
-          <a:chExt cx="0" cy="0"/>
-        </a:xfrm>
-      </p:grpSpPr>
-      <p:sp>
-        <p:nvSpPr>
-          <p:cNvPr id="2" name="Title 1"/>
-          <p:cNvSpPr>
-            <a:spLocks noGrp="1"/>
-          </p:cNvSpPr>
-          <p:nvPr>
-            <p:ph type="title"/>
-          </p:nvPr>
-        </p:nvSpPr>
-        <p:spPr/>
-        <p:txBody>
-          <a:bodyPr/>
-          <a:lstStyle/>
-          <a:p>
-            <a:r>
-              <a:rPr lang="en-US" dirty="0"/>
-              <a:t>First, fit a null Weibull model</a:t>
-            </a:r>
-          </a:p>
-        </p:txBody>
-      </p:sp>
-      <p:sp>
-        <p:nvSpPr>
-          <p:cNvPr id="4" name="Footer Placeholder 3"/>
-          <p:cNvSpPr>
-            <a:spLocks noGrp="1"/>
-          </p:cNvSpPr>
-          <p:nvPr>
-            <p:ph type="ftr" sz="quarter" idx="10"/>
-          </p:nvPr>
-        </p:nvSpPr>
-        <p:spPr/>
-        <p:txBody>
-          <a:bodyPr/>
-          <a:lstStyle/>
-          <a:p>
-            <a:pPr>
-              <a:defRPr/>
-            </a:pPr>
-            <a:r>
-              <a:rPr lang="en-US" altLang="en-US" dirty="0"/>
-              <a:t>©2018 Steve Simon    http://TheAnalysisFactor.com</a:t>
-            </a:r>
-          </a:p>
-        </p:txBody>
-      </p:sp>
-      <p:sp>
-        <p:nvSpPr>
-          <p:cNvPr id="5" name="Slide Number Placeholder 4"/>
-          <p:cNvSpPr>
-            <a:spLocks noGrp="1"/>
-          </p:cNvSpPr>
-          <p:nvPr>
-            <p:ph type="sldNum" sz="quarter" idx="11"/>
-          </p:nvPr>
-        </p:nvSpPr>
-        <p:spPr/>
-        <p:txBody>
-          <a:bodyPr/>
-          <a:lstStyle/>
-          <a:p>
-            <a:pPr>
-              <a:defRPr/>
-            </a:pPr>
-            <a:endParaRPr lang="en-US"/>
-          </a:p>
-          <a:p>
-            <a:pPr>
-              <a:defRPr/>
-            </a:pPr>
-            <a:fld id="{E9A8CBA3-AA2B-46A6-BFA3-DCEBEAAB3F0A}" type="slidenum">
-              <a:rPr lang="en-US" smtClean="0"/>
-              <a:pPr>
-                <a:defRPr/>
-              </a:pPr>
-              <a:t>25</a:t>
-            </a:fld>
-            <a:endParaRPr lang="en-US"/>
-          </a:p>
-        </p:txBody>
-      </p:sp>
-      <p:sp>
-        <p:nvSpPr>
-          <p:cNvPr id="6" name="Text Placeholder 5"/>
-          <p:cNvSpPr>
-            <a:spLocks noGrp="1"/>
-          </p:cNvSpPr>
-          <p:nvPr>
-            <p:ph type="body" sz="quarter" idx="12"/>
-          </p:nvPr>
-        </p:nvSpPr>
-        <p:spPr/>
-        <p:txBody>
-          <a:bodyPr/>
-          <a:lstStyle/>
-          <a:p>
-            <a:endParaRPr lang="en-US" dirty="0"/>
-          </a:p>
-        </p:txBody>
-      </p:sp>
-      <p:pic>
-        <p:nvPicPr>
-          <p:cNvPr id="9" name="Picture 8">
-            <a:extLst>
-              <a:ext uri="{FF2B5EF4-FFF2-40B4-BE49-F238E27FC236}">
-                <a16:creationId xmlns:a16="http://schemas.microsoft.com/office/drawing/2014/main" id="{5F016605-FEB2-450B-BCA5-F6F88EF646FF}"/>
-              </a:ext>
-            </a:extLst>
-          </p:cNvPr>
-          <p:cNvPicPr>
-            <a:picLocks noChangeAspect="1"/>
-          </p:cNvPicPr>
-          <p:nvPr/>
-        </p:nvPicPr>
-        <p:blipFill>
-          <a:blip r:embed="rId2"/>
-          <a:stretch>
-            <a:fillRect/>
-          </a:stretch>
-        </p:blipFill>
-        <p:spPr>
-          <a:xfrm>
-            <a:off x="457714" y="1143285"/>
-            <a:ext cx="8228571" cy="4571429"/>
-          </a:xfrm>
-          <a:prstGeom prst="rect">
-            <a:avLst/>
-          </a:prstGeom>
-        </p:spPr>
-      </p:pic>
-    </p:spTree>
-    <p:extLst>
-      <p:ext uri="{BB962C8B-B14F-4D97-AF65-F5344CB8AC3E}">
-        <p14:creationId xmlns:p14="http://schemas.microsoft.com/office/powerpoint/2010/main" val="999195860"/>
-      </p:ext>
-    </p:extLst>
-  </p:cSld>
-  <p:clrMapOvr>
-    <a:masterClrMapping/>
-  </p:clrMapOvr>
-</p:sld>
-</file>
-
-<file path=ppt/slides/slide26.xml><?xml version="1.0" encoding="utf-8"?>
-<p:sld xmlns:a="http://schemas.openxmlformats.org/drawingml/2006/main" xmlns:r="http://schemas.openxmlformats.org/officeDocument/2006/relationships" xmlns:p="http://schemas.openxmlformats.org/presentationml/2006/main">
-  <p:cSld>
-    <p:spTree>
-      <p:nvGrpSpPr>
-        <p:cNvPr id="1" name=""/>
-        <p:cNvGrpSpPr/>
-        <p:nvPr/>
-      </p:nvGrpSpPr>
-      <p:grpSpPr>
-        <a:xfrm>
-          <a:off x="0" y="0"/>
-          <a:ext cx="0" cy="0"/>
-          <a:chOff x="0" y="0"/>
-          <a:chExt cx="0" cy="0"/>
-        </a:xfrm>
-      </p:grpSpPr>
-      <p:sp>
-        <p:nvSpPr>
-          <p:cNvPr id="2" name="Title 1"/>
-          <p:cNvSpPr>
-            <a:spLocks noGrp="1"/>
-          </p:cNvSpPr>
-          <p:nvPr>
-            <p:ph type="title"/>
-          </p:nvPr>
-        </p:nvSpPr>
-        <p:spPr/>
-        <p:txBody>
-          <a:bodyPr/>
-          <a:lstStyle/>
-          <a:p>
-            <a:r>
-              <a:rPr lang="en-US" dirty="0"/>
-              <a:t>The Weibull model</a:t>
-            </a:r>
-          </a:p>
-        </p:txBody>
-      </p:sp>
-      <p:sp>
-        <p:nvSpPr>
-          <p:cNvPr id="4" name="Footer Placeholder 3"/>
-          <p:cNvSpPr>
-            <a:spLocks noGrp="1"/>
-          </p:cNvSpPr>
-          <p:nvPr>
-            <p:ph type="ftr" sz="quarter" idx="10"/>
-          </p:nvPr>
-        </p:nvSpPr>
-        <p:spPr/>
-        <p:txBody>
-          <a:bodyPr/>
-          <a:lstStyle/>
-          <a:p>
-            <a:pPr>
-              <a:defRPr/>
-            </a:pPr>
-            <a:r>
-              <a:rPr lang="en-US" altLang="en-US" dirty="0"/>
-              <a:t>©2018 Steve Simon    http://TheAnalysisFactor.com</a:t>
-            </a:r>
-          </a:p>
-        </p:txBody>
-      </p:sp>
-      <p:sp>
-        <p:nvSpPr>
-          <p:cNvPr id="5" name="Slide Number Placeholder 4"/>
-          <p:cNvSpPr>
-            <a:spLocks noGrp="1"/>
-          </p:cNvSpPr>
-          <p:nvPr>
-            <p:ph type="sldNum" sz="quarter" idx="11"/>
-          </p:nvPr>
-        </p:nvSpPr>
-        <p:spPr/>
-        <p:txBody>
-          <a:bodyPr/>
-          <a:lstStyle/>
-          <a:p>
-            <a:pPr>
-              <a:defRPr/>
-            </a:pPr>
-            <a:endParaRPr lang="en-US"/>
-          </a:p>
-          <a:p>
-            <a:pPr>
-              <a:defRPr/>
-            </a:pPr>
-            <a:fld id="{E9A8CBA3-AA2B-46A6-BFA3-DCEBEAAB3F0A}" type="slidenum">
-              <a:rPr lang="en-US" smtClean="0"/>
-              <a:pPr>
-                <a:defRPr/>
-              </a:pPr>
-              <a:t>26</a:t>
-            </a:fld>
-            <a:endParaRPr lang="en-US"/>
-          </a:p>
-        </p:txBody>
-      </p:sp>
-      <p:sp>
-        <p:nvSpPr>
-          <p:cNvPr id="6" name="Text Placeholder 5"/>
-          <p:cNvSpPr>
-            <a:spLocks noGrp="1"/>
-          </p:cNvSpPr>
-          <p:nvPr>
-            <p:ph type="body" sz="quarter" idx="12"/>
-          </p:nvPr>
-        </p:nvSpPr>
-        <p:spPr/>
-        <p:txBody>
-          <a:bodyPr/>
-          <a:lstStyle/>
-          <a:p>
-            <a:endParaRPr lang="en-US" dirty="0"/>
-          </a:p>
-        </p:txBody>
-      </p:sp>
-      <p:pic>
-        <p:nvPicPr>
-          <p:cNvPr id="7" name="Picture 6">
-            <a:extLst>
-              <a:ext uri="{FF2B5EF4-FFF2-40B4-BE49-F238E27FC236}">
-                <a16:creationId xmlns:a16="http://schemas.microsoft.com/office/drawing/2014/main" id="{745E9504-18DB-41DD-9172-BEB31BCE8637}"/>
-              </a:ext>
-            </a:extLst>
-          </p:cNvPr>
-          <p:cNvPicPr>
-            <a:picLocks noChangeAspect="1"/>
-          </p:cNvPicPr>
-          <p:nvPr/>
-        </p:nvPicPr>
-        <p:blipFill>
-          <a:blip r:embed="rId2"/>
-          <a:stretch>
-            <a:fillRect/>
-          </a:stretch>
-        </p:blipFill>
-        <p:spPr>
-          <a:xfrm>
-            <a:off x="448654" y="1176619"/>
-            <a:ext cx="7685714" cy="4504762"/>
-          </a:xfrm>
-          <a:prstGeom prst="rect">
-            <a:avLst/>
-          </a:prstGeom>
-        </p:spPr>
-      </p:pic>
-    </p:spTree>
-    <p:extLst>
-      <p:ext uri="{BB962C8B-B14F-4D97-AF65-F5344CB8AC3E}">
-        <p14:creationId xmlns:p14="http://schemas.microsoft.com/office/powerpoint/2010/main" val="2160342575"/>
-      </p:ext>
-    </p:extLst>
-  </p:cSld>
-  <p:clrMapOvr>
-    <a:masterClrMapping/>
-  </p:clrMapOvr>
-</p:sld>
-</file>
-
-<file path=ppt/slides/slide27.xml><?xml version="1.0" encoding="utf-8"?>
-<p:sld xmlns:a="http://schemas.openxmlformats.org/drawingml/2006/main" xmlns:r="http://schemas.openxmlformats.org/officeDocument/2006/relationships" xmlns:p="http://schemas.openxmlformats.org/presentationml/2006/main">
-  <p:cSld>
-    <p:spTree>
-      <p:nvGrpSpPr>
-        <p:cNvPr id="1" name=""/>
-        <p:cNvGrpSpPr/>
-        <p:nvPr/>
-      </p:nvGrpSpPr>
-      <p:grpSpPr>
-        <a:xfrm>
-          <a:off x="0" y="0"/>
-          <a:ext cx="0" cy="0"/>
-          <a:chOff x="0" y="0"/>
-          <a:chExt cx="0" cy="0"/>
-        </a:xfrm>
-      </p:grpSpPr>
-      <p:sp>
-        <p:nvSpPr>
-          <p:cNvPr id="2" name="Title 1"/>
-          <p:cNvSpPr>
-            <a:spLocks noGrp="1"/>
-          </p:cNvSpPr>
-          <p:nvPr>
-            <p:ph type="title"/>
-          </p:nvPr>
-        </p:nvSpPr>
-        <p:spPr/>
-        <p:txBody>
-          <a:bodyPr/>
-          <a:lstStyle/>
-          <a:p>
-            <a:r>
-              <a:rPr lang="en-US" dirty="0"/>
-              <a:t>Interpreting the coefficients</a:t>
-            </a:r>
-          </a:p>
-        </p:txBody>
-      </p:sp>
-      <p:sp>
-        <p:nvSpPr>
-          <p:cNvPr id="3" name="Text Placeholder 2"/>
-          <p:cNvSpPr>
-            <a:spLocks noGrp="1"/>
-          </p:cNvSpPr>
-          <p:nvPr>
-            <p:ph type="body" idx="1"/>
-          </p:nvPr>
-        </p:nvSpPr>
-        <p:spPr/>
-        <p:txBody>
-          <a:bodyPr/>
-          <a:lstStyle/>
-          <a:p>
-            <a:endParaRPr lang="en-US" dirty="0"/>
-          </a:p>
-          <a:p>
-            <a:endParaRPr lang="en-US" dirty="0"/>
-          </a:p>
-          <a:p>
-            <a:endParaRPr lang="en-US" dirty="0"/>
-          </a:p>
-          <a:p>
-            <a:endParaRPr lang="en-US" dirty="0"/>
-          </a:p>
-          <a:p>
-            <a:r>
-              <a:rPr lang="en-US" dirty="0"/>
-              <a:t>The 95% confidence interval for the scale parameter is </a:t>
-            </a:r>
-          </a:p>
-          <a:p>
-            <a:endParaRPr lang="en-US" dirty="0"/>
-          </a:p>
-          <a:p>
-            <a:r>
-              <a:rPr lang="en-US" dirty="0"/>
-              <a:t>exp(0.225 +/- 1.96*0.124) or 0.982 to 1.598.</a:t>
-            </a:r>
-          </a:p>
-        </p:txBody>
-      </p:sp>
-      <p:sp>
-        <p:nvSpPr>
-          <p:cNvPr id="4" name="Footer Placeholder 3"/>
-          <p:cNvSpPr>
-            <a:spLocks noGrp="1"/>
-          </p:cNvSpPr>
-          <p:nvPr>
-            <p:ph type="ftr" sz="quarter" idx="10"/>
-          </p:nvPr>
-        </p:nvSpPr>
-        <p:spPr/>
-        <p:txBody>
-          <a:bodyPr/>
-          <a:lstStyle/>
-          <a:p>
-            <a:pPr>
-              <a:defRPr/>
-            </a:pPr>
-            <a:r>
-              <a:rPr lang="en-US" altLang="en-US" dirty="0"/>
-              <a:t>©2018 Steve Simon    http://TheAnalysisFactor.com</a:t>
-            </a:r>
-          </a:p>
-        </p:txBody>
-      </p:sp>
-      <p:sp>
-        <p:nvSpPr>
-          <p:cNvPr id="5" name="Slide Number Placeholder 4"/>
-          <p:cNvSpPr>
-            <a:spLocks noGrp="1"/>
-          </p:cNvSpPr>
-          <p:nvPr>
-            <p:ph type="sldNum" sz="quarter" idx="11"/>
-          </p:nvPr>
-        </p:nvSpPr>
-        <p:spPr/>
-        <p:txBody>
-          <a:bodyPr/>
-          <a:lstStyle/>
-          <a:p>
-            <a:pPr>
-              <a:defRPr/>
-            </a:pPr>
-            <a:endParaRPr lang="en-US"/>
-          </a:p>
-          <a:p>
-            <a:pPr>
-              <a:defRPr/>
-            </a:pPr>
-            <a:fld id="{E9A8CBA3-AA2B-46A6-BFA3-DCEBEAAB3F0A}" type="slidenum">
-              <a:rPr lang="en-US" smtClean="0"/>
-              <a:pPr>
-                <a:defRPr/>
-              </a:pPr>
-              <a:t>27</a:t>
-            </a:fld>
-            <a:endParaRPr lang="en-US"/>
-          </a:p>
-        </p:txBody>
-      </p:sp>
-      <p:pic>
-        <p:nvPicPr>
-          <p:cNvPr id="6" name="Picture 5">
-            <a:extLst>
-              <a:ext uri="{FF2B5EF4-FFF2-40B4-BE49-F238E27FC236}">
-                <a16:creationId xmlns:a16="http://schemas.microsoft.com/office/drawing/2014/main" id="{8C956AB3-84EE-4773-B245-7376C204967A}"/>
-              </a:ext>
-            </a:extLst>
-          </p:cNvPr>
-          <p:cNvPicPr>
-            <a:picLocks noChangeAspect="1"/>
-          </p:cNvPicPr>
-          <p:nvPr/>
-        </p:nvPicPr>
-        <p:blipFill>
-          <a:blip r:embed="rId2"/>
-          <a:stretch>
-            <a:fillRect/>
-          </a:stretch>
-        </p:blipFill>
-        <p:spPr>
-          <a:xfrm>
-            <a:off x="738666" y="1229000"/>
-            <a:ext cx="7666667" cy="2200000"/>
-          </a:xfrm>
-          <a:prstGeom prst="rect">
-            <a:avLst/>
-          </a:prstGeom>
-        </p:spPr>
-      </p:pic>
-    </p:spTree>
-    <p:extLst>
-      <p:ext uri="{BB962C8B-B14F-4D97-AF65-F5344CB8AC3E}">
-        <p14:creationId xmlns:p14="http://schemas.microsoft.com/office/powerpoint/2010/main" val="760566019"/>
-      </p:ext>
-    </p:extLst>
-  </p:cSld>
-  <p:clrMapOvr>
-    <a:masterClrMapping/>
-  </p:clrMapOvr>
-</p:sld>
-</file>
-
-<file path=ppt/slides/slide28.xml><?xml version="1.0" encoding="utf-8"?>
-<p:sld xmlns:a="http://schemas.openxmlformats.org/drawingml/2006/main" xmlns:r="http://schemas.openxmlformats.org/officeDocument/2006/relationships" xmlns:p="http://schemas.openxmlformats.org/presentationml/2006/main">
-  <p:cSld>
-    <p:spTree>
-      <p:nvGrpSpPr>
-        <p:cNvPr id="1" name=""/>
-        <p:cNvGrpSpPr/>
-        <p:nvPr/>
-      </p:nvGrpSpPr>
-      <p:grpSpPr>
-        <a:xfrm>
-          <a:off x="0" y="0"/>
-          <a:ext cx="0" cy="0"/>
-          <a:chOff x="0" y="0"/>
-          <a:chExt cx="0" cy="0"/>
-        </a:xfrm>
-      </p:grpSpPr>
-      <p:sp>
-        <p:nvSpPr>
-          <p:cNvPr id="2" name="Title 1"/>
-          <p:cNvSpPr>
-            <a:spLocks noGrp="1"/>
-          </p:cNvSpPr>
-          <p:nvPr>
-            <p:ph type="title"/>
-          </p:nvPr>
-        </p:nvSpPr>
-        <p:spPr/>
-        <p:txBody>
-          <a:bodyPr/>
-          <a:lstStyle/>
-          <a:p>
-            <a:r>
-              <a:rPr lang="en-US" dirty="0"/>
-              <a:t>The Weibull model</a:t>
-            </a:r>
-          </a:p>
-        </p:txBody>
-      </p:sp>
-      <p:sp>
-        <p:nvSpPr>
-          <p:cNvPr id="4" name="Footer Placeholder 3"/>
-          <p:cNvSpPr>
-            <a:spLocks noGrp="1"/>
-          </p:cNvSpPr>
-          <p:nvPr>
-            <p:ph type="ftr" sz="quarter" idx="10"/>
-          </p:nvPr>
-        </p:nvSpPr>
-        <p:spPr/>
-        <p:txBody>
-          <a:bodyPr/>
-          <a:lstStyle/>
-          <a:p>
-            <a:pPr>
-              <a:defRPr/>
-            </a:pPr>
-            <a:r>
-              <a:rPr lang="en-US" altLang="en-US" dirty="0"/>
-              <a:t>©2018 Steve Simon    http://TheAnalysisFactor.com</a:t>
-            </a:r>
-          </a:p>
-        </p:txBody>
-      </p:sp>
-      <p:sp>
-        <p:nvSpPr>
-          <p:cNvPr id="5" name="Slide Number Placeholder 4"/>
-          <p:cNvSpPr>
-            <a:spLocks noGrp="1"/>
-          </p:cNvSpPr>
-          <p:nvPr>
-            <p:ph type="sldNum" sz="quarter" idx="11"/>
-          </p:nvPr>
-        </p:nvSpPr>
-        <p:spPr/>
-        <p:txBody>
-          <a:bodyPr/>
-          <a:lstStyle/>
-          <a:p>
-            <a:pPr>
-              <a:defRPr/>
-            </a:pPr>
-            <a:endParaRPr lang="en-US"/>
-          </a:p>
-          <a:p>
-            <a:pPr>
-              <a:defRPr/>
-            </a:pPr>
-            <a:fld id="{E9A8CBA3-AA2B-46A6-BFA3-DCEBEAAB3F0A}" type="slidenum">
-              <a:rPr lang="en-US" smtClean="0"/>
-              <a:pPr>
-                <a:defRPr/>
-              </a:pPr>
-              <a:t>28</a:t>
-            </a:fld>
-            <a:endParaRPr lang="en-US"/>
-          </a:p>
-        </p:txBody>
-      </p:sp>
-      <p:sp>
-        <p:nvSpPr>
-          <p:cNvPr id="6" name="Text Placeholder 5"/>
-          <p:cNvSpPr>
-            <a:spLocks noGrp="1"/>
-          </p:cNvSpPr>
-          <p:nvPr>
-            <p:ph type="body" sz="quarter" idx="12"/>
-          </p:nvPr>
-        </p:nvSpPr>
-        <p:spPr/>
-        <p:txBody>
-          <a:bodyPr/>
-          <a:lstStyle/>
-          <a:p>
-            <a:endParaRPr lang="en-US" dirty="0"/>
-          </a:p>
-        </p:txBody>
-      </p:sp>
-      <p:pic>
-        <p:nvPicPr>
-          <p:cNvPr id="7" name="Picture 6">
-            <a:extLst>
-              <a:ext uri="{FF2B5EF4-FFF2-40B4-BE49-F238E27FC236}">
-                <a16:creationId xmlns:a16="http://schemas.microsoft.com/office/drawing/2014/main" id="{745E9504-18DB-41DD-9172-BEB31BCE8637}"/>
-              </a:ext>
-            </a:extLst>
-          </p:cNvPr>
-          <p:cNvPicPr>
-            <a:picLocks noChangeAspect="1"/>
-          </p:cNvPicPr>
-          <p:nvPr/>
-        </p:nvPicPr>
-        <p:blipFill>
-          <a:blip r:embed="rId2"/>
-          <a:stretch>
-            <a:fillRect/>
-          </a:stretch>
-        </p:blipFill>
-        <p:spPr>
-          <a:xfrm>
-            <a:off x="448654" y="1176619"/>
-            <a:ext cx="7685714" cy="4504762"/>
-          </a:xfrm>
-          <a:prstGeom prst="rect">
-            <a:avLst/>
-          </a:prstGeom>
-        </p:spPr>
-      </p:pic>
-    </p:spTree>
-    <p:extLst>
-      <p:ext uri="{BB962C8B-B14F-4D97-AF65-F5344CB8AC3E}">
-        <p14:creationId xmlns:p14="http://schemas.microsoft.com/office/powerpoint/2010/main" val="3893103565"/>
-      </p:ext>
-    </p:extLst>
-  </p:cSld>
-  <p:clrMapOvr>
-    <a:masterClrMapping/>
-  </p:clrMapOvr>
-</p:sld>
-</file>
-
-<file path=ppt/slides/slide29.xml><?xml version="1.0" encoding="utf-8"?>
-<p:sld xmlns:a="http://schemas.openxmlformats.org/drawingml/2006/main" xmlns:r="http://schemas.openxmlformats.org/officeDocument/2006/relationships" xmlns:p="http://schemas.openxmlformats.org/presentationml/2006/main">
-  <p:cSld>
-    <p:spTree>
-      <p:nvGrpSpPr>
-        <p:cNvPr id="1" name=""/>
-        <p:cNvGrpSpPr/>
-        <p:nvPr/>
-      </p:nvGrpSpPr>
-      <p:grpSpPr>
-        <a:xfrm>
-          <a:off x="0" y="0"/>
-          <a:ext cx="0" cy="0"/>
-          <a:chOff x="0" y="0"/>
-          <a:chExt cx="0" cy="0"/>
-        </a:xfrm>
-      </p:grpSpPr>
-      <p:sp>
-        <p:nvSpPr>
-          <p:cNvPr id="2" name="Title 1"/>
-          <p:cNvSpPr>
-            <a:spLocks noGrp="1"/>
-          </p:cNvSpPr>
-          <p:nvPr>
-            <p:ph type="title"/>
-          </p:nvPr>
-        </p:nvSpPr>
-        <p:spPr/>
-        <p:txBody>
-          <a:bodyPr/>
-          <a:lstStyle/>
-          <a:p>
-            <a:r>
-              <a:rPr lang="en-US" dirty="0"/>
-              <a:t>Conclusion</a:t>
-            </a:r>
-          </a:p>
-        </p:txBody>
-      </p:sp>
-      <p:sp>
-        <p:nvSpPr>
-          <p:cNvPr id="3" name="Text Placeholder 2"/>
-          <p:cNvSpPr>
-            <a:spLocks noGrp="1"/>
-          </p:cNvSpPr>
-          <p:nvPr>
-            <p:ph type="body" idx="1"/>
-          </p:nvPr>
-        </p:nvSpPr>
-        <p:spPr/>
-        <p:txBody>
-          <a:bodyPr/>
-          <a:lstStyle/>
-          <a:p>
-            <a:pPr marL="457200" indent="-457200">
-              <a:buFont typeface="+mj-lt"/>
-              <a:buAutoNum type="arabicPeriod"/>
-            </a:pPr>
-            <a:r>
-              <a:rPr lang="en-US" dirty="0">
-                <a:latin typeface="+mj-lt"/>
-                <a:cs typeface="Courier New" panose="02070309020205020404" pitchFamily="49" charset="0"/>
-              </a:rPr>
-              <a:t>The exponential and Weibull regression models fit a parametric survival curve to the data.</a:t>
-            </a:r>
-          </a:p>
-          <a:p>
-            <a:pPr marL="457200" indent="-457200">
-              <a:buFont typeface="+mj-lt"/>
-              <a:buAutoNum type="arabicPeriod"/>
-            </a:pPr>
-            <a:r>
-              <a:rPr lang="en-US" dirty="0">
-                <a:latin typeface="+mj-lt"/>
-                <a:cs typeface="Courier New" panose="02070309020205020404" pitchFamily="49" charset="0"/>
-              </a:rPr>
-              <a:t>You can interpret both models in terms of accelerated time.</a:t>
-            </a:r>
-          </a:p>
-          <a:p>
-            <a:pPr marL="457200" indent="-457200">
-              <a:buFont typeface="+mj-lt"/>
-              <a:buAutoNum type="arabicPeriod"/>
-            </a:pPr>
-            <a:r>
-              <a:rPr lang="en-US" dirty="0">
-                <a:latin typeface="+mj-lt"/>
-                <a:cs typeface="Courier New" panose="02070309020205020404" pitchFamily="49" charset="0"/>
-              </a:rPr>
-              <a:t>The exponential survival curve is associated with a constant hazard.</a:t>
-            </a:r>
-          </a:p>
-          <a:p>
-            <a:pPr marL="457200" indent="-457200">
-              <a:buFont typeface="+mj-lt"/>
-              <a:buAutoNum type="arabicPeriod"/>
-            </a:pPr>
-            <a:r>
-              <a:rPr lang="en-US" dirty="0">
-                <a:latin typeface="+mj-lt"/>
-                <a:cs typeface="Courier New" panose="02070309020205020404" pitchFamily="49" charset="0"/>
-              </a:rPr>
-              <a:t>The Weibull survival curve is associated with</a:t>
-            </a:r>
-          </a:p>
-          <a:p>
-            <a:pPr marL="914400" lvl="1" indent="-457200">
-              <a:buFont typeface="Arial" panose="020B0604020202020204" pitchFamily="34" charset="0"/>
-              <a:buChar char="•"/>
-            </a:pPr>
-            <a:r>
-              <a:rPr lang="en-US" dirty="0">
-                <a:latin typeface="+mj-lt"/>
-                <a:cs typeface="Courier New" panose="02070309020205020404" pitchFamily="49" charset="0"/>
-              </a:rPr>
-              <a:t> a decreasing hazard if the scale parameter is less than one,</a:t>
-            </a:r>
-          </a:p>
-          <a:p>
-            <a:pPr marL="914400" lvl="1" indent="-457200">
-              <a:buFont typeface="Arial" panose="020B0604020202020204" pitchFamily="34" charset="0"/>
-              <a:buChar char="•"/>
-            </a:pPr>
-            <a:r>
-              <a:rPr lang="en-US" dirty="0">
-                <a:latin typeface="+mj-lt"/>
-                <a:cs typeface="Courier New" panose="02070309020205020404" pitchFamily="49" charset="0"/>
-              </a:rPr>
-              <a:t>a constant hazard if the scale parameter equals one, and</a:t>
-            </a:r>
-          </a:p>
-          <a:p>
-            <a:pPr marL="914400" lvl="1" indent="-457200">
-              <a:buFont typeface="Arial" panose="020B0604020202020204" pitchFamily="34" charset="0"/>
-              <a:buChar char="•"/>
-            </a:pPr>
-            <a:r>
-              <a:rPr lang="en-US" dirty="0">
-                <a:latin typeface="+mj-lt"/>
-                <a:cs typeface="Courier New" panose="02070309020205020404" pitchFamily="49" charset="0"/>
-              </a:rPr>
-              <a:t>an increasing hazard if the scale parameter is greater than one.</a:t>
-            </a:r>
-            <a:endParaRPr lang="en-US" dirty="0">
-              <a:latin typeface="+mj-lt"/>
-            </a:endParaRPr>
-          </a:p>
-        </p:txBody>
-      </p:sp>
-      <p:sp>
-        <p:nvSpPr>
-          <p:cNvPr id="4" name="Footer Placeholder 3"/>
-          <p:cNvSpPr>
-            <a:spLocks noGrp="1"/>
-          </p:cNvSpPr>
-          <p:nvPr>
-            <p:ph type="ftr" sz="quarter" idx="10"/>
-          </p:nvPr>
-        </p:nvSpPr>
-        <p:spPr/>
-        <p:txBody>
-          <a:bodyPr/>
-          <a:lstStyle/>
-          <a:p>
-            <a:pPr>
-              <a:defRPr/>
-            </a:pPr>
-            <a:r>
-              <a:rPr lang="en-US" altLang="en-US" dirty="0"/>
-              <a:t>©2018 Steve Simon    http://TheAnalysisFactor.com</a:t>
-            </a:r>
-          </a:p>
-        </p:txBody>
-      </p:sp>
-      <p:sp>
-        <p:nvSpPr>
-          <p:cNvPr id="5" name="Slide Number Placeholder 4"/>
-          <p:cNvSpPr>
-            <a:spLocks noGrp="1"/>
-          </p:cNvSpPr>
-          <p:nvPr>
-            <p:ph type="sldNum" sz="quarter" idx="11"/>
-          </p:nvPr>
-        </p:nvSpPr>
-        <p:spPr/>
-        <p:txBody>
-          <a:bodyPr/>
-          <a:lstStyle/>
-          <a:p>
-            <a:pPr>
-              <a:defRPr/>
-            </a:pPr>
-            <a:endParaRPr lang="en-US"/>
-          </a:p>
-          <a:p>
-            <a:pPr>
-              <a:defRPr/>
-            </a:pPr>
-            <a:fld id="{E9A8CBA3-AA2B-46A6-BFA3-DCEBEAAB3F0A}" type="slidenum">
-              <a:rPr lang="en-US" smtClean="0"/>
-              <a:pPr>
-                <a:defRPr/>
-              </a:pPr>
-              <a:t>29</a:t>
-            </a:fld>
-            <a:endParaRPr lang="en-US"/>
-          </a:p>
-        </p:txBody>
-      </p:sp>
-      <p:sp>
-        <p:nvSpPr>
-          <p:cNvPr id="6" name="Text Placeholder 5"/>
-          <p:cNvSpPr>
-            <a:spLocks noGrp="1"/>
-          </p:cNvSpPr>
-          <p:nvPr>
-            <p:ph type="body" sz="quarter" idx="12"/>
-          </p:nvPr>
-        </p:nvSpPr>
-        <p:spPr/>
-        <p:txBody>
-          <a:bodyPr/>
-          <a:lstStyle/>
-          <a:p>
-            <a:r>
-              <a:rPr lang="en-US" dirty="0"/>
-              <a:t>What have you learned today?</a:t>
-            </a:r>
-          </a:p>
-        </p:txBody>
-      </p:sp>
-    </p:spTree>
-    <p:extLst>
-      <p:ext uri="{BB962C8B-B14F-4D97-AF65-F5344CB8AC3E}">
-        <p14:creationId xmlns:p14="http://schemas.microsoft.com/office/powerpoint/2010/main" val="1691035053"/>
       </p:ext>
     </p:extLst>
   </p:cSld>
@@ -7476,8 +5288,81 @@
           <a:p>
             <a:r>
               <a:rPr lang="en-US" dirty="0"/>
-              <a:t>The exponential distribution</a:t>
-            </a:r>
+              <a:t>Testing the proportional hazards assumption</a:t>
+            </a:r>
+          </a:p>
+        </p:txBody>
+      </p:sp>
+      <p:sp>
+        <p:nvSpPr>
+          <p:cNvPr id="3" name="Text Placeholder 2"/>
+          <p:cNvSpPr>
+            <a:spLocks noGrp="1"/>
+          </p:cNvSpPr>
+          <p:nvPr>
+            <p:ph type="body" idx="1"/>
+          </p:nvPr>
+        </p:nvSpPr>
+        <p:spPr/>
+        <p:txBody>
+          <a:bodyPr/>
+          <a:lstStyle/>
+          <a:p>
+            <a:pPr marL="342900" indent="-342900">
+              <a:buFont typeface="+mj-lt"/>
+              <a:buAutoNum type="arabicPeriod"/>
+            </a:pPr>
+            <a:r>
+              <a:rPr lang="en-US" sz="1800" dirty="0"/>
+              <a:t>Patterns in Kaplan-Meier curves</a:t>
+            </a:r>
+          </a:p>
+          <a:p>
+            <a:pPr marL="342900" indent="-342900">
+              <a:buFont typeface="+mj-lt"/>
+              <a:buAutoNum type="arabicPeriod"/>
+            </a:pPr>
+            <a:r>
+              <a:rPr lang="en-US" sz="1800" dirty="0"/>
+              <a:t>Complementary log-log plot</a:t>
+            </a:r>
+          </a:p>
+          <a:p>
+            <a:pPr marL="342900" indent="-342900">
+              <a:buFont typeface="+mj-lt"/>
+              <a:buAutoNum type="arabicPeriod"/>
+            </a:pPr>
+            <a:r>
+              <a:rPr lang="en-US" sz="1800" dirty="0"/>
+              <a:t>Schoenfeld Residuals</a:t>
+            </a:r>
+          </a:p>
+          <a:p>
+            <a:pPr marL="342900" indent="-342900">
+              <a:buFont typeface="+mj-lt"/>
+              <a:buAutoNum type="arabicPeriod"/>
+            </a:pPr>
+            <a:r>
+              <a:rPr lang="en-US" sz="1800" dirty="0"/>
+              <a:t>Fit time varying covariates</a:t>
+            </a:r>
+          </a:p>
+          <a:p>
+            <a:pPr marL="342900" indent="-342900">
+              <a:buFont typeface="+mj-lt"/>
+              <a:buAutoNum type="arabicPeriod"/>
+            </a:pPr>
+            <a:endParaRPr lang="en-US" sz="1800" dirty="0"/>
+          </a:p>
+          <a:p>
+            <a:r>
+              <a:rPr lang="en-US" sz="1800" dirty="0"/>
+              <a:t>Save this for another day</a:t>
+            </a:r>
+            <a:endParaRPr lang="en-US" sz="1800" b="1" dirty="0">
+              <a:latin typeface="Courier New" panose="02070309020205020404" pitchFamily="49" charset="0"/>
+              <a:cs typeface="Courier New" panose="02070309020205020404" pitchFamily="49" charset="0"/>
+            </a:endParaRPr>
           </a:p>
         </p:txBody>
       </p:sp>
@@ -7558,41 +5443,11 @@
           <a:p>
             <a:r>
               <a:rPr lang="en-US" dirty="0"/>
-              <a:t>The “standard” exponential distribution.</a:t>
-            </a:r>
-          </a:p>
-        </p:txBody>
-      </p:sp>
-      <p:pic>
-        <p:nvPicPr>
-          <p:cNvPr id="11" name="Picture 10">
-            <a:extLst>
-              <a:ext uri="{FF2B5EF4-FFF2-40B4-BE49-F238E27FC236}">
-                <a16:creationId xmlns:a16="http://schemas.microsoft.com/office/drawing/2014/main" id="{B9FDD56A-19F9-4332-BB17-6FA1F1A7CF53}"/>
-              </a:ext>
-            </a:extLst>
-          </p:cNvPr>
-          <p:cNvPicPr>
-            <a:picLocks noChangeAspect="1"/>
-          </p:cNvPicPr>
-          <p:nvPr/>
-        </p:nvPicPr>
-        <p:blipFill>
-          <a:blip r:embed="rId2"/>
-          <a:stretch>
-            <a:fillRect/>
-          </a:stretch>
-        </p:blipFill>
-        <p:spPr>
-          <a:xfrm>
-            <a:off x="481524" y="2319476"/>
-            <a:ext cx="8180952" cy="2219048"/>
-          </a:xfrm>
-          <a:prstGeom prst="rect">
-            <a:avLst/>
-          </a:prstGeom>
-        </p:spPr>
-      </p:pic>
+              <a:t>Several approaches</a:t>
+            </a:r>
+          </a:p>
+        </p:txBody>
+      </p:sp>
     </p:spTree>
     <p:extLst>
       <p:ext uri="{BB962C8B-B14F-4D97-AF65-F5344CB8AC3E}">
@@ -7640,7 +5495,7 @@
           <a:p>
             <a:r>
               <a:rPr lang="en-US" dirty="0"/>
-              <a:t>Survival curve for the “standard” exponential</a:t>
+              <a:t>Patterns in the Kaplan-Meier curves</a:t>
             </a:r>
           </a:p>
         </p:txBody>
@@ -7707,10 +5562,10 @@
       </p:sp>
       <p:pic>
         <p:nvPicPr>
-          <p:cNvPr id="6" name="Picture 5">
+          <p:cNvPr id="7" name="Picture 6">
             <a:extLst>
               <a:ext uri="{FF2B5EF4-FFF2-40B4-BE49-F238E27FC236}">
-                <a16:creationId xmlns:a16="http://schemas.microsoft.com/office/drawing/2014/main" id="{0AF0459A-6631-4F2C-A793-8602E3950424}"/>
+                <a16:creationId xmlns:a16="http://schemas.microsoft.com/office/drawing/2014/main" id="{4A46C8EF-9310-4C55-A3F6-977177CE6661}"/>
               </a:ext>
             </a:extLst>
           </p:cNvPr>
@@ -7727,8 +5582,8 @@
         </p:blipFill>
         <p:spPr>
           <a:xfrm>
-            <a:off x="457200" y="1143000"/>
-            <a:ext cx="8229600" cy="4572000"/>
+            <a:off x="457200" y="1330611"/>
+            <a:ext cx="8228571" cy="4571429"/>
           </a:xfrm>
           <a:prstGeom prst="rect">
             <a:avLst/>
@@ -7782,7 +5637,7 @@
           <a:p>
             <a:r>
               <a:rPr lang="en-US" dirty="0"/>
-              <a:t>The exponential distribution</a:t>
+              <a:t>Patterns in the Kaplan-Meier curves</a:t>
             </a:r>
           </a:p>
         </p:txBody>
@@ -7847,34 +5702,12 @@
           </a:p>
         </p:txBody>
       </p:sp>
-      <p:sp>
-        <p:nvSpPr>
-          <p:cNvPr id="6" name="Text Placeholder 5"/>
-          <p:cNvSpPr>
-            <a:spLocks noGrp="1"/>
-          </p:cNvSpPr>
-          <p:nvPr>
-            <p:ph type="body" sz="quarter" idx="12"/>
-          </p:nvPr>
-        </p:nvSpPr>
-        <p:spPr/>
-        <p:txBody>
-          <a:bodyPr/>
-          <a:lstStyle/>
-          <a:p>
-            <a:r>
-              <a:rPr lang="en-US" dirty="0"/>
-              <a:t>The rate and scale parameters.</a:t>
-            </a:r>
-          </a:p>
-        </p:txBody>
-      </p:sp>
       <p:pic>
         <p:nvPicPr>
-          <p:cNvPr id="7" name="Picture 6">
+          <p:cNvPr id="14" name="Picture 13">
             <a:extLst>
               <a:ext uri="{FF2B5EF4-FFF2-40B4-BE49-F238E27FC236}">
-                <a16:creationId xmlns:a16="http://schemas.microsoft.com/office/drawing/2014/main" id="{6ABDA5A7-46AA-4D9E-B5A2-00ED5330A494}"/>
+                <a16:creationId xmlns:a16="http://schemas.microsoft.com/office/drawing/2014/main" id="{8900260F-BADE-4445-BF83-73A0008195CB}"/>
               </a:ext>
             </a:extLst>
           </p:cNvPr>
@@ -7891,8 +5724,8 @@
         </p:blipFill>
         <p:spPr>
           <a:xfrm>
-            <a:off x="432987" y="2392587"/>
-            <a:ext cx="8228571" cy="3590476"/>
+            <a:off x="457714" y="1143285"/>
+            <a:ext cx="8228571" cy="4571429"/>
           </a:xfrm>
           <a:prstGeom prst="rect">
             <a:avLst/>
@@ -7902,7 +5735,7 @@
     </p:spTree>
     <p:extLst>
       <p:ext uri="{BB962C8B-B14F-4D97-AF65-F5344CB8AC3E}">
-        <p14:creationId xmlns:p14="http://schemas.microsoft.com/office/powerpoint/2010/main" val="2131824684"/>
+        <p14:creationId xmlns:p14="http://schemas.microsoft.com/office/powerpoint/2010/main" val="590533799"/>
       </p:ext>
     </p:extLst>
   </p:cSld>
@@ -7946,15 +5779,7 @@
           <a:p>
             <a:r>
               <a:rPr lang="en-US" dirty="0"/>
-              <a:t>Survival curve for </a:t>
-            </a:r>
-            <a:r>
-              <a:rPr lang="el-GR" dirty="0"/>
-              <a:t>θ</a:t>
-            </a:r>
-            <a:r>
-              <a:rPr lang="en-US" dirty="0"/>
-              <a:t>=2</a:t>
+              <a:t>Patterns in the Kaplan-Meier curves</a:t>
             </a:r>
           </a:p>
         </p:txBody>
@@ -8021,10 +5846,10 @@
       </p:sp>
       <p:pic>
         <p:nvPicPr>
-          <p:cNvPr id="7" name="Picture 6">
+          <p:cNvPr id="3" name="Picture 2">
             <a:extLst>
               <a:ext uri="{FF2B5EF4-FFF2-40B4-BE49-F238E27FC236}">
-                <a16:creationId xmlns:a16="http://schemas.microsoft.com/office/drawing/2014/main" id="{07196F52-C4CD-49C8-BEB5-B7F4441322C3}"/>
+                <a16:creationId xmlns:a16="http://schemas.microsoft.com/office/drawing/2014/main" id="{80B73433-E03B-4B1C-976E-B3623A32F2F9}"/>
               </a:ext>
             </a:extLst>
           </p:cNvPr>
@@ -8041,8 +5866,8 @@
         </p:blipFill>
         <p:spPr>
           <a:xfrm>
-            <a:off x="457200" y="1143000"/>
-            <a:ext cx="8229600" cy="4572000"/>
+            <a:off x="457200" y="1330611"/>
+            <a:ext cx="8228571" cy="4571429"/>
           </a:xfrm>
           <a:prstGeom prst="rect">
             <a:avLst/>
@@ -8052,7 +5877,7 @@
     </p:spTree>
     <p:extLst>
       <p:ext uri="{BB962C8B-B14F-4D97-AF65-F5344CB8AC3E}">
-        <p14:creationId xmlns:p14="http://schemas.microsoft.com/office/powerpoint/2010/main" val="3020556149"/>
+        <p14:creationId xmlns:p14="http://schemas.microsoft.com/office/powerpoint/2010/main" val="2120279368"/>
       </p:ext>
     </p:extLst>
   </p:cSld>
@@ -8096,15 +5921,7 @@
           <a:p>
             <a:r>
               <a:rPr lang="en-US" dirty="0"/>
-              <a:t>Survival curve for </a:t>
-            </a:r>
-            <a:r>
-              <a:rPr lang="el-GR" dirty="0"/>
-              <a:t>θ</a:t>
-            </a:r>
-            <a:r>
-              <a:rPr lang="en-US" dirty="0"/>
-              <a:t>=0.5</a:t>
+              <a:t>Patterns in the Kaplan-Meier curves</a:t>
             </a:r>
           </a:p>
         </p:txBody>
@@ -8171,10 +5988,10 @@
       </p:sp>
       <p:pic>
         <p:nvPicPr>
-          <p:cNvPr id="3" name="Picture 2">
+          <p:cNvPr id="6" name="Picture 5">
             <a:extLst>
               <a:ext uri="{FF2B5EF4-FFF2-40B4-BE49-F238E27FC236}">
-                <a16:creationId xmlns:a16="http://schemas.microsoft.com/office/drawing/2014/main" id="{C771C97A-9A49-4C77-A582-640E486D995A}"/>
+                <a16:creationId xmlns:a16="http://schemas.microsoft.com/office/drawing/2014/main" id="{DDC63C5B-AF76-4E9B-8566-B8EB46C9C94B}"/>
               </a:ext>
             </a:extLst>
           </p:cNvPr>
@@ -8191,8 +6008,8 @@
         </p:blipFill>
         <p:spPr>
           <a:xfrm>
-            <a:off x="457200" y="1143000"/>
-            <a:ext cx="8229600" cy="4572000"/>
+            <a:off x="466165" y="1330611"/>
+            <a:ext cx="8228571" cy="4571429"/>
           </a:xfrm>
           <a:prstGeom prst="rect">
             <a:avLst/>
@@ -8202,7 +6019,7 @@
     </p:spTree>
     <p:extLst>
       <p:ext uri="{BB962C8B-B14F-4D97-AF65-F5344CB8AC3E}">
-        <p14:creationId xmlns:p14="http://schemas.microsoft.com/office/powerpoint/2010/main" val="153076502"/>
+        <p14:creationId xmlns:p14="http://schemas.microsoft.com/office/powerpoint/2010/main" val="725762990"/>
       </p:ext>
     </p:extLst>
   </p:cSld>
@@ -8246,7 +6063,7 @@
           <a:p>
             <a:r>
               <a:rPr lang="en-US" dirty="0"/>
-              <a:t>The exponential distribution</a:t>
+              <a:t>Complementary log-log</a:t>
             </a:r>
           </a:p>
         </p:txBody>
@@ -8311,34 +6128,12 @@
           </a:p>
         </p:txBody>
       </p:sp>
-      <p:sp>
-        <p:nvSpPr>
-          <p:cNvPr id="6" name="Text Placeholder 5"/>
-          <p:cNvSpPr>
-            <a:spLocks noGrp="1"/>
-          </p:cNvSpPr>
-          <p:nvPr>
-            <p:ph type="body" sz="quarter" idx="12"/>
-          </p:nvPr>
-        </p:nvSpPr>
-        <p:spPr/>
-        <p:txBody>
-          <a:bodyPr/>
-          <a:lstStyle/>
-          <a:p>
-            <a:r>
-              <a:rPr lang="en-US" dirty="0"/>
-              <a:t>The accelerated time model.</a:t>
-            </a:r>
-          </a:p>
-        </p:txBody>
-      </p:sp>
       <p:pic>
         <p:nvPicPr>
-          <p:cNvPr id="3" name="Picture 2">
+          <p:cNvPr id="7" name="Picture 6">
             <a:extLst>
               <a:ext uri="{FF2B5EF4-FFF2-40B4-BE49-F238E27FC236}">
-                <a16:creationId xmlns:a16="http://schemas.microsoft.com/office/drawing/2014/main" id="{7FB5DC25-9B64-44D4-8371-9AAF45FE729C}"/>
+                <a16:creationId xmlns:a16="http://schemas.microsoft.com/office/drawing/2014/main" id="{B7C872F0-C6DA-40FD-8527-416FFF0758DE}"/>
               </a:ext>
             </a:extLst>
           </p:cNvPr>
@@ -8355,8 +6150,8 @@
         </p:blipFill>
         <p:spPr>
           <a:xfrm>
-            <a:off x="452952" y="2229000"/>
-            <a:ext cx="8238095" cy="2400000"/>
+            <a:off x="523875" y="1219200"/>
+            <a:ext cx="8096250" cy="4095750"/>
           </a:xfrm>
           <a:prstGeom prst="rect">
             <a:avLst/>
@@ -8366,7 +6161,7 @@
     </p:spTree>
     <p:extLst>
       <p:ext uri="{BB962C8B-B14F-4D97-AF65-F5344CB8AC3E}">
-        <p14:creationId xmlns:p14="http://schemas.microsoft.com/office/powerpoint/2010/main" val="426072366"/>
+        <p14:creationId xmlns:p14="http://schemas.microsoft.com/office/powerpoint/2010/main" val="2550397314"/>
       </p:ext>
     </p:extLst>
   </p:cSld>
@@ -8410,7 +6205,7 @@
           <a:p>
             <a:r>
               <a:rPr lang="en-US" dirty="0"/>
-              <a:t>The exponential distribution</a:t>
+              <a:t>Complementary log-log</a:t>
             </a:r>
           </a:p>
         </p:txBody>
@@ -8475,34 +6270,12 @@
           </a:p>
         </p:txBody>
       </p:sp>
-      <p:sp>
-        <p:nvSpPr>
-          <p:cNvPr id="6" name="Text Placeholder 5"/>
-          <p:cNvSpPr>
-            <a:spLocks noGrp="1"/>
-          </p:cNvSpPr>
-          <p:nvPr>
-            <p:ph type="body" sz="quarter" idx="12"/>
-          </p:nvPr>
-        </p:nvSpPr>
-        <p:spPr/>
-        <p:txBody>
-          <a:bodyPr/>
-          <a:lstStyle/>
-          <a:p>
-            <a:r>
-              <a:rPr lang="en-US" dirty="0"/>
-              <a:t>Comparison of percentiles.</a:t>
-            </a:r>
-          </a:p>
-        </p:txBody>
-      </p:sp>
       <p:pic>
         <p:nvPicPr>
-          <p:cNvPr id="7" name="Picture 6">
+          <p:cNvPr id="3" name="Picture 2">
             <a:extLst>
               <a:ext uri="{FF2B5EF4-FFF2-40B4-BE49-F238E27FC236}">
-                <a16:creationId xmlns:a16="http://schemas.microsoft.com/office/drawing/2014/main" id="{5A261DE1-0A62-4558-AE06-CA7E79F61B8E}"/>
+                <a16:creationId xmlns:a16="http://schemas.microsoft.com/office/drawing/2014/main" id="{D4C90B5E-D404-46F3-BF01-07DE02001EBF}"/>
               </a:ext>
             </a:extLst>
           </p:cNvPr>
@@ -8519,8 +6292,8 @@
         </p:blipFill>
         <p:spPr>
           <a:xfrm>
-            <a:off x="457714" y="2343638"/>
-            <a:ext cx="8228571" cy="2600000"/>
+            <a:off x="457714" y="1143285"/>
+            <a:ext cx="8228571" cy="4571429"/>
           </a:xfrm>
           <a:prstGeom prst="rect">
             <a:avLst/>
@@ -8530,7 +6303,7 @@
     </p:spTree>
     <p:extLst>
       <p:ext uri="{BB962C8B-B14F-4D97-AF65-F5344CB8AC3E}">
-        <p14:creationId xmlns:p14="http://schemas.microsoft.com/office/powerpoint/2010/main" val="3092994078"/>
+        <p14:creationId xmlns:p14="http://schemas.microsoft.com/office/powerpoint/2010/main" val="1837670986"/>
       </p:ext>
     </p:extLst>
   </p:cSld>

--- a/bin/survival lecture 6.pptx
+++ b/bin/survival lecture 6.pptx
@@ -5,10 +5,10 @@
     <p:sldMasterId id="2147483664" r:id="rId1"/>
   </p:sldMasterIdLst>
   <p:notesMasterIdLst>
-    <p:notesMasterId r:id="rId18"/>
+    <p:notesMasterId r:id="rId43"/>
   </p:notesMasterIdLst>
   <p:handoutMasterIdLst>
-    <p:handoutMasterId r:id="rId19"/>
+    <p:handoutMasterId r:id="rId44"/>
   </p:handoutMasterIdLst>
   <p:sldIdLst>
     <p:sldId id="256" r:id="rId2"/>
@@ -18,15 +18,40 @@
     <p:sldId id="386" r:id="rId6"/>
     <p:sldId id="387" r:id="rId7"/>
     <p:sldId id="388" r:id="rId8"/>
-    <p:sldId id="390" r:id="rId9"/>
-    <p:sldId id="391" r:id="rId10"/>
-    <p:sldId id="392" r:id="rId11"/>
-    <p:sldId id="393" r:id="rId12"/>
-    <p:sldId id="394" r:id="rId13"/>
-    <p:sldId id="395" r:id="rId14"/>
-    <p:sldId id="396" r:id="rId15"/>
-    <p:sldId id="397" r:id="rId16"/>
-    <p:sldId id="342" r:id="rId17"/>
+    <p:sldId id="410" r:id="rId9"/>
+    <p:sldId id="405" r:id="rId10"/>
+    <p:sldId id="406" r:id="rId11"/>
+    <p:sldId id="407" r:id="rId12"/>
+    <p:sldId id="390" r:id="rId13"/>
+    <p:sldId id="391" r:id="rId14"/>
+    <p:sldId id="408" r:id="rId15"/>
+    <p:sldId id="409" r:id="rId16"/>
+    <p:sldId id="393" r:id="rId17"/>
+    <p:sldId id="394" r:id="rId18"/>
+    <p:sldId id="395" r:id="rId19"/>
+    <p:sldId id="396" r:id="rId20"/>
+    <p:sldId id="397" r:id="rId21"/>
+    <p:sldId id="398" r:id="rId22"/>
+    <p:sldId id="399" r:id="rId23"/>
+    <p:sldId id="400" r:id="rId24"/>
+    <p:sldId id="401" r:id="rId25"/>
+    <p:sldId id="402" r:id="rId26"/>
+    <p:sldId id="403" r:id="rId27"/>
+    <p:sldId id="404" r:id="rId28"/>
+    <p:sldId id="411" r:id="rId29"/>
+    <p:sldId id="412" r:id="rId30"/>
+    <p:sldId id="423" r:id="rId31"/>
+    <p:sldId id="413" r:id="rId32"/>
+    <p:sldId id="414" r:id="rId33"/>
+    <p:sldId id="415" r:id="rId34"/>
+    <p:sldId id="416" r:id="rId35"/>
+    <p:sldId id="417" r:id="rId36"/>
+    <p:sldId id="418" r:id="rId37"/>
+    <p:sldId id="419" r:id="rId38"/>
+    <p:sldId id="420" r:id="rId39"/>
+    <p:sldId id="421" r:id="rId40"/>
+    <p:sldId id="422" r:id="rId41"/>
+    <p:sldId id="342" r:id="rId42"/>
   </p:sldIdLst>
   <p:sldSz cx="9144000" cy="6858000" type="screen4x3"/>
   <p:notesSz cx="9601200" cy="7315200"/>
@@ -343,7 +368,7 @@
               <a:pPr>
                 <a:defRPr/>
               </a:pPr>
-              <a:t>5/20/2018</a:t>
+              <a:t>6/1/2018</a:t>
             </a:fld>
             <a:endParaRPr lang="en-US" altLang="en-US"/>
           </a:p>
@@ -651,7 +676,7 @@
               <a:pPr>
                 <a:defRPr/>
               </a:pPr>
-              <a:t>5/19/2018</a:t>
+              <a:t>6/1/2018</a:t>
             </a:fld>
             <a:endParaRPr lang="en-US" altLang="en-US"/>
           </a:p>
@@ -4042,7 +4067,7 @@
           <a:p>
             <a:r>
               <a:rPr lang="en-US" dirty="0"/>
-              <a:t>Complementary log-log</a:t>
+              <a:t>Example: heroin data set.</a:t>
             </a:r>
           </a:p>
         </p:txBody>
@@ -4109,10 +4134,10 @@
       </p:sp>
       <p:pic>
         <p:nvPicPr>
-          <p:cNvPr id="3" name="Picture 2">
+          <p:cNvPr id="7" name="Picture 6">
             <a:extLst>
               <a:ext uri="{FF2B5EF4-FFF2-40B4-BE49-F238E27FC236}">
-                <a16:creationId xmlns:a16="http://schemas.microsoft.com/office/drawing/2014/main" id="{D416A30F-E158-4CDE-BF73-E61C43BF4527}"/>
+                <a16:creationId xmlns:a16="http://schemas.microsoft.com/office/drawing/2014/main" id="{7CEE852E-31B8-4D4A-8924-7D97B2332C38}"/>
               </a:ext>
             </a:extLst>
           </p:cNvPr>
@@ -4129,8 +4154,8 @@
         </p:blipFill>
         <p:spPr>
           <a:xfrm>
-            <a:off x="457714" y="1143285"/>
-            <a:ext cx="8228571" cy="4571429"/>
+            <a:off x="457200" y="1143000"/>
+            <a:ext cx="8229600" cy="4572000"/>
           </a:xfrm>
           <a:prstGeom prst="rect">
             <a:avLst/>
@@ -4140,7 +4165,7 @@
     </p:spTree>
     <p:extLst>
       <p:ext uri="{BB962C8B-B14F-4D97-AF65-F5344CB8AC3E}">
-        <p14:creationId xmlns:p14="http://schemas.microsoft.com/office/powerpoint/2010/main" val="2875145989"/>
+        <p14:creationId xmlns:p14="http://schemas.microsoft.com/office/powerpoint/2010/main" val="804386316"/>
       </p:ext>
     </p:extLst>
   </p:cSld>
@@ -4184,7 +4209,7 @@
           <a:p>
             <a:r>
               <a:rPr lang="en-US" dirty="0"/>
-              <a:t>Review of likelihood</a:t>
+              <a:t>Example: heroin data set.</a:t>
             </a:r>
           </a:p>
         </p:txBody>
@@ -4244,6 +4269,716 @@
                 <a:defRPr/>
               </a:pPr>
               <a:t>11</a:t>
+            </a:fld>
+            <a:endParaRPr lang="en-US"/>
+          </a:p>
+        </p:txBody>
+      </p:sp>
+      <p:pic>
+        <p:nvPicPr>
+          <p:cNvPr id="6" name="Picture 5">
+            <a:extLst>
+              <a:ext uri="{FF2B5EF4-FFF2-40B4-BE49-F238E27FC236}">
+                <a16:creationId xmlns:a16="http://schemas.microsoft.com/office/drawing/2014/main" id="{2EA51F00-843A-47D5-A7E8-9A3402A84A6A}"/>
+              </a:ext>
+            </a:extLst>
+          </p:cNvPr>
+          <p:cNvPicPr>
+            <a:picLocks noChangeAspect="1"/>
+          </p:cNvPicPr>
+          <p:nvPr/>
+        </p:nvPicPr>
+        <p:blipFill>
+          <a:blip r:embed="rId2"/>
+          <a:stretch>
+            <a:fillRect/>
+          </a:stretch>
+        </p:blipFill>
+        <p:spPr>
+          <a:xfrm>
+            <a:off x="457200" y="1143000"/>
+            <a:ext cx="8229600" cy="4572000"/>
+          </a:xfrm>
+          <a:prstGeom prst="rect">
+            <a:avLst/>
+          </a:prstGeom>
+        </p:spPr>
+      </p:pic>
+    </p:spTree>
+    <p:extLst>
+      <p:ext uri="{BB962C8B-B14F-4D97-AF65-F5344CB8AC3E}">
+        <p14:creationId xmlns:p14="http://schemas.microsoft.com/office/powerpoint/2010/main" val="1385429642"/>
+      </p:ext>
+    </p:extLst>
+  </p:cSld>
+  <p:clrMapOvr>
+    <a:masterClrMapping/>
+  </p:clrMapOvr>
+</p:sld>
+</file>
+
+<file path=ppt/slides/slide12.xml><?xml version="1.0" encoding="utf-8"?>
+<p:sld xmlns:a="http://schemas.openxmlformats.org/drawingml/2006/main" xmlns:r="http://schemas.openxmlformats.org/officeDocument/2006/relationships" xmlns:p="http://schemas.openxmlformats.org/presentationml/2006/main">
+  <p:cSld>
+    <p:spTree>
+      <p:nvGrpSpPr>
+        <p:cNvPr id="1" name=""/>
+        <p:cNvGrpSpPr/>
+        <p:nvPr/>
+      </p:nvGrpSpPr>
+      <p:grpSpPr>
+        <a:xfrm>
+          <a:off x="0" y="0"/>
+          <a:ext cx="0" cy="0"/>
+          <a:chOff x="0" y="0"/>
+          <a:chExt cx="0" cy="0"/>
+        </a:xfrm>
+      </p:grpSpPr>
+      <p:sp>
+        <p:nvSpPr>
+          <p:cNvPr id="2" name="Title 1"/>
+          <p:cNvSpPr>
+            <a:spLocks noGrp="1"/>
+          </p:cNvSpPr>
+          <p:nvPr>
+            <p:ph type="title"/>
+          </p:nvPr>
+        </p:nvSpPr>
+        <p:spPr/>
+        <p:txBody>
+          <a:bodyPr/>
+          <a:lstStyle/>
+          <a:p>
+            <a:r>
+              <a:rPr lang="en-US" dirty="0"/>
+              <a:t>Complementary log-log</a:t>
+            </a:r>
+          </a:p>
+        </p:txBody>
+      </p:sp>
+      <p:sp>
+        <p:nvSpPr>
+          <p:cNvPr id="4" name="Footer Placeholder 3"/>
+          <p:cNvSpPr>
+            <a:spLocks noGrp="1"/>
+          </p:cNvSpPr>
+          <p:nvPr>
+            <p:ph type="ftr" sz="quarter" idx="10"/>
+          </p:nvPr>
+        </p:nvSpPr>
+        <p:spPr/>
+        <p:txBody>
+          <a:bodyPr/>
+          <a:lstStyle/>
+          <a:p>
+            <a:pPr>
+              <a:defRPr/>
+            </a:pPr>
+            <a:r>
+              <a:rPr lang="en-US" altLang="en-US" dirty="0"/>
+              <a:t>©2018 Steve Simon    http://TheAnalysisFactor.com</a:t>
+            </a:r>
+          </a:p>
+        </p:txBody>
+      </p:sp>
+      <p:sp>
+        <p:nvSpPr>
+          <p:cNvPr id="5" name="Slide Number Placeholder 4"/>
+          <p:cNvSpPr>
+            <a:spLocks noGrp="1"/>
+          </p:cNvSpPr>
+          <p:nvPr>
+            <p:ph type="sldNum" sz="quarter" idx="11"/>
+          </p:nvPr>
+        </p:nvSpPr>
+        <p:spPr/>
+        <p:txBody>
+          <a:bodyPr/>
+          <a:lstStyle/>
+          <a:p>
+            <a:pPr>
+              <a:defRPr/>
+            </a:pPr>
+            <a:endParaRPr lang="en-US"/>
+          </a:p>
+          <a:p>
+            <a:pPr>
+              <a:defRPr/>
+            </a:pPr>
+            <a:fld id="{E9A8CBA3-AA2B-46A6-BFA3-DCEBEAAB3F0A}" type="slidenum">
+              <a:rPr lang="en-US" smtClean="0"/>
+              <a:pPr>
+                <a:defRPr/>
+              </a:pPr>
+              <a:t>12</a:t>
+            </a:fld>
+            <a:endParaRPr lang="en-US"/>
+          </a:p>
+        </p:txBody>
+      </p:sp>
+      <p:pic>
+        <p:nvPicPr>
+          <p:cNvPr id="7" name="Picture 6">
+            <a:extLst>
+              <a:ext uri="{FF2B5EF4-FFF2-40B4-BE49-F238E27FC236}">
+                <a16:creationId xmlns:a16="http://schemas.microsoft.com/office/drawing/2014/main" id="{B7C872F0-C6DA-40FD-8527-416FFF0758DE}"/>
+              </a:ext>
+            </a:extLst>
+          </p:cNvPr>
+          <p:cNvPicPr>
+            <a:picLocks noChangeAspect="1"/>
+          </p:cNvPicPr>
+          <p:nvPr/>
+        </p:nvPicPr>
+        <p:blipFill>
+          <a:blip r:embed="rId2"/>
+          <a:stretch>
+            <a:fillRect/>
+          </a:stretch>
+        </p:blipFill>
+        <p:spPr>
+          <a:xfrm>
+            <a:off x="523875" y="1219200"/>
+            <a:ext cx="8096250" cy="4095750"/>
+          </a:xfrm>
+          <a:prstGeom prst="rect">
+            <a:avLst/>
+          </a:prstGeom>
+        </p:spPr>
+      </p:pic>
+    </p:spTree>
+    <p:extLst>
+      <p:ext uri="{BB962C8B-B14F-4D97-AF65-F5344CB8AC3E}">
+        <p14:creationId xmlns:p14="http://schemas.microsoft.com/office/powerpoint/2010/main" val="2550397314"/>
+      </p:ext>
+    </p:extLst>
+  </p:cSld>
+  <p:clrMapOvr>
+    <a:masterClrMapping/>
+  </p:clrMapOvr>
+</p:sld>
+</file>
+
+<file path=ppt/slides/slide13.xml><?xml version="1.0" encoding="utf-8"?>
+<p:sld xmlns:a="http://schemas.openxmlformats.org/drawingml/2006/main" xmlns:r="http://schemas.openxmlformats.org/officeDocument/2006/relationships" xmlns:p="http://schemas.openxmlformats.org/presentationml/2006/main">
+  <p:cSld>
+    <p:spTree>
+      <p:nvGrpSpPr>
+        <p:cNvPr id="1" name=""/>
+        <p:cNvGrpSpPr/>
+        <p:nvPr/>
+      </p:nvGrpSpPr>
+      <p:grpSpPr>
+        <a:xfrm>
+          <a:off x="0" y="0"/>
+          <a:ext cx="0" cy="0"/>
+          <a:chOff x="0" y="0"/>
+          <a:chExt cx="0" cy="0"/>
+        </a:xfrm>
+      </p:grpSpPr>
+      <p:sp>
+        <p:nvSpPr>
+          <p:cNvPr id="2" name="Title 1"/>
+          <p:cNvSpPr>
+            <a:spLocks noGrp="1"/>
+          </p:cNvSpPr>
+          <p:nvPr>
+            <p:ph type="title"/>
+          </p:nvPr>
+        </p:nvSpPr>
+        <p:spPr/>
+        <p:txBody>
+          <a:bodyPr/>
+          <a:lstStyle/>
+          <a:p>
+            <a:r>
+              <a:rPr lang="en-US" dirty="0"/>
+              <a:t>Complementary log-log</a:t>
+            </a:r>
+          </a:p>
+        </p:txBody>
+      </p:sp>
+      <p:sp>
+        <p:nvSpPr>
+          <p:cNvPr id="4" name="Footer Placeholder 3"/>
+          <p:cNvSpPr>
+            <a:spLocks noGrp="1"/>
+          </p:cNvSpPr>
+          <p:nvPr>
+            <p:ph type="ftr" sz="quarter" idx="10"/>
+          </p:nvPr>
+        </p:nvSpPr>
+        <p:spPr/>
+        <p:txBody>
+          <a:bodyPr/>
+          <a:lstStyle/>
+          <a:p>
+            <a:pPr>
+              <a:defRPr/>
+            </a:pPr>
+            <a:r>
+              <a:rPr lang="en-US" altLang="en-US" dirty="0"/>
+              <a:t>©2018 Steve Simon    http://TheAnalysisFactor.com</a:t>
+            </a:r>
+          </a:p>
+        </p:txBody>
+      </p:sp>
+      <p:sp>
+        <p:nvSpPr>
+          <p:cNvPr id="5" name="Slide Number Placeholder 4"/>
+          <p:cNvSpPr>
+            <a:spLocks noGrp="1"/>
+          </p:cNvSpPr>
+          <p:nvPr>
+            <p:ph type="sldNum" sz="quarter" idx="11"/>
+          </p:nvPr>
+        </p:nvSpPr>
+        <p:spPr/>
+        <p:txBody>
+          <a:bodyPr/>
+          <a:lstStyle/>
+          <a:p>
+            <a:pPr>
+              <a:defRPr/>
+            </a:pPr>
+            <a:endParaRPr lang="en-US"/>
+          </a:p>
+          <a:p>
+            <a:pPr>
+              <a:defRPr/>
+            </a:pPr>
+            <a:fld id="{E9A8CBA3-AA2B-46A6-BFA3-DCEBEAAB3F0A}" type="slidenum">
+              <a:rPr lang="en-US" smtClean="0"/>
+              <a:pPr>
+                <a:defRPr/>
+              </a:pPr>
+              <a:t>13</a:t>
+            </a:fld>
+            <a:endParaRPr lang="en-US"/>
+          </a:p>
+        </p:txBody>
+      </p:sp>
+      <p:pic>
+        <p:nvPicPr>
+          <p:cNvPr id="7" name="Picture 6">
+            <a:extLst>
+              <a:ext uri="{FF2B5EF4-FFF2-40B4-BE49-F238E27FC236}">
+                <a16:creationId xmlns:a16="http://schemas.microsoft.com/office/drawing/2014/main" id="{9B75BD5B-4A1D-4EA4-A30D-E4B7732EA709}"/>
+              </a:ext>
+            </a:extLst>
+          </p:cNvPr>
+          <p:cNvPicPr>
+            <a:picLocks noChangeAspect="1"/>
+          </p:cNvPicPr>
+          <p:nvPr/>
+        </p:nvPicPr>
+        <p:blipFill>
+          <a:blip r:embed="rId2"/>
+          <a:stretch>
+            <a:fillRect/>
+          </a:stretch>
+        </p:blipFill>
+        <p:spPr>
+          <a:xfrm>
+            <a:off x="457200" y="1143000"/>
+            <a:ext cx="8229600" cy="4572000"/>
+          </a:xfrm>
+          <a:prstGeom prst="rect">
+            <a:avLst/>
+          </a:prstGeom>
+        </p:spPr>
+      </p:pic>
+    </p:spTree>
+    <p:extLst>
+      <p:ext uri="{BB962C8B-B14F-4D97-AF65-F5344CB8AC3E}">
+        <p14:creationId xmlns:p14="http://schemas.microsoft.com/office/powerpoint/2010/main" val="1837670986"/>
+      </p:ext>
+    </p:extLst>
+  </p:cSld>
+  <p:clrMapOvr>
+    <a:masterClrMapping/>
+  </p:clrMapOvr>
+</p:sld>
+</file>
+
+<file path=ppt/slides/slide14.xml><?xml version="1.0" encoding="utf-8"?>
+<p:sld xmlns:a="http://schemas.openxmlformats.org/drawingml/2006/main" xmlns:r="http://schemas.openxmlformats.org/officeDocument/2006/relationships" xmlns:p="http://schemas.openxmlformats.org/presentationml/2006/main">
+  <p:cSld>
+    <p:spTree>
+      <p:nvGrpSpPr>
+        <p:cNvPr id="1" name=""/>
+        <p:cNvGrpSpPr/>
+        <p:nvPr/>
+      </p:nvGrpSpPr>
+      <p:grpSpPr>
+        <a:xfrm>
+          <a:off x="0" y="0"/>
+          <a:ext cx="0" cy="0"/>
+          <a:chOff x="0" y="0"/>
+          <a:chExt cx="0" cy="0"/>
+        </a:xfrm>
+      </p:grpSpPr>
+      <p:sp>
+        <p:nvSpPr>
+          <p:cNvPr id="2" name="Title 1"/>
+          <p:cNvSpPr>
+            <a:spLocks noGrp="1"/>
+          </p:cNvSpPr>
+          <p:nvPr>
+            <p:ph type="title"/>
+          </p:nvPr>
+        </p:nvSpPr>
+        <p:spPr/>
+        <p:txBody>
+          <a:bodyPr/>
+          <a:lstStyle/>
+          <a:p>
+            <a:r>
+              <a:rPr lang="en-US" dirty="0"/>
+              <a:t>Complementary log-log</a:t>
+            </a:r>
+          </a:p>
+        </p:txBody>
+      </p:sp>
+      <p:sp>
+        <p:nvSpPr>
+          <p:cNvPr id="4" name="Footer Placeholder 3"/>
+          <p:cNvSpPr>
+            <a:spLocks noGrp="1"/>
+          </p:cNvSpPr>
+          <p:nvPr>
+            <p:ph type="ftr" sz="quarter" idx="10"/>
+          </p:nvPr>
+        </p:nvSpPr>
+        <p:spPr/>
+        <p:txBody>
+          <a:bodyPr/>
+          <a:lstStyle/>
+          <a:p>
+            <a:pPr>
+              <a:defRPr/>
+            </a:pPr>
+            <a:r>
+              <a:rPr lang="en-US" altLang="en-US" dirty="0"/>
+              <a:t>©2018 Steve Simon    http://TheAnalysisFactor.com</a:t>
+            </a:r>
+          </a:p>
+        </p:txBody>
+      </p:sp>
+      <p:sp>
+        <p:nvSpPr>
+          <p:cNvPr id="5" name="Slide Number Placeholder 4"/>
+          <p:cNvSpPr>
+            <a:spLocks noGrp="1"/>
+          </p:cNvSpPr>
+          <p:nvPr>
+            <p:ph type="sldNum" sz="quarter" idx="11"/>
+          </p:nvPr>
+        </p:nvSpPr>
+        <p:spPr/>
+        <p:txBody>
+          <a:bodyPr/>
+          <a:lstStyle/>
+          <a:p>
+            <a:pPr>
+              <a:defRPr/>
+            </a:pPr>
+            <a:endParaRPr lang="en-US"/>
+          </a:p>
+          <a:p>
+            <a:pPr>
+              <a:defRPr/>
+            </a:pPr>
+            <a:fld id="{E9A8CBA3-AA2B-46A6-BFA3-DCEBEAAB3F0A}" type="slidenum">
+              <a:rPr lang="en-US" smtClean="0"/>
+              <a:pPr>
+                <a:defRPr/>
+              </a:pPr>
+              <a:t>14</a:t>
+            </a:fld>
+            <a:endParaRPr lang="en-US"/>
+          </a:p>
+        </p:txBody>
+      </p:sp>
+      <p:pic>
+        <p:nvPicPr>
+          <p:cNvPr id="6" name="Picture 5">
+            <a:extLst>
+              <a:ext uri="{FF2B5EF4-FFF2-40B4-BE49-F238E27FC236}">
+                <a16:creationId xmlns:a16="http://schemas.microsoft.com/office/drawing/2014/main" id="{31295E56-A2A9-4973-BBC3-87E8E3C71613}"/>
+              </a:ext>
+            </a:extLst>
+          </p:cNvPr>
+          <p:cNvPicPr>
+            <a:picLocks noChangeAspect="1"/>
+          </p:cNvPicPr>
+          <p:nvPr/>
+        </p:nvPicPr>
+        <p:blipFill>
+          <a:blip r:embed="rId2"/>
+          <a:stretch>
+            <a:fillRect/>
+          </a:stretch>
+        </p:blipFill>
+        <p:spPr>
+          <a:xfrm>
+            <a:off x="457200" y="1143000"/>
+            <a:ext cx="8229600" cy="4572000"/>
+          </a:xfrm>
+          <a:prstGeom prst="rect">
+            <a:avLst/>
+          </a:prstGeom>
+        </p:spPr>
+      </p:pic>
+    </p:spTree>
+    <p:extLst>
+      <p:ext uri="{BB962C8B-B14F-4D97-AF65-F5344CB8AC3E}">
+        <p14:creationId xmlns:p14="http://schemas.microsoft.com/office/powerpoint/2010/main" val="2369487462"/>
+      </p:ext>
+    </p:extLst>
+  </p:cSld>
+  <p:clrMapOvr>
+    <a:masterClrMapping/>
+  </p:clrMapOvr>
+</p:sld>
+</file>
+
+<file path=ppt/slides/slide15.xml><?xml version="1.0" encoding="utf-8"?>
+<p:sld xmlns:a="http://schemas.openxmlformats.org/drawingml/2006/main" xmlns:r="http://schemas.openxmlformats.org/officeDocument/2006/relationships" xmlns:p="http://schemas.openxmlformats.org/presentationml/2006/main">
+  <p:cSld>
+    <p:spTree>
+      <p:nvGrpSpPr>
+        <p:cNvPr id="1" name=""/>
+        <p:cNvGrpSpPr/>
+        <p:nvPr/>
+      </p:nvGrpSpPr>
+      <p:grpSpPr>
+        <a:xfrm>
+          <a:off x="0" y="0"/>
+          <a:ext cx="0" cy="0"/>
+          <a:chOff x="0" y="0"/>
+          <a:chExt cx="0" cy="0"/>
+        </a:xfrm>
+      </p:grpSpPr>
+      <p:sp>
+        <p:nvSpPr>
+          <p:cNvPr id="2" name="Title 1"/>
+          <p:cNvSpPr>
+            <a:spLocks noGrp="1"/>
+          </p:cNvSpPr>
+          <p:nvPr>
+            <p:ph type="title"/>
+          </p:nvPr>
+        </p:nvSpPr>
+        <p:spPr/>
+        <p:txBody>
+          <a:bodyPr/>
+          <a:lstStyle/>
+          <a:p>
+            <a:r>
+              <a:rPr lang="en-US" dirty="0"/>
+              <a:t>Complementary log-log</a:t>
+            </a:r>
+          </a:p>
+        </p:txBody>
+      </p:sp>
+      <p:sp>
+        <p:nvSpPr>
+          <p:cNvPr id="4" name="Footer Placeholder 3"/>
+          <p:cNvSpPr>
+            <a:spLocks noGrp="1"/>
+          </p:cNvSpPr>
+          <p:nvPr>
+            <p:ph type="ftr" sz="quarter" idx="10"/>
+          </p:nvPr>
+        </p:nvSpPr>
+        <p:spPr/>
+        <p:txBody>
+          <a:bodyPr/>
+          <a:lstStyle/>
+          <a:p>
+            <a:pPr>
+              <a:defRPr/>
+            </a:pPr>
+            <a:r>
+              <a:rPr lang="en-US" altLang="en-US" dirty="0"/>
+              <a:t>©2018 Steve Simon    http://TheAnalysisFactor.com</a:t>
+            </a:r>
+          </a:p>
+        </p:txBody>
+      </p:sp>
+      <p:sp>
+        <p:nvSpPr>
+          <p:cNvPr id="5" name="Slide Number Placeholder 4"/>
+          <p:cNvSpPr>
+            <a:spLocks noGrp="1"/>
+          </p:cNvSpPr>
+          <p:nvPr>
+            <p:ph type="sldNum" sz="quarter" idx="11"/>
+          </p:nvPr>
+        </p:nvSpPr>
+        <p:spPr/>
+        <p:txBody>
+          <a:bodyPr/>
+          <a:lstStyle/>
+          <a:p>
+            <a:pPr>
+              <a:defRPr/>
+            </a:pPr>
+            <a:endParaRPr lang="en-US"/>
+          </a:p>
+          <a:p>
+            <a:pPr>
+              <a:defRPr/>
+            </a:pPr>
+            <a:fld id="{E9A8CBA3-AA2B-46A6-BFA3-DCEBEAAB3F0A}" type="slidenum">
+              <a:rPr lang="en-US" smtClean="0"/>
+              <a:pPr>
+                <a:defRPr/>
+              </a:pPr>
+              <a:t>15</a:t>
+            </a:fld>
+            <a:endParaRPr lang="en-US"/>
+          </a:p>
+        </p:txBody>
+      </p:sp>
+      <p:pic>
+        <p:nvPicPr>
+          <p:cNvPr id="6" name="Picture 5">
+            <a:extLst>
+              <a:ext uri="{FF2B5EF4-FFF2-40B4-BE49-F238E27FC236}">
+                <a16:creationId xmlns:a16="http://schemas.microsoft.com/office/drawing/2014/main" id="{DE8A1798-3B00-4514-8FDB-641736AAC371}"/>
+              </a:ext>
+            </a:extLst>
+          </p:cNvPr>
+          <p:cNvPicPr>
+            <a:picLocks noChangeAspect="1"/>
+          </p:cNvPicPr>
+          <p:nvPr/>
+        </p:nvPicPr>
+        <p:blipFill>
+          <a:blip r:embed="rId2"/>
+          <a:stretch>
+            <a:fillRect/>
+          </a:stretch>
+        </p:blipFill>
+        <p:spPr>
+          <a:xfrm>
+            <a:off x="457200" y="1143000"/>
+            <a:ext cx="8229600" cy="4572000"/>
+          </a:xfrm>
+          <a:prstGeom prst="rect">
+            <a:avLst/>
+          </a:prstGeom>
+        </p:spPr>
+      </p:pic>
+    </p:spTree>
+    <p:extLst>
+      <p:ext uri="{BB962C8B-B14F-4D97-AF65-F5344CB8AC3E}">
+        <p14:creationId xmlns:p14="http://schemas.microsoft.com/office/powerpoint/2010/main" val="3968318964"/>
+      </p:ext>
+    </p:extLst>
+  </p:cSld>
+  <p:clrMapOvr>
+    <a:masterClrMapping/>
+  </p:clrMapOvr>
+</p:sld>
+</file>
+
+<file path=ppt/slides/slide16.xml><?xml version="1.0" encoding="utf-8"?>
+<p:sld xmlns:a="http://schemas.openxmlformats.org/drawingml/2006/main" xmlns:r="http://schemas.openxmlformats.org/officeDocument/2006/relationships" xmlns:p="http://schemas.openxmlformats.org/presentationml/2006/main">
+  <p:cSld>
+    <p:spTree>
+      <p:nvGrpSpPr>
+        <p:cNvPr id="1" name=""/>
+        <p:cNvGrpSpPr/>
+        <p:nvPr/>
+      </p:nvGrpSpPr>
+      <p:grpSpPr>
+        <a:xfrm>
+          <a:off x="0" y="0"/>
+          <a:ext cx="0" cy="0"/>
+          <a:chOff x="0" y="0"/>
+          <a:chExt cx="0" cy="0"/>
+        </a:xfrm>
+      </p:grpSpPr>
+      <p:sp>
+        <p:nvSpPr>
+          <p:cNvPr id="2" name="Title 1"/>
+          <p:cNvSpPr>
+            <a:spLocks noGrp="1"/>
+          </p:cNvSpPr>
+          <p:nvPr>
+            <p:ph type="title"/>
+          </p:nvPr>
+        </p:nvSpPr>
+        <p:spPr/>
+        <p:txBody>
+          <a:bodyPr/>
+          <a:lstStyle/>
+          <a:p>
+            <a:r>
+              <a:rPr lang="en-US" dirty="0"/>
+              <a:t>Review of likelihood</a:t>
+            </a:r>
+          </a:p>
+        </p:txBody>
+      </p:sp>
+      <p:sp>
+        <p:nvSpPr>
+          <p:cNvPr id="4" name="Footer Placeholder 3"/>
+          <p:cNvSpPr>
+            <a:spLocks noGrp="1"/>
+          </p:cNvSpPr>
+          <p:nvPr>
+            <p:ph type="ftr" sz="quarter" idx="10"/>
+          </p:nvPr>
+        </p:nvSpPr>
+        <p:spPr/>
+        <p:txBody>
+          <a:bodyPr/>
+          <a:lstStyle/>
+          <a:p>
+            <a:pPr>
+              <a:defRPr/>
+            </a:pPr>
+            <a:r>
+              <a:rPr lang="en-US" altLang="en-US" dirty="0"/>
+              <a:t>©2018 Steve Simon    http://TheAnalysisFactor.com</a:t>
+            </a:r>
+          </a:p>
+        </p:txBody>
+      </p:sp>
+      <p:sp>
+        <p:nvSpPr>
+          <p:cNvPr id="5" name="Slide Number Placeholder 4"/>
+          <p:cNvSpPr>
+            <a:spLocks noGrp="1"/>
+          </p:cNvSpPr>
+          <p:nvPr>
+            <p:ph type="sldNum" sz="quarter" idx="11"/>
+          </p:nvPr>
+        </p:nvSpPr>
+        <p:spPr/>
+        <p:txBody>
+          <a:bodyPr/>
+          <a:lstStyle/>
+          <a:p>
+            <a:pPr>
+              <a:defRPr/>
+            </a:pPr>
+            <a:endParaRPr lang="en-US"/>
+          </a:p>
+          <a:p>
+            <a:pPr>
+              <a:defRPr/>
+            </a:pPr>
+            <a:fld id="{E9A8CBA3-AA2B-46A6-BFA3-DCEBEAAB3F0A}" type="slidenum">
+              <a:rPr lang="en-US" smtClean="0"/>
+              <a:pPr>
+                <a:defRPr/>
+              </a:pPr>
+              <a:t>16</a:t>
             </a:fld>
             <a:endParaRPr lang="en-US"/>
           </a:p>
@@ -4292,7 +5027,7 @@
 </p:sld>
 </file>
 
-<file path=ppt/slides/slide12.xml><?xml version="1.0" encoding="utf-8"?>
+<file path=ppt/slides/slide17.xml><?xml version="1.0" encoding="utf-8"?>
 <p:sld xmlns:a="http://schemas.openxmlformats.org/drawingml/2006/main" xmlns:r="http://schemas.openxmlformats.org/officeDocument/2006/relationships" xmlns:p="http://schemas.openxmlformats.org/presentationml/2006/main">
   <p:cSld>
     <p:spTree>
@@ -4385,7 +5120,7 @@
               <a:pPr>
                 <a:defRPr/>
               </a:pPr>
-              <a:t>12</a:t>
+              <a:t>17</a:t>
             </a:fld>
             <a:endParaRPr lang="en-US"/>
           </a:p>
@@ -4434,7 +5169,7 @@
 </p:sld>
 </file>
 
-<file path=ppt/slides/slide13.xml><?xml version="1.0" encoding="utf-8"?>
+<file path=ppt/slides/slide18.xml><?xml version="1.0" encoding="utf-8"?>
 <p:sld xmlns:a="http://schemas.openxmlformats.org/drawingml/2006/main" xmlns:r="http://schemas.openxmlformats.org/officeDocument/2006/relationships" xmlns:p="http://schemas.openxmlformats.org/presentationml/2006/main">
   <p:cSld>
     <p:spTree>
@@ -4527,7 +5262,7 @@
               <a:pPr>
                 <a:defRPr/>
               </a:pPr>
-              <a:t>13</a:t>
+              <a:t>18</a:t>
             </a:fld>
             <a:endParaRPr lang="en-US"/>
           </a:p>
@@ -4576,7 +5311,7 @@
 </p:sld>
 </file>
 
-<file path=ppt/slides/slide14.xml><?xml version="1.0" encoding="utf-8"?>
+<file path=ppt/slides/slide19.xml><?xml version="1.0" encoding="utf-8"?>
 <p:sld xmlns:a="http://schemas.openxmlformats.org/drawingml/2006/main" xmlns:r="http://schemas.openxmlformats.org/officeDocument/2006/relationships" xmlns:p="http://schemas.openxmlformats.org/presentationml/2006/main">
   <p:cSld>
     <p:spTree>
@@ -4709,7 +5444,7 @@
               <a:pPr>
                 <a:defRPr/>
               </a:pPr>
-              <a:t>14</a:t>
+              <a:t>19</a:t>
             </a:fld>
             <a:endParaRPr lang="en-US"/>
           </a:p>
@@ -4741,354 +5476,6 @@
     <p:extLst>
       <p:ext uri="{BB962C8B-B14F-4D97-AF65-F5344CB8AC3E}">
         <p14:creationId xmlns:p14="http://schemas.microsoft.com/office/powerpoint/2010/main" val="3772005837"/>
-      </p:ext>
-    </p:extLst>
-  </p:cSld>
-  <p:clrMapOvr>
-    <a:masterClrMapping/>
-  </p:clrMapOvr>
-</p:sld>
-</file>
-
-<file path=ppt/slides/slide15.xml><?xml version="1.0" encoding="utf-8"?>
-<p:sld xmlns:a="http://schemas.openxmlformats.org/drawingml/2006/main" xmlns:r="http://schemas.openxmlformats.org/officeDocument/2006/relationships" xmlns:p="http://schemas.openxmlformats.org/presentationml/2006/main">
-  <p:cSld>
-    <p:spTree>
-      <p:nvGrpSpPr>
-        <p:cNvPr id="1" name=""/>
-        <p:cNvGrpSpPr/>
-        <p:nvPr/>
-      </p:nvGrpSpPr>
-      <p:grpSpPr>
-        <a:xfrm>
-          <a:off x="0" y="0"/>
-          <a:ext cx="0" cy="0"/>
-          <a:chOff x="0" y="0"/>
-          <a:chExt cx="0" cy="0"/>
-        </a:xfrm>
-      </p:grpSpPr>
-      <p:sp>
-        <p:nvSpPr>
-          <p:cNvPr id="2" name="Title 1"/>
-          <p:cNvSpPr>
-            <a:spLocks noGrp="1"/>
-          </p:cNvSpPr>
-          <p:nvPr>
-            <p:ph type="title"/>
-          </p:nvPr>
-        </p:nvSpPr>
-        <p:spPr/>
-        <p:txBody>
-          <a:bodyPr/>
-          <a:lstStyle/>
-          <a:p>
-            <a:r>
-              <a:rPr lang="en-US" dirty="0"/>
-              <a:t>Schoenfeld residuals</a:t>
-            </a:r>
-          </a:p>
-        </p:txBody>
-      </p:sp>
-      <p:sp>
-        <p:nvSpPr>
-          <p:cNvPr id="3" name="Text Placeholder 2"/>
-          <p:cNvSpPr>
-            <a:spLocks noGrp="1"/>
-          </p:cNvSpPr>
-          <p:nvPr>
-            <p:ph type="body" idx="1"/>
-          </p:nvPr>
-        </p:nvSpPr>
-        <p:spPr/>
-        <p:txBody>
-          <a:bodyPr/>
-          <a:lstStyle/>
-          <a:p>
-            <a:r>
-              <a:rPr lang="en-US" dirty="0"/>
-              <a:t>Regions of time where residuals are negative</a:t>
-            </a:r>
-          </a:p>
-          <a:p>
-            <a:pPr marL="342900" indent="-342900">
-              <a:buFont typeface="Arial" panose="020B0604020202020204" pitchFamily="34" charset="0"/>
-              <a:buChar char="•"/>
-            </a:pPr>
-            <a:r>
-              <a:rPr lang="en-US" dirty="0"/>
-              <a:t>the hazard ratio is a bit too large.</a:t>
-            </a:r>
-          </a:p>
-          <a:p>
-            <a:r>
-              <a:rPr lang="en-US" dirty="0"/>
-              <a:t>Regions of time where residuals are positive</a:t>
-            </a:r>
-          </a:p>
-          <a:p>
-            <a:pPr marL="342900" indent="-342900">
-              <a:buFont typeface="Arial" panose="020B0604020202020204" pitchFamily="34" charset="0"/>
-              <a:buChar char="•"/>
-            </a:pPr>
-            <a:r>
-              <a:rPr lang="en-US" dirty="0"/>
-              <a:t>the hazard ratio is a bit too small.</a:t>
-            </a:r>
-          </a:p>
-        </p:txBody>
-      </p:sp>
-      <p:sp>
-        <p:nvSpPr>
-          <p:cNvPr id="4" name="Footer Placeholder 3"/>
-          <p:cNvSpPr>
-            <a:spLocks noGrp="1"/>
-          </p:cNvSpPr>
-          <p:nvPr>
-            <p:ph type="ftr" sz="quarter" idx="10"/>
-          </p:nvPr>
-        </p:nvSpPr>
-        <p:spPr/>
-        <p:txBody>
-          <a:bodyPr/>
-          <a:lstStyle/>
-          <a:p>
-            <a:pPr>
-              <a:defRPr/>
-            </a:pPr>
-            <a:r>
-              <a:rPr lang="en-US" altLang="en-US" dirty="0"/>
-              <a:t>©2018 Steve Simon    http://TheAnalysisFactor.com</a:t>
-            </a:r>
-          </a:p>
-        </p:txBody>
-      </p:sp>
-      <p:sp>
-        <p:nvSpPr>
-          <p:cNvPr id="5" name="Slide Number Placeholder 4"/>
-          <p:cNvSpPr>
-            <a:spLocks noGrp="1"/>
-          </p:cNvSpPr>
-          <p:nvPr>
-            <p:ph type="sldNum" sz="quarter" idx="11"/>
-          </p:nvPr>
-        </p:nvSpPr>
-        <p:spPr/>
-        <p:txBody>
-          <a:bodyPr/>
-          <a:lstStyle/>
-          <a:p>
-            <a:pPr>
-              <a:defRPr/>
-            </a:pPr>
-            <a:endParaRPr lang="en-US"/>
-          </a:p>
-          <a:p>
-            <a:pPr>
-              <a:defRPr/>
-            </a:pPr>
-            <a:fld id="{E9A8CBA3-AA2B-46A6-BFA3-DCEBEAAB3F0A}" type="slidenum">
-              <a:rPr lang="en-US" smtClean="0"/>
-              <a:pPr>
-                <a:defRPr/>
-              </a:pPr>
-              <a:t>15</a:t>
-            </a:fld>
-            <a:endParaRPr lang="en-US"/>
-          </a:p>
-        </p:txBody>
-      </p:sp>
-      <p:sp>
-        <p:nvSpPr>
-          <p:cNvPr id="6" name="Text Placeholder 5"/>
-          <p:cNvSpPr>
-            <a:spLocks noGrp="1"/>
-          </p:cNvSpPr>
-          <p:nvPr>
-            <p:ph type="body" sz="quarter" idx="12"/>
-          </p:nvPr>
-        </p:nvSpPr>
-        <p:spPr/>
-        <p:txBody>
-          <a:bodyPr/>
-          <a:lstStyle/>
-          <a:p>
-            <a:r>
-              <a:rPr lang="en-US" dirty="0"/>
-              <a:t>Interpretation</a:t>
-            </a:r>
-          </a:p>
-        </p:txBody>
-      </p:sp>
-    </p:spTree>
-    <p:extLst>
-      <p:ext uri="{BB962C8B-B14F-4D97-AF65-F5344CB8AC3E}">
-        <p14:creationId xmlns:p14="http://schemas.microsoft.com/office/powerpoint/2010/main" val="2809644282"/>
-      </p:ext>
-    </p:extLst>
-  </p:cSld>
-  <p:clrMapOvr>
-    <a:masterClrMapping/>
-  </p:clrMapOvr>
-</p:sld>
-</file>
-
-<file path=ppt/slides/slide16.xml><?xml version="1.0" encoding="utf-8"?>
-<p:sld xmlns:a="http://schemas.openxmlformats.org/drawingml/2006/main" xmlns:r="http://schemas.openxmlformats.org/officeDocument/2006/relationships" xmlns:p="http://schemas.openxmlformats.org/presentationml/2006/main">
-  <p:cSld>
-    <p:spTree>
-      <p:nvGrpSpPr>
-        <p:cNvPr id="1" name=""/>
-        <p:cNvGrpSpPr/>
-        <p:nvPr/>
-      </p:nvGrpSpPr>
-      <p:grpSpPr>
-        <a:xfrm>
-          <a:off x="0" y="0"/>
-          <a:ext cx="0" cy="0"/>
-          <a:chOff x="0" y="0"/>
-          <a:chExt cx="0" cy="0"/>
-        </a:xfrm>
-      </p:grpSpPr>
-      <p:sp>
-        <p:nvSpPr>
-          <p:cNvPr id="2" name="Title 1"/>
-          <p:cNvSpPr>
-            <a:spLocks noGrp="1"/>
-          </p:cNvSpPr>
-          <p:nvPr>
-            <p:ph type="title"/>
-          </p:nvPr>
-        </p:nvSpPr>
-        <p:spPr/>
-        <p:txBody>
-          <a:bodyPr/>
-          <a:lstStyle/>
-          <a:p>
-            <a:r>
-              <a:rPr lang="en-US" dirty="0"/>
-              <a:t>Conclusion</a:t>
-            </a:r>
-          </a:p>
-        </p:txBody>
-      </p:sp>
-      <p:sp>
-        <p:nvSpPr>
-          <p:cNvPr id="3" name="Text Placeholder 2"/>
-          <p:cNvSpPr>
-            <a:spLocks noGrp="1"/>
-          </p:cNvSpPr>
-          <p:nvPr>
-            <p:ph type="body" idx="1"/>
-          </p:nvPr>
-        </p:nvSpPr>
-        <p:spPr/>
-        <p:txBody>
-          <a:bodyPr/>
-          <a:lstStyle/>
-          <a:p>
-            <a:pPr marL="457200" indent="-457200">
-              <a:buFont typeface="+mj-lt"/>
-              <a:buAutoNum type="arabicPeriod"/>
-            </a:pPr>
-            <a:r>
-              <a:rPr lang="en-US" dirty="0">
-                <a:latin typeface="+mj-lt"/>
-                <a:cs typeface="Courier New" panose="02070309020205020404" pitchFamily="49" charset="0"/>
-              </a:rPr>
-              <a:t>The</a:t>
-            </a:r>
-            <a:endParaRPr lang="en-US" dirty="0">
-              <a:latin typeface="+mj-lt"/>
-            </a:endParaRPr>
-          </a:p>
-        </p:txBody>
-      </p:sp>
-      <p:sp>
-        <p:nvSpPr>
-          <p:cNvPr id="4" name="Footer Placeholder 3"/>
-          <p:cNvSpPr>
-            <a:spLocks noGrp="1"/>
-          </p:cNvSpPr>
-          <p:nvPr>
-            <p:ph type="ftr" sz="quarter" idx="10"/>
-          </p:nvPr>
-        </p:nvSpPr>
-        <p:spPr/>
-        <p:txBody>
-          <a:bodyPr/>
-          <a:lstStyle/>
-          <a:p>
-            <a:pPr>
-              <a:defRPr/>
-            </a:pPr>
-            <a:r>
-              <a:rPr lang="en-US" altLang="en-US" dirty="0"/>
-              <a:t>©2018 Steve Simon    http://TheAnalysisFactor.com</a:t>
-            </a:r>
-          </a:p>
-        </p:txBody>
-      </p:sp>
-      <p:sp>
-        <p:nvSpPr>
-          <p:cNvPr id="5" name="Slide Number Placeholder 4"/>
-          <p:cNvSpPr>
-            <a:spLocks noGrp="1"/>
-          </p:cNvSpPr>
-          <p:nvPr>
-            <p:ph type="sldNum" sz="quarter" idx="11"/>
-          </p:nvPr>
-        </p:nvSpPr>
-        <p:spPr/>
-        <p:txBody>
-          <a:bodyPr/>
-          <a:lstStyle/>
-          <a:p>
-            <a:pPr>
-              <a:defRPr/>
-            </a:pPr>
-            <a:endParaRPr lang="en-US"/>
-          </a:p>
-          <a:p>
-            <a:pPr>
-              <a:defRPr/>
-            </a:pPr>
-            <a:fld id="{E9A8CBA3-AA2B-46A6-BFA3-DCEBEAAB3F0A}" type="slidenum">
-              <a:rPr lang="en-US" smtClean="0"/>
-              <a:pPr>
-                <a:defRPr/>
-              </a:pPr>
-              <a:t>16</a:t>
-            </a:fld>
-            <a:endParaRPr lang="en-US"/>
-          </a:p>
-        </p:txBody>
-      </p:sp>
-      <p:sp>
-        <p:nvSpPr>
-          <p:cNvPr id="6" name="Text Placeholder 5"/>
-          <p:cNvSpPr>
-            <a:spLocks noGrp="1"/>
-          </p:cNvSpPr>
-          <p:nvPr>
-            <p:ph type="body" sz="quarter" idx="12"/>
-          </p:nvPr>
-        </p:nvSpPr>
-        <p:spPr/>
-        <p:txBody>
-          <a:bodyPr/>
-          <a:lstStyle/>
-          <a:p>
-            <a:r>
-              <a:rPr lang="en-US" dirty="0"/>
-              <a:t>What have you learned today?</a:t>
-            </a:r>
-          </a:p>
-        </p:txBody>
-      </p:sp>
-    </p:spTree>
-    <p:extLst>
-      <p:ext uri="{BB962C8B-B14F-4D97-AF65-F5344CB8AC3E}">
-        <p14:creationId xmlns:p14="http://schemas.microsoft.com/office/powerpoint/2010/main" val="1691035053"/>
       </p:ext>
     </p:extLst>
   </p:cSld>
@@ -5236,7 +5623,7 @@
           <a:p>
             <a:r>
               <a:rPr lang="en-US" dirty="0"/>
-              <a:t>Lecture 7.</a:t>
+              <a:t>Lecture 6.</a:t>
             </a:r>
           </a:p>
         </p:txBody>
@@ -5245,6 +5632,1455 @@
     <p:extLst>
       <p:ext uri="{BB962C8B-B14F-4D97-AF65-F5344CB8AC3E}">
         <p14:creationId xmlns:p14="http://schemas.microsoft.com/office/powerpoint/2010/main" val="3091858404"/>
+      </p:ext>
+    </p:extLst>
+  </p:cSld>
+  <p:clrMapOvr>
+    <a:masterClrMapping/>
+  </p:clrMapOvr>
+</p:sld>
+</file>
+
+<file path=ppt/slides/slide20.xml><?xml version="1.0" encoding="utf-8"?>
+<p:sld xmlns:a="http://schemas.openxmlformats.org/drawingml/2006/main" xmlns:r="http://schemas.openxmlformats.org/officeDocument/2006/relationships" xmlns:p="http://schemas.openxmlformats.org/presentationml/2006/main">
+  <p:cSld>
+    <p:spTree>
+      <p:nvGrpSpPr>
+        <p:cNvPr id="1" name=""/>
+        <p:cNvGrpSpPr/>
+        <p:nvPr/>
+      </p:nvGrpSpPr>
+      <p:grpSpPr>
+        <a:xfrm>
+          <a:off x="0" y="0"/>
+          <a:ext cx="0" cy="0"/>
+          <a:chOff x="0" y="0"/>
+          <a:chExt cx="0" cy="0"/>
+        </a:xfrm>
+      </p:grpSpPr>
+      <p:sp>
+        <p:nvSpPr>
+          <p:cNvPr id="2" name="Title 1"/>
+          <p:cNvSpPr>
+            <a:spLocks noGrp="1"/>
+          </p:cNvSpPr>
+          <p:nvPr>
+            <p:ph type="title"/>
+          </p:nvPr>
+        </p:nvSpPr>
+        <p:spPr/>
+        <p:txBody>
+          <a:bodyPr/>
+          <a:lstStyle/>
+          <a:p>
+            <a:r>
+              <a:rPr lang="en-US" dirty="0"/>
+              <a:t>Schoenfeld residuals</a:t>
+            </a:r>
+          </a:p>
+        </p:txBody>
+      </p:sp>
+      <p:sp>
+        <p:nvSpPr>
+          <p:cNvPr id="3" name="Text Placeholder 2"/>
+          <p:cNvSpPr>
+            <a:spLocks noGrp="1"/>
+          </p:cNvSpPr>
+          <p:nvPr>
+            <p:ph type="body" idx="1"/>
+          </p:nvPr>
+        </p:nvSpPr>
+        <p:spPr/>
+        <p:txBody>
+          <a:bodyPr/>
+          <a:lstStyle/>
+          <a:p>
+            <a:r>
+              <a:rPr lang="en-US" dirty="0"/>
+              <a:t>Regions of time where residuals are negative</a:t>
+            </a:r>
+          </a:p>
+          <a:p>
+            <a:pPr marL="342900" indent="-342900">
+              <a:buFont typeface="Arial" panose="020B0604020202020204" pitchFamily="34" charset="0"/>
+              <a:buChar char="•"/>
+            </a:pPr>
+            <a:r>
+              <a:rPr lang="en-US" dirty="0"/>
+              <a:t>the hazard ratio is a bit too large.</a:t>
+            </a:r>
+          </a:p>
+          <a:p>
+            <a:r>
+              <a:rPr lang="en-US" dirty="0"/>
+              <a:t>Regions of time where residuals are positive</a:t>
+            </a:r>
+          </a:p>
+          <a:p>
+            <a:pPr marL="342900" indent="-342900">
+              <a:buFont typeface="Arial" panose="020B0604020202020204" pitchFamily="34" charset="0"/>
+              <a:buChar char="•"/>
+            </a:pPr>
+            <a:r>
+              <a:rPr lang="en-US" dirty="0"/>
+              <a:t>the hazard ratio is a bit too small.</a:t>
+            </a:r>
+          </a:p>
+        </p:txBody>
+      </p:sp>
+      <p:sp>
+        <p:nvSpPr>
+          <p:cNvPr id="4" name="Footer Placeholder 3"/>
+          <p:cNvSpPr>
+            <a:spLocks noGrp="1"/>
+          </p:cNvSpPr>
+          <p:nvPr>
+            <p:ph type="ftr" sz="quarter" idx="10"/>
+          </p:nvPr>
+        </p:nvSpPr>
+        <p:spPr/>
+        <p:txBody>
+          <a:bodyPr/>
+          <a:lstStyle/>
+          <a:p>
+            <a:pPr>
+              <a:defRPr/>
+            </a:pPr>
+            <a:r>
+              <a:rPr lang="en-US" altLang="en-US" dirty="0"/>
+              <a:t>©2018 Steve Simon    http://TheAnalysisFactor.com</a:t>
+            </a:r>
+          </a:p>
+        </p:txBody>
+      </p:sp>
+      <p:sp>
+        <p:nvSpPr>
+          <p:cNvPr id="5" name="Slide Number Placeholder 4"/>
+          <p:cNvSpPr>
+            <a:spLocks noGrp="1"/>
+          </p:cNvSpPr>
+          <p:nvPr>
+            <p:ph type="sldNum" sz="quarter" idx="11"/>
+          </p:nvPr>
+        </p:nvSpPr>
+        <p:spPr/>
+        <p:txBody>
+          <a:bodyPr/>
+          <a:lstStyle/>
+          <a:p>
+            <a:pPr>
+              <a:defRPr/>
+            </a:pPr>
+            <a:endParaRPr lang="en-US"/>
+          </a:p>
+          <a:p>
+            <a:pPr>
+              <a:defRPr/>
+            </a:pPr>
+            <a:fld id="{E9A8CBA3-AA2B-46A6-BFA3-DCEBEAAB3F0A}" type="slidenum">
+              <a:rPr lang="en-US" smtClean="0"/>
+              <a:pPr>
+                <a:defRPr/>
+              </a:pPr>
+              <a:t>20</a:t>
+            </a:fld>
+            <a:endParaRPr lang="en-US"/>
+          </a:p>
+        </p:txBody>
+      </p:sp>
+      <p:sp>
+        <p:nvSpPr>
+          <p:cNvPr id="6" name="Text Placeholder 5"/>
+          <p:cNvSpPr>
+            <a:spLocks noGrp="1"/>
+          </p:cNvSpPr>
+          <p:nvPr>
+            <p:ph type="body" sz="quarter" idx="12"/>
+          </p:nvPr>
+        </p:nvSpPr>
+        <p:spPr/>
+        <p:txBody>
+          <a:bodyPr/>
+          <a:lstStyle/>
+          <a:p>
+            <a:r>
+              <a:rPr lang="en-US" dirty="0"/>
+              <a:t>Interpretation</a:t>
+            </a:r>
+          </a:p>
+        </p:txBody>
+      </p:sp>
+    </p:spTree>
+    <p:extLst>
+      <p:ext uri="{BB962C8B-B14F-4D97-AF65-F5344CB8AC3E}">
+        <p14:creationId xmlns:p14="http://schemas.microsoft.com/office/powerpoint/2010/main" val="2809644282"/>
+      </p:ext>
+    </p:extLst>
+  </p:cSld>
+  <p:clrMapOvr>
+    <a:masterClrMapping/>
+  </p:clrMapOvr>
+</p:sld>
+</file>
+
+<file path=ppt/slides/slide21.xml><?xml version="1.0" encoding="utf-8"?>
+<p:sld xmlns:a="http://schemas.openxmlformats.org/drawingml/2006/main" xmlns:r="http://schemas.openxmlformats.org/officeDocument/2006/relationships" xmlns:p="http://schemas.openxmlformats.org/presentationml/2006/main">
+  <p:cSld>
+    <p:spTree>
+      <p:nvGrpSpPr>
+        <p:cNvPr id="1" name=""/>
+        <p:cNvGrpSpPr/>
+        <p:nvPr/>
+      </p:nvGrpSpPr>
+      <p:grpSpPr>
+        <a:xfrm>
+          <a:off x="0" y="0"/>
+          <a:ext cx="0" cy="0"/>
+          <a:chOff x="0" y="0"/>
+          <a:chExt cx="0" cy="0"/>
+        </a:xfrm>
+      </p:grpSpPr>
+      <p:sp>
+        <p:nvSpPr>
+          <p:cNvPr id="2" name="Title 1"/>
+          <p:cNvSpPr>
+            <a:spLocks noGrp="1"/>
+          </p:cNvSpPr>
+          <p:nvPr>
+            <p:ph type="title"/>
+          </p:nvPr>
+        </p:nvSpPr>
+        <p:spPr/>
+        <p:txBody>
+          <a:bodyPr/>
+          <a:lstStyle/>
+          <a:p>
+            <a:r>
+              <a:rPr lang="en-US" dirty="0"/>
+              <a:t>Schoenfeld residuals</a:t>
+            </a:r>
+          </a:p>
+        </p:txBody>
+      </p:sp>
+      <p:sp>
+        <p:nvSpPr>
+          <p:cNvPr id="4" name="Footer Placeholder 3"/>
+          <p:cNvSpPr>
+            <a:spLocks noGrp="1"/>
+          </p:cNvSpPr>
+          <p:nvPr>
+            <p:ph type="ftr" sz="quarter" idx="10"/>
+          </p:nvPr>
+        </p:nvSpPr>
+        <p:spPr/>
+        <p:txBody>
+          <a:bodyPr/>
+          <a:lstStyle/>
+          <a:p>
+            <a:pPr>
+              <a:defRPr/>
+            </a:pPr>
+            <a:r>
+              <a:rPr lang="en-US" altLang="en-US" dirty="0"/>
+              <a:t>©2018 Steve Simon    http://TheAnalysisFactor.com</a:t>
+            </a:r>
+          </a:p>
+        </p:txBody>
+      </p:sp>
+      <p:sp>
+        <p:nvSpPr>
+          <p:cNvPr id="5" name="Slide Number Placeholder 4"/>
+          <p:cNvSpPr>
+            <a:spLocks noGrp="1"/>
+          </p:cNvSpPr>
+          <p:nvPr>
+            <p:ph type="sldNum" sz="quarter" idx="11"/>
+          </p:nvPr>
+        </p:nvSpPr>
+        <p:spPr/>
+        <p:txBody>
+          <a:bodyPr/>
+          <a:lstStyle/>
+          <a:p>
+            <a:pPr>
+              <a:defRPr/>
+            </a:pPr>
+            <a:endParaRPr lang="en-US"/>
+          </a:p>
+          <a:p>
+            <a:pPr>
+              <a:defRPr/>
+            </a:pPr>
+            <a:fld id="{E9A8CBA3-AA2B-46A6-BFA3-DCEBEAAB3F0A}" type="slidenum">
+              <a:rPr lang="en-US" smtClean="0"/>
+              <a:pPr>
+                <a:defRPr/>
+              </a:pPr>
+              <a:t>21</a:t>
+            </a:fld>
+            <a:endParaRPr lang="en-US"/>
+          </a:p>
+        </p:txBody>
+      </p:sp>
+      <p:pic>
+        <p:nvPicPr>
+          <p:cNvPr id="3" name="Picture 2">
+            <a:extLst>
+              <a:ext uri="{FF2B5EF4-FFF2-40B4-BE49-F238E27FC236}">
+                <a16:creationId xmlns:a16="http://schemas.microsoft.com/office/drawing/2014/main" id="{81DD0EB6-FE4C-466B-B65A-ABFD2F40CD82}"/>
+              </a:ext>
+            </a:extLst>
+          </p:cNvPr>
+          <p:cNvPicPr>
+            <a:picLocks noChangeAspect="1"/>
+          </p:cNvPicPr>
+          <p:nvPr/>
+        </p:nvPicPr>
+        <p:blipFill>
+          <a:blip r:embed="rId2"/>
+          <a:stretch>
+            <a:fillRect/>
+          </a:stretch>
+        </p:blipFill>
+        <p:spPr>
+          <a:xfrm>
+            <a:off x="457714" y="1143285"/>
+            <a:ext cx="8228571" cy="4571429"/>
+          </a:xfrm>
+          <a:prstGeom prst="rect">
+            <a:avLst/>
+          </a:prstGeom>
+        </p:spPr>
+      </p:pic>
+    </p:spTree>
+    <p:extLst>
+      <p:ext uri="{BB962C8B-B14F-4D97-AF65-F5344CB8AC3E}">
+        <p14:creationId xmlns:p14="http://schemas.microsoft.com/office/powerpoint/2010/main" val="3957295900"/>
+      </p:ext>
+    </p:extLst>
+  </p:cSld>
+  <p:clrMapOvr>
+    <a:masterClrMapping/>
+  </p:clrMapOvr>
+</p:sld>
+</file>
+
+<file path=ppt/slides/slide22.xml><?xml version="1.0" encoding="utf-8"?>
+<p:sld xmlns:a="http://schemas.openxmlformats.org/drawingml/2006/main" xmlns:r="http://schemas.openxmlformats.org/officeDocument/2006/relationships" xmlns:p="http://schemas.openxmlformats.org/presentationml/2006/main">
+  <p:cSld>
+    <p:spTree>
+      <p:nvGrpSpPr>
+        <p:cNvPr id="1" name=""/>
+        <p:cNvGrpSpPr/>
+        <p:nvPr/>
+      </p:nvGrpSpPr>
+      <p:grpSpPr>
+        <a:xfrm>
+          <a:off x="0" y="0"/>
+          <a:ext cx="0" cy="0"/>
+          <a:chOff x="0" y="0"/>
+          <a:chExt cx="0" cy="0"/>
+        </a:xfrm>
+      </p:grpSpPr>
+      <p:sp>
+        <p:nvSpPr>
+          <p:cNvPr id="2" name="Title 1"/>
+          <p:cNvSpPr>
+            <a:spLocks noGrp="1"/>
+          </p:cNvSpPr>
+          <p:nvPr>
+            <p:ph type="title"/>
+          </p:nvPr>
+        </p:nvSpPr>
+        <p:spPr/>
+        <p:txBody>
+          <a:bodyPr/>
+          <a:lstStyle/>
+          <a:p>
+            <a:r>
+              <a:rPr lang="en-US" dirty="0"/>
+              <a:t>Schoenfeld residuals</a:t>
+            </a:r>
+          </a:p>
+        </p:txBody>
+      </p:sp>
+      <p:sp>
+        <p:nvSpPr>
+          <p:cNvPr id="4" name="Footer Placeholder 3"/>
+          <p:cNvSpPr>
+            <a:spLocks noGrp="1"/>
+          </p:cNvSpPr>
+          <p:nvPr>
+            <p:ph type="ftr" sz="quarter" idx="10"/>
+          </p:nvPr>
+        </p:nvSpPr>
+        <p:spPr/>
+        <p:txBody>
+          <a:bodyPr/>
+          <a:lstStyle/>
+          <a:p>
+            <a:pPr>
+              <a:defRPr/>
+            </a:pPr>
+            <a:r>
+              <a:rPr lang="en-US" altLang="en-US" dirty="0"/>
+              <a:t>©2018 Steve Simon    http://TheAnalysisFactor.com</a:t>
+            </a:r>
+          </a:p>
+        </p:txBody>
+      </p:sp>
+      <p:sp>
+        <p:nvSpPr>
+          <p:cNvPr id="5" name="Slide Number Placeholder 4"/>
+          <p:cNvSpPr>
+            <a:spLocks noGrp="1"/>
+          </p:cNvSpPr>
+          <p:nvPr>
+            <p:ph type="sldNum" sz="quarter" idx="11"/>
+          </p:nvPr>
+        </p:nvSpPr>
+        <p:spPr/>
+        <p:txBody>
+          <a:bodyPr/>
+          <a:lstStyle/>
+          <a:p>
+            <a:pPr>
+              <a:defRPr/>
+            </a:pPr>
+            <a:endParaRPr lang="en-US"/>
+          </a:p>
+          <a:p>
+            <a:pPr>
+              <a:defRPr/>
+            </a:pPr>
+            <a:fld id="{E9A8CBA3-AA2B-46A6-BFA3-DCEBEAAB3F0A}" type="slidenum">
+              <a:rPr lang="en-US" smtClean="0"/>
+              <a:pPr>
+                <a:defRPr/>
+              </a:pPr>
+              <a:t>22</a:t>
+            </a:fld>
+            <a:endParaRPr lang="en-US"/>
+          </a:p>
+        </p:txBody>
+      </p:sp>
+      <p:pic>
+        <p:nvPicPr>
+          <p:cNvPr id="6" name="Picture 5">
+            <a:extLst>
+              <a:ext uri="{FF2B5EF4-FFF2-40B4-BE49-F238E27FC236}">
+                <a16:creationId xmlns:a16="http://schemas.microsoft.com/office/drawing/2014/main" id="{B35FBCB4-8CC3-4E29-A874-BE892F73282E}"/>
+              </a:ext>
+            </a:extLst>
+          </p:cNvPr>
+          <p:cNvPicPr>
+            <a:picLocks noChangeAspect="1"/>
+          </p:cNvPicPr>
+          <p:nvPr/>
+        </p:nvPicPr>
+        <p:blipFill>
+          <a:blip r:embed="rId2"/>
+          <a:stretch>
+            <a:fillRect/>
+          </a:stretch>
+        </p:blipFill>
+        <p:spPr>
+          <a:xfrm>
+            <a:off x="457714" y="1143285"/>
+            <a:ext cx="8228571" cy="4571429"/>
+          </a:xfrm>
+          <a:prstGeom prst="rect">
+            <a:avLst/>
+          </a:prstGeom>
+        </p:spPr>
+      </p:pic>
+    </p:spTree>
+    <p:extLst>
+      <p:ext uri="{BB962C8B-B14F-4D97-AF65-F5344CB8AC3E}">
+        <p14:creationId xmlns:p14="http://schemas.microsoft.com/office/powerpoint/2010/main" val="502883599"/>
+      </p:ext>
+    </p:extLst>
+  </p:cSld>
+  <p:clrMapOvr>
+    <a:masterClrMapping/>
+  </p:clrMapOvr>
+</p:sld>
+</file>
+
+<file path=ppt/slides/slide23.xml><?xml version="1.0" encoding="utf-8"?>
+<p:sld xmlns:a="http://schemas.openxmlformats.org/drawingml/2006/main" xmlns:r="http://schemas.openxmlformats.org/officeDocument/2006/relationships" xmlns:p="http://schemas.openxmlformats.org/presentationml/2006/main">
+  <p:cSld>
+    <p:spTree>
+      <p:nvGrpSpPr>
+        <p:cNvPr id="1" name=""/>
+        <p:cNvGrpSpPr/>
+        <p:nvPr/>
+      </p:nvGrpSpPr>
+      <p:grpSpPr>
+        <a:xfrm>
+          <a:off x="0" y="0"/>
+          <a:ext cx="0" cy="0"/>
+          <a:chOff x="0" y="0"/>
+          <a:chExt cx="0" cy="0"/>
+        </a:xfrm>
+      </p:grpSpPr>
+      <p:sp>
+        <p:nvSpPr>
+          <p:cNvPr id="2" name="Title 1"/>
+          <p:cNvSpPr>
+            <a:spLocks noGrp="1"/>
+          </p:cNvSpPr>
+          <p:nvPr>
+            <p:ph type="title"/>
+          </p:nvPr>
+        </p:nvSpPr>
+        <p:spPr/>
+        <p:txBody>
+          <a:bodyPr/>
+          <a:lstStyle/>
+          <a:p>
+            <a:r>
+              <a:rPr lang="en-US" dirty="0"/>
+              <a:t>Schoenfeld residuals</a:t>
+            </a:r>
+          </a:p>
+        </p:txBody>
+      </p:sp>
+      <p:sp>
+        <p:nvSpPr>
+          <p:cNvPr id="4" name="Footer Placeholder 3"/>
+          <p:cNvSpPr>
+            <a:spLocks noGrp="1"/>
+          </p:cNvSpPr>
+          <p:nvPr>
+            <p:ph type="ftr" sz="quarter" idx="10"/>
+          </p:nvPr>
+        </p:nvSpPr>
+        <p:spPr/>
+        <p:txBody>
+          <a:bodyPr/>
+          <a:lstStyle/>
+          <a:p>
+            <a:pPr>
+              <a:defRPr/>
+            </a:pPr>
+            <a:r>
+              <a:rPr lang="en-US" altLang="en-US" dirty="0"/>
+              <a:t>©2018 Steve Simon    http://TheAnalysisFactor.com</a:t>
+            </a:r>
+          </a:p>
+        </p:txBody>
+      </p:sp>
+      <p:sp>
+        <p:nvSpPr>
+          <p:cNvPr id="5" name="Slide Number Placeholder 4"/>
+          <p:cNvSpPr>
+            <a:spLocks noGrp="1"/>
+          </p:cNvSpPr>
+          <p:nvPr>
+            <p:ph type="sldNum" sz="quarter" idx="11"/>
+          </p:nvPr>
+        </p:nvSpPr>
+        <p:spPr/>
+        <p:txBody>
+          <a:bodyPr/>
+          <a:lstStyle/>
+          <a:p>
+            <a:pPr>
+              <a:defRPr/>
+            </a:pPr>
+            <a:endParaRPr lang="en-US"/>
+          </a:p>
+          <a:p>
+            <a:pPr>
+              <a:defRPr/>
+            </a:pPr>
+            <a:fld id="{E9A8CBA3-AA2B-46A6-BFA3-DCEBEAAB3F0A}" type="slidenum">
+              <a:rPr lang="en-US" smtClean="0"/>
+              <a:pPr>
+                <a:defRPr/>
+              </a:pPr>
+              <a:t>23</a:t>
+            </a:fld>
+            <a:endParaRPr lang="en-US"/>
+          </a:p>
+        </p:txBody>
+      </p:sp>
+      <p:pic>
+        <p:nvPicPr>
+          <p:cNvPr id="3" name="Picture 2">
+            <a:extLst>
+              <a:ext uri="{FF2B5EF4-FFF2-40B4-BE49-F238E27FC236}">
+                <a16:creationId xmlns:a16="http://schemas.microsoft.com/office/drawing/2014/main" id="{67CA2FEE-8556-4DB8-A241-DB86CA5CEDCE}"/>
+              </a:ext>
+            </a:extLst>
+          </p:cNvPr>
+          <p:cNvPicPr>
+            <a:picLocks noChangeAspect="1"/>
+          </p:cNvPicPr>
+          <p:nvPr/>
+        </p:nvPicPr>
+        <p:blipFill>
+          <a:blip r:embed="rId2"/>
+          <a:stretch>
+            <a:fillRect/>
+          </a:stretch>
+        </p:blipFill>
+        <p:spPr>
+          <a:xfrm>
+            <a:off x="457714" y="1143285"/>
+            <a:ext cx="8228571" cy="4571429"/>
+          </a:xfrm>
+          <a:prstGeom prst="rect">
+            <a:avLst/>
+          </a:prstGeom>
+        </p:spPr>
+      </p:pic>
+    </p:spTree>
+    <p:extLst>
+      <p:ext uri="{BB962C8B-B14F-4D97-AF65-F5344CB8AC3E}">
+        <p14:creationId xmlns:p14="http://schemas.microsoft.com/office/powerpoint/2010/main" val="343583874"/>
+      </p:ext>
+    </p:extLst>
+  </p:cSld>
+  <p:clrMapOvr>
+    <a:masterClrMapping/>
+  </p:clrMapOvr>
+</p:sld>
+</file>
+
+<file path=ppt/slides/slide24.xml><?xml version="1.0" encoding="utf-8"?>
+<p:sld xmlns:a="http://schemas.openxmlformats.org/drawingml/2006/main" xmlns:r="http://schemas.openxmlformats.org/officeDocument/2006/relationships" xmlns:p="http://schemas.openxmlformats.org/presentationml/2006/main">
+  <p:cSld>
+    <p:spTree>
+      <p:nvGrpSpPr>
+        <p:cNvPr id="1" name=""/>
+        <p:cNvGrpSpPr/>
+        <p:nvPr/>
+      </p:nvGrpSpPr>
+      <p:grpSpPr>
+        <a:xfrm>
+          <a:off x="0" y="0"/>
+          <a:ext cx="0" cy="0"/>
+          <a:chOff x="0" y="0"/>
+          <a:chExt cx="0" cy="0"/>
+        </a:xfrm>
+      </p:grpSpPr>
+      <p:sp>
+        <p:nvSpPr>
+          <p:cNvPr id="2" name="Title 1"/>
+          <p:cNvSpPr>
+            <a:spLocks noGrp="1"/>
+          </p:cNvSpPr>
+          <p:nvPr>
+            <p:ph type="title"/>
+          </p:nvPr>
+        </p:nvSpPr>
+        <p:spPr/>
+        <p:txBody>
+          <a:bodyPr/>
+          <a:lstStyle/>
+          <a:p>
+            <a:r>
+              <a:rPr lang="en-US" dirty="0"/>
+              <a:t>Stratified models</a:t>
+            </a:r>
+          </a:p>
+        </p:txBody>
+      </p:sp>
+      <p:sp>
+        <p:nvSpPr>
+          <p:cNvPr id="3" name="Text Placeholder 2"/>
+          <p:cNvSpPr>
+            <a:spLocks noGrp="1"/>
+          </p:cNvSpPr>
+          <p:nvPr>
+            <p:ph type="body" idx="1"/>
+          </p:nvPr>
+        </p:nvSpPr>
+        <p:spPr/>
+        <p:txBody>
+          <a:bodyPr/>
+          <a:lstStyle/>
+          <a:p>
+            <a:r>
+              <a:rPr lang="en-US" dirty="0"/>
+              <a:t>Stratification creates a separate baseline hazard for each level of your strata.</a:t>
+            </a:r>
+          </a:p>
+          <a:p>
+            <a:endParaRPr lang="en-US" dirty="0"/>
+          </a:p>
+          <a:p>
+            <a:r>
+              <a:rPr lang="en-US" dirty="0"/>
+              <a:t>Only helpful when the time-varying covariate is a nuisance parameter.</a:t>
+            </a:r>
+          </a:p>
+        </p:txBody>
+      </p:sp>
+      <p:sp>
+        <p:nvSpPr>
+          <p:cNvPr id="4" name="Footer Placeholder 3"/>
+          <p:cNvSpPr>
+            <a:spLocks noGrp="1"/>
+          </p:cNvSpPr>
+          <p:nvPr>
+            <p:ph type="ftr" sz="quarter" idx="10"/>
+          </p:nvPr>
+        </p:nvSpPr>
+        <p:spPr/>
+        <p:txBody>
+          <a:bodyPr/>
+          <a:lstStyle/>
+          <a:p>
+            <a:pPr>
+              <a:defRPr/>
+            </a:pPr>
+            <a:r>
+              <a:rPr lang="en-US" altLang="en-US" dirty="0"/>
+              <a:t>©2018 Steve Simon    http://TheAnalysisFactor.com</a:t>
+            </a:r>
+          </a:p>
+        </p:txBody>
+      </p:sp>
+      <p:sp>
+        <p:nvSpPr>
+          <p:cNvPr id="5" name="Slide Number Placeholder 4"/>
+          <p:cNvSpPr>
+            <a:spLocks noGrp="1"/>
+          </p:cNvSpPr>
+          <p:nvPr>
+            <p:ph type="sldNum" sz="quarter" idx="11"/>
+          </p:nvPr>
+        </p:nvSpPr>
+        <p:spPr/>
+        <p:txBody>
+          <a:bodyPr/>
+          <a:lstStyle/>
+          <a:p>
+            <a:pPr>
+              <a:defRPr/>
+            </a:pPr>
+            <a:endParaRPr lang="en-US"/>
+          </a:p>
+          <a:p>
+            <a:pPr>
+              <a:defRPr/>
+            </a:pPr>
+            <a:fld id="{E9A8CBA3-AA2B-46A6-BFA3-DCEBEAAB3F0A}" type="slidenum">
+              <a:rPr lang="en-US" smtClean="0"/>
+              <a:pPr>
+                <a:defRPr/>
+              </a:pPr>
+              <a:t>24</a:t>
+            </a:fld>
+            <a:endParaRPr lang="en-US"/>
+          </a:p>
+        </p:txBody>
+      </p:sp>
+      <p:sp>
+        <p:nvSpPr>
+          <p:cNvPr id="6" name="Text Placeholder 5"/>
+          <p:cNvSpPr>
+            <a:spLocks noGrp="1"/>
+          </p:cNvSpPr>
+          <p:nvPr>
+            <p:ph type="body" sz="quarter" idx="12"/>
+          </p:nvPr>
+        </p:nvSpPr>
+        <p:spPr/>
+        <p:txBody>
+          <a:bodyPr/>
+          <a:lstStyle/>
+          <a:p>
+            <a:r>
+              <a:rPr lang="en-US" dirty="0"/>
+              <a:t>The easiest solution for time-varying covariates</a:t>
+            </a:r>
+          </a:p>
+        </p:txBody>
+      </p:sp>
+    </p:spTree>
+    <p:extLst>
+      <p:ext uri="{BB962C8B-B14F-4D97-AF65-F5344CB8AC3E}">
+        <p14:creationId xmlns:p14="http://schemas.microsoft.com/office/powerpoint/2010/main" val="82663582"/>
+      </p:ext>
+    </p:extLst>
+  </p:cSld>
+  <p:clrMapOvr>
+    <a:masterClrMapping/>
+  </p:clrMapOvr>
+</p:sld>
+</file>
+
+<file path=ppt/slides/slide25.xml><?xml version="1.0" encoding="utf-8"?>
+<p:sld xmlns:a="http://schemas.openxmlformats.org/drawingml/2006/main" xmlns:r="http://schemas.openxmlformats.org/officeDocument/2006/relationships" xmlns:p="http://schemas.openxmlformats.org/presentationml/2006/main">
+  <p:cSld>
+    <p:spTree>
+      <p:nvGrpSpPr>
+        <p:cNvPr id="1" name=""/>
+        <p:cNvGrpSpPr/>
+        <p:nvPr/>
+      </p:nvGrpSpPr>
+      <p:grpSpPr>
+        <a:xfrm>
+          <a:off x="0" y="0"/>
+          <a:ext cx="0" cy="0"/>
+          <a:chOff x="0" y="0"/>
+          <a:chExt cx="0" cy="0"/>
+        </a:xfrm>
+      </p:grpSpPr>
+      <p:sp>
+        <p:nvSpPr>
+          <p:cNvPr id="2" name="Title 1"/>
+          <p:cNvSpPr>
+            <a:spLocks noGrp="1"/>
+          </p:cNvSpPr>
+          <p:nvPr>
+            <p:ph type="title"/>
+          </p:nvPr>
+        </p:nvSpPr>
+        <p:spPr/>
+        <p:txBody>
+          <a:bodyPr/>
+          <a:lstStyle/>
+          <a:p>
+            <a:r>
+              <a:rPr lang="en-US" dirty="0"/>
+              <a:t>Stratified models</a:t>
+            </a:r>
+          </a:p>
+        </p:txBody>
+      </p:sp>
+      <p:sp>
+        <p:nvSpPr>
+          <p:cNvPr id="4" name="Footer Placeholder 3"/>
+          <p:cNvSpPr>
+            <a:spLocks noGrp="1"/>
+          </p:cNvSpPr>
+          <p:nvPr>
+            <p:ph type="ftr" sz="quarter" idx="10"/>
+          </p:nvPr>
+        </p:nvSpPr>
+        <p:spPr/>
+        <p:txBody>
+          <a:bodyPr/>
+          <a:lstStyle/>
+          <a:p>
+            <a:pPr>
+              <a:defRPr/>
+            </a:pPr>
+            <a:r>
+              <a:rPr lang="en-US" altLang="en-US" dirty="0"/>
+              <a:t>©2018 Steve Simon    http://TheAnalysisFactor.com</a:t>
+            </a:r>
+          </a:p>
+        </p:txBody>
+      </p:sp>
+      <p:sp>
+        <p:nvSpPr>
+          <p:cNvPr id="5" name="Slide Number Placeholder 4"/>
+          <p:cNvSpPr>
+            <a:spLocks noGrp="1"/>
+          </p:cNvSpPr>
+          <p:nvPr>
+            <p:ph type="sldNum" sz="quarter" idx="11"/>
+          </p:nvPr>
+        </p:nvSpPr>
+        <p:spPr/>
+        <p:txBody>
+          <a:bodyPr/>
+          <a:lstStyle/>
+          <a:p>
+            <a:pPr>
+              <a:defRPr/>
+            </a:pPr>
+            <a:endParaRPr lang="en-US"/>
+          </a:p>
+          <a:p>
+            <a:pPr>
+              <a:defRPr/>
+            </a:pPr>
+            <a:fld id="{E9A8CBA3-AA2B-46A6-BFA3-DCEBEAAB3F0A}" type="slidenum">
+              <a:rPr lang="en-US" smtClean="0"/>
+              <a:pPr>
+                <a:defRPr/>
+              </a:pPr>
+              <a:t>25</a:t>
+            </a:fld>
+            <a:endParaRPr lang="en-US"/>
+          </a:p>
+        </p:txBody>
+      </p:sp>
+      <p:pic>
+        <p:nvPicPr>
+          <p:cNvPr id="6" name="Picture 5">
+            <a:extLst>
+              <a:ext uri="{FF2B5EF4-FFF2-40B4-BE49-F238E27FC236}">
+                <a16:creationId xmlns:a16="http://schemas.microsoft.com/office/drawing/2014/main" id="{3574A693-025E-4107-BEB1-F0966A911253}"/>
+              </a:ext>
+            </a:extLst>
+          </p:cNvPr>
+          <p:cNvPicPr>
+            <a:picLocks noChangeAspect="1"/>
+          </p:cNvPicPr>
+          <p:nvPr/>
+        </p:nvPicPr>
+        <p:blipFill>
+          <a:blip r:embed="rId2"/>
+          <a:stretch>
+            <a:fillRect/>
+          </a:stretch>
+        </p:blipFill>
+        <p:spPr>
+          <a:xfrm>
+            <a:off x="457200" y="1295400"/>
+            <a:ext cx="7666667" cy="1838095"/>
+          </a:xfrm>
+          <a:prstGeom prst="rect">
+            <a:avLst/>
+          </a:prstGeom>
+        </p:spPr>
+      </p:pic>
+    </p:spTree>
+    <p:extLst>
+      <p:ext uri="{BB962C8B-B14F-4D97-AF65-F5344CB8AC3E}">
+        <p14:creationId xmlns:p14="http://schemas.microsoft.com/office/powerpoint/2010/main" val="3470184226"/>
+      </p:ext>
+    </p:extLst>
+  </p:cSld>
+  <p:clrMapOvr>
+    <a:masterClrMapping/>
+  </p:clrMapOvr>
+</p:sld>
+</file>
+
+<file path=ppt/slides/slide26.xml><?xml version="1.0" encoding="utf-8"?>
+<p:sld xmlns:a="http://schemas.openxmlformats.org/drawingml/2006/main" xmlns:r="http://schemas.openxmlformats.org/officeDocument/2006/relationships" xmlns:p="http://schemas.openxmlformats.org/presentationml/2006/main">
+  <p:cSld>
+    <p:spTree>
+      <p:nvGrpSpPr>
+        <p:cNvPr id="1" name=""/>
+        <p:cNvGrpSpPr/>
+        <p:nvPr/>
+      </p:nvGrpSpPr>
+      <p:grpSpPr>
+        <a:xfrm>
+          <a:off x="0" y="0"/>
+          <a:ext cx="0" cy="0"/>
+          <a:chOff x="0" y="0"/>
+          <a:chExt cx="0" cy="0"/>
+        </a:xfrm>
+      </p:grpSpPr>
+      <p:sp>
+        <p:nvSpPr>
+          <p:cNvPr id="2" name="Title 1"/>
+          <p:cNvSpPr>
+            <a:spLocks noGrp="1"/>
+          </p:cNvSpPr>
+          <p:nvPr>
+            <p:ph type="title"/>
+          </p:nvPr>
+        </p:nvSpPr>
+        <p:spPr/>
+        <p:txBody>
+          <a:bodyPr/>
+          <a:lstStyle/>
+          <a:p>
+            <a:r>
+              <a:rPr lang="en-US" dirty="0"/>
+              <a:t>Clinic 1 survivals: solid line is </a:t>
+            </a:r>
+            <a:r>
+              <a:rPr lang="en-US" dirty="0" err="1"/>
+              <a:t>prison_record</a:t>
+            </a:r>
+            <a:r>
+              <a:rPr lang="en-US" dirty="0"/>
+              <a:t>=no</a:t>
+            </a:r>
+          </a:p>
+        </p:txBody>
+      </p:sp>
+      <p:sp>
+        <p:nvSpPr>
+          <p:cNvPr id="4" name="Footer Placeholder 3"/>
+          <p:cNvSpPr>
+            <a:spLocks noGrp="1"/>
+          </p:cNvSpPr>
+          <p:nvPr>
+            <p:ph type="ftr" sz="quarter" idx="10"/>
+          </p:nvPr>
+        </p:nvSpPr>
+        <p:spPr/>
+        <p:txBody>
+          <a:bodyPr/>
+          <a:lstStyle/>
+          <a:p>
+            <a:pPr>
+              <a:defRPr/>
+            </a:pPr>
+            <a:r>
+              <a:rPr lang="en-US" altLang="en-US" dirty="0"/>
+              <a:t>©2018 Steve Simon    http://TheAnalysisFactor.com</a:t>
+            </a:r>
+          </a:p>
+        </p:txBody>
+      </p:sp>
+      <p:sp>
+        <p:nvSpPr>
+          <p:cNvPr id="5" name="Slide Number Placeholder 4"/>
+          <p:cNvSpPr>
+            <a:spLocks noGrp="1"/>
+          </p:cNvSpPr>
+          <p:nvPr>
+            <p:ph type="sldNum" sz="quarter" idx="11"/>
+          </p:nvPr>
+        </p:nvSpPr>
+        <p:spPr/>
+        <p:txBody>
+          <a:bodyPr/>
+          <a:lstStyle/>
+          <a:p>
+            <a:pPr>
+              <a:defRPr/>
+            </a:pPr>
+            <a:endParaRPr lang="en-US"/>
+          </a:p>
+          <a:p>
+            <a:pPr>
+              <a:defRPr/>
+            </a:pPr>
+            <a:fld id="{E9A8CBA3-AA2B-46A6-BFA3-DCEBEAAB3F0A}" type="slidenum">
+              <a:rPr lang="en-US" smtClean="0"/>
+              <a:pPr>
+                <a:defRPr/>
+              </a:pPr>
+              <a:t>26</a:t>
+            </a:fld>
+            <a:endParaRPr lang="en-US"/>
+          </a:p>
+        </p:txBody>
+      </p:sp>
+      <p:pic>
+        <p:nvPicPr>
+          <p:cNvPr id="7" name="Picture 6">
+            <a:extLst>
+              <a:ext uri="{FF2B5EF4-FFF2-40B4-BE49-F238E27FC236}">
+                <a16:creationId xmlns:a16="http://schemas.microsoft.com/office/drawing/2014/main" id="{3DEB0AA2-E2D4-44DE-B305-97924F1E3870}"/>
+              </a:ext>
+            </a:extLst>
+          </p:cNvPr>
+          <p:cNvPicPr>
+            <a:picLocks noChangeAspect="1"/>
+          </p:cNvPicPr>
+          <p:nvPr/>
+        </p:nvPicPr>
+        <p:blipFill>
+          <a:blip r:embed="rId2"/>
+          <a:stretch>
+            <a:fillRect/>
+          </a:stretch>
+        </p:blipFill>
+        <p:spPr>
+          <a:xfrm>
+            <a:off x="457200" y="1143000"/>
+            <a:ext cx="8229600" cy="4572000"/>
+          </a:xfrm>
+          <a:prstGeom prst="rect">
+            <a:avLst/>
+          </a:prstGeom>
+        </p:spPr>
+      </p:pic>
+    </p:spTree>
+    <p:extLst>
+      <p:ext uri="{BB962C8B-B14F-4D97-AF65-F5344CB8AC3E}">
+        <p14:creationId xmlns:p14="http://schemas.microsoft.com/office/powerpoint/2010/main" val="1734469814"/>
+      </p:ext>
+    </p:extLst>
+  </p:cSld>
+  <p:clrMapOvr>
+    <a:masterClrMapping/>
+  </p:clrMapOvr>
+</p:sld>
+</file>
+
+<file path=ppt/slides/slide27.xml><?xml version="1.0" encoding="utf-8"?>
+<p:sld xmlns:a="http://schemas.openxmlformats.org/drawingml/2006/main" xmlns:r="http://schemas.openxmlformats.org/officeDocument/2006/relationships" xmlns:p="http://schemas.openxmlformats.org/presentationml/2006/main">
+  <p:cSld>
+    <p:spTree>
+      <p:nvGrpSpPr>
+        <p:cNvPr id="1" name=""/>
+        <p:cNvGrpSpPr/>
+        <p:nvPr/>
+      </p:nvGrpSpPr>
+      <p:grpSpPr>
+        <a:xfrm>
+          <a:off x="0" y="0"/>
+          <a:ext cx="0" cy="0"/>
+          <a:chOff x="0" y="0"/>
+          <a:chExt cx="0" cy="0"/>
+        </a:xfrm>
+      </p:grpSpPr>
+      <p:sp>
+        <p:nvSpPr>
+          <p:cNvPr id="2" name="Title 1"/>
+          <p:cNvSpPr>
+            <a:spLocks noGrp="1"/>
+          </p:cNvSpPr>
+          <p:nvPr>
+            <p:ph type="title"/>
+          </p:nvPr>
+        </p:nvSpPr>
+        <p:spPr/>
+        <p:txBody>
+          <a:bodyPr/>
+          <a:lstStyle/>
+          <a:p>
+            <a:r>
+              <a:rPr lang="en-US" dirty="0"/>
+              <a:t>Clinic 2 survivals: solid line is </a:t>
+            </a:r>
+            <a:r>
+              <a:rPr lang="en-US" dirty="0" err="1"/>
+              <a:t>prison_record</a:t>
+            </a:r>
+            <a:r>
+              <a:rPr lang="en-US" dirty="0"/>
+              <a:t>=no</a:t>
+            </a:r>
+          </a:p>
+        </p:txBody>
+      </p:sp>
+      <p:sp>
+        <p:nvSpPr>
+          <p:cNvPr id="4" name="Footer Placeholder 3"/>
+          <p:cNvSpPr>
+            <a:spLocks noGrp="1"/>
+          </p:cNvSpPr>
+          <p:nvPr>
+            <p:ph type="ftr" sz="quarter" idx="10"/>
+          </p:nvPr>
+        </p:nvSpPr>
+        <p:spPr/>
+        <p:txBody>
+          <a:bodyPr/>
+          <a:lstStyle/>
+          <a:p>
+            <a:pPr>
+              <a:defRPr/>
+            </a:pPr>
+            <a:r>
+              <a:rPr lang="en-US" altLang="en-US" dirty="0"/>
+              <a:t>©2018 Steve Simon    http://TheAnalysisFactor.com</a:t>
+            </a:r>
+          </a:p>
+        </p:txBody>
+      </p:sp>
+      <p:sp>
+        <p:nvSpPr>
+          <p:cNvPr id="5" name="Slide Number Placeholder 4"/>
+          <p:cNvSpPr>
+            <a:spLocks noGrp="1"/>
+          </p:cNvSpPr>
+          <p:nvPr>
+            <p:ph type="sldNum" sz="quarter" idx="11"/>
+          </p:nvPr>
+        </p:nvSpPr>
+        <p:spPr/>
+        <p:txBody>
+          <a:bodyPr/>
+          <a:lstStyle/>
+          <a:p>
+            <a:pPr>
+              <a:defRPr/>
+            </a:pPr>
+            <a:endParaRPr lang="en-US"/>
+          </a:p>
+          <a:p>
+            <a:pPr>
+              <a:defRPr/>
+            </a:pPr>
+            <a:fld id="{E9A8CBA3-AA2B-46A6-BFA3-DCEBEAAB3F0A}" type="slidenum">
+              <a:rPr lang="en-US" smtClean="0"/>
+              <a:pPr>
+                <a:defRPr/>
+              </a:pPr>
+              <a:t>27</a:t>
+            </a:fld>
+            <a:endParaRPr lang="en-US"/>
+          </a:p>
+        </p:txBody>
+      </p:sp>
+      <p:pic>
+        <p:nvPicPr>
+          <p:cNvPr id="3" name="Picture 2">
+            <a:extLst>
+              <a:ext uri="{FF2B5EF4-FFF2-40B4-BE49-F238E27FC236}">
+                <a16:creationId xmlns:a16="http://schemas.microsoft.com/office/drawing/2014/main" id="{9A101C18-3B02-45D2-8B2D-27BBD5594DE4}"/>
+              </a:ext>
+            </a:extLst>
+          </p:cNvPr>
+          <p:cNvPicPr>
+            <a:picLocks noChangeAspect="1"/>
+          </p:cNvPicPr>
+          <p:nvPr/>
+        </p:nvPicPr>
+        <p:blipFill>
+          <a:blip r:embed="rId2"/>
+          <a:stretch>
+            <a:fillRect/>
+          </a:stretch>
+        </p:blipFill>
+        <p:spPr>
+          <a:xfrm>
+            <a:off x="457200" y="1143000"/>
+            <a:ext cx="8229600" cy="4572000"/>
+          </a:xfrm>
+          <a:prstGeom prst="rect">
+            <a:avLst/>
+          </a:prstGeom>
+        </p:spPr>
+      </p:pic>
+    </p:spTree>
+    <p:extLst>
+      <p:ext uri="{BB962C8B-B14F-4D97-AF65-F5344CB8AC3E}">
+        <p14:creationId xmlns:p14="http://schemas.microsoft.com/office/powerpoint/2010/main" val="3859007952"/>
+      </p:ext>
+    </p:extLst>
+  </p:cSld>
+  <p:clrMapOvr>
+    <a:masterClrMapping/>
+  </p:clrMapOvr>
+</p:sld>
+</file>
+
+<file path=ppt/slides/slide28.xml><?xml version="1.0" encoding="utf-8"?>
+<p:sld xmlns:a="http://schemas.openxmlformats.org/drawingml/2006/main" xmlns:r="http://schemas.openxmlformats.org/officeDocument/2006/relationships" xmlns:p="http://schemas.openxmlformats.org/presentationml/2006/main">
+  <p:cSld>
+    <p:spTree>
+      <p:nvGrpSpPr>
+        <p:cNvPr id="1" name=""/>
+        <p:cNvGrpSpPr/>
+        <p:nvPr/>
+      </p:nvGrpSpPr>
+      <p:grpSpPr>
+        <a:xfrm>
+          <a:off x="0" y="0"/>
+          <a:ext cx="0" cy="0"/>
+          <a:chOff x="0" y="0"/>
+          <a:chExt cx="0" cy="0"/>
+        </a:xfrm>
+      </p:grpSpPr>
+      <p:sp>
+        <p:nvSpPr>
+          <p:cNvPr id="2" name="Title 1"/>
+          <p:cNvSpPr>
+            <a:spLocks noGrp="1"/>
+          </p:cNvSpPr>
+          <p:nvPr>
+            <p:ph type="title"/>
+          </p:nvPr>
+        </p:nvSpPr>
+        <p:spPr/>
+        <p:txBody>
+          <a:bodyPr/>
+          <a:lstStyle/>
+          <a:p>
+            <a:r>
+              <a:rPr lang="en-US" dirty="0"/>
+              <a:t>Stanford heart transplant data</a:t>
+            </a:r>
+          </a:p>
+        </p:txBody>
+      </p:sp>
+      <p:sp>
+        <p:nvSpPr>
+          <p:cNvPr id="5" name="Slide Number Placeholder 4"/>
+          <p:cNvSpPr>
+            <a:spLocks noGrp="1"/>
+          </p:cNvSpPr>
+          <p:nvPr>
+            <p:ph type="sldNum" sz="quarter" idx="11"/>
+          </p:nvPr>
+        </p:nvSpPr>
+        <p:spPr/>
+        <p:txBody>
+          <a:bodyPr/>
+          <a:lstStyle/>
+          <a:p>
+            <a:pPr>
+              <a:defRPr/>
+            </a:pPr>
+            <a:endParaRPr lang="en-US"/>
+          </a:p>
+          <a:p>
+            <a:pPr>
+              <a:defRPr/>
+            </a:pPr>
+            <a:fld id="{E9A8CBA3-AA2B-46A6-BFA3-DCEBEAAB3F0A}" type="slidenum">
+              <a:rPr lang="en-US" smtClean="0"/>
+              <a:pPr>
+                <a:defRPr/>
+              </a:pPr>
+              <a:t>28</a:t>
+            </a:fld>
+            <a:endParaRPr lang="en-US"/>
+          </a:p>
+        </p:txBody>
+      </p:sp>
+      <p:pic>
+        <p:nvPicPr>
+          <p:cNvPr id="12" name="Picture 11">
+            <a:extLst>
+              <a:ext uri="{FF2B5EF4-FFF2-40B4-BE49-F238E27FC236}">
+                <a16:creationId xmlns:a16="http://schemas.microsoft.com/office/drawing/2014/main" id="{8F2DCFEE-1C0B-4C44-9CD8-829EEDCAFC20}"/>
+              </a:ext>
+            </a:extLst>
+          </p:cNvPr>
+          <p:cNvPicPr>
+            <a:picLocks noChangeAspect="1"/>
+          </p:cNvPicPr>
+          <p:nvPr/>
+        </p:nvPicPr>
+        <p:blipFill>
+          <a:blip r:embed="rId2"/>
+          <a:stretch>
+            <a:fillRect/>
+          </a:stretch>
+        </p:blipFill>
+        <p:spPr>
+          <a:xfrm>
+            <a:off x="348190" y="1119996"/>
+            <a:ext cx="8447619" cy="5400000"/>
+          </a:xfrm>
+          <a:prstGeom prst="rect">
+            <a:avLst/>
+          </a:prstGeom>
+        </p:spPr>
+      </p:pic>
+    </p:spTree>
+    <p:extLst>
+      <p:ext uri="{BB962C8B-B14F-4D97-AF65-F5344CB8AC3E}">
+        <p14:creationId xmlns:p14="http://schemas.microsoft.com/office/powerpoint/2010/main" val="1113131820"/>
+      </p:ext>
+    </p:extLst>
+  </p:cSld>
+  <p:clrMapOvr>
+    <a:masterClrMapping/>
+  </p:clrMapOvr>
+</p:sld>
+</file>
+
+<file path=ppt/slides/slide29.xml><?xml version="1.0" encoding="utf-8"?>
+<p:sld xmlns:a="http://schemas.openxmlformats.org/drawingml/2006/main" xmlns:r="http://schemas.openxmlformats.org/officeDocument/2006/relationships" xmlns:p="http://schemas.openxmlformats.org/presentationml/2006/main">
+  <p:cSld>
+    <p:spTree>
+      <p:nvGrpSpPr>
+        <p:cNvPr id="1" name=""/>
+        <p:cNvGrpSpPr/>
+        <p:nvPr/>
+      </p:nvGrpSpPr>
+      <p:grpSpPr>
+        <a:xfrm>
+          <a:off x="0" y="0"/>
+          <a:ext cx="0" cy="0"/>
+          <a:chOff x="0" y="0"/>
+          <a:chExt cx="0" cy="0"/>
+        </a:xfrm>
+      </p:grpSpPr>
+      <p:sp>
+        <p:nvSpPr>
+          <p:cNvPr id="2" name="Title 1"/>
+          <p:cNvSpPr>
+            <a:spLocks noGrp="1"/>
+          </p:cNvSpPr>
+          <p:nvPr>
+            <p:ph type="title"/>
+          </p:nvPr>
+        </p:nvSpPr>
+        <p:spPr/>
+        <p:txBody>
+          <a:bodyPr/>
+          <a:lstStyle/>
+          <a:p>
+            <a:r>
+              <a:rPr lang="en-US" dirty="0"/>
+              <a:t>Stanford heart transplant data</a:t>
+            </a:r>
+          </a:p>
+        </p:txBody>
+      </p:sp>
+      <p:sp>
+        <p:nvSpPr>
+          <p:cNvPr id="5" name="Slide Number Placeholder 4"/>
+          <p:cNvSpPr>
+            <a:spLocks noGrp="1"/>
+          </p:cNvSpPr>
+          <p:nvPr>
+            <p:ph type="sldNum" sz="quarter" idx="11"/>
+          </p:nvPr>
+        </p:nvSpPr>
+        <p:spPr/>
+        <p:txBody>
+          <a:bodyPr/>
+          <a:lstStyle/>
+          <a:p>
+            <a:pPr>
+              <a:defRPr/>
+            </a:pPr>
+            <a:endParaRPr lang="en-US"/>
+          </a:p>
+          <a:p>
+            <a:pPr>
+              <a:defRPr/>
+            </a:pPr>
+            <a:fld id="{E9A8CBA3-AA2B-46A6-BFA3-DCEBEAAB3F0A}" type="slidenum">
+              <a:rPr lang="en-US" smtClean="0"/>
+              <a:pPr>
+                <a:defRPr/>
+              </a:pPr>
+              <a:t>29</a:t>
+            </a:fld>
+            <a:endParaRPr lang="en-US"/>
+          </a:p>
+        </p:txBody>
+      </p:sp>
+      <p:pic>
+        <p:nvPicPr>
+          <p:cNvPr id="11" name="Picture 10">
+            <a:extLst>
+              <a:ext uri="{FF2B5EF4-FFF2-40B4-BE49-F238E27FC236}">
+                <a16:creationId xmlns:a16="http://schemas.microsoft.com/office/drawing/2014/main" id="{B1C31E0B-086B-41C0-93B5-4508FAE2A7E0}"/>
+              </a:ext>
+            </a:extLst>
+          </p:cNvPr>
+          <p:cNvPicPr>
+            <a:picLocks noChangeAspect="1"/>
+          </p:cNvPicPr>
+          <p:nvPr/>
+        </p:nvPicPr>
+        <p:blipFill>
+          <a:blip r:embed="rId2"/>
+          <a:stretch>
+            <a:fillRect/>
+          </a:stretch>
+        </p:blipFill>
+        <p:spPr>
+          <a:xfrm>
+            <a:off x="524381" y="1029382"/>
+            <a:ext cx="4047619" cy="5457143"/>
+          </a:xfrm>
+          <a:prstGeom prst="rect">
+            <a:avLst/>
+          </a:prstGeom>
+        </p:spPr>
+      </p:pic>
+    </p:spTree>
+    <p:extLst>
+      <p:ext uri="{BB962C8B-B14F-4D97-AF65-F5344CB8AC3E}">
+        <p14:creationId xmlns:p14="http://schemas.microsoft.com/office/powerpoint/2010/main" val="4059982873"/>
       </p:ext>
     </p:extLst>
   </p:cSld>
@@ -5452,6 +7288,2639 @@
     <p:extLst>
       <p:ext uri="{BB962C8B-B14F-4D97-AF65-F5344CB8AC3E}">
         <p14:creationId xmlns:p14="http://schemas.microsoft.com/office/powerpoint/2010/main" val="2692073544"/>
+      </p:ext>
+    </p:extLst>
+  </p:cSld>
+  <p:clrMapOvr>
+    <a:masterClrMapping/>
+  </p:clrMapOvr>
+</p:sld>
+</file>
+
+<file path=ppt/slides/slide30.xml><?xml version="1.0" encoding="utf-8"?>
+<p:sld xmlns:a="http://schemas.openxmlformats.org/drawingml/2006/main" xmlns:r="http://schemas.openxmlformats.org/officeDocument/2006/relationships" xmlns:p="http://schemas.openxmlformats.org/presentationml/2006/main">
+  <p:cSld>
+    <p:spTree>
+      <p:nvGrpSpPr>
+        <p:cNvPr id="1" name=""/>
+        <p:cNvGrpSpPr/>
+        <p:nvPr/>
+      </p:nvGrpSpPr>
+      <p:grpSpPr>
+        <a:xfrm>
+          <a:off x="0" y="0"/>
+          <a:ext cx="0" cy="0"/>
+          <a:chOff x="0" y="0"/>
+          <a:chExt cx="0" cy="0"/>
+        </a:xfrm>
+      </p:grpSpPr>
+      <p:sp>
+        <p:nvSpPr>
+          <p:cNvPr id="2" name="Title 1"/>
+          <p:cNvSpPr>
+            <a:spLocks noGrp="1"/>
+          </p:cNvSpPr>
+          <p:nvPr>
+            <p:ph type="title"/>
+          </p:nvPr>
+        </p:nvSpPr>
+        <p:spPr/>
+        <p:txBody>
+          <a:bodyPr/>
+          <a:lstStyle/>
+          <a:p>
+            <a:r>
+              <a:rPr lang="en-US" dirty="0"/>
+              <a:t>Stanford heart transplant data</a:t>
+            </a:r>
+            <a:r>
+              <a:rPr lang="en-US"/>
+              <a:t>, patients 21-30</a:t>
+            </a:r>
+            <a:endParaRPr lang="en-US" dirty="0"/>
+          </a:p>
+        </p:txBody>
+      </p:sp>
+      <p:sp>
+        <p:nvSpPr>
+          <p:cNvPr id="5" name="Slide Number Placeholder 4"/>
+          <p:cNvSpPr>
+            <a:spLocks noGrp="1"/>
+          </p:cNvSpPr>
+          <p:nvPr>
+            <p:ph type="sldNum" sz="quarter" idx="11"/>
+          </p:nvPr>
+        </p:nvSpPr>
+        <p:spPr/>
+        <p:txBody>
+          <a:bodyPr/>
+          <a:lstStyle/>
+          <a:p>
+            <a:pPr>
+              <a:defRPr/>
+            </a:pPr>
+            <a:endParaRPr lang="en-US"/>
+          </a:p>
+          <a:p>
+            <a:pPr>
+              <a:defRPr/>
+            </a:pPr>
+            <a:fld id="{E9A8CBA3-AA2B-46A6-BFA3-DCEBEAAB3F0A}" type="slidenum">
+              <a:rPr lang="en-US" smtClean="0"/>
+              <a:pPr>
+                <a:defRPr/>
+              </a:pPr>
+              <a:t>30</a:t>
+            </a:fld>
+            <a:endParaRPr lang="en-US"/>
+          </a:p>
+        </p:txBody>
+      </p:sp>
+      <p:pic>
+        <p:nvPicPr>
+          <p:cNvPr id="4" name="Picture 3">
+            <a:extLst>
+              <a:ext uri="{FF2B5EF4-FFF2-40B4-BE49-F238E27FC236}">
+                <a16:creationId xmlns:a16="http://schemas.microsoft.com/office/drawing/2014/main" id="{873AD2CF-51EA-4464-B71A-88A550213221}"/>
+              </a:ext>
+            </a:extLst>
+          </p:cNvPr>
+          <p:cNvPicPr>
+            <a:picLocks noChangeAspect="1"/>
+          </p:cNvPicPr>
+          <p:nvPr/>
+        </p:nvPicPr>
+        <p:blipFill>
+          <a:blip r:embed="rId2"/>
+          <a:stretch>
+            <a:fillRect/>
+          </a:stretch>
+        </p:blipFill>
+        <p:spPr>
+          <a:xfrm>
+            <a:off x="457714" y="1143285"/>
+            <a:ext cx="8228571" cy="4571429"/>
+          </a:xfrm>
+          <a:prstGeom prst="rect">
+            <a:avLst/>
+          </a:prstGeom>
+        </p:spPr>
+      </p:pic>
+    </p:spTree>
+    <p:extLst>
+      <p:ext uri="{BB962C8B-B14F-4D97-AF65-F5344CB8AC3E}">
+        <p14:creationId xmlns:p14="http://schemas.microsoft.com/office/powerpoint/2010/main" val="3704329744"/>
+      </p:ext>
+    </p:extLst>
+  </p:cSld>
+  <p:clrMapOvr>
+    <a:masterClrMapping/>
+  </p:clrMapOvr>
+</p:sld>
+</file>
+
+<file path=ppt/slides/slide31.xml><?xml version="1.0" encoding="utf-8"?>
+<p:sld xmlns:a="http://schemas.openxmlformats.org/drawingml/2006/main" xmlns:r="http://schemas.openxmlformats.org/officeDocument/2006/relationships" xmlns:p="http://schemas.openxmlformats.org/presentationml/2006/main">
+  <p:cSld>
+    <p:spTree>
+      <p:nvGrpSpPr>
+        <p:cNvPr id="1" name=""/>
+        <p:cNvGrpSpPr/>
+        <p:nvPr/>
+      </p:nvGrpSpPr>
+      <p:grpSpPr>
+        <a:xfrm>
+          <a:off x="0" y="0"/>
+          <a:ext cx="0" cy="0"/>
+          <a:chOff x="0" y="0"/>
+          <a:chExt cx="0" cy="0"/>
+        </a:xfrm>
+      </p:grpSpPr>
+      <p:sp>
+        <p:nvSpPr>
+          <p:cNvPr id="2" name="Title 1"/>
+          <p:cNvSpPr>
+            <a:spLocks noGrp="1"/>
+          </p:cNvSpPr>
+          <p:nvPr>
+            <p:ph type="title"/>
+          </p:nvPr>
+        </p:nvSpPr>
+        <p:spPr/>
+        <p:txBody>
+          <a:bodyPr/>
+          <a:lstStyle/>
+          <a:p>
+            <a:r>
+              <a:rPr lang="en-US" dirty="0"/>
+              <a:t>Stanford heart transplant data</a:t>
+            </a:r>
+          </a:p>
+        </p:txBody>
+      </p:sp>
+      <p:sp>
+        <p:nvSpPr>
+          <p:cNvPr id="3" name="Text Placeholder 2"/>
+          <p:cNvSpPr>
+            <a:spLocks noGrp="1"/>
+          </p:cNvSpPr>
+          <p:nvPr>
+            <p:ph type="body" idx="1"/>
+          </p:nvPr>
+        </p:nvSpPr>
+        <p:spPr/>
+        <p:txBody>
+          <a:bodyPr/>
+          <a:lstStyle/>
+          <a:p>
+            <a:r>
+              <a:rPr lang="en-US" sz="1800" dirty="0">
+                <a:latin typeface="Courier New" panose="02070309020205020404" pitchFamily="49" charset="0"/>
+                <a:cs typeface="Courier New" panose="02070309020205020404" pitchFamily="49" charset="0"/>
+              </a:rPr>
+              <a:t>id  </a:t>
+            </a:r>
+            <a:r>
+              <a:rPr lang="en-US" sz="1800" dirty="0" err="1">
+                <a:latin typeface="Courier New" panose="02070309020205020404" pitchFamily="49" charset="0"/>
+                <a:cs typeface="Courier New" panose="02070309020205020404" pitchFamily="49" charset="0"/>
+              </a:rPr>
+              <a:t>accept.dt</a:t>
+            </a:r>
+            <a:r>
+              <a:rPr lang="en-US" sz="1800" dirty="0">
+                <a:latin typeface="Courier New" panose="02070309020205020404" pitchFamily="49" charset="0"/>
+                <a:cs typeface="Courier New" panose="02070309020205020404" pitchFamily="49" charset="0"/>
+              </a:rPr>
+              <a:t>    </a:t>
+            </a:r>
+            <a:r>
+              <a:rPr lang="en-US" sz="1800" dirty="0" err="1">
+                <a:latin typeface="Courier New" panose="02070309020205020404" pitchFamily="49" charset="0"/>
+                <a:cs typeface="Courier New" panose="02070309020205020404" pitchFamily="49" charset="0"/>
+              </a:rPr>
+              <a:t>tx.date</a:t>
+            </a:r>
+            <a:r>
+              <a:rPr lang="en-US" sz="1800" dirty="0">
+                <a:latin typeface="Courier New" panose="02070309020205020404" pitchFamily="49" charset="0"/>
+                <a:cs typeface="Courier New" panose="02070309020205020404" pitchFamily="49" charset="0"/>
+              </a:rPr>
+              <a:t>    </a:t>
+            </a:r>
+            <a:r>
+              <a:rPr lang="en-US" sz="1800" dirty="0" err="1">
+                <a:latin typeface="Courier New" panose="02070309020205020404" pitchFamily="49" charset="0"/>
+                <a:cs typeface="Courier New" panose="02070309020205020404" pitchFamily="49" charset="0"/>
+              </a:rPr>
+              <a:t>fu.date</a:t>
+            </a:r>
+            <a:r>
+              <a:rPr lang="en-US" sz="1800" dirty="0">
+                <a:latin typeface="Courier New" panose="02070309020205020404" pitchFamily="49" charset="0"/>
+                <a:cs typeface="Courier New" panose="02070309020205020404" pitchFamily="49" charset="0"/>
+              </a:rPr>
+              <a:t> </a:t>
+            </a:r>
+            <a:r>
+              <a:rPr lang="en-US" sz="1800" dirty="0" err="1">
+                <a:latin typeface="Courier New" panose="02070309020205020404" pitchFamily="49" charset="0"/>
+                <a:cs typeface="Courier New" panose="02070309020205020404" pitchFamily="49" charset="0"/>
+              </a:rPr>
+              <a:t>fustat</a:t>
+            </a:r>
+            <a:r>
+              <a:rPr lang="en-US" sz="1800" dirty="0">
+                <a:latin typeface="Courier New" panose="02070309020205020404" pitchFamily="49" charset="0"/>
+                <a:cs typeface="Courier New" panose="02070309020205020404" pitchFamily="49" charset="0"/>
+              </a:rPr>
+              <a:t> transplant</a:t>
+            </a:r>
+          </a:p>
+          <a:p>
+            <a:r>
+              <a:rPr lang="en-US" sz="1800" dirty="0">
+                <a:latin typeface="Courier New" panose="02070309020205020404" pitchFamily="49" charset="0"/>
+                <a:cs typeface="Courier New" panose="02070309020205020404" pitchFamily="49" charset="0"/>
+              </a:rPr>
+              <a:t>21 1969-02-01 1969-02-08 1971-11-29      1          1</a:t>
+            </a:r>
+          </a:p>
+          <a:p>
+            <a:endParaRPr lang="en-US" sz="1800" dirty="0">
+              <a:latin typeface="Courier New" panose="02070309020205020404" pitchFamily="49" charset="0"/>
+              <a:cs typeface="Courier New" panose="02070309020205020404" pitchFamily="49" charset="0"/>
+            </a:endParaRPr>
+          </a:p>
+          <a:p>
+            <a:r>
+              <a:rPr lang="en-US" sz="1800" dirty="0">
+                <a:latin typeface="Courier New" panose="02070309020205020404" pitchFamily="49" charset="0"/>
+                <a:cs typeface="Courier New" panose="02070309020205020404" pitchFamily="49" charset="0"/>
+              </a:rPr>
+              <a:t>id   time1     time2 event transplant</a:t>
+            </a:r>
+          </a:p>
+          <a:p>
+            <a:r>
+              <a:rPr lang="en-US" sz="1800" dirty="0">
+                <a:latin typeface="Courier New" panose="02070309020205020404" pitchFamily="49" charset="0"/>
+                <a:cs typeface="Courier New" panose="02070309020205020404" pitchFamily="49" charset="0"/>
+              </a:rPr>
+              <a:t>21  7 days 1031 days     D          1</a:t>
+            </a:r>
+          </a:p>
+          <a:p>
+            <a:endParaRPr lang="en-US" sz="1800" dirty="0">
+              <a:latin typeface="Courier New" panose="02070309020205020404" pitchFamily="49" charset="0"/>
+              <a:cs typeface="Courier New" panose="02070309020205020404" pitchFamily="49" charset="0"/>
+            </a:endParaRPr>
+          </a:p>
+          <a:p>
+            <a:r>
+              <a:rPr lang="en-US" sz="1800" dirty="0">
+                <a:latin typeface="Courier New" panose="02070309020205020404" pitchFamily="49" charset="0"/>
+                <a:cs typeface="Courier New" panose="02070309020205020404" pitchFamily="49" charset="0"/>
+              </a:rPr>
+              <a:t>id start stop event transplant</a:t>
+            </a:r>
+          </a:p>
+          <a:p>
+            <a:r>
+              <a:rPr lang="en-US" sz="1800" dirty="0">
+                <a:latin typeface="Courier New" panose="02070309020205020404" pitchFamily="49" charset="0"/>
+                <a:cs typeface="Courier New" panose="02070309020205020404" pitchFamily="49" charset="0"/>
+              </a:rPr>
+              <a:t>21     0    7     0          0</a:t>
+            </a:r>
+          </a:p>
+          <a:p>
+            <a:r>
+              <a:rPr lang="en-US" sz="1800" dirty="0">
+                <a:latin typeface="Courier New" panose="02070309020205020404" pitchFamily="49" charset="0"/>
+                <a:cs typeface="Courier New" panose="02070309020205020404" pitchFamily="49" charset="0"/>
+              </a:rPr>
+              <a:t>21     7 1031     1          1</a:t>
+            </a:r>
+          </a:p>
+          <a:p>
+            <a:pPr marL="342900" indent="-342900">
+              <a:buAutoNum type="arabicPlain" startAt="21"/>
+            </a:pPr>
+            <a:endParaRPr lang="en-US" sz="1800" dirty="0">
+              <a:latin typeface="Courier New" panose="02070309020205020404" pitchFamily="49" charset="0"/>
+              <a:cs typeface="Courier New" panose="02070309020205020404" pitchFamily="49" charset="0"/>
+            </a:endParaRPr>
+          </a:p>
+        </p:txBody>
+      </p:sp>
+      <p:sp>
+        <p:nvSpPr>
+          <p:cNvPr id="4" name="Footer Placeholder 3"/>
+          <p:cNvSpPr>
+            <a:spLocks noGrp="1"/>
+          </p:cNvSpPr>
+          <p:nvPr>
+            <p:ph type="ftr" sz="quarter" idx="10"/>
+          </p:nvPr>
+        </p:nvSpPr>
+        <p:spPr/>
+        <p:txBody>
+          <a:bodyPr/>
+          <a:lstStyle/>
+          <a:p>
+            <a:pPr>
+              <a:defRPr/>
+            </a:pPr>
+            <a:r>
+              <a:rPr lang="en-US" altLang="en-US" dirty="0"/>
+              <a:t>©2018 Steve Simon    http://TheAnalysisFactor.com</a:t>
+            </a:r>
+          </a:p>
+        </p:txBody>
+      </p:sp>
+      <p:sp>
+        <p:nvSpPr>
+          <p:cNvPr id="5" name="Slide Number Placeholder 4"/>
+          <p:cNvSpPr>
+            <a:spLocks noGrp="1"/>
+          </p:cNvSpPr>
+          <p:nvPr>
+            <p:ph type="sldNum" sz="quarter" idx="11"/>
+          </p:nvPr>
+        </p:nvSpPr>
+        <p:spPr/>
+        <p:txBody>
+          <a:bodyPr/>
+          <a:lstStyle/>
+          <a:p>
+            <a:pPr>
+              <a:defRPr/>
+            </a:pPr>
+            <a:endParaRPr lang="en-US"/>
+          </a:p>
+          <a:p>
+            <a:pPr>
+              <a:defRPr/>
+            </a:pPr>
+            <a:fld id="{E9A8CBA3-AA2B-46A6-BFA3-DCEBEAAB3F0A}" type="slidenum">
+              <a:rPr lang="en-US" smtClean="0"/>
+              <a:pPr>
+                <a:defRPr/>
+              </a:pPr>
+              <a:t>31</a:t>
+            </a:fld>
+            <a:endParaRPr lang="en-US"/>
+          </a:p>
+        </p:txBody>
+      </p:sp>
+      <p:sp>
+        <p:nvSpPr>
+          <p:cNvPr id="6" name="Text Placeholder 5"/>
+          <p:cNvSpPr>
+            <a:spLocks noGrp="1"/>
+          </p:cNvSpPr>
+          <p:nvPr>
+            <p:ph type="body" sz="quarter" idx="12"/>
+          </p:nvPr>
+        </p:nvSpPr>
+        <p:spPr/>
+        <p:txBody>
+          <a:bodyPr/>
+          <a:lstStyle/>
+          <a:p>
+            <a:r>
+              <a:rPr lang="en-US" dirty="0"/>
+              <a:t>Patient #21</a:t>
+            </a:r>
+          </a:p>
+        </p:txBody>
+      </p:sp>
+    </p:spTree>
+    <p:extLst>
+      <p:ext uri="{BB962C8B-B14F-4D97-AF65-F5344CB8AC3E}">
+        <p14:creationId xmlns:p14="http://schemas.microsoft.com/office/powerpoint/2010/main" val="2830790376"/>
+      </p:ext>
+    </p:extLst>
+  </p:cSld>
+  <p:clrMapOvr>
+    <a:masterClrMapping/>
+  </p:clrMapOvr>
+</p:sld>
+</file>
+
+<file path=ppt/slides/slide32.xml><?xml version="1.0" encoding="utf-8"?>
+<p:sld xmlns:a="http://schemas.openxmlformats.org/drawingml/2006/main" xmlns:r="http://schemas.openxmlformats.org/officeDocument/2006/relationships" xmlns:p="http://schemas.openxmlformats.org/presentationml/2006/main">
+  <p:cSld>
+    <p:spTree>
+      <p:nvGrpSpPr>
+        <p:cNvPr id="1" name=""/>
+        <p:cNvGrpSpPr/>
+        <p:nvPr/>
+      </p:nvGrpSpPr>
+      <p:grpSpPr>
+        <a:xfrm>
+          <a:off x="0" y="0"/>
+          <a:ext cx="0" cy="0"/>
+          <a:chOff x="0" y="0"/>
+          <a:chExt cx="0" cy="0"/>
+        </a:xfrm>
+      </p:grpSpPr>
+      <p:sp>
+        <p:nvSpPr>
+          <p:cNvPr id="2" name="Title 1"/>
+          <p:cNvSpPr>
+            <a:spLocks noGrp="1"/>
+          </p:cNvSpPr>
+          <p:nvPr>
+            <p:ph type="title"/>
+          </p:nvPr>
+        </p:nvSpPr>
+        <p:spPr/>
+        <p:txBody>
+          <a:bodyPr/>
+          <a:lstStyle/>
+          <a:p>
+            <a:r>
+              <a:rPr lang="en-US" dirty="0"/>
+              <a:t>Stanford heart transplant data</a:t>
+            </a:r>
+          </a:p>
+        </p:txBody>
+      </p:sp>
+      <p:sp>
+        <p:nvSpPr>
+          <p:cNvPr id="3" name="Text Placeholder 2"/>
+          <p:cNvSpPr>
+            <a:spLocks noGrp="1"/>
+          </p:cNvSpPr>
+          <p:nvPr>
+            <p:ph type="body" idx="1"/>
+          </p:nvPr>
+        </p:nvSpPr>
+        <p:spPr/>
+        <p:txBody>
+          <a:bodyPr/>
+          <a:lstStyle/>
+          <a:p>
+            <a:r>
+              <a:rPr lang="en-US" sz="1800" dirty="0">
+                <a:latin typeface="Courier New" panose="02070309020205020404" pitchFamily="49" charset="0"/>
+                <a:cs typeface="Courier New" panose="02070309020205020404" pitchFamily="49" charset="0"/>
+              </a:rPr>
+              <a:t>id  </a:t>
+            </a:r>
+            <a:r>
+              <a:rPr lang="en-US" sz="1800" dirty="0" err="1">
+                <a:latin typeface="Courier New" panose="02070309020205020404" pitchFamily="49" charset="0"/>
+                <a:cs typeface="Courier New" panose="02070309020205020404" pitchFamily="49" charset="0"/>
+              </a:rPr>
+              <a:t>accept.dt</a:t>
+            </a:r>
+            <a:r>
+              <a:rPr lang="en-US" sz="1800" dirty="0">
+                <a:latin typeface="Courier New" panose="02070309020205020404" pitchFamily="49" charset="0"/>
+                <a:cs typeface="Courier New" panose="02070309020205020404" pitchFamily="49" charset="0"/>
+              </a:rPr>
+              <a:t>    </a:t>
+            </a:r>
+            <a:r>
+              <a:rPr lang="en-US" sz="1800" dirty="0" err="1">
+                <a:latin typeface="Courier New" panose="02070309020205020404" pitchFamily="49" charset="0"/>
+                <a:cs typeface="Courier New" panose="02070309020205020404" pitchFamily="49" charset="0"/>
+              </a:rPr>
+              <a:t>tx.date</a:t>
+            </a:r>
+            <a:r>
+              <a:rPr lang="en-US" sz="1800" dirty="0">
+                <a:latin typeface="Courier New" panose="02070309020205020404" pitchFamily="49" charset="0"/>
+                <a:cs typeface="Courier New" panose="02070309020205020404" pitchFamily="49" charset="0"/>
+              </a:rPr>
+              <a:t>    </a:t>
+            </a:r>
+            <a:r>
+              <a:rPr lang="en-US" sz="1800" dirty="0" err="1">
+                <a:latin typeface="Courier New" panose="02070309020205020404" pitchFamily="49" charset="0"/>
+                <a:cs typeface="Courier New" panose="02070309020205020404" pitchFamily="49" charset="0"/>
+              </a:rPr>
+              <a:t>fu.date</a:t>
+            </a:r>
+            <a:r>
+              <a:rPr lang="en-US" sz="1800" dirty="0">
+                <a:latin typeface="Courier New" panose="02070309020205020404" pitchFamily="49" charset="0"/>
+                <a:cs typeface="Courier New" panose="02070309020205020404" pitchFamily="49" charset="0"/>
+              </a:rPr>
+              <a:t> </a:t>
+            </a:r>
+            <a:r>
+              <a:rPr lang="en-US" sz="1800" dirty="0" err="1">
+                <a:latin typeface="Courier New" panose="02070309020205020404" pitchFamily="49" charset="0"/>
+                <a:cs typeface="Courier New" panose="02070309020205020404" pitchFamily="49" charset="0"/>
+              </a:rPr>
+              <a:t>fustat</a:t>
+            </a:r>
+            <a:r>
+              <a:rPr lang="en-US" sz="1800" dirty="0">
+                <a:latin typeface="Courier New" panose="02070309020205020404" pitchFamily="49" charset="0"/>
+                <a:cs typeface="Courier New" panose="02070309020205020404" pitchFamily="49" charset="0"/>
+              </a:rPr>
+              <a:t> transplant</a:t>
+            </a:r>
+          </a:p>
+          <a:p>
+            <a:r>
+              <a:rPr lang="en-US" sz="1800" dirty="0">
+                <a:latin typeface="Courier New" panose="02070309020205020404" pitchFamily="49" charset="0"/>
+                <a:cs typeface="Courier New" panose="02070309020205020404" pitchFamily="49" charset="0"/>
+              </a:rPr>
+              <a:t>22 1969-03-18 1969-03-29 1969-05-07      1          1</a:t>
+            </a:r>
+          </a:p>
+          <a:p>
+            <a:endParaRPr lang="en-US" sz="1800" dirty="0">
+              <a:latin typeface="Courier New" panose="02070309020205020404" pitchFamily="49" charset="0"/>
+              <a:cs typeface="Courier New" panose="02070309020205020404" pitchFamily="49" charset="0"/>
+            </a:endParaRPr>
+          </a:p>
+          <a:p>
+            <a:r>
+              <a:rPr lang="en-US" sz="1800" dirty="0">
+                <a:latin typeface="Courier New" panose="02070309020205020404" pitchFamily="49" charset="0"/>
+                <a:cs typeface="Courier New" panose="02070309020205020404" pitchFamily="49" charset="0"/>
+              </a:rPr>
+              <a:t>id   time1     time2 event transplant</a:t>
+            </a:r>
+          </a:p>
+          <a:p>
+            <a:r>
+              <a:rPr lang="en-US" sz="1800" dirty="0">
+                <a:latin typeface="Courier New" panose="02070309020205020404" pitchFamily="49" charset="0"/>
+                <a:cs typeface="Courier New" panose="02070309020205020404" pitchFamily="49" charset="0"/>
+              </a:rPr>
+              <a:t>22 11 days   50 days     D          1</a:t>
+            </a:r>
+          </a:p>
+          <a:p>
+            <a:endParaRPr lang="en-US" sz="1800" dirty="0">
+              <a:latin typeface="Courier New" panose="02070309020205020404" pitchFamily="49" charset="0"/>
+              <a:cs typeface="Courier New" panose="02070309020205020404" pitchFamily="49" charset="0"/>
+            </a:endParaRPr>
+          </a:p>
+          <a:p>
+            <a:r>
+              <a:rPr lang="en-US" sz="1800" dirty="0">
+                <a:latin typeface="Courier New" panose="02070309020205020404" pitchFamily="49" charset="0"/>
+                <a:cs typeface="Courier New" panose="02070309020205020404" pitchFamily="49" charset="0"/>
+              </a:rPr>
+              <a:t>id start stop event transplant</a:t>
+            </a:r>
+          </a:p>
+          <a:p>
+            <a:r>
+              <a:rPr lang="en-US" sz="1800" dirty="0">
+                <a:latin typeface="Courier New" panose="02070309020205020404" pitchFamily="49" charset="0"/>
+                <a:cs typeface="Courier New" panose="02070309020205020404" pitchFamily="49" charset="0"/>
+              </a:rPr>
+              <a:t>22     0   11     0          0</a:t>
+            </a:r>
+          </a:p>
+          <a:p>
+            <a:r>
+              <a:rPr lang="en-US" sz="1800" dirty="0">
+                <a:latin typeface="Courier New" panose="02070309020205020404" pitchFamily="49" charset="0"/>
+                <a:cs typeface="Courier New" panose="02070309020205020404" pitchFamily="49" charset="0"/>
+              </a:rPr>
+              <a:t>22    11   50     1          1</a:t>
+            </a:r>
+          </a:p>
+        </p:txBody>
+      </p:sp>
+      <p:sp>
+        <p:nvSpPr>
+          <p:cNvPr id="4" name="Footer Placeholder 3"/>
+          <p:cNvSpPr>
+            <a:spLocks noGrp="1"/>
+          </p:cNvSpPr>
+          <p:nvPr>
+            <p:ph type="ftr" sz="quarter" idx="10"/>
+          </p:nvPr>
+        </p:nvSpPr>
+        <p:spPr/>
+        <p:txBody>
+          <a:bodyPr/>
+          <a:lstStyle/>
+          <a:p>
+            <a:pPr>
+              <a:defRPr/>
+            </a:pPr>
+            <a:r>
+              <a:rPr lang="en-US" altLang="en-US" dirty="0"/>
+              <a:t>©2018 Steve Simon    http://TheAnalysisFactor.com</a:t>
+            </a:r>
+          </a:p>
+        </p:txBody>
+      </p:sp>
+      <p:sp>
+        <p:nvSpPr>
+          <p:cNvPr id="5" name="Slide Number Placeholder 4"/>
+          <p:cNvSpPr>
+            <a:spLocks noGrp="1"/>
+          </p:cNvSpPr>
+          <p:nvPr>
+            <p:ph type="sldNum" sz="quarter" idx="11"/>
+          </p:nvPr>
+        </p:nvSpPr>
+        <p:spPr/>
+        <p:txBody>
+          <a:bodyPr/>
+          <a:lstStyle/>
+          <a:p>
+            <a:pPr>
+              <a:defRPr/>
+            </a:pPr>
+            <a:endParaRPr lang="en-US"/>
+          </a:p>
+          <a:p>
+            <a:pPr>
+              <a:defRPr/>
+            </a:pPr>
+            <a:fld id="{E9A8CBA3-AA2B-46A6-BFA3-DCEBEAAB3F0A}" type="slidenum">
+              <a:rPr lang="en-US" smtClean="0"/>
+              <a:pPr>
+                <a:defRPr/>
+              </a:pPr>
+              <a:t>32</a:t>
+            </a:fld>
+            <a:endParaRPr lang="en-US"/>
+          </a:p>
+        </p:txBody>
+      </p:sp>
+      <p:sp>
+        <p:nvSpPr>
+          <p:cNvPr id="6" name="Text Placeholder 5"/>
+          <p:cNvSpPr>
+            <a:spLocks noGrp="1"/>
+          </p:cNvSpPr>
+          <p:nvPr>
+            <p:ph type="body" sz="quarter" idx="12"/>
+          </p:nvPr>
+        </p:nvSpPr>
+        <p:spPr/>
+        <p:txBody>
+          <a:bodyPr/>
+          <a:lstStyle/>
+          <a:p>
+            <a:r>
+              <a:rPr lang="en-US" dirty="0"/>
+              <a:t>Patient #22</a:t>
+            </a:r>
+          </a:p>
+        </p:txBody>
+      </p:sp>
+    </p:spTree>
+    <p:extLst>
+      <p:ext uri="{BB962C8B-B14F-4D97-AF65-F5344CB8AC3E}">
+        <p14:creationId xmlns:p14="http://schemas.microsoft.com/office/powerpoint/2010/main" val="2452209786"/>
+      </p:ext>
+    </p:extLst>
+  </p:cSld>
+  <p:clrMapOvr>
+    <a:masterClrMapping/>
+  </p:clrMapOvr>
+</p:sld>
+</file>
+
+<file path=ppt/slides/slide33.xml><?xml version="1.0" encoding="utf-8"?>
+<p:sld xmlns:a="http://schemas.openxmlformats.org/drawingml/2006/main" xmlns:r="http://schemas.openxmlformats.org/officeDocument/2006/relationships" xmlns:p="http://schemas.openxmlformats.org/presentationml/2006/main">
+  <p:cSld>
+    <p:spTree>
+      <p:nvGrpSpPr>
+        <p:cNvPr id="1" name=""/>
+        <p:cNvGrpSpPr/>
+        <p:nvPr/>
+      </p:nvGrpSpPr>
+      <p:grpSpPr>
+        <a:xfrm>
+          <a:off x="0" y="0"/>
+          <a:ext cx="0" cy="0"/>
+          <a:chOff x="0" y="0"/>
+          <a:chExt cx="0" cy="0"/>
+        </a:xfrm>
+      </p:grpSpPr>
+      <p:sp>
+        <p:nvSpPr>
+          <p:cNvPr id="2" name="Title 1"/>
+          <p:cNvSpPr>
+            <a:spLocks noGrp="1"/>
+          </p:cNvSpPr>
+          <p:nvPr>
+            <p:ph type="title"/>
+          </p:nvPr>
+        </p:nvSpPr>
+        <p:spPr/>
+        <p:txBody>
+          <a:bodyPr/>
+          <a:lstStyle/>
+          <a:p>
+            <a:r>
+              <a:rPr lang="en-US" dirty="0"/>
+              <a:t>Stanford heart transplant data</a:t>
+            </a:r>
+          </a:p>
+        </p:txBody>
+      </p:sp>
+      <p:sp>
+        <p:nvSpPr>
+          <p:cNvPr id="3" name="Text Placeholder 2"/>
+          <p:cNvSpPr>
+            <a:spLocks noGrp="1"/>
+          </p:cNvSpPr>
+          <p:nvPr>
+            <p:ph type="body" idx="1"/>
+          </p:nvPr>
+        </p:nvSpPr>
+        <p:spPr/>
+        <p:txBody>
+          <a:bodyPr/>
+          <a:lstStyle/>
+          <a:p>
+            <a:r>
+              <a:rPr lang="en-US" sz="1800" dirty="0">
+                <a:latin typeface="Courier New" panose="02070309020205020404" pitchFamily="49" charset="0"/>
+                <a:cs typeface="Courier New" panose="02070309020205020404" pitchFamily="49" charset="0"/>
+              </a:rPr>
+              <a:t>id  </a:t>
+            </a:r>
+            <a:r>
+              <a:rPr lang="en-US" sz="1800" dirty="0" err="1">
+                <a:latin typeface="Courier New" panose="02070309020205020404" pitchFamily="49" charset="0"/>
+                <a:cs typeface="Courier New" panose="02070309020205020404" pitchFamily="49" charset="0"/>
+              </a:rPr>
+              <a:t>accept.dt</a:t>
+            </a:r>
+            <a:r>
+              <a:rPr lang="en-US" sz="1800" dirty="0">
+                <a:latin typeface="Courier New" panose="02070309020205020404" pitchFamily="49" charset="0"/>
+                <a:cs typeface="Courier New" panose="02070309020205020404" pitchFamily="49" charset="0"/>
+              </a:rPr>
+              <a:t>    </a:t>
+            </a:r>
+            <a:r>
+              <a:rPr lang="en-US" sz="1800" dirty="0" err="1">
+                <a:latin typeface="Courier New" panose="02070309020205020404" pitchFamily="49" charset="0"/>
+                <a:cs typeface="Courier New" panose="02070309020205020404" pitchFamily="49" charset="0"/>
+              </a:rPr>
+              <a:t>tx.date</a:t>
+            </a:r>
+            <a:r>
+              <a:rPr lang="en-US" sz="1800" dirty="0">
+                <a:latin typeface="Courier New" panose="02070309020205020404" pitchFamily="49" charset="0"/>
+                <a:cs typeface="Courier New" panose="02070309020205020404" pitchFamily="49" charset="0"/>
+              </a:rPr>
+              <a:t>    </a:t>
+            </a:r>
+            <a:r>
+              <a:rPr lang="en-US" sz="1800" dirty="0" err="1">
+                <a:latin typeface="Courier New" panose="02070309020205020404" pitchFamily="49" charset="0"/>
+                <a:cs typeface="Courier New" panose="02070309020205020404" pitchFamily="49" charset="0"/>
+              </a:rPr>
+              <a:t>fu.date</a:t>
+            </a:r>
+            <a:r>
+              <a:rPr lang="en-US" sz="1800" dirty="0">
+                <a:latin typeface="Courier New" panose="02070309020205020404" pitchFamily="49" charset="0"/>
+                <a:cs typeface="Courier New" panose="02070309020205020404" pitchFamily="49" charset="0"/>
+              </a:rPr>
+              <a:t> </a:t>
+            </a:r>
+            <a:r>
+              <a:rPr lang="en-US" sz="1800" dirty="0" err="1">
+                <a:latin typeface="Courier New" panose="02070309020205020404" pitchFamily="49" charset="0"/>
+                <a:cs typeface="Courier New" panose="02070309020205020404" pitchFamily="49" charset="0"/>
+              </a:rPr>
+              <a:t>fustat</a:t>
+            </a:r>
+            <a:r>
+              <a:rPr lang="en-US" sz="1800" dirty="0">
+                <a:latin typeface="Courier New" panose="02070309020205020404" pitchFamily="49" charset="0"/>
+                <a:cs typeface="Courier New" panose="02070309020205020404" pitchFamily="49" charset="0"/>
+              </a:rPr>
+              <a:t> transplant</a:t>
+            </a:r>
+          </a:p>
+          <a:p>
+            <a:r>
+              <a:rPr lang="en-US" sz="1800" dirty="0">
+                <a:latin typeface="Courier New" panose="02070309020205020404" pitchFamily="49" charset="0"/>
+                <a:cs typeface="Courier New" panose="02070309020205020404" pitchFamily="49" charset="0"/>
+              </a:rPr>
+              <a:t>23 1969-04-11 1969-04-13 1971-04-13      1          1</a:t>
+            </a:r>
+          </a:p>
+          <a:p>
+            <a:endParaRPr lang="en-US" sz="1800" dirty="0">
+              <a:latin typeface="Courier New" panose="02070309020205020404" pitchFamily="49" charset="0"/>
+              <a:cs typeface="Courier New" panose="02070309020205020404" pitchFamily="49" charset="0"/>
+            </a:endParaRPr>
+          </a:p>
+          <a:p>
+            <a:r>
+              <a:rPr lang="en-US" sz="1800" dirty="0">
+                <a:latin typeface="Courier New" panose="02070309020205020404" pitchFamily="49" charset="0"/>
+                <a:cs typeface="Courier New" panose="02070309020205020404" pitchFamily="49" charset="0"/>
+              </a:rPr>
+              <a:t>id   time1     time2 event transplant</a:t>
+            </a:r>
+          </a:p>
+          <a:p>
+            <a:r>
+              <a:rPr lang="en-US" sz="1800" dirty="0">
+                <a:latin typeface="Courier New" panose="02070309020205020404" pitchFamily="49" charset="0"/>
+                <a:cs typeface="Courier New" panose="02070309020205020404" pitchFamily="49" charset="0"/>
+              </a:rPr>
+              <a:t>23  2 days  732 days     D          1</a:t>
+            </a:r>
+          </a:p>
+          <a:p>
+            <a:endParaRPr lang="en-US" sz="1800" dirty="0">
+              <a:latin typeface="Courier New" panose="02070309020205020404" pitchFamily="49" charset="0"/>
+              <a:cs typeface="Courier New" panose="02070309020205020404" pitchFamily="49" charset="0"/>
+            </a:endParaRPr>
+          </a:p>
+          <a:p>
+            <a:r>
+              <a:rPr lang="en-US" sz="1800" dirty="0">
+                <a:latin typeface="Courier New" panose="02070309020205020404" pitchFamily="49" charset="0"/>
+                <a:cs typeface="Courier New" panose="02070309020205020404" pitchFamily="49" charset="0"/>
+              </a:rPr>
+              <a:t>id start stop event transplant</a:t>
+            </a:r>
+          </a:p>
+          <a:p>
+            <a:r>
+              <a:rPr lang="en-US" sz="1800" dirty="0">
+                <a:latin typeface="Courier New" panose="02070309020205020404" pitchFamily="49" charset="0"/>
+                <a:cs typeface="Courier New" panose="02070309020205020404" pitchFamily="49" charset="0"/>
+              </a:rPr>
+              <a:t>23     0    2     0          0</a:t>
+            </a:r>
+          </a:p>
+          <a:p>
+            <a:r>
+              <a:rPr lang="en-US" sz="1800" dirty="0">
+                <a:latin typeface="Courier New" panose="02070309020205020404" pitchFamily="49" charset="0"/>
+                <a:cs typeface="Courier New" panose="02070309020205020404" pitchFamily="49" charset="0"/>
+              </a:rPr>
+              <a:t>23     2  732     1          1</a:t>
+            </a:r>
+          </a:p>
+        </p:txBody>
+      </p:sp>
+      <p:sp>
+        <p:nvSpPr>
+          <p:cNvPr id="4" name="Footer Placeholder 3"/>
+          <p:cNvSpPr>
+            <a:spLocks noGrp="1"/>
+          </p:cNvSpPr>
+          <p:nvPr>
+            <p:ph type="ftr" sz="quarter" idx="10"/>
+          </p:nvPr>
+        </p:nvSpPr>
+        <p:spPr/>
+        <p:txBody>
+          <a:bodyPr/>
+          <a:lstStyle/>
+          <a:p>
+            <a:pPr>
+              <a:defRPr/>
+            </a:pPr>
+            <a:r>
+              <a:rPr lang="en-US" altLang="en-US" dirty="0"/>
+              <a:t>©2018 Steve Simon    http://TheAnalysisFactor.com</a:t>
+            </a:r>
+          </a:p>
+        </p:txBody>
+      </p:sp>
+      <p:sp>
+        <p:nvSpPr>
+          <p:cNvPr id="5" name="Slide Number Placeholder 4"/>
+          <p:cNvSpPr>
+            <a:spLocks noGrp="1"/>
+          </p:cNvSpPr>
+          <p:nvPr>
+            <p:ph type="sldNum" sz="quarter" idx="11"/>
+          </p:nvPr>
+        </p:nvSpPr>
+        <p:spPr/>
+        <p:txBody>
+          <a:bodyPr/>
+          <a:lstStyle/>
+          <a:p>
+            <a:pPr>
+              <a:defRPr/>
+            </a:pPr>
+            <a:endParaRPr lang="en-US"/>
+          </a:p>
+          <a:p>
+            <a:pPr>
+              <a:defRPr/>
+            </a:pPr>
+            <a:fld id="{E9A8CBA3-AA2B-46A6-BFA3-DCEBEAAB3F0A}" type="slidenum">
+              <a:rPr lang="en-US" smtClean="0"/>
+              <a:pPr>
+                <a:defRPr/>
+              </a:pPr>
+              <a:t>33</a:t>
+            </a:fld>
+            <a:endParaRPr lang="en-US"/>
+          </a:p>
+        </p:txBody>
+      </p:sp>
+      <p:sp>
+        <p:nvSpPr>
+          <p:cNvPr id="6" name="Text Placeholder 5"/>
+          <p:cNvSpPr>
+            <a:spLocks noGrp="1"/>
+          </p:cNvSpPr>
+          <p:nvPr>
+            <p:ph type="body" sz="quarter" idx="12"/>
+          </p:nvPr>
+        </p:nvSpPr>
+        <p:spPr/>
+        <p:txBody>
+          <a:bodyPr/>
+          <a:lstStyle/>
+          <a:p>
+            <a:r>
+              <a:rPr lang="en-US" dirty="0"/>
+              <a:t>Patient #23</a:t>
+            </a:r>
+          </a:p>
+        </p:txBody>
+      </p:sp>
+    </p:spTree>
+    <p:extLst>
+      <p:ext uri="{BB962C8B-B14F-4D97-AF65-F5344CB8AC3E}">
+        <p14:creationId xmlns:p14="http://schemas.microsoft.com/office/powerpoint/2010/main" val="1353099458"/>
+      </p:ext>
+    </p:extLst>
+  </p:cSld>
+  <p:clrMapOvr>
+    <a:masterClrMapping/>
+  </p:clrMapOvr>
+</p:sld>
+</file>
+
+<file path=ppt/slides/slide34.xml><?xml version="1.0" encoding="utf-8"?>
+<p:sld xmlns:a="http://schemas.openxmlformats.org/drawingml/2006/main" xmlns:r="http://schemas.openxmlformats.org/officeDocument/2006/relationships" xmlns:p="http://schemas.openxmlformats.org/presentationml/2006/main">
+  <p:cSld>
+    <p:spTree>
+      <p:nvGrpSpPr>
+        <p:cNvPr id="1" name=""/>
+        <p:cNvGrpSpPr/>
+        <p:nvPr/>
+      </p:nvGrpSpPr>
+      <p:grpSpPr>
+        <a:xfrm>
+          <a:off x="0" y="0"/>
+          <a:ext cx="0" cy="0"/>
+          <a:chOff x="0" y="0"/>
+          <a:chExt cx="0" cy="0"/>
+        </a:xfrm>
+      </p:grpSpPr>
+      <p:sp>
+        <p:nvSpPr>
+          <p:cNvPr id="2" name="Title 1"/>
+          <p:cNvSpPr>
+            <a:spLocks noGrp="1"/>
+          </p:cNvSpPr>
+          <p:nvPr>
+            <p:ph type="title"/>
+          </p:nvPr>
+        </p:nvSpPr>
+        <p:spPr/>
+        <p:txBody>
+          <a:bodyPr/>
+          <a:lstStyle/>
+          <a:p>
+            <a:r>
+              <a:rPr lang="en-US" dirty="0"/>
+              <a:t>Stanford heart transplant data</a:t>
+            </a:r>
+          </a:p>
+        </p:txBody>
+      </p:sp>
+      <p:sp>
+        <p:nvSpPr>
+          <p:cNvPr id="3" name="Text Placeholder 2"/>
+          <p:cNvSpPr>
+            <a:spLocks noGrp="1"/>
+          </p:cNvSpPr>
+          <p:nvPr>
+            <p:ph type="body" idx="1"/>
+          </p:nvPr>
+        </p:nvSpPr>
+        <p:spPr/>
+        <p:txBody>
+          <a:bodyPr/>
+          <a:lstStyle/>
+          <a:p>
+            <a:r>
+              <a:rPr lang="en-US" sz="1800" dirty="0">
+                <a:latin typeface="Courier New" panose="02070309020205020404" pitchFamily="49" charset="0"/>
+                <a:cs typeface="Courier New" panose="02070309020205020404" pitchFamily="49" charset="0"/>
+              </a:rPr>
+              <a:t>id  </a:t>
+            </a:r>
+            <a:r>
+              <a:rPr lang="en-US" sz="1800" dirty="0" err="1">
+                <a:latin typeface="Courier New" panose="02070309020205020404" pitchFamily="49" charset="0"/>
+                <a:cs typeface="Courier New" panose="02070309020205020404" pitchFamily="49" charset="0"/>
+              </a:rPr>
+              <a:t>accept.dt</a:t>
+            </a:r>
+            <a:r>
+              <a:rPr lang="en-US" sz="1800" dirty="0">
+                <a:latin typeface="Courier New" panose="02070309020205020404" pitchFamily="49" charset="0"/>
+                <a:cs typeface="Courier New" panose="02070309020205020404" pitchFamily="49" charset="0"/>
+              </a:rPr>
+              <a:t>    </a:t>
+            </a:r>
+            <a:r>
+              <a:rPr lang="en-US" sz="1800" dirty="0" err="1">
+                <a:latin typeface="Courier New" panose="02070309020205020404" pitchFamily="49" charset="0"/>
+                <a:cs typeface="Courier New" panose="02070309020205020404" pitchFamily="49" charset="0"/>
+              </a:rPr>
+              <a:t>tx.date</a:t>
+            </a:r>
+            <a:r>
+              <a:rPr lang="en-US" sz="1800" dirty="0">
+                <a:latin typeface="Courier New" panose="02070309020205020404" pitchFamily="49" charset="0"/>
+                <a:cs typeface="Courier New" panose="02070309020205020404" pitchFamily="49" charset="0"/>
+              </a:rPr>
+              <a:t>    </a:t>
+            </a:r>
+            <a:r>
+              <a:rPr lang="en-US" sz="1800" dirty="0" err="1">
+                <a:latin typeface="Courier New" panose="02070309020205020404" pitchFamily="49" charset="0"/>
+                <a:cs typeface="Courier New" panose="02070309020205020404" pitchFamily="49" charset="0"/>
+              </a:rPr>
+              <a:t>fu.date</a:t>
+            </a:r>
+            <a:r>
+              <a:rPr lang="en-US" sz="1800" dirty="0">
+                <a:latin typeface="Courier New" panose="02070309020205020404" pitchFamily="49" charset="0"/>
+                <a:cs typeface="Courier New" panose="02070309020205020404" pitchFamily="49" charset="0"/>
+              </a:rPr>
+              <a:t> </a:t>
+            </a:r>
+            <a:r>
+              <a:rPr lang="en-US" sz="1800" dirty="0" err="1">
+                <a:latin typeface="Courier New" panose="02070309020205020404" pitchFamily="49" charset="0"/>
+                <a:cs typeface="Courier New" panose="02070309020205020404" pitchFamily="49" charset="0"/>
+              </a:rPr>
+              <a:t>fustat</a:t>
+            </a:r>
+            <a:r>
+              <a:rPr lang="en-US" sz="1800" dirty="0">
+                <a:latin typeface="Courier New" panose="02070309020205020404" pitchFamily="49" charset="0"/>
+                <a:cs typeface="Courier New" panose="02070309020205020404" pitchFamily="49" charset="0"/>
+              </a:rPr>
+              <a:t> transplant</a:t>
+            </a:r>
+          </a:p>
+          <a:p>
+            <a:r>
+              <a:rPr lang="en-US" sz="1800" dirty="0">
+                <a:latin typeface="Courier New" panose="02070309020205020404" pitchFamily="49" charset="0"/>
+                <a:cs typeface="Courier New" panose="02070309020205020404" pitchFamily="49" charset="0"/>
+              </a:rPr>
+              <a:t>24 1969-04-25 1969-07-16 1969-11-29      1          1</a:t>
+            </a:r>
+          </a:p>
+          <a:p>
+            <a:endParaRPr lang="en-US" sz="1800" dirty="0">
+              <a:latin typeface="Courier New" panose="02070309020205020404" pitchFamily="49" charset="0"/>
+              <a:cs typeface="Courier New" panose="02070309020205020404" pitchFamily="49" charset="0"/>
+            </a:endParaRPr>
+          </a:p>
+          <a:p>
+            <a:r>
+              <a:rPr lang="en-US" sz="1800" dirty="0">
+                <a:latin typeface="Courier New" panose="02070309020205020404" pitchFamily="49" charset="0"/>
+                <a:cs typeface="Courier New" panose="02070309020205020404" pitchFamily="49" charset="0"/>
+              </a:rPr>
+              <a:t>id   time1     time2 event transplant</a:t>
+            </a:r>
+          </a:p>
+          <a:p>
+            <a:r>
+              <a:rPr lang="en-US" sz="1800" dirty="0">
+                <a:latin typeface="Courier New" panose="02070309020205020404" pitchFamily="49" charset="0"/>
+                <a:cs typeface="Courier New" panose="02070309020205020404" pitchFamily="49" charset="0"/>
+              </a:rPr>
+              <a:t>24 82 days  218 days     D          1</a:t>
+            </a:r>
+          </a:p>
+          <a:p>
+            <a:endParaRPr lang="en-US" sz="1800" dirty="0">
+              <a:latin typeface="Courier New" panose="02070309020205020404" pitchFamily="49" charset="0"/>
+              <a:cs typeface="Courier New" panose="02070309020205020404" pitchFamily="49" charset="0"/>
+            </a:endParaRPr>
+          </a:p>
+          <a:p>
+            <a:r>
+              <a:rPr lang="en-US" sz="1800" dirty="0">
+                <a:latin typeface="Courier New" panose="02070309020205020404" pitchFamily="49" charset="0"/>
+                <a:cs typeface="Courier New" panose="02070309020205020404" pitchFamily="49" charset="0"/>
+              </a:rPr>
+              <a:t>id start stop event transplant</a:t>
+            </a:r>
+          </a:p>
+          <a:p>
+            <a:r>
+              <a:rPr lang="en-US" sz="1800" dirty="0">
+                <a:latin typeface="Courier New" panose="02070309020205020404" pitchFamily="49" charset="0"/>
+                <a:cs typeface="Courier New" panose="02070309020205020404" pitchFamily="49" charset="0"/>
+              </a:rPr>
+              <a:t>24     0   82     0          0</a:t>
+            </a:r>
+          </a:p>
+          <a:p>
+            <a:r>
+              <a:rPr lang="en-US" sz="1800" dirty="0">
+                <a:latin typeface="Courier New" panose="02070309020205020404" pitchFamily="49" charset="0"/>
+                <a:cs typeface="Courier New" panose="02070309020205020404" pitchFamily="49" charset="0"/>
+              </a:rPr>
+              <a:t>24    82  218     1          1</a:t>
+            </a:r>
+          </a:p>
+        </p:txBody>
+      </p:sp>
+      <p:sp>
+        <p:nvSpPr>
+          <p:cNvPr id="4" name="Footer Placeholder 3"/>
+          <p:cNvSpPr>
+            <a:spLocks noGrp="1"/>
+          </p:cNvSpPr>
+          <p:nvPr>
+            <p:ph type="ftr" sz="quarter" idx="10"/>
+          </p:nvPr>
+        </p:nvSpPr>
+        <p:spPr/>
+        <p:txBody>
+          <a:bodyPr/>
+          <a:lstStyle/>
+          <a:p>
+            <a:pPr>
+              <a:defRPr/>
+            </a:pPr>
+            <a:r>
+              <a:rPr lang="en-US" altLang="en-US" dirty="0"/>
+              <a:t>©2018 Steve Simon    http://TheAnalysisFactor.com</a:t>
+            </a:r>
+          </a:p>
+        </p:txBody>
+      </p:sp>
+      <p:sp>
+        <p:nvSpPr>
+          <p:cNvPr id="5" name="Slide Number Placeholder 4"/>
+          <p:cNvSpPr>
+            <a:spLocks noGrp="1"/>
+          </p:cNvSpPr>
+          <p:nvPr>
+            <p:ph type="sldNum" sz="quarter" idx="11"/>
+          </p:nvPr>
+        </p:nvSpPr>
+        <p:spPr/>
+        <p:txBody>
+          <a:bodyPr/>
+          <a:lstStyle/>
+          <a:p>
+            <a:pPr>
+              <a:defRPr/>
+            </a:pPr>
+            <a:endParaRPr lang="en-US"/>
+          </a:p>
+          <a:p>
+            <a:pPr>
+              <a:defRPr/>
+            </a:pPr>
+            <a:fld id="{E9A8CBA3-AA2B-46A6-BFA3-DCEBEAAB3F0A}" type="slidenum">
+              <a:rPr lang="en-US" smtClean="0"/>
+              <a:pPr>
+                <a:defRPr/>
+              </a:pPr>
+              <a:t>34</a:t>
+            </a:fld>
+            <a:endParaRPr lang="en-US"/>
+          </a:p>
+        </p:txBody>
+      </p:sp>
+      <p:sp>
+        <p:nvSpPr>
+          <p:cNvPr id="6" name="Text Placeholder 5"/>
+          <p:cNvSpPr>
+            <a:spLocks noGrp="1"/>
+          </p:cNvSpPr>
+          <p:nvPr>
+            <p:ph type="body" sz="quarter" idx="12"/>
+          </p:nvPr>
+        </p:nvSpPr>
+        <p:spPr/>
+        <p:txBody>
+          <a:bodyPr/>
+          <a:lstStyle/>
+          <a:p>
+            <a:r>
+              <a:rPr lang="en-US" dirty="0"/>
+              <a:t>Patient #24</a:t>
+            </a:r>
+          </a:p>
+        </p:txBody>
+      </p:sp>
+    </p:spTree>
+    <p:extLst>
+      <p:ext uri="{BB962C8B-B14F-4D97-AF65-F5344CB8AC3E}">
+        <p14:creationId xmlns:p14="http://schemas.microsoft.com/office/powerpoint/2010/main" val="1815124891"/>
+      </p:ext>
+    </p:extLst>
+  </p:cSld>
+  <p:clrMapOvr>
+    <a:masterClrMapping/>
+  </p:clrMapOvr>
+</p:sld>
+</file>
+
+<file path=ppt/slides/slide35.xml><?xml version="1.0" encoding="utf-8"?>
+<p:sld xmlns:a="http://schemas.openxmlformats.org/drawingml/2006/main" xmlns:r="http://schemas.openxmlformats.org/officeDocument/2006/relationships" xmlns:p="http://schemas.openxmlformats.org/presentationml/2006/main">
+  <p:cSld>
+    <p:spTree>
+      <p:nvGrpSpPr>
+        <p:cNvPr id="1" name=""/>
+        <p:cNvGrpSpPr/>
+        <p:nvPr/>
+      </p:nvGrpSpPr>
+      <p:grpSpPr>
+        <a:xfrm>
+          <a:off x="0" y="0"/>
+          <a:ext cx="0" cy="0"/>
+          <a:chOff x="0" y="0"/>
+          <a:chExt cx="0" cy="0"/>
+        </a:xfrm>
+      </p:grpSpPr>
+      <p:sp>
+        <p:nvSpPr>
+          <p:cNvPr id="2" name="Title 1"/>
+          <p:cNvSpPr>
+            <a:spLocks noGrp="1"/>
+          </p:cNvSpPr>
+          <p:nvPr>
+            <p:ph type="title"/>
+          </p:nvPr>
+        </p:nvSpPr>
+        <p:spPr/>
+        <p:txBody>
+          <a:bodyPr/>
+          <a:lstStyle/>
+          <a:p>
+            <a:r>
+              <a:rPr lang="en-US" dirty="0"/>
+              <a:t>Stanford heart transplant data</a:t>
+            </a:r>
+          </a:p>
+        </p:txBody>
+      </p:sp>
+      <p:sp>
+        <p:nvSpPr>
+          <p:cNvPr id="3" name="Text Placeholder 2"/>
+          <p:cNvSpPr>
+            <a:spLocks noGrp="1"/>
+          </p:cNvSpPr>
+          <p:nvPr>
+            <p:ph type="body" idx="1"/>
+          </p:nvPr>
+        </p:nvSpPr>
+        <p:spPr/>
+        <p:txBody>
+          <a:bodyPr/>
+          <a:lstStyle/>
+          <a:p>
+            <a:r>
+              <a:rPr lang="en-US" sz="1800" dirty="0">
+                <a:latin typeface="Courier New" panose="02070309020205020404" pitchFamily="49" charset="0"/>
+                <a:cs typeface="Courier New" panose="02070309020205020404" pitchFamily="49" charset="0"/>
+              </a:rPr>
+              <a:t>id  </a:t>
+            </a:r>
+            <a:r>
+              <a:rPr lang="en-US" sz="1800" dirty="0" err="1">
+                <a:latin typeface="Courier New" panose="02070309020205020404" pitchFamily="49" charset="0"/>
+                <a:cs typeface="Courier New" panose="02070309020205020404" pitchFamily="49" charset="0"/>
+              </a:rPr>
+              <a:t>accept.dt</a:t>
+            </a:r>
+            <a:r>
+              <a:rPr lang="en-US" sz="1800" dirty="0">
+                <a:latin typeface="Courier New" panose="02070309020205020404" pitchFamily="49" charset="0"/>
+                <a:cs typeface="Courier New" panose="02070309020205020404" pitchFamily="49" charset="0"/>
+              </a:rPr>
+              <a:t>    </a:t>
+            </a:r>
+            <a:r>
+              <a:rPr lang="en-US" sz="1800" dirty="0" err="1">
+                <a:latin typeface="Courier New" panose="02070309020205020404" pitchFamily="49" charset="0"/>
+                <a:cs typeface="Courier New" panose="02070309020205020404" pitchFamily="49" charset="0"/>
+              </a:rPr>
+              <a:t>tx.date</a:t>
+            </a:r>
+            <a:r>
+              <a:rPr lang="en-US" sz="1800" dirty="0">
+                <a:latin typeface="Courier New" panose="02070309020205020404" pitchFamily="49" charset="0"/>
+                <a:cs typeface="Courier New" panose="02070309020205020404" pitchFamily="49" charset="0"/>
+              </a:rPr>
+              <a:t>    </a:t>
+            </a:r>
+            <a:r>
+              <a:rPr lang="en-US" sz="1800" dirty="0" err="1">
+                <a:latin typeface="Courier New" panose="02070309020205020404" pitchFamily="49" charset="0"/>
+                <a:cs typeface="Courier New" panose="02070309020205020404" pitchFamily="49" charset="0"/>
+              </a:rPr>
+              <a:t>fu.date</a:t>
+            </a:r>
+            <a:r>
+              <a:rPr lang="en-US" sz="1800" dirty="0">
+                <a:latin typeface="Courier New" panose="02070309020205020404" pitchFamily="49" charset="0"/>
+                <a:cs typeface="Courier New" panose="02070309020205020404" pitchFamily="49" charset="0"/>
+              </a:rPr>
+              <a:t> </a:t>
+            </a:r>
+            <a:r>
+              <a:rPr lang="en-US" sz="1800" dirty="0" err="1">
+                <a:latin typeface="Courier New" panose="02070309020205020404" pitchFamily="49" charset="0"/>
+                <a:cs typeface="Courier New" panose="02070309020205020404" pitchFamily="49" charset="0"/>
+              </a:rPr>
+              <a:t>fustat</a:t>
+            </a:r>
+            <a:r>
+              <a:rPr lang="en-US" sz="1800" dirty="0">
+                <a:latin typeface="Courier New" panose="02070309020205020404" pitchFamily="49" charset="0"/>
+                <a:cs typeface="Courier New" panose="02070309020205020404" pitchFamily="49" charset="0"/>
+              </a:rPr>
+              <a:t> transplant</a:t>
+            </a:r>
+          </a:p>
+          <a:p>
+            <a:r>
+              <a:rPr lang="en-US" sz="1800" dirty="0">
+                <a:latin typeface="Courier New" panose="02070309020205020404" pitchFamily="49" charset="0"/>
+                <a:cs typeface="Courier New" panose="02070309020205020404" pitchFamily="49" charset="0"/>
+              </a:rPr>
+              <a:t>25 1969-04-28 1969-05-22 1974-04-01      0          1</a:t>
+            </a:r>
+          </a:p>
+          <a:p>
+            <a:endParaRPr lang="en-US" sz="1800" dirty="0">
+              <a:latin typeface="Courier New" panose="02070309020205020404" pitchFamily="49" charset="0"/>
+              <a:cs typeface="Courier New" panose="02070309020205020404" pitchFamily="49" charset="0"/>
+            </a:endParaRPr>
+          </a:p>
+          <a:p>
+            <a:r>
+              <a:rPr lang="en-US" sz="1800" dirty="0">
+                <a:latin typeface="Courier New" panose="02070309020205020404" pitchFamily="49" charset="0"/>
+                <a:cs typeface="Courier New" panose="02070309020205020404" pitchFamily="49" charset="0"/>
+              </a:rPr>
+              <a:t>id   time1     time2 event transplant</a:t>
+            </a:r>
+          </a:p>
+          <a:p>
+            <a:r>
+              <a:rPr lang="en-US" sz="1800" dirty="0">
+                <a:latin typeface="Courier New" panose="02070309020205020404" pitchFamily="49" charset="0"/>
+                <a:cs typeface="Courier New" panose="02070309020205020404" pitchFamily="49" charset="0"/>
+              </a:rPr>
+              <a:t>25 24 days 1799 days     C          1</a:t>
+            </a:r>
+          </a:p>
+          <a:p>
+            <a:endParaRPr lang="en-US" sz="1800" dirty="0">
+              <a:latin typeface="Courier New" panose="02070309020205020404" pitchFamily="49" charset="0"/>
+              <a:cs typeface="Courier New" panose="02070309020205020404" pitchFamily="49" charset="0"/>
+            </a:endParaRPr>
+          </a:p>
+          <a:p>
+            <a:r>
+              <a:rPr lang="en-US" sz="1800" dirty="0">
+                <a:latin typeface="Courier New" panose="02070309020205020404" pitchFamily="49" charset="0"/>
+                <a:cs typeface="Courier New" panose="02070309020205020404" pitchFamily="49" charset="0"/>
+              </a:rPr>
+              <a:t>id start stop event transplant</a:t>
+            </a:r>
+          </a:p>
+          <a:p>
+            <a:r>
+              <a:rPr lang="en-US" sz="1800" dirty="0">
+                <a:latin typeface="Courier New" panose="02070309020205020404" pitchFamily="49" charset="0"/>
+                <a:cs typeface="Courier New" panose="02070309020205020404" pitchFamily="49" charset="0"/>
+              </a:rPr>
+              <a:t>25     0   24     0          0</a:t>
+            </a:r>
+          </a:p>
+          <a:p>
+            <a:r>
+              <a:rPr lang="en-US" sz="1800" dirty="0">
+                <a:latin typeface="Courier New" panose="02070309020205020404" pitchFamily="49" charset="0"/>
+                <a:cs typeface="Courier New" panose="02070309020205020404" pitchFamily="49" charset="0"/>
+              </a:rPr>
+              <a:t>25    24 1799     0          1</a:t>
+            </a:r>
+          </a:p>
+        </p:txBody>
+      </p:sp>
+      <p:sp>
+        <p:nvSpPr>
+          <p:cNvPr id="4" name="Footer Placeholder 3"/>
+          <p:cNvSpPr>
+            <a:spLocks noGrp="1"/>
+          </p:cNvSpPr>
+          <p:nvPr>
+            <p:ph type="ftr" sz="quarter" idx="10"/>
+          </p:nvPr>
+        </p:nvSpPr>
+        <p:spPr/>
+        <p:txBody>
+          <a:bodyPr/>
+          <a:lstStyle/>
+          <a:p>
+            <a:pPr>
+              <a:defRPr/>
+            </a:pPr>
+            <a:r>
+              <a:rPr lang="en-US" altLang="en-US" dirty="0"/>
+              <a:t>©2018 Steve Simon    http://TheAnalysisFactor.com</a:t>
+            </a:r>
+          </a:p>
+        </p:txBody>
+      </p:sp>
+      <p:sp>
+        <p:nvSpPr>
+          <p:cNvPr id="5" name="Slide Number Placeholder 4"/>
+          <p:cNvSpPr>
+            <a:spLocks noGrp="1"/>
+          </p:cNvSpPr>
+          <p:nvPr>
+            <p:ph type="sldNum" sz="quarter" idx="11"/>
+          </p:nvPr>
+        </p:nvSpPr>
+        <p:spPr/>
+        <p:txBody>
+          <a:bodyPr/>
+          <a:lstStyle/>
+          <a:p>
+            <a:pPr>
+              <a:defRPr/>
+            </a:pPr>
+            <a:endParaRPr lang="en-US"/>
+          </a:p>
+          <a:p>
+            <a:pPr>
+              <a:defRPr/>
+            </a:pPr>
+            <a:fld id="{E9A8CBA3-AA2B-46A6-BFA3-DCEBEAAB3F0A}" type="slidenum">
+              <a:rPr lang="en-US" smtClean="0"/>
+              <a:pPr>
+                <a:defRPr/>
+              </a:pPr>
+              <a:t>35</a:t>
+            </a:fld>
+            <a:endParaRPr lang="en-US"/>
+          </a:p>
+        </p:txBody>
+      </p:sp>
+      <p:sp>
+        <p:nvSpPr>
+          <p:cNvPr id="6" name="Text Placeholder 5"/>
+          <p:cNvSpPr>
+            <a:spLocks noGrp="1"/>
+          </p:cNvSpPr>
+          <p:nvPr>
+            <p:ph type="body" sz="quarter" idx="12"/>
+          </p:nvPr>
+        </p:nvSpPr>
+        <p:spPr/>
+        <p:txBody>
+          <a:bodyPr/>
+          <a:lstStyle/>
+          <a:p>
+            <a:r>
+              <a:rPr lang="en-US" dirty="0"/>
+              <a:t>Patient #25</a:t>
+            </a:r>
+          </a:p>
+        </p:txBody>
+      </p:sp>
+    </p:spTree>
+    <p:extLst>
+      <p:ext uri="{BB962C8B-B14F-4D97-AF65-F5344CB8AC3E}">
+        <p14:creationId xmlns:p14="http://schemas.microsoft.com/office/powerpoint/2010/main" val="2244761302"/>
+      </p:ext>
+    </p:extLst>
+  </p:cSld>
+  <p:clrMapOvr>
+    <a:masterClrMapping/>
+  </p:clrMapOvr>
+</p:sld>
+</file>
+
+<file path=ppt/slides/slide36.xml><?xml version="1.0" encoding="utf-8"?>
+<p:sld xmlns:a="http://schemas.openxmlformats.org/drawingml/2006/main" xmlns:r="http://schemas.openxmlformats.org/officeDocument/2006/relationships" xmlns:p="http://schemas.openxmlformats.org/presentationml/2006/main">
+  <p:cSld>
+    <p:spTree>
+      <p:nvGrpSpPr>
+        <p:cNvPr id="1" name=""/>
+        <p:cNvGrpSpPr/>
+        <p:nvPr/>
+      </p:nvGrpSpPr>
+      <p:grpSpPr>
+        <a:xfrm>
+          <a:off x="0" y="0"/>
+          <a:ext cx="0" cy="0"/>
+          <a:chOff x="0" y="0"/>
+          <a:chExt cx="0" cy="0"/>
+        </a:xfrm>
+      </p:grpSpPr>
+      <p:sp>
+        <p:nvSpPr>
+          <p:cNvPr id="2" name="Title 1"/>
+          <p:cNvSpPr>
+            <a:spLocks noGrp="1"/>
+          </p:cNvSpPr>
+          <p:nvPr>
+            <p:ph type="title"/>
+          </p:nvPr>
+        </p:nvSpPr>
+        <p:spPr/>
+        <p:txBody>
+          <a:bodyPr/>
+          <a:lstStyle/>
+          <a:p>
+            <a:r>
+              <a:rPr lang="en-US" dirty="0"/>
+              <a:t>Stanford heart transplant data</a:t>
+            </a:r>
+          </a:p>
+        </p:txBody>
+      </p:sp>
+      <p:sp>
+        <p:nvSpPr>
+          <p:cNvPr id="3" name="Text Placeholder 2"/>
+          <p:cNvSpPr>
+            <a:spLocks noGrp="1"/>
+          </p:cNvSpPr>
+          <p:nvPr>
+            <p:ph type="body" idx="1"/>
+          </p:nvPr>
+        </p:nvSpPr>
+        <p:spPr/>
+        <p:txBody>
+          <a:bodyPr/>
+          <a:lstStyle/>
+          <a:p>
+            <a:r>
+              <a:rPr lang="en-US" sz="1800" dirty="0">
+                <a:latin typeface="Courier New" panose="02070309020205020404" pitchFamily="49" charset="0"/>
+                <a:cs typeface="Courier New" panose="02070309020205020404" pitchFamily="49" charset="0"/>
+              </a:rPr>
+              <a:t>id  </a:t>
+            </a:r>
+            <a:r>
+              <a:rPr lang="en-US" sz="1800" dirty="0" err="1">
+                <a:latin typeface="Courier New" panose="02070309020205020404" pitchFamily="49" charset="0"/>
+                <a:cs typeface="Courier New" panose="02070309020205020404" pitchFamily="49" charset="0"/>
+              </a:rPr>
+              <a:t>accept.dt</a:t>
+            </a:r>
+            <a:r>
+              <a:rPr lang="en-US" sz="1800" dirty="0">
+                <a:latin typeface="Courier New" panose="02070309020205020404" pitchFamily="49" charset="0"/>
+                <a:cs typeface="Courier New" panose="02070309020205020404" pitchFamily="49" charset="0"/>
+              </a:rPr>
+              <a:t>    </a:t>
+            </a:r>
+            <a:r>
+              <a:rPr lang="en-US" sz="1800" dirty="0" err="1">
+                <a:latin typeface="Courier New" panose="02070309020205020404" pitchFamily="49" charset="0"/>
+                <a:cs typeface="Courier New" panose="02070309020205020404" pitchFamily="49" charset="0"/>
+              </a:rPr>
+              <a:t>tx.date</a:t>
+            </a:r>
+            <a:r>
+              <a:rPr lang="en-US" sz="1800" dirty="0">
+                <a:latin typeface="Courier New" panose="02070309020205020404" pitchFamily="49" charset="0"/>
+                <a:cs typeface="Courier New" panose="02070309020205020404" pitchFamily="49" charset="0"/>
+              </a:rPr>
+              <a:t>    </a:t>
+            </a:r>
+            <a:r>
+              <a:rPr lang="en-US" sz="1800" dirty="0" err="1">
+                <a:latin typeface="Courier New" panose="02070309020205020404" pitchFamily="49" charset="0"/>
+                <a:cs typeface="Courier New" panose="02070309020205020404" pitchFamily="49" charset="0"/>
+              </a:rPr>
+              <a:t>fu.date</a:t>
+            </a:r>
+            <a:r>
+              <a:rPr lang="en-US" sz="1800" dirty="0">
+                <a:latin typeface="Courier New" panose="02070309020205020404" pitchFamily="49" charset="0"/>
+                <a:cs typeface="Courier New" panose="02070309020205020404" pitchFamily="49" charset="0"/>
+              </a:rPr>
+              <a:t> </a:t>
+            </a:r>
+            <a:r>
+              <a:rPr lang="en-US" sz="1800" dirty="0" err="1">
+                <a:latin typeface="Courier New" panose="02070309020205020404" pitchFamily="49" charset="0"/>
+                <a:cs typeface="Courier New" panose="02070309020205020404" pitchFamily="49" charset="0"/>
+              </a:rPr>
+              <a:t>fustat</a:t>
+            </a:r>
+            <a:r>
+              <a:rPr lang="en-US" sz="1800" dirty="0">
+                <a:latin typeface="Courier New" panose="02070309020205020404" pitchFamily="49" charset="0"/>
+                <a:cs typeface="Courier New" panose="02070309020205020404" pitchFamily="49" charset="0"/>
+              </a:rPr>
+              <a:t> transplant</a:t>
+            </a:r>
+          </a:p>
+          <a:p>
+            <a:r>
+              <a:rPr lang="en-US" sz="1800" dirty="0">
+                <a:latin typeface="Courier New" panose="02070309020205020404" pitchFamily="49" charset="0"/>
+                <a:cs typeface="Courier New" panose="02070309020205020404" pitchFamily="49" charset="0"/>
+              </a:rPr>
+              <a:t>26 1969-05-01       &lt;NA&gt; 1973-03-01      0          0</a:t>
+            </a:r>
+          </a:p>
+          <a:p>
+            <a:endParaRPr lang="en-US" sz="1800" dirty="0">
+              <a:latin typeface="Courier New" panose="02070309020205020404" pitchFamily="49" charset="0"/>
+              <a:cs typeface="Courier New" panose="02070309020205020404" pitchFamily="49" charset="0"/>
+            </a:endParaRPr>
+          </a:p>
+          <a:p>
+            <a:r>
+              <a:rPr lang="en-US" sz="1800" dirty="0">
+                <a:latin typeface="Courier New" panose="02070309020205020404" pitchFamily="49" charset="0"/>
+                <a:cs typeface="Courier New" panose="02070309020205020404" pitchFamily="49" charset="0"/>
+              </a:rPr>
+              <a:t>id   time1     time2 event transplant</a:t>
+            </a:r>
+          </a:p>
+          <a:p>
+            <a:r>
+              <a:rPr lang="en-US" sz="1800" dirty="0">
+                <a:latin typeface="Courier New" panose="02070309020205020404" pitchFamily="49" charset="0"/>
+                <a:cs typeface="Courier New" panose="02070309020205020404" pitchFamily="49" charset="0"/>
+              </a:rPr>
+              <a:t>26 NA days 1400 days     C          0</a:t>
+            </a:r>
+          </a:p>
+          <a:p>
+            <a:endParaRPr lang="en-US" sz="1800" dirty="0">
+              <a:latin typeface="Courier New" panose="02070309020205020404" pitchFamily="49" charset="0"/>
+              <a:cs typeface="Courier New" panose="02070309020205020404" pitchFamily="49" charset="0"/>
+            </a:endParaRPr>
+          </a:p>
+          <a:p>
+            <a:r>
+              <a:rPr lang="en-US" sz="1800" dirty="0">
+                <a:latin typeface="Courier New" panose="02070309020205020404" pitchFamily="49" charset="0"/>
+                <a:cs typeface="Courier New" panose="02070309020205020404" pitchFamily="49" charset="0"/>
+              </a:rPr>
+              <a:t>id start stop event transplant</a:t>
+            </a:r>
+          </a:p>
+          <a:p>
+            <a:r>
+              <a:rPr lang="en-US" sz="1800" dirty="0">
+                <a:latin typeface="Courier New" panose="02070309020205020404" pitchFamily="49" charset="0"/>
+                <a:cs typeface="Courier New" panose="02070309020205020404" pitchFamily="49" charset="0"/>
+              </a:rPr>
+              <a:t>26     0 1400     0          0</a:t>
+            </a:r>
+          </a:p>
+        </p:txBody>
+      </p:sp>
+      <p:sp>
+        <p:nvSpPr>
+          <p:cNvPr id="4" name="Footer Placeholder 3"/>
+          <p:cNvSpPr>
+            <a:spLocks noGrp="1"/>
+          </p:cNvSpPr>
+          <p:nvPr>
+            <p:ph type="ftr" sz="quarter" idx="10"/>
+          </p:nvPr>
+        </p:nvSpPr>
+        <p:spPr/>
+        <p:txBody>
+          <a:bodyPr/>
+          <a:lstStyle/>
+          <a:p>
+            <a:pPr>
+              <a:defRPr/>
+            </a:pPr>
+            <a:r>
+              <a:rPr lang="en-US" altLang="en-US" dirty="0"/>
+              <a:t>©2018 Steve Simon    http://TheAnalysisFactor.com</a:t>
+            </a:r>
+          </a:p>
+        </p:txBody>
+      </p:sp>
+      <p:sp>
+        <p:nvSpPr>
+          <p:cNvPr id="5" name="Slide Number Placeholder 4"/>
+          <p:cNvSpPr>
+            <a:spLocks noGrp="1"/>
+          </p:cNvSpPr>
+          <p:nvPr>
+            <p:ph type="sldNum" sz="quarter" idx="11"/>
+          </p:nvPr>
+        </p:nvSpPr>
+        <p:spPr/>
+        <p:txBody>
+          <a:bodyPr/>
+          <a:lstStyle/>
+          <a:p>
+            <a:pPr>
+              <a:defRPr/>
+            </a:pPr>
+            <a:endParaRPr lang="en-US"/>
+          </a:p>
+          <a:p>
+            <a:pPr>
+              <a:defRPr/>
+            </a:pPr>
+            <a:fld id="{E9A8CBA3-AA2B-46A6-BFA3-DCEBEAAB3F0A}" type="slidenum">
+              <a:rPr lang="en-US" smtClean="0"/>
+              <a:pPr>
+                <a:defRPr/>
+              </a:pPr>
+              <a:t>36</a:t>
+            </a:fld>
+            <a:endParaRPr lang="en-US"/>
+          </a:p>
+        </p:txBody>
+      </p:sp>
+      <p:sp>
+        <p:nvSpPr>
+          <p:cNvPr id="6" name="Text Placeholder 5"/>
+          <p:cNvSpPr>
+            <a:spLocks noGrp="1"/>
+          </p:cNvSpPr>
+          <p:nvPr>
+            <p:ph type="body" sz="quarter" idx="12"/>
+          </p:nvPr>
+        </p:nvSpPr>
+        <p:spPr/>
+        <p:txBody>
+          <a:bodyPr/>
+          <a:lstStyle/>
+          <a:p>
+            <a:r>
+              <a:rPr lang="en-US" dirty="0"/>
+              <a:t>Patient #26</a:t>
+            </a:r>
+          </a:p>
+        </p:txBody>
+      </p:sp>
+    </p:spTree>
+    <p:extLst>
+      <p:ext uri="{BB962C8B-B14F-4D97-AF65-F5344CB8AC3E}">
+        <p14:creationId xmlns:p14="http://schemas.microsoft.com/office/powerpoint/2010/main" val="185560491"/>
+      </p:ext>
+    </p:extLst>
+  </p:cSld>
+  <p:clrMapOvr>
+    <a:masterClrMapping/>
+  </p:clrMapOvr>
+</p:sld>
+</file>
+
+<file path=ppt/slides/slide37.xml><?xml version="1.0" encoding="utf-8"?>
+<p:sld xmlns:a="http://schemas.openxmlformats.org/drawingml/2006/main" xmlns:r="http://schemas.openxmlformats.org/officeDocument/2006/relationships" xmlns:p="http://schemas.openxmlformats.org/presentationml/2006/main">
+  <p:cSld>
+    <p:spTree>
+      <p:nvGrpSpPr>
+        <p:cNvPr id="1" name=""/>
+        <p:cNvGrpSpPr/>
+        <p:nvPr/>
+      </p:nvGrpSpPr>
+      <p:grpSpPr>
+        <a:xfrm>
+          <a:off x="0" y="0"/>
+          <a:ext cx="0" cy="0"/>
+          <a:chOff x="0" y="0"/>
+          <a:chExt cx="0" cy="0"/>
+        </a:xfrm>
+      </p:grpSpPr>
+      <p:sp>
+        <p:nvSpPr>
+          <p:cNvPr id="2" name="Title 1"/>
+          <p:cNvSpPr>
+            <a:spLocks noGrp="1"/>
+          </p:cNvSpPr>
+          <p:nvPr>
+            <p:ph type="title"/>
+          </p:nvPr>
+        </p:nvSpPr>
+        <p:spPr/>
+        <p:txBody>
+          <a:bodyPr/>
+          <a:lstStyle/>
+          <a:p>
+            <a:r>
+              <a:rPr lang="en-US" dirty="0"/>
+              <a:t>Stanford heart transplant data</a:t>
+            </a:r>
+          </a:p>
+        </p:txBody>
+      </p:sp>
+      <p:sp>
+        <p:nvSpPr>
+          <p:cNvPr id="3" name="Text Placeholder 2"/>
+          <p:cNvSpPr>
+            <a:spLocks noGrp="1"/>
+          </p:cNvSpPr>
+          <p:nvPr>
+            <p:ph type="body" idx="1"/>
+          </p:nvPr>
+        </p:nvSpPr>
+        <p:spPr/>
+        <p:txBody>
+          <a:bodyPr/>
+          <a:lstStyle/>
+          <a:p>
+            <a:r>
+              <a:rPr lang="en-US" sz="1800" dirty="0">
+                <a:latin typeface="Courier New" panose="02070309020205020404" pitchFamily="49" charset="0"/>
+                <a:cs typeface="Courier New" panose="02070309020205020404" pitchFamily="49" charset="0"/>
+              </a:rPr>
+              <a:t>id  </a:t>
+            </a:r>
+            <a:r>
+              <a:rPr lang="en-US" sz="1800" dirty="0" err="1">
+                <a:latin typeface="Courier New" panose="02070309020205020404" pitchFamily="49" charset="0"/>
+                <a:cs typeface="Courier New" panose="02070309020205020404" pitchFamily="49" charset="0"/>
+              </a:rPr>
+              <a:t>accept.dt</a:t>
+            </a:r>
+            <a:r>
+              <a:rPr lang="en-US" sz="1800" dirty="0">
+                <a:latin typeface="Courier New" panose="02070309020205020404" pitchFamily="49" charset="0"/>
+                <a:cs typeface="Courier New" panose="02070309020205020404" pitchFamily="49" charset="0"/>
+              </a:rPr>
+              <a:t>    </a:t>
+            </a:r>
+            <a:r>
+              <a:rPr lang="en-US" sz="1800" dirty="0" err="1">
+                <a:latin typeface="Courier New" panose="02070309020205020404" pitchFamily="49" charset="0"/>
+                <a:cs typeface="Courier New" panose="02070309020205020404" pitchFamily="49" charset="0"/>
+              </a:rPr>
+              <a:t>tx.date</a:t>
+            </a:r>
+            <a:r>
+              <a:rPr lang="en-US" sz="1800" dirty="0">
+                <a:latin typeface="Courier New" panose="02070309020205020404" pitchFamily="49" charset="0"/>
+                <a:cs typeface="Courier New" panose="02070309020205020404" pitchFamily="49" charset="0"/>
+              </a:rPr>
+              <a:t>    </a:t>
+            </a:r>
+            <a:r>
+              <a:rPr lang="en-US" sz="1800" dirty="0" err="1">
+                <a:latin typeface="Courier New" panose="02070309020205020404" pitchFamily="49" charset="0"/>
+                <a:cs typeface="Courier New" panose="02070309020205020404" pitchFamily="49" charset="0"/>
+              </a:rPr>
+              <a:t>fu.date</a:t>
+            </a:r>
+            <a:r>
+              <a:rPr lang="en-US" sz="1800" dirty="0">
+                <a:latin typeface="Courier New" panose="02070309020205020404" pitchFamily="49" charset="0"/>
+                <a:cs typeface="Courier New" panose="02070309020205020404" pitchFamily="49" charset="0"/>
+              </a:rPr>
+              <a:t> </a:t>
+            </a:r>
+            <a:r>
+              <a:rPr lang="en-US" sz="1800" dirty="0" err="1">
+                <a:latin typeface="Courier New" panose="02070309020205020404" pitchFamily="49" charset="0"/>
+                <a:cs typeface="Courier New" panose="02070309020205020404" pitchFamily="49" charset="0"/>
+              </a:rPr>
+              <a:t>fustat</a:t>
+            </a:r>
+            <a:r>
+              <a:rPr lang="en-US" sz="1800" dirty="0">
+                <a:latin typeface="Courier New" panose="02070309020205020404" pitchFamily="49" charset="0"/>
+                <a:cs typeface="Courier New" panose="02070309020205020404" pitchFamily="49" charset="0"/>
+              </a:rPr>
+              <a:t> transplant</a:t>
+            </a:r>
+          </a:p>
+          <a:p>
+            <a:r>
+              <a:rPr lang="en-US" sz="1800" dirty="0">
+                <a:latin typeface="Courier New" panose="02070309020205020404" pitchFamily="49" charset="0"/>
+                <a:cs typeface="Courier New" panose="02070309020205020404" pitchFamily="49" charset="0"/>
+              </a:rPr>
+              <a:t>27 1969-05-04       &lt;NA&gt; 1970-01-21      1          0</a:t>
+            </a:r>
+          </a:p>
+          <a:p>
+            <a:endParaRPr lang="en-US" sz="1800" dirty="0">
+              <a:latin typeface="Courier New" panose="02070309020205020404" pitchFamily="49" charset="0"/>
+              <a:cs typeface="Courier New" panose="02070309020205020404" pitchFamily="49" charset="0"/>
+            </a:endParaRPr>
+          </a:p>
+          <a:p>
+            <a:r>
+              <a:rPr lang="en-US" sz="1800" dirty="0">
+                <a:latin typeface="Courier New" panose="02070309020205020404" pitchFamily="49" charset="0"/>
+                <a:cs typeface="Courier New" panose="02070309020205020404" pitchFamily="49" charset="0"/>
+              </a:rPr>
+              <a:t>id   time1     time2 event transplant</a:t>
+            </a:r>
+          </a:p>
+          <a:p>
+            <a:r>
+              <a:rPr lang="en-US" sz="1800" dirty="0">
+                <a:latin typeface="Courier New" panose="02070309020205020404" pitchFamily="49" charset="0"/>
+                <a:cs typeface="Courier New" panose="02070309020205020404" pitchFamily="49" charset="0"/>
+              </a:rPr>
+              <a:t>27 NA days  262 days     D          0</a:t>
+            </a:r>
+          </a:p>
+          <a:p>
+            <a:endParaRPr lang="en-US" sz="1800" dirty="0">
+              <a:latin typeface="Courier New" panose="02070309020205020404" pitchFamily="49" charset="0"/>
+              <a:cs typeface="Courier New" panose="02070309020205020404" pitchFamily="49" charset="0"/>
+            </a:endParaRPr>
+          </a:p>
+          <a:p>
+            <a:r>
+              <a:rPr lang="en-US" sz="1800" dirty="0">
+                <a:latin typeface="Courier New" panose="02070309020205020404" pitchFamily="49" charset="0"/>
+                <a:cs typeface="Courier New" panose="02070309020205020404" pitchFamily="49" charset="0"/>
+              </a:rPr>
+              <a:t>id start stop event transplant</a:t>
+            </a:r>
+          </a:p>
+          <a:p>
+            <a:r>
+              <a:rPr lang="en-US" sz="1800" dirty="0">
+                <a:latin typeface="Courier New" panose="02070309020205020404" pitchFamily="49" charset="0"/>
+                <a:cs typeface="Courier New" panose="02070309020205020404" pitchFamily="49" charset="0"/>
+              </a:rPr>
+              <a:t>27     0  262     1          0</a:t>
+            </a:r>
+          </a:p>
+        </p:txBody>
+      </p:sp>
+      <p:sp>
+        <p:nvSpPr>
+          <p:cNvPr id="4" name="Footer Placeholder 3"/>
+          <p:cNvSpPr>
+            <a:spLocks noGrp="1"/>
+          </p:cNvSpPr>
+          <p:nvPr>
+            <p:ph type="ftr" sz="quarter" idx="10"/>
+          </p:nvPr>
+        </p:nvSpPr>
+        <p:spPr/>
+        <p:txBody>
+          <a:bodyPr/>
+          <a:lstStyle/>
+          <a:p>
+            <a:pPr>
+              <a:defRPr/>
+            </a:pPr>
+            <a:r>
+              <a:rPr lang="en-US" altLang="en-US" dirty="0"/>
+              <a:t>©2018 Steve Simon    http://TheAnalysisFactor.com</a:t>
+            </a:r>
+          </a:p>
+        </p:txBody>
+      </p:sp>
+      <p:sp>
+        <p:nvSpPr>
+          <p:cNvPr id="5" name="Slide Number Placeholder 4"/>
+          <p:cNvSpPr>
+            <a:spLocks noGrp="1"/>
+          </p:cNvSpPr>
+          <p:nvPr>
+            <p:ph type="sldNum" sz="quarter" idx="11"/>
+          </p:nvPr>
+        </p:nvSpPr>
+        <p:spPr/>
+        <p:txBody>
+          <a:bodyPr/>
+          <a:lstStyle/>
+          <a:p>
+            <a:pPr>
+              <a:defRPr/>
+            </a:pPr>
+            <a:endParaRPr lang="en-US"/>
+          </a:p>
+          <a:p>
+            <a:pPr>
+              <a:defRPr/>
+            </a:pPr>
+            <a:fld id="{E9A8CBA3-AA2B-46A6-BFA3-DCEBEAAB3F0A}" type="slidenum">
+              <a:rPr lang="en-US" smtClean="0"/>
+              <a:pPr>
+                <a:defRPr/>
+              </a:pPr>
+              <a:t>37</a:t>
+            </a:fld>
+            <a:endParaRPr lang="en-US"/>
+          </a:p>
+        </p:txBody>
+      </p:sp>
+      <p:sp>
+        <p:nvSpPr>
+          <p:cNvPr id="6" name="Text Placeholder 5"/>
+          <p:cNvSpPr>
+            <a:spLocks noGrp="1"/>
+          </p:cNvSpPr>
+          <p:nvPr>
+            <p:ph type="body" sz="quarter" idx="12"/>
+          </p:nvPr>
+        </p:nvSpPr>
+        <p:spPr/>
+        <p:txBody>
+          <a:bodyPr/>
+          <a:lstStyle/>
+          <a:p>
+            <a:r>
+              <a:rPr lang="en-US" dirty="0"/>
+              <a:t>Patient #27</a:t>
+            </a:r>
+          </a:p>
+        </p:txBody>
+      </p:sp>
+    </p:spTree>
+    <p:extLst>
+      <p:ext uri="{BB962C8B-B14F-4D97-AF65-F5344CB8AC3E}">
+        <p14:creationId xmlns:p14="http://schemas.microsoft.com/office/powerpoint/2010/main" val="1134118722"/>
+      </p:ext>
+    </p:extLst>
+  </p:cSld>
+  <p:clrMapOvr>
+    <a:masterClrMapping/>
+  </p:clrMapOvr>
+</p:sld>
+</file>
+
+<file path=ppt/slides/slide38.xml><?xml version="1.0" encoding="utf-8"?>
+<p:sld xmlns:a="http://schemas.openxmlformats.org/drawingml/2006/main" xmlns:r="http://schemas.openxmlformats.org/officeDocument/2006/relationships" xmlns:p="http://schemas.openxmlformats.org/presentationml/2006/main">
+  <p:cSld>
+    <p:spTree>
+      <p:nvGrpSpPr>
+        <p:cNvPr id="1" name=""/>
+        <p:cNvGrpSpPr/>
+        <p:nvPr/>
+      </p:nvGrpSpPr>
+      <p:grpSpPr>
+        <a:xfrm>
+          <a:off x="0" y="0"/>
+          <a:ext cx="0" cy="0"/>
+          <a:chOff x="0" y="0"/>
+          <a:chExt cx="0" cy="0"/>
+        </a:xfrm>
+      </p:grpSpPr>
+      <p:sp>
+        <p:nvSpPr>
+          <p:cNvPr id="2" name="Title 1"/>
+          <p:cNvSpPr>
+            <a:spLocks noGrp="1"/>
+          </p:cNvSpPr>
+          <p:nvPr>
+            <p:ph type="title"/>
+          </p:nvPr>
+        </p:nvSpPr>
+        <p:spPr/>
+        <p:txBody>
+          <a:bodyPr/>
+          <a:lstStyle/>
+          <a:p>
+            <a:r>
+              <a:rPr lang="en-US" dirty="0"/>
+              <a:t>Stanford heart transplant data</a:t>
+            </a:r>
+          </a:p>
+        </p:txBody>
+      </p:sp>
+      <p:sp>
+        <p:nvSpPr>
+          <p:cNvPr id="3" name="Text Placeholder 2"/>
+          <p:cNvSpPr>
+            <a:spLocks noGrp="1"/>
+          </p:cNvSpPr>
+          <p:nvPr>
+            <p:ph type="body" idx="1"/>
+          </p:nvPr>
+        </p:nvSpPr>
+        <p:spPr/>
+        <p:txBody>
+          <a:bodyPr/>
+          <a:lstStyle/>
+          <a:p>
+            <a:r>
+              <a:rPr lang="en-US" sz="1800" dirty="0">
+                <a:latin typeface="Courier New" panose="02070309020205020404" pitchFamily="49" charset="0"/>
+                <a:cs typeface="Courier New" panose="02070309020205020404" pitchFamily="49" charset="0"/>
+              </a:rPr>
+              <a:t>id  </a:t>
+            </a:r>
+            <a:r>
+              <a:rPr lang="en-US" sz="1800" dirty="0" err="1">
+                <a:latin typeface="Courier New" panose="02070309020205020404" pitchFamily="49" charset="0"/>
+                <a:cs typeface="Courier New" panose="02070309020205020404" pitchFamily="49" charset="0"/>
+              </a:rPr>
+              <a:t>accept.dt</a:t>
+            </a:r>
+            <a:r>
+              <a:rPr lang="en-US" sz="1800" dirty="0">
+                <a:latin typeface="Courier New" panose="02070309020205020404" pitchFamily="49" charset="0"/>
+                <a:cs typeface="Courier New" panose="02070309020205020404" pitchFamily="49" charset="0"/>
+              </a:rPr>
+              <a:t>    </a:t>
+            </a:r>
+            <a:r>
+              <a:rPr lang="en-US" sz="1800" dirty="0" err="1">
+                <a:latin typeface="Courier New" panose="02070309020205020404" pitchFamily="49" charset="0"/>
+                <a:cs typeface="Courier New" panose="02070309020205020404" pitchFamily="49" charset="0"/>
+              </a:rPr>
+              <a:t>tx.date</a:t>
+            </a:r>
+            <a:r>
+              <a:rPr lang="en-US" sz="1800" dirty="0">
+                <a:latin typeface="Courier New" panose="02070309020205020404" pitchFamily="49" charset="0"/>
+                <a:cs typeface="Courier New" panose="02070309020205020404" pitchFamily="49" charset="0"/>
+              </a:rPr>
+              <a:t>    </a:t>
+            </a:r>
+            <a:r>
+              <a:rPr lang="en-US" sz="1800" dirty="0" err="1">
+                <a:latin typeface="Courier New" panose="02070309020205020404" pitchFamily="49" charset="0"/>
+                <a:cs typeface="Courier New" panose="02070309020205020404" pitchFamily="49" charset="0"/>
+              </a:rPr>
+              <a:t>fu.date</a:t>
+            </a:r>
+            <a:r>
+              <a:rPr lang="en-US" sz="1800" dirty="0">
+                <a:latin typeface="Courier New" panose="02070309020205020404" pitchFamily="49" charset="0"/>
+                <a:cs typeface="Courier New" panose="02070309020205020404" pitchFamily="49" charset="0"/>
+              </a:rPr>
+              <a:t> </a:t>
+            </a:r>
+            <a:r>
+              <a:rPr lang="en-US" sz="1800" dirty="0" err="1">
+                <a:latin typeface="Courier New" panose="02070309020205020404" pitchFamily="49" charset="0"/>
+                <a:cs typeface="Courier New" panose="02070309020205020404" pitchFamily="49" charset="0"/>
+              </a:rPr>
+              <a:t>fustat</a:t>
+            </a:r>
+            <a:r>
+              <a:rPr lang="en-US" sz="1800" dirty="0">
+                <a:latin typeface="Courier New" panose="02070309020205020404" pitchFamily="49" charset="0"/>
+                <a:cs typeface="Courier New" panose="02070309020205020404" pitchFamily="49" charset="0"/>
+              </a:rPr>
+              <a:t> transplant</a:t>
+            </a:r>
+          </a:p>
+          <a:p>
+            <a:r>
+              <a:rPr lang="en-US" sz="1800" dirty="0">
+                <a:latin typeface="Courier New" panose="02070309020205020404" pitchFamily="49" charset="0"/>
+                <a:cs typeface="Courier New" panose="02070309020205020404" pitchFamily="49" charset="0"/>
+              </a:rPr>
+              <a:t>28 1969-06-07 1969-08-16 1969-08-17      1          1</a:t>
+            </a:r>
+          </a:p>
+          <a:p>
+            <a:endParaRPr lang="en-US" sz="1800" dirty="0">
+              <a:latin typeface="Courier New" panose="02070309020205020404" pitchFamily="49" charset="0"/>
+              <a:cs typeface="Courier New" panose="02070309020205020404" pitchFamily="49" charset="0"/>
+            </a:endParaRPr>
+          </a:p>
+          <a:p>
+            <a:r>
+              <a:rPr lang="en-US" sz="1800" dirty="0">
+                <a:latin typeface="Courier New" panose="02070309020205020404" pitchFamily="49" charset="0"/>
+                <a:cs typeface="Courier New" panose="02070309020205020404" pitchFamily="49" charset="0"/>
+              </a:rPr>
+              <a:t>id   time1     time2 event transplant</a:t>
+            </a:r>
+          </a:p>
+          <a:p>
+            <a:r>
+              <a:rPr lang="en-US" sz="1800" dirty="0">
+                <a:latin typeface="Courier New" panose="02070309020205020404" pitchFamily="49" charset="0"/>
+                <a:cs typeface="Courier New" panose="02070309020205020404" pitchFamily="49" charset="0"/>
+              </a:rPr>
+              <a:t>28 70 days   71 days     D          1</a:t>
+            </a:r>
+          </a:p>
+          <a:p>
+            <a:endParaRPr lang="en-US" sz="1800" dirty="0">
+              <a:latin typeface="Courier New" panose="02070309020205020404" pitchFamily="49" charset="0"/>
+              <a:cs typeface="Courier New" panose="02070309020205020404" pitchFamily="49" charset="0"/>
+            </a:endParaRPr>
+          </a:p>
+          <a:p>
+            <a:r>
+              <a:rPr lang="en-US" sz="1800" dirty="0">
+                <a:latin typeface="Courier New" panose="02070309020205020404" pitchFamily="49" charset="0"/>
+                <a:cs typeface="Courier New" panose="02070309020205020404" pitchFamily="49" charset="0"/>
+              </a:rPr>
+              <a:t>id start stop event transplant</a:t>
+            </a:r>
+          </a:p>
+          <a:p>
+            <a:r>
+              <a:rPr lang="en-US" sz="1800" dirty="0">
+                <a:latin typeface="Courier New" panose="02070309020205020404" pitchFamily="49" charset="0"/>
+                <a:cs typeface="Courier New" panose="02070309020205020404" pitchFamily="49" charset="0"/>
+              </a:rPr>
+              <a:t>28     0   70     0          0</a:t>
+            </a:r>
+          </a:p>
+          <a:p>
+            <a:r>
+              <a:rPr lang="en-US" sz="1800" dirty="0">
+                <a:latin typeface="Courier New" panose="02070309020205020404" pitchFamily="49" charset="0"/>
+                <a:cs typeface="Courier New" panose="02070309020205020404" pitchFamily="49" charset="0"/>
+              </a:rPr>
+              <a:t>28    70   71     1          1</a:t>
+            </a:r>
+          </a:p>
+        </p:txBody>
+      </p:sp>
+      <p:sp>
+        <p:nvSpPr>
+          <p:cNvPr id="4" name="Footer Placeholder 3"/>
+          <p:cNvSpPr>
+            <a:spLocks noGrp="1"/>
+          </p:cNvSpPr>
+          <p:nvPr>
+            <p:ph type="ftr" sz="quarter" idx="10"/>
+          </p:nvPr>
+        </p:nvSpPr>
+        <p:spPr/>
+        <p:txBody>
+          <a:bodyPr/>
+          <a:lstStyle/>
+          <a:p>
+            <a:pPr>
+              <a:defRPr/>
+            </a:pPr>
+            <a:r>
+              <a:rPr lang="en-US" altLang="en-US" dirty="0"/>
+              <a:t>©2018 Steve Simon    http://TheAnalysisFactor.com</a:t>
+            </a:r>
+          </a:p>
+        </p:txBody>
+      </p:sp>
+      <p:sp>
+        <p:nvSpPr>
+          <p:cNvPr id="5" name="Slide Number Placeholder 4"/>
+          <p:cNvSpPr>
+            <a:spLocks noGrp="1"/>
+          </p:cNvSpPr>
+          <p:nvPr>
+            <p:ph type="sldNum" sz="quarter" idx="11"/>
+          </p:nvPr>
+        </p:nvSpPr>
+        <p:spPr/>
+        <p:txBody>
+          <a:bodyPr/>
+          <a:lstStyle/>
+          <a:p>
+            <a:pPr>
+              <a:defRPr/>
+            </a:pPr>
+            <a:endParaRPr lang="en-US"/>
+          </a:p>
+          <a:p>
+            <a:pPr>
+              <a:defRPr/>
+            </a:pPr>
+            <a:fld id="{E9A8CBA3-AA2B-46A6-BFA3-DCEBEAAB3F0A}" type="slidenum">
+              <a:rPr lang="en-US" smtClean="0"/>
+              <a:pPr>
+                <a:defRPr/>
+              </a:pPr>
+              <a:t>38</a:t>
+            </a:fld>
+            <a:endParaRPr lang="en-US"/>
+          </a:p>
+        </p:txBody>
+      </p:sp>
+      <p:sp>
+        <p:nvSpPr>
+          <p:cNvPr id="6" name="Text Placeholder 5"/>
+          <p:cNvSpPr>
+            <a:spLocks noGrp="1"/>
+          </p:cNvSpPr>
+          <p:nvPr>
+            <p:ph type="body" sz="quarter" idx="12"/>
+          </p:nvPr>
+        </p:nvSpPr>
+        <p:spPr/>
+        <p:txBody>
+          <a:bodyPr/>
+          <a:lstStyle/>
+          <a:p>
+            <a:r>
+              <a:rPr lang="en-US" dirty="0"/>
+              <a:t>Patient #28</a:t>
+            </a:r>
+          </a:p>
+        </p:txBody>
+      </p:sp>
+    </p:spTree>
+    <p:extLst>
+      <p:ext uri="{BB962C8B-B14F-4D97-AF65-F5344CB8AC3E}">
+        <p14:creationId xmlns:p14="http://schemas.microsoft.com/office/powerpoint/2010/main" val="1099184777"/>
+      </p:ext>
+    </p:extLst>
+  </p:cSld>
+  <p:clrMapOvr>
+    <a:masterClrMapping/>
+  </p:clrMapOvr>
+</p:sld>
+</file>
+
+<file path=ppt/slides/slide39.xml><?xml version="1.0" encoding="utf-8"?>
+<p:sld xmlns:a="http://schemas.openxmlformats.org/drawingml/2006/main" xmlns:r="http://schemas.openxmlformats.org/officeDocument/2006/relationships" xmlns:p="http://schemas.openxmlformats.org/presentationml/2006/main">
+  <p:cSld>
+    <p:spTree>
+      <p:nvGrpSpPr>
+        <p:cNvPr id="1" name=""/>
+        <p:cNvGrpSpPr/>
+        <p:nvPr/>
+      </p:nvGrpSpPr>
+      <p:grpSpPr>
+        <a:xfrm>
+          <a:off x="0" y="0"/>
+          <a:ext cx="0" cy="0"/>
+          <a:chOff x="0" y="0"/>
+          <a:chExt cx="0" cy="0"/>
+        </a:xfrm>
+      </p:grpSpPr>
+      <p:sp>
+        <p:nvSpPr>
+          <p:cNvPr id="2" name="Title 1"/>
+          <p:cNvSpPr>
+            <a:spLocks noGrp="1"/>
+          </p:cNvSpPr>
+          <p:nvPr>
+            <p:ph type="title"/>
+          </p:nvPr>
+        </p:nvSpPr>
+        <p:spPr/>
+        <p:txBody>
+          <a:bodyPr/>
+          <a:lstStyle/>
+          <a:p>
+            <a:r>
+              <a:rPr lang="en-US" dirty="0"/>
+              <a:t>Stanford heart transplant data</a:t>
+            </a:r>
+          </a:p>
+        </p:txBody>
+      </p:sp>
+      <p:sp>
+        <p:nvSpPr>
+          <p:cNvPr id="3" name="Text Placeholder 2"/>
+          <p:cNvSpPr>
+            <a:spLocks noGrp="1"/>
+          </p:cNvSpPr>
+          <p:nvPr>
+            <p:ph type="body" idx="1"/>
+          </p:nvPr>
+        </p:nvSpPr>
+        <p:spPr/>
+        <p:txBody>
+          <a:bodyPr/>
+          <a:lstStyle/>
+          <a:p>
+            <a:r>
+              <a:rPr lang="en-US" sz="1800" dirty="0">
+                <a:latin typeface="Courier New" panose="02070309020205020404" pitchFamily="49" charset="0"/>
+                <a:cs typeface="Courier New" panose="02070309020205020404" pitchFamily="49" charset="0"/>
+              </a:rPr>
+              <a:t>id  </a:t>
+            </a:r>
+            <a:r>
+              <a:rPr lang="en-US" sz="1800" dirty="0" err="1">
+                <a:latin typeface="Courier New" panose="02070309020205020404" pitchFamily="49" charset="0"/>
+                <a:cs typeface="Courier New" panose="02070309020205020404" pitchFamily="49" charset="0"/>
+              </a:rPr>
+              <a:t>accept.dt</a:t>
+            </a:r>
+            <a:r>
+              <a:rPr lang="en-US" sz="1800" dirty="0">
+                <a:latin typeface="Courier New" panose="02070309020205020404" pitchFamily="49" charset="0"/>
+                <a:cs typeface="Courier New" panose="02070309020205020404" pitchFamily="49" charset="0"/>
+              </a:rPr>
+              <a:t>    </a:t>
+            </a:r>
+            <a:r>
+              <a:rPr lang="en-US" sz="1800" dirty="0" err="1">
+                <a:latin typeface="Courier New" panose="02070309020205020404" pitchFamily="49" charset="0"/>
+                <a:cs typeface="Courier New" panose="02070309020205020404" pitchFamily="49" charset="0"/>
+              </a:rPr>
+              <a:t>tx.date</a:t>
+            </a:r>
+            <a:r>
+              <a:rPr lang="en-US" sz="1800" dirty="0">
+                <a:latin typeface="Courier New" panose="02070309020205020404" pitchFamily="49" charset="0"/>
+                <a:cs typeface="Courier New" panose="02070309020205020404" pitchFamily="49" charset="0"/>
+              </a:rPr>
+              <a:t>    </a:t>
+            </a:r>
+            <a:r>
+              <a:rPr lang="en-US" sz="1800" dirty="0" err="1">
+                <a:latin typeface="Courier New" panose="02070309020205020404" pitchFamily="49" charset="0"/>
+                <a:cs typeface="Courier New" panose="02070309020205020404" pitchFamily="49" charset="0"/>
+              </a:rPr>
+              <a:t>fu.date</a:t>
+            </a:r>
+            <a:r>
+              <a:rPr lang="en-US" sz="1800" dirty="0">
+                <a:latin typeface="Courier New" panose="02070309020205020404" pitchFamily="49" charset="0"/>
+                <a:cs typeface="Courier New" panose="02070309020205020404" pitchFamily="49" charset="0"/>
+              </a:rPr>
+              <a:t> </a:t>
+            </a:r>
+            <a:r>
+              <a:rPr lang="en-US" sz="1800" dirty="0" err="1">
+                <a:latin typeface="Courier New" panose="02070309020205020404" pitchFamily="49" charset="0"/>
+                <a:cs typeface="Courier New" panose="02070309020205020404" pitchFamily="49" charset="0"/>
+              </a:rPr>
+              <a:t>fustat</a:t>
+            </a:r>
+            <a:r>
+              <a:rPr lang="en-US" sz="1800" dirty="0">
+                <a:latin typeface="Courier New" panose="02070309020205020404" pitchFamily="49" charset="0"/>
+                <a:cs typeface="Courier New" panose="02070309020205020404" pitchFamily="49" charset="0"/>
+              </a:rPr>
+              <a:t> transplant</a:t>
+            </a:r>
+          </a:p>
+          <a:p>
+            <a:r>
+              <a:rPr lang="en-US" sz="1800" dirty="0">
+                <a:latin typeface="Courier New" panose="02070309020205020404" pitchFamily="49" charset="0"/>
+                <a:cs typeface="Courier New" panose="02070309020205020404" pitchFamily="49" charset="0"/>
+              </a:rPr>
+              <a:t>29 1969-07-14       &lt;NA&gt; 1969-08-17      1          0</a:t>
+            </a:r>
+          </a:p>
+          <a:p>
+            <a:endParaRPr lang="en-US" sz="1800" dirty="0">
+              <a:latin typeface="Courier New" panose="02070309020205020404" pitchFamily="49" charset="0"/>
+              <a:cs typeface="Courier New" panose="02070309020205020404" pitchFamily="49" charset="0"/>
+            </a:endParaRPr>
+          </a:p>
+          <a:p>
+            <a:r>
+              <a:rPr lang="en-US" sz="1800" dirty="0">
+                <a:latin typeface="Courier New" panose="02070309020205020404" pitchFamily="49" charset="0"/>
+                <a:cs typeface="Courier New" panose="02070309020205020404" pitchFamily="49" charset="0"/>
+              </a:rPr>
+              <a:t>id   time1     time2 event transplant</a:t>
+            </a:r>
+          </a:p>
+          <a:p>
+            <a:r>
+              <a:rPr lang="en-US" sz="1800" dirty="0">
+                <a:latin typeface="Courier New" panose="02070309020205020404" pitchFamily="49" charset="0"/>
+                <a:cs typeface="Courier New" panose="02070309020205020404" pitchFamily="49" charset="0"/>
+              </a:rPr>
+              <a:t>29 NA days   34 days     D          0</a:t>
+            </a:r>
+          </a:p>
+          <a:p>
+            <a:endParaRPr lang="en-US" sz="1800" dirty="0">
+              <a:latin typeface="Courier New" panose="02070309020205020404" pitchFamily="49" charset="0"/>
+              <a:cs typeface="Courier New" panose="02070309020205020404" pitchFamily="49" charset="0"/>
+            </a:endParaRPr>
+          </a:p>
+          <a:p>
+            <a:r>
+              <a:rPr lang="en-US" sz="1800" dirty="0">
+                <a:latin typeface="Courier New" panose="02070309020205020404" pitchFamily="49" charset="0"/>
+                <a:cs typeface="Courier New" panose="02070309020205020404" pitchFamily="49" charset="0"/>
+              </a:rPr>
+              <a:t>id start stop event transplant</a:t>
+            </a:r>
+          </a:p>
+          <a:p>
+            <a:r>
+              <a:rPr lang="en-US" sz="1800" dirty="0">
+                <a:latin typeface="Courier New" panose="02070309020205020404" pitchFamily="49" charset="0"/>
+                <a:cs typeface="Courier New" panose="02070309020205020404" pitchFamily="49" charset="0"/>
+              </a:rPr>
+              <a:t>29     0   34     1          0</a:t>
+            </a:r>
+          </a:p>
+        </p:txBody>
+      </p:sp>
+      <p:sp>
+        <p:nvSpPr>
+          <p:cNvPr id="4" name="Footer Placeholder 3"/>
+          <p:cNvSpPr>
+            <a:spLocks noGrp="1"/>
+          </p:cNvSpPr>
+          <p:nvPr>
+            <p:ph type="ftr" sz="quarter" idx="10"/>
+          </p:nvPr>
+        </p:nvSpPr>
+        <p:spPr/>
+        <p:txBody>
+          <a:bodyPr/>
+          <a:lstStyle/>
+          <a:p>
+            <a:pPr>
+              <a:defRPr/>
+            </a:pPr>
+            <a:r>
+              <a:rPr lang="en-US" altLang="en-US" dirty="0"/>
+              <a:t>©2018 Steve Simon    http://TheAnalysisFactor.com</a:t>
+            </a:r>
+          </a:p>
+        </p:txBody>
+      </p:sp>
+      <p:sp>
+        <p:nvSpPr>
+          <p:cNvPr id="5" name="Slide Number Placeholder 4"/>
+          <p:cNvSpPr>
+            <a:spLocks noGrp="1"/>
+          </p:cNvSpPr>
+          <p:nvPr>
+            <p:ph type="sldNum" sz="quarter" idx="11"/>
+          </p:nvPr>
+        </p:nvSpPr>
+        <p:spPr/>
+        <p:txBody>
+          <a:bodyPr/>
+          <a:lstStyle/>
+          <a:p>
+            <a:pPr>
+              <a:defRPr/>
+            </a:pPr>
+            <a:endParaRPr lang="en-US"/>
+          </a:p>
+          <a:p>
+            <a:pPr>
+              <a:defRPr/>
+            </a:pPr>
+            <a:fld id="{E9A8CBA3-AA2B-46A6-BFA3-DCEBEAAB3F0A}" type="slidenum">
+              <a:rPr lang="en-US" smtClean="0"/>
+              <a:pPr>
+                <a:defRPr/>
+              </a:pPr>
+              <a:t>39</a:t>
+            </a:fld>
+            <a:endParaRPr lang="en-US"/>
+          </a:p>
+        </p:txBody>
+      </p:sp>
+      <p:sp>
+        <p:nvSpPr>
+          <p:cNvPr id="6" name="Text Placeholder 5"/>
+          <p:cNvSpPr>
+            <a:spLocks noGrp="1"/>
+          </p:cNvSpPr>
+          <p:nvPr>
+            <p:ph type="body" sz="quarter" idx="12"/>
+          </p:nvPr>
+        </p:nvSpPr>
+        <p:spPr/>
+        <p:txBody>
+          <a:bodyPr/>
+          <a:lstStyle/>
+          <a:p>
+            <a:r>
+              <a:rPr lang="en-US" dirty="0"/>
+              <a:t>Patient #29</a:t>
+            </a:r>
+          </a:p>
+        </p:txBody>
+      </p:sp>
+    </p:spTree>
+    <p:extLst>
+      <p:ext uri="{BB962C8B-B14F-4D97-AF65-F5344CB8AC3E}">
+        <p14:creationId xmlns:p14="http://schemas.microsoft.com/office/powerpoint/2010/main" val="2485784403"/>
       </p:ext>
     </p:extLst>
   </p:cSld>
@@ -5594,6 +10063,453 @@
     <p:extLst>
       <p:ext uri="{BB962C8B-B14F-4D97-AF65-F5344CB8AC3E}">
         <p14:creationId xmlns:p14="http://schemas.microsoft.com/office/powerpoint/2010/main" val="3060898849"/>
+      </p:ext>
+    </p:extLst>
+  </p:cSld>
+  <p:clrMapOvr>
+    <a:masterClrMapping/>
+  </p:clrMapOvr>
+</p:sld>
+</file>
+
+<file path=ppt/slides/slide40.xml><?xml version="1.0" encoding="utf-8"?>
+<p:sld xmlns:a="http://schemas.openxmlformats.org/drawingml/2006/main" xmlns:r="http://schemas.openxmlformats.org/officeDocument/2006/relationships" xmlns:p="http://schemas.openxmlformats.org/presentationml/2006/main">
+  <p:cSld>
+    <p:spTree>
+      <p:nvGrpSpPr>
+        <p:cNvPr id="1" name=""/>
+        <p:cNvGrpSpPr/>
+        <p:nvPr/>
+      </p:nvGrpSpPr>
+      <p:grpSpPr>
+        <a:xfrm>
+          <a:off x="0" y="0"/>
+          <a:ext cx="0" cy="0"/>
+          <a:chOff x="0" y="0"/>
+          <a:chExt cx="0" cy="0"/>
+        </a:xfrm>
+      </p:grpSpPr>
+      <p:sp>
+        <p:nvSpPr>
+          <p:cNvPr id="2" name="Title 1"/>
+          <p:cNvSpPr>
+            <a:spLocks noGrp="1"/>
+          </p:cNvSpPr>
+          <p:nvPr>
+            <p:ph type="title"/>
+          </p:nvPr>
+        </p:nvSpPr>
+        <p:spPr/>
+        <p:txBody>
+          <a:bodyPr/>
+          <a:lstStyle/>
+          <a:p>
+            <a:r>
+              <a:rPr lang="en-US" dirty="0"/>
+              <a:t>Stanford heart transplant data</a:t>
+            </a:r>
+          </a:p>
+        </p:txBody>
+      </p:sp>
+      <p:sp>
+        <p:nvSpPr>
+          <p:cNvPr id="3" name="Text Placeholder 2"/>
+          <p:cNvSpPr>
+            <a:spLocks noGrp="1"/>
+          </p:cNvSpPr>
+          <p:nvPr>
+            <p:ph type="body" idx="1"/>
+          </p:nvPr>
+        </p:nvSpPr>
+        <p:spPr/>
+        <p:txBody>
+          <a:bodyPr/>
+          <a:lstStyle/>
+          <a:p>
+            <a:r>
+              <a:rPr lang="en-US" sz="1800" dirty="0">
+                <a:latin typeface="Courier New" panose="02070309020205020404" pitchFamily="49" charset="0"/>
+                <a:cs typeface="Courier New" panose="02070309020205020404" pitchFamily="49" charset="0"/>
+              </a:rPr>
+              <a:t>id  </a:t>
+            </a:r>
+            <a:r>
+              <a:rPr lang="en-US" sz="1800" dirty="0" err="1">
+                <a:latin typeface="Courier New" panose="02070309020205020404" pitchFamily="49" charset="0"/>
+                <a:cs typeface="Courier New" panose="02070309020205020404" pitchFamily="49" charset="0"/>
+              </a:rPr>
+              <a:t>accept.dt</a:t>
+            </a:r>
+            <a:r>
+              <a:rPr lang="en-US" sz="1800" dirty="0">
+                <a:latin typeface="Courier New" panose="02070309020205020404" pitchFamily="49" charset="0"/>
+                <a:cs typeface="Courier New" panose="02070309020205020404" pitchFamily="49" charset="0"/>
+              </a:rPr>
+              <a:t>    </a:t>
+            </a:r>
+            <a:r>
+              <a:rPr lang="en-US" sz="1800" dirty="0" err="1">
+                <a:latin typeface="Courier New" panose="02070309020205020404" pitchFamily="49" charset="0"/>
+                <a:cs typeface="Courier New" panose="02070309020205020404" pitchFamily="49" charset="0"/>
+              </a:rPr>
+              <a:t>tx.date</a:t>
+            </a:r>
+            <a:r>
+              <a:rPr lang="en-US" sz="1800" dirty="0">
+                <a:latin typeface="Courier New" panose="02070309020205020404" pitchFamily="49" charset="0"/>
+                <a:cs typeface="Courier New" panose="02070309020205020404" pitchFamily="49" charset="0"/>
+              </a:rPr>
+              <a:t>    </a:t>
+            </a:r>
+            <a:r>
+              <a:rPr lang="en-US" sz="1800" dirty="0" err="1">
+                <a:latin typeface="Courier New" panose="02070309020205020404" pitchFamily="49" charset="0"/>
+                <a:cs typeface="Courier New" panose="02070309020205020404" pitchFamily="49" charset="0"/>
+              </a:rPr>
+              <a:t>fu.date</a:t>
+            </a:r>
+            <a:r>
+              <a:rPr lang="en-US" sz="1800" dirty="0">
+                <a:latin typeface="Courier New" panose="02070309020205020404" pitchFamily="49" charset="0"/>
+                <a:cs typeface="Courier New" panose="02070309020205020404" pitchFamily="49" charset="0"/>
+              </a:rPr>
+              <a:t> </a:t>
+            </a:r>
+            <a:r>
+              <a:rPr lang="en-US" sz="1800" dirty="0" err="1">
+                <a:latin typeface="Courier New" panose="02070309020205020404" pitchFamily="49" charset="0"/>
+                <a:cs typeface="Courier New" panose="02070309020205020404" pitchFamily="49" charset="0"/>
+              </a:rPr>
+              <a:t>fustat</a:t>
+            </a:r>
+            <a:r>
+              <a:rPr lang="en-US" sz="1800" dirty="0">
+                <a:latin typeface="Courier New" panose="02070309020205020404" pitchFamily="49" charset="0"/>
+                <a:cs typeface="Courier New" panose="02070309020205020404" pitchFamily="49" charset="0"/>
+              </a:rPr>
+              <a:t> transplant</a:t>
+            </a:r>
+          </a:p>
+          <a:p>
+            <a:r>
+              <a:rPr lang="en-US" sz="1800" dirty="0">
+                <a:latin typeface="Courier New" panose="02070309020205020404" pitchFamily="49" charset="0"/>
+                <a:cs typeface="Courier New" panose="02070309020205020404" pitchFamily="49" charset="0"/>
+              </a:rPr>
+              <a:t>30 1969-08-19 1969-09-03 1971-12-18      1          1</a:t>
+            </a:r>
+          </a:p>
+          <a:p>
+            <a:endParaRPr lang="en-US" sz="1800" dirty="0">
+              <a:latin typeface="Courier New" panose="02070309020205020404" pitchFamily="49" charset="0"/>
+              <a:cs typeface="Courier New" panose="02070309020205020404" pitchFamily="49" charset="0"/>
+            </a:endParaRPr>
+          </a:p>
+          <a:p>
+            <a:r>
+              <a:rPr lang="en-US" sz="1800" dirty="0">
+                <a:latin typeface="Courier New" panose="02070309020205020404" pitchFamily="49" charset="0"/>
+                <a:cs typeface="Courier New" panose="02070309020205020404" pitchFamily="49" charset="0"/>
+              </a:rPr>
+              <a:t>id   time1     time2 event transplant</a:t>
+            </a:r>
+          </a:p>
+          <a:p>
+            <a:r>
+              <a:rPr lang="en-US" sz="1800" dirty="0">
+                <a:latin typeface="Courier New" panose="02070309020205020404" pitchFamily="49" charset="0"/>
+                <a:cs typeface="Courier New" panose="02070309020205020404" pitchFamily="49" charset="0"/>
+              </a:rPr>
+              <a:t>30 15 days  851 days     D          1</a:t>
+            </a:r>
+          </a:p>
+          <a:p>
+            <a:endParaRPr lang="en-US" sz="1800" dirty="0">
+              <a:latin typeface="Courier New" panose="02070309020205020404" pitchFamily="49" charset="0"/>
+              <a:cs typeface="Courier New" panose="02070309020205020404" pitchFamily="49" charset="0"/>
+            </a:endParaRPr>
+          </a:p>
+          <a:p>
+            <a:r>
+              <a:rPr lang="en-US" sz="1800" dirty="0">
+                <a:latin typeface="Courier New" panose="02070309020205020404" pitchFamily="49" charset="0"/>
+                <a:cs typeface="Courier New" panose="02070309020205020404" pitchFamily="49" charset="0"/>
+              </a:rPr>
+              <a:t>id start stop event transplant</a:t>
+            </a:r>
+          </a:p>
+          <a:p>
+            <a:r>
+              <a:rPr lang="en-US" sz="1800" dirty="0">
+                <a:latin typeface="Courier New" panose="02070309020205020404" pitchFamily="49" charset="0"/>
+                <a:cs typeface="Courier New" panose="02070309020205020404" pitchFamily="49" charset="0"/>
+              </a:rPr>
+              <a:t>30     0   15     0          0</a:t>
+            </a:r>
+          </a:p>
+          <a:p>
+            <a:r>
+              <a:rPr lang="en-US" sz="1800" dirty="0">
+                <a:latin typeface="Courier New" panose="02070309020205020404" pitchFamily="49" charset="0"/>
+                <a:cs typeface="Courier New" panose="02070309020205020404" pitchFamily="49" charset="0"/>
+              </a:rPr>
+              <a:t>30    15  851     1          1</a:t>
+            </a:r>
+          </a:p>
+        </p:txBody>
+      </p:sp>
+      <p:sp>
+        <p:nvSpPr>
+          <p:cNvPr id="4" name="Footer Placeholder 3"/>
+          <p:cNvSpPr>
+            <a:spLocks noGrp="1"/>
+          </p:cNvSpPr>
+          <p:nvPr>
+            <p:ph type="ftr" sz="quarter" idx="10"/>
+          </p:nvPr>
+        </p:nvSpPr>
+        <p:spPr/>
+        <p:txBody>
+          <a:bodyPr/>
+          <a:lstStyle/>
+          <a:p>
+            <a:pPr>
+              <a:defRPr/>
+            </a:pPr>
+            <a:r>
+              <a:rPr lang="en-US" altLang="en-US" dirty="0"/>
+              <a:t>©2018 Steve Simon    http://TheAnalysisFactor.com</a:t>
+            </a:r>
+          </a:p>
+        </p:txBody>
+      </p:sp>
+      <p:sp>
+        <p:nvSpPr>
+          <p:cNvPr id="5" name="Slide Number Placeholder 4"/>
+          <p:cNvSpPr>
+            <a:spLocks noGrp="1"/>
+          </p:cNvSpPr>
+          <p:nvPr>
+            <p:ph type="sldNum" sz="quarter" idx="11"/>
+          </p:nvPr>
+        </p:nvSpPr>
+        <p:spPr/>
+        <p:txBody>
+          <a:bodyPr/>
+          <a:lstStyle/>
+          <a:p>
+            <a:pPr>
+              <a:defRPr/>
+            </a:pPr>
+            <a:endParaRPr lang="en-US"/>
+          </a:p>
+          <a:p>
+            <a:pPr>
+              <a:defRPr/>
+            </a:pPr>
+            <a:fld id="{E9A8CBA3-AA2B-46A6-BFA3-DCEBEAAB3F0A}" type="slidenum">
+              <a:rPr lang="en-US" smtClean="0"/>
+              <a:pPr>
+                <a:defRPr/>
+              </a:pPr>
+              <a:t>40</a:t>
+            </a:fld>
+            <a:endParaRPr lang="en-US"/>
+          </a:p>
+        </p:txBody>
+      </p:sp>
+      <p:sp>
+        <p:nvSpPr>
+          <p:cNvPr id="6" name="Text Placeholder 5"/>
+          <p:cNvSpPr>
+            <a:spLocks noGrp="1"/>
+          </p:cNvSpPr>
+          <p:nvPr>
+            <p:ph type="body" sz="quarter" idx="12"/>
+          </p:nvPr>
+        </p:nvSpPr>
+        <p:spPr/>
+        <p:txBody>
+          <a:bodyPr/>
+          <a:lstStyle/>
+          <a:p>
+            <a:r>
+              <a:rPr lang="en-US" dirty="0"/>
+              <a:t>Patient #30</a:t>
+            </a:r>
+          </a:p>
+        </p:txBody>
+      </p:sp>
+    </p:spTree>
+    <p:extLst>
+      <p:ext uri="{BB962C8B-B14F-4D97-AF65-F5344CB8AC3E}">
+        <p14:creationId xmlns:p14="http://schemas.microsoft.com/office/powerpoint/2010/main" val="461925367"/>
+      </p:ext>
+    </p:extLst>
+  </p:cSld>
+  <p:clrMapOvr>
+    <a:masterClrMapping/>
+  </p:clrMapOvr>
+</p:sld>
+</file>
+
+<file path=ppt/slides/slide41.xml><?xml version="1.0" encoding="utf-8"?>
+<p:sld xmlns:a="http://schemas.openxmlformats.org/drawingml/2006/main" xmlns:r="http://schemas.openxmlformats.org/officeDocument/2006/relationships" xmlns:p="http://schemas.openxmlformats.org/presentationml/2006/main">
+  <p:cSld>
+    <p:spTree>
+      <p:nvGrpSpPr>
+        <p:cNvPr id="1" name=""/>
+        <p:cNvGrpSpPr/>
+        <p:nvPr/>
+      </p:nvGrpSpPr>
+      <p:grpSpPr>
+        <a:xfrm>
+          <a:off x="0" y="0"/>
+          <a:ext cx="0" cy="0"/>
+          <a:chOff x="0" y="0"/>
+          <a:chExt cx="0" cy="0"/>
+        </a:xfrm>
+      </p:grpSpPr>
+      <p:sp>
+        <p:nvSpPr>
+          <p:cNvPr id="2" name="Title 1"/>
+          <p:cNvSpPr>
+            <a:spLocks noGrp="1"/>
+          </p:cNvSpPr>
+          <p:nvPr>
+            <p:ph type="title"/>
+          </p:nvPr>
+        </p:nvSpPr>
+        <p:spPr/>
+        <p:txBody>
+          <a:bodyPr/>
+          <a:lstStyle/>
+          <a:p>
+            <a:r>
+              <a:rPr lang="en-US" dirty="0"/>
+              <a:t>Conclusion</a:t>
+            </a:r>
+          </a:p>
+        </p:txBody>
+      </p:sp>
+      <p:sp>
+        <p:nvSpPr>
+          <p:cNvPr id="3" name="Text Placeholder 2"/>
+          <p:cNvSpPr>
+            <a:spLocks noGrp="1"/>
+          </p:cNvSpPr>
+          <p:nvPr>
+            <p:ph type="body" idx="1"/>
+          </p:nvPr>
+        </p:nvSpPr>
+        <p:spPr/>
+        <p:txBody>
+          <a:bodyPr/>
+          <a:lstStyle/>
+          <a:p>
+            <a:pPr marL="457200" indent="-457200">
+              <a:buFont typeface="+mj-lt"/>
+              <a:buAutoNum type="arabicPeriod"/>
+            </a:pPr>
+            <a:r>
+              <a:rPr lang="en-US" dirty="0">
+                <a:latin typeface="+mj-lt"/>
+                <a:cs typeface="Courier New" panose="02070309020205020404" pitchFamily="49" charset="0"/>
+              </a:rPr>
+              <a:t>The</a:t>
+            </a:r>
+            <a:endParaRPr lang="en-US" dirty="0">
+              <a:latin typeface="+mj-lt"/>
+            </a:endParaRPr>
+          </a:p>
+        </p:txBody>
+      </p:sp>
+      <p:sp>
+        <p:nvSpPr>
+          <p:cNvPr id="4" name="Footer Placeholder 3"/>
+          <p:cNvSpPr>
+            <a:spLocks noGrp="1"/>
+          </p:cNvSpPr>
+          <p:nvPr>
+            <p:ph type="ftr" sz="quarter" idx="10"/>
+          </p:nvPr>
+        </p:nvSpPr>
+        <p:spPr/>
+        <p:txBody>
+          <a:bodyPr/>
+          <a:lstStyle/>
+          <a:p>
+            <a:pPr>
+              <a:defRPr/>
+            </a:pPr>
+            <a:r>
+              <a:rPr lang="en-US" altLang="en-US" dirty="0"/>
+              <a:t>©2018 Steve Simon    http://TheAnalysisFactor.com</a:t>
+            </a:r>
+          </a:p>
+        </p:txBody>
+      </p:sp>
+      <p:sp>
+        <p:nvSpPr>
+          <p:cNvPr id="5" name="Slide Number Placeholder 4"/>
+          <p:cNvSpPr>
+            <a:spLocks noGrp="1"/>
+          </p:cNvSpPr>
+          <p:nvPr>
+            <p:ph type="sldNum" sz="quarter" idx="11"/>
+          </p:nvPr>
+        </p:nvSpPr>
+        <p:spPr/>
+        <p:txBody>
+          <a:bodyPr/>
+          <a:lstStyle/>
+          <a:p>
+            <a:pPr>
+              <a:defRPr/>
+            </a:pPr>
+            <a:endParaRPr lang="en-US"/>
+          </a:p>
+          <a:p>
+            <a:pPr>
+              <a:defRPr/>
+            </a:pPr>
+            <a:fld id="{E9A8CBA3-AA2B-46A6-BFA3-DCEBEAAB3F0A}" type="slidenum">
+              <a:rPr lang="en-US" smtClean="0"/>
+              <a:pPr>
+                <a:defRPr/>
+              </a:pPr>
+              <a:t>41</a:t>
+            </a:fld>
+            <a:endParaRPr lang="en-US"/>
+          </a:p>
+        </p:txBody>
+      </p:sp>
+      <p:sp>
+        <p:nvSpPr>
+          <p:cNvPr id="6" name="Text Placeholder 5"/>
+          <p:cNvSpPr>
+            <a:spLocks noGrp="1"/>
+          </p:cNvSpPr>
+          <p:nvPr>
+            <p:ph type="body" sz="quarter" idx="12"/>
+          </p:nvPr>
+        </p:nvSpPr>
+        <p:spPr/>
+        <p:txBody>
+          <a:bodyPr/>
+          <a:lstStyle/>
+          <a:p>
+            <a:r>
+              <a:rPr lang="en-US" dirty="0"/>
+              <a:t>What have you learned today?</a:t>
+            </a:r>
+          </a:p>
+        </p:txBody>
+      </p:sp>
+    </p:spTree>
+    <p:extLst>
+      <p:ext uri="{BB962C8B-B14F-4D97-AF65-F5344CB8AC3E}">
+        <p14:creationId xmlns:p14="http://schemas.microsoft.com/office/powerpoint/2010/main" val="1691035053"/>
       </p:ext>
     </p:extLst>
   </p:cSld>
@@ -6063,68 +10979,8 @@
           <a:p>
             <a:r>
               <a:rPr lang="en-US" dirty="0"/>
-              <a:t>Complementary log-log</a:t>
-            </a:r>
-          </a:p>
-        </p:txBody>
-      </p:sp>
-      <p:sp>
-        <p:nvSpPr>
-          <p:cNvPr id="4" name="Footer Placeholder 3"/>
-          <p:cNvSpPr>
-            <a:spLocks noGrp="1"/>
-          </p:cNvSpPr>
-          <p:nvPr>
-            <p:ph type="ftr" sz="quarter" idx="10"/>
-          </p:nvPr>
-        </p:nvSpPr>
-        <p:spPr/>
-        <p:txBody>
-          <a:bodyPr/>
-          <a:lstStyle/>
-          <a:p>
-            <a:pPr>
-              <a:defRPr/>
-            </a:pPr>
-            <a:r>
-              <a:rPr lang="en-US" altLang="en-US" dirty="0"/>
-              <a:t>©2018 Steve Simon    http://TheAnalysisFactor.com</a:t>
-            </a:r>
-          </a:p>
-        </p:txBody>
-      </p:sp>
-      <p:sp>
-        <p:nvSpPr>
-          <p:cNvPr id="5" name="Slide Number Placeholder 4"/>
-          <p:cNvSpPr>
-            <a:spLocks noGrp="1"/>
-          </p:cNvSpPr>
-          <p:nvPr>
-            <p:ph type="sldNum" sz="quarter" idx="11"/>
-          </p:nvPr>
-        </p:nvSpPr>
-        <p:spPr/>
-        <p:txBody>
-          <a:bodyPr/>
-          <a:lstStyle/>
-          <a:p>
-            <a:pPr>
-              <a:defRPr/>
-            </a:pPr>
-            <a:endParaRPr lang="en-US"/>
-          </a:p>
-          <a:p>
-            <a:pPr>
-              <a:defRPr/>
-            </a:pPr>
-            <a:fld id="{E9A8CBA3-AA2B-46A6-BFA3-DCEBEAAB3F0A}" type="slidenum">
-              <a:rPr lang="en-US" smtClean="0"/>
-              <a:pPr>
-                <a:defRPr/>
-              </a:pPr>
-              <a:t>8</a:t>
-            </a:fld>
-            <a:endParaRPr lang="en-US"/>
+              <a:t>Example: heroin clinic discharge times</a:t>
+            </a:r>
           </a:p>
         </p:txBody>
       </p:sp>
@@ -6133,7 +10989,7 @@
           <p:cNvPr id="7" name="Picture 6">
             <a:extLst>
               <a:ext uri="{FF2B5EF4-FFF2-40B4-BE49-F238E27FC236}">
-                <a16:creationId xmlns:a16="http://schemas.microsoft.com/office/drawing/2014/main" id="{B7C872F0-C6DA-40FD-8527-416FFF0758DE}"/>
+                <a16:creationId xmlns:a16="http://schemas.microsoft.com/office/drawing/2014/main" id="{E04D9315-51A5-4568-9062-E2208DB9D4C6}"/>
               </a:ext>
             </a:extLst>
           </p:cNvPr>
@@ -6150,18 +11006,78 @@
         </p:blipFill>
         <p:spPr>
           <a:xfrm>
-            <a:off x="523875" y="1219200"/>
-            <a:ext cx="8096250" cy="4095750"/>
+            <a:off x="457200" y="1286143"/>
+            <a:ext cx="7819048" cy="4285714"/>
           </a:xfrm>
           <a:prstGeom prst="rect">
             <a:avLst/>
           </a:prstGeom>
         </p:spPr>
       </p:pic>
+      <p:sp>
+        <p:nvSpPr>
+          <p:cNvPr id="4" name="Footer Placeholder 3"/>
+          <p:cNvSpPr>
+            <a:spLocks noGrp="1"/>
+          </p:cNvSpPr>
+          <p:nvPr>
+            <p:ph type="ftr" sz="quarter" idx="10"/>
+          </p:nvPr>
+        </p:nvSpPr>
+        <p:spPr/>
+        <p:txBody>
+          <a:bodyPr/>
+          <a:lstStyle/>
+          <a:p>
+            <a:pPr>
+              <a:defRPr/>
+            </a:pPr>
+            <a:r>
+              <a:rPr lang="en-US" altLang="en-US" dirty="0"/>
+              <a:t>Available at http://www.statsci.org/data/oz/heroin.html</a:t>
+            </a:r>
+          </a:p>
+        </p:txBody>
+      </p:sp>
+      <p:sp>
+        <p:nvSpPr>
+          <p:cNvPr id="5" name="Slide Number Placeholder 4"/>
+          <p:cNvSpPr>
+            <a:spLocks noGrp="1"/>
+          </p:cNvSpPr>
+          <p:nvPr>
+            <p:ph type="sldNum" sz="quarter" idx="11"/>
+          </p:nvPr>
+        </p:nvSpPr>
+        <p:spPr/>
+        <p:txBody>
+          <a:bodyPr/>
+          <a:lstStyle/>
+          <a:p>
+            <a:pPr>
+              <a:defRPr/>
+            </a:pPr>
+            <a:endParaRPr lang="en-US"/>
+          </a:p>
+          <a:p>
+            <a:pPr>
+              <a:defRPr/>
+            </a:pPr>
+            <a:fld id="{E9A8CBA3-AA2B-46A6-BFA3-DCEBEAAB3F0A}" type="slidenum">
+              <a:rPr lang="en-US" smtClean="0"/>
+              <a:pPr>
+                <a:defRPr/>
+              </a:pPr>
+              <a:t>8</a:t>
+            </a:fld>
+            <a:endParaRPr lang="en-US"/>
+          </a:p>
+        </p:txBody>
+      </p:sp>
     </p:spTree>
     <p:extLst>
       <p:ext uri="{BB962C8B-B14F-4D97-AF65-F5344CB8AC3E}">
-        <p14:creationId xmlns:p14="http://schemas.microsoft.com/office/powerpoint/2010/main" val="2550397314"/>
+        <p14:creationId xmlns:p14="http://schemas.microsoft.com/office/powerpoint/2010/main" val="219183625"/>
       </p:ext>
     </p:extLst>
   </p:cSld>
@@ -6205,7 +11121,7 @@
           <a:p>
             <a:r>
               <a:rPr lang="en-US" dirty="0"/>
-              <a:t>Complementary log-log</a:t>
+              <a:t>Example: heroin data set.</a:t>
             </a:r>
           </a:p>
         </p:txBody>
@@ -6275,7 +11191,7 @@
           <p:cNvPr id="3" name="Picture 2">
             <a:extLst>
               <a:ext uri="{FF2B5EF4-FFF2-40B4-BE49-F238E27FC236}">
-                <a16:creationId xmlns:a16="http://schemas.microsoft.com/office/drawing/2014/main" id="{D4C90B5E-D404-46F3-BF01-07DE02001EBF}"/>
+                <a16:creationId xmlns:a16="http://schemas.microsoft.com/office/drawing/2014/main" id="{58BC9812-AB24-4942-ACD3-F219913F8C77}"/>
               </a:ext>
             </a:extLst>
           </p:cNvPr>
@@ -6303,7 +11219,7 @@
     </p:spTree>
     <p:extLst>
       <p:ext uri="{BB962C8B-B14F-4D97-AF65-F5344CB8AC3E}">
-        <p14:creationId xmlns:p14="http://schemas.microsoft.com/office/powerpoint/2010/main" val="1837670986"/>
+        <p14:creationId xmlns:p14="http://schemas.microsoft.com/office/powerpoint/2010/main" val="468895222"/>
       </p:ext>
     </p:extLst>
   </p:cSld>

--- a/bin/survival lecture 6.pptx
+++ b/bin/survival lecture 6.pptx
@@ -5,10 +5,10 @@
     <p:sldMasterId id="2147483664" r:id="rId1"/>
   </p:sldMasterIdLst>
   <p:notesMasterIdLst>
-    <p:notesMasterId r:id="rId43"/>
+    <p:notesMasterId r:id="rId45"/>
   </p:notesMasterIdLst>
   <p:handoutMasterIdLst>
-    <p:handoutMasterId r:id="rId44"/>
+    <p:handoutMasterId r:id="rId46"/>
   </p:handoutMasterIdLst>
   <p:sldIdLst>
     <p:sldId id="256" r:id="rId2"/>
@@ -41,17 +41,19 @@
     <p:sldId id="411" r:id="rId29"/>
     <p:sldId id="412" r:id="rId30"/>
     <p:sldId id="423" r:id="rId31"/>
-    <p:sldId id="413" r:id="rId32"/>
-    <p:sldId id="414" r:id="rId33"/>
-    <p:sldId id="415" r:id="rId34"/>
-    <p:sldId id="416" r:id="rId35"/>
-    <p:sldId id="417" r:id="rId36"/>
-    <p:sldId id="418" r:id="rId37"/>
-    <p:sldId id="419" r:id="rId38"/>
-    <p:sldId id="420" r:id="rId39"/>
-    <p:sldId id="421" r:id="rId40"/>
-    <p:sldId id="422" r:id="rId41"/>
-    <p:sldId id="342" r:id="rId42"/>
+    <p:sldId id="424" r:id="rId32"/>
+    <p:sldId id="413" r:id="rId33"/>
+    <p:sldId id="414" r:id="rId34"/>
+    <p:sldId id="415" r:id="rId35"/>
+    <p:sldId id="416" r:id="rId36"/>
+    <p:sldId id="417" r:id="rId37"/>
+    <p:sldId id="418" r:id="rId38"/>
+    <p:sldId id="419" r:id="rId39"/>
+    <p:sldId id="420" r:id="rId40"/>
+    <p:sldId id="421" r:id="rId41"/>
+    <p:sldId id="422" r:id="rId42"/>
+    <p:sldId id="425" r:id="rId43"/>
+    <p:sldId id="342" r:id="rId44"/>
   </p:sldIdLst>
   <p:sldSz cx="9144000" cy="6858000" type="screen4x3"/>
   <p:notesSz cx="9601200" cy="7315200"/>
@@ -6890,7 +6892,7 @@
           <a:p>
             <a:r>
               <a:rPr lang="en-US" dirty="0"/>
-              <a:t>Stanford heart transplant data</a:t>
+              <a:t>Stanford transplant data</a:t>
             </a:r>
           </a:p>
         </p:txBody>
@@ -7007,7 +7009,7 @@
           <a:p>
             <a:r>
               <a:rPr lang="en-US" dirty="0"/>
-              <a:t>Stanford heart transplant data</a:t>
+              <a:t>Stanford transplant data</a:t>
             </a:r>
           </a:p>
         </p:txBody>
@@ -7331,13 +7333,8 @@
           <a:p>
             <a:r>
               <a:rPr lang="en-US" dirty="0"/>
-              <a:t>Stanford heart transplant data</a:t>
-            </a:r>
-            <a:r>
-              <a:rPr lang="en-US"/>
-              <a:t>, patients 21-30</a:t>
-            </a:r>
-            <a:endParaRPr lang="en-US" dirty="0"/>
+              <a:t>Stanford transplant data, patients 21-30</a:t>
+            </a:r>
           </a:p>
         </p:txBody>
       </p:sp>
@@ -7453,188 +7450,7 @@
           <a:p>
             <a:r>
               <a:rPr lang="en-US" dirty="0"/>
-              <a:t>Stanford heart transplant data</a:t>
-            </a:r>
-          </a:p>
-        </p:txBody>
-      </p:sp>
-      <p:sp>
-        <p:nvSpPr>
-          <p:cNvPr id="3" name="Text Placeholder 2"/>
-          <p:cNvSpPr>
-            <a:spLocks noGrp="1"/>
-          </p:cNvSpPr>
-          <p:nvPr>
-            <p:ph type="body" idx="1"/>
-          </p:nvPr>
-        </p:nvSpPr>
-        <p:spPr/>
-        <p:txBody>
-          <a:bodyPr/>
-          <a:lstStyle/>
-          <a:p>
-            <a:r>
-              <a:rPr lang="en-US" sz="1800" dirty="0">
-                <a:latin typeface="Courier New" panose="02070309020205020404" pitchFamily="49" charset="0"/>
-                <a:cs typeface="Courier New" panose="02070309020205020404" pitchFamily="49" charset="0"/>
-              </a:rPr>
-              <a:t>id  </a:t>
-            </a:r>
-            <a:r>
-              <a:rPr lang="en-US" sz="1800" dirty="0" err="1">
-                <a:latin typeface="Courier New" panose="02070309020205020404" pitchFamily="49" charset="0"/>
-                <a:cs typeface="Courier New" panose="02070309020205020404" pitchFamily="49" charset="0"/>
-              </a:rPr>
-              <a:t>accept.dt</a:t>
-            </a:r>
-            <a:r>
-              <a:rPr lang="en-US" sz="1800" dirty="0">
-                <a:latin typeface="Courier New" panose="02070309020205020404" pitchFamily="49" charset="0"/>
-                <a:cs typeface="Courier New" panose="02070309020205020404" pitchFamily="49" charset="0"/>
-              </a:rPr>
-              <a:t>    </a:t>
-            </a:r>
-            <a:r>
-              <a:rPr lang="en-US" sz="1800" dirty="0" err="1">
-                <a:latin typeface="Courier New" panose="02070309020205020404" pitchFamily="49" charset="0"/>
-                <a:cs typeface="Courier New" panose="02070309020205020404" pitchFamily="49" charset="0"/>
-              </a:rPr>
-              <a:t>tx.date</a:t>
-            </a:r>
-            <a:r>
-              <a:rPr lang="en-US" sz="1800" dirty="0">
-                <a:latin typeface="Courier New" panose="02070309020205020404" pitchFamily="49" charset="0"/>
-                <a:cs typeface="Courier New" panose="02070309020205020404" pitchFamily="49" charset="0"/>
-              </a:rPr>
-              <a:t>    </a:t>
-            </a:r>
-            <a:r>
-              <a:rPr lang="en-US" sz="1800" dirty="0" err="1">
-                <a:latin typeface="Courier New" panose="02070309020205020404" pitchFamily="49" charset="0"/>
-                <a:cs typeface="Courier New" panose="02070309020205020404" pitchFamily="49" charset="0"/>
-              </a:rPr>
-              <a:t>fu.date</a:t>
-            </a:r>
-            <a:r>
-              <a:rPr lang="en-US" sz="1800" dirty="0">
-                <a:latin typeface="Courier New" panose="02070309020205020404" pitchFamily="49" charset="0"/>
-                <a:cs typeface="Courier New" panose="02070309020205020404" pitchFamily="49" charset="0"/>
-              </a:rPr>
-              <a:t> </a:t>
-            </a:r>
-            <a:r>
-              <a:rPr lang="en-US" sz="1800" dirty="0" err="1">
-                <a:latin typeface="Courier New" panose="02070309020205020404" pitchFamily="49" charset="0"/>
-                <a:cs typeface="Courier New" panose="02070309020205020404" pitchFamily="49" charset="0"/>
-              </a:rPr>
-              <a:t>fustat</a:t>
-            </a:r>
-            <a:r>
-              <a:rPr lang="en-US" sz="1800" dirty="0">
-                <a:latin typeface="Courier New" panose="02070309020205020404" pitchFamily="49" charset="0"/>
-                <a:cs typeface="Courier New" panose="02070309020205020404" pitchFamily="49" charset="0"/>
-              </a:rPr>
-              <a:t> transplant</a:t>
-            </a:r>
-          </a:p>
-          <a:p>
-            <a:r>
-              <a:rPr lang="en-US" sz="1800" dirty="0">
-                <a:latin typeface="Courier New" panose="02070309020205020404" pitchFamily="49" charset="0"/>
-                <a:cs typeface="Courier New" panose="02070309020205020404" pitchFamily="49" charset="0"/>
-              </a:rPr>
-              <a:t>21 1969-02-01 1969-02-08 1971-11-29      1          1</a:t>
-            </a:r>
-          </a:p>
-          <a:p>
-            <a:endParaRPr lang="en-US" sz="1800" dirty="0">
-              <a:latin typeface="Courier New" panose="02070309020205020404" pitchFamily="49" charset="0"/>
-              <a:cs typeface="Courier New" panose="02070309020205020404" pitchFamily="49" charset="0"/>
-            </a:endParaRPr>
-          </a:p>
-          <a:p>
-            <a:r>
-              <a:rPr lang="en-US" sz="1800" dirty="0">
-                <a:latin typeface="Courier New" panose="02070309020205020404" pitchFamily="49" charset="0"/>
-                <a:cs typeface="Courier New" panose="02070309020205020404" pitchFamily="49" charset="0"/>
-              </a:rPr>
-              <a:t>id   time1     time2 event transplant</a:t>
-            </a:r>
-          </a:p>
-          <a:p>
-            <a:r>
-              <a:rPr lang="en-US" sz="1800" dirty="0">
-                <a:latin typeface="Courier New" panose="02070309020205020404" pitchFamily="49" charset="0"/>
-                <a:cs typeface="Courier New" panose="02070309020205020404" pitchFamily="49" charset="0"/>
-              </a:rPr>
-              <a:t>21  7 days 1031 days     D          1</a:t>
-            </a:r>
-          </a:p>
-          <a:p>
-            <a:endParaRPr lang="en-US" sz="1800" dirty="0">
-              <a:latin typeface="Courier New" panose="02070309020205020404" pitchFamily="49" charset="0"/>
-              <a:cs typeface="Courier New" panose="02070309020205020404" pitchFamily="49" charset="0"/>
-            </a:endParaRPr>
-          </a:p>
-          <a:p>
-            <a:r>
-              <a:rPr lang="en-US" sz="1800" dirty="0">
-                <a:latin typeface="Courier New" panose="02070309020205020404" pitchFamily="49" charset="0"/>
-                <a:cs typeface="Courier New" panose="02070309020205020404" pitchFamily="49" charset="0"/>
-              </a:rPr>
-              <a:t>id start stop event transplant</a:t>
-            </a:r>
-          </a:p>
-          <a:p>
-            <a:r>
-              <a:rPr lang="en-US" sz="1800" dirty="0">
-                <a:latin typeface="Courier New" panose="02070309020205020404" pitchFamily="49" charset="0"/>
-                <a:cs typeface="Courier New" panose="02070309020205020404" pitchFamily="49" charset="0"/>
-              </a:rPr>
-              <a:t>21     0    7     0          0</a:t>
-            </a:r>
-          </a:p>
-          <a:p>
-            <a:r>
-              <a:rPr lang="en-US" sz="1800" dirty="0">
-                <a:latin typeface="Courier New" panose="02070309020205020404" pitchFamily="49" charset="0"/>
-                <a:cs typeface="Courier New" panose="02070309020205020404" pitchFamily="49" charset="0"/>
-              </a:rPr>
-              <a:t>21     7 1031     1          1</a:t>
-            </a:r>
-          </a:p>
-          <a:p>
-            <a:pPr marL="342900" indent="-342900">
-              <a:buAutoNum type="arabicPlain" startAt="21"/>
-            </a:pPr>
-            <a:endParaRPr lang="en-US" sz="1800" dirty="0">
-              <a:latin typeface="Courier New" panose="02070309020205020404" pitchFamily="49" charset="0"/>
-              <a:cs typeface="Courier New" panose="02070309020205020404" pitchFamily="49" charset="0"/>
-            </a:endParaRPr>
-          </a:p>
-        </p:txBody>
-      </p:sp>
-      <p:sp>
-        <p:nvSpPr>
-          <p:cNvPr id="4" name="Footer Placeholder 3"/>
-          <p:cNvSpPr>
-            <a:spLocks noGrp="1"/>
-          </p:cNvSpPr>
-          <p:nvPr>
-            <p:ph type="ftr" sz="quarter" idx="10"/>
-          </p:nvPr>
-        </p:nvSpPr>
-        <p:spPr/>
-        <p:txBody>
-          <a:bodyPr/>
-          <a:lstStyle/>
-          <a:p>
-            <a:pPr>
-              <a:defRPr/>
-            </a:pPr>
-            <a:r>
-              <a:rPr lang="en-US" altLang="en-US" dirty="0"/>
-              <a:t>©2018 Steve Simon    http://TheAnalysisFactor.com</a:t>
+              <a:t>Stanford transplant data, naive analysis</a:t>
             </a:r>
           </a:p>
         </p:txBody>
@@ -7674,32 +7490,40 @@
           </a:p>
         </p:txBody>
       </p:sp>
-      <p:sp>
-        <p:nvSpPr>
-          <p:cNvPr id="6" name="Text Placeholder 5"/>
-          <p:cNvSpPr>
-            <a:spLocks noGrp="1"/>
-          </p:cNvSpPr>
-          <p:nvPr>
-            <p:ph type="body" sz="quarter" idx="12"/>
-          </p:nvPr>
-        </p:nvSpPr>
-        <p:spPr/>
-        <p:txBody>
-          <a:bodyPr/>
-          <a:lstStyle/>
-          <a:p>
-            <a:r>
-              <a:rPr lang="en-US" dirty="0"/>
-              <a:t>Patient #21</a:t>
-            </a:r>
-          </a:p>
-        </p:txBody>
-      </p:sp>
+      <p:pic>
+        <p:nvPicPr>
+          <p:cNvPr id="6" name="Picture 5">
+            <a:extLst>
+              <a:ext uri="{FF2B5EF4-FFF2-40B4-BE49-F238E27FC236}">
+                <a16:creationId xmlns:a16="http://schemas.microsoft.com/office/drawing/2014/main" id="{6FB0137B-2CAD-4C44-9B5F-DD897BABC5F3}"/>
+              </a:ext>
+            </a:extLst>
+          </p:cNvPr>
+          <p:cNvPicPr>
+            <a:picLocks noChangeAspect="1"/>
+          </p:cNvPicPr>
+          <p:nvPr/>
+        </p:nvPicPr>
+        <p:blipFill>
+          <a:blip r:embed="rId2"/>
+          <a:stretch>
+            <a:fillRect/>
+          </a:stretch>
+        </p:blipFill>
+        <p:spPr>
+          <a:xfrm>
+            <a:off x="447993" y="1143000"/>
+            <a:ext cx="8238095" cy="2095238"/>
+          </a:xfrm>
+          <a:prstGeom prst="rect">
+            <a:avLst/>
+          </a:prstGeom>
+        </p:spPr>
+      </p:pic>
     </p:spTree>
     <p:extLst>
       <p:ext uri="{BB962C8B-B14F-4D97-AF65-F5344CB8AC3E}">
-        <p14:creationId xmlns:p14="http://schemas.microsoft.com/office/powerpoint/2010/main" val="2830790376"/>
+        <p14:creationId xmlns:p14="http://schemas.microsoft.com/office/powerpoint/2010/main" val="2329064681"/>
       </p:ext>
     </p:extLst>
   </p:cSld>
@@ -7743,7 +7567,7 @@
           <a:p>
             <a:r>
               <a:rPr lang="en-US" dirty="0"/>
-              <a:t>Stanford heart transplant data</a:t>
+              <a:t>Stanford transplant data</a:t>
             </a:r>
           </a:p>
         </p:txBody>
@@ -7833,7 +7657,7 @@
                 <a:latin typeface="Courier New" panose="02070309020205020404" pitchFamily="49" charset="0"/>
                 <a:cs typeface="Courier New" panose="02070309020205020404" pitchFamily="49" charset="0"/>
               </a:rPr>
-              <a:t>22 1969-03-18 1969-03-29 1969-05-07      1          1</a:t>
+              <a:t>21 1969-02-01 1969-02-08 1971-11-29      1          1</a:t>
             </a:r>
           </a:p>
           <a:p>
@@ -7857,7 +7681,7 @@
                 <a:latin typeface="Courier New" panose="02070309020205020404" pitchFamily="49" charset="0"/>
                 <a:cs typeface="Courier New" panose="02070309020205020404" pitchFamily="49" charset="0"/>
               </a:rPr>
-              <a:t>22 11 days   50 days     D          1</a:t>
+              <a:t>21  7 days 1031 days     D          1</a:t>
             </a:r>
           </a:p>
           <a:p>
@@ -7881,7 +7705,7 @@
                 <a:latin typeface="Courier New" panose="02070309020205020404" pitchFamily="49" charset="0"/>
                 <a:cs typeface="Courier New" panose="02070309020205020404" pitchFamily="49" charset="0"/>
               </a:rPr>
-              <a:t>22     0   11     0          0</a:t>
+              <a:t>21     0    7     0          0</a:t>
             </a:r>
           </a:p>
           <a:p>
@@ -7890,8 +7714,17 @@
                 <a:latin typeface="Courier New" panose="02070309020205020404" pitchFamily="49" charset="0"/>
                 <a:cs typeface="Courier New" panose="02070309020205020404" pitchFamily="49" charset="0"/>
               </a:rPr>
-              <a:t>22    11   50     1          1</a:t>
-            </a:r>
+              <a:t>21     7 1031     1          1</a:t>
+            </a:r>
+          </a:p>
+          <a:p>
+            <a:pPr marL="342900" indent="-342900">
+              <a:buAutoNum type="arabicPlain" startAt="21"/>
+            </a:pPr>
+            <a:endParaRPr lang="en-US" sz="1800" dirty="0">
+              <a:latin typeface="Courier New" panose="02070309020205020404" pitchFamily="49" charset="0"/>
+              <a:cs typeface="Courier New" panose="02070309020205020404" pitchFamily="49" charset="0"/>
+            </a:endParaRPr>
           </a:p>
         </p:txBody>
       </p:sp>
@@ -7972,7 +7805,7 @@
           <a:p>
             <a:r>
               <a:rPr lang="en-US" dirty="0"/>
-              <a:t>Patient #22</a:t>
+              <a:t>Patient #21</a:t>
             </a:r>
           </a:p>
         </p:txBody>
@@ -7980,7 +7813,7 @@
     </p:spTree>
     <p:extLst>
       <p:ext uri="{BB962C8B-B14F-4D97-AF65-F5344CB8AC3E}">
-        <p14:creationId xmlns:p14="http://schemas.microsoft.com/office/powerpoint/2010/main" val="2452209786"/>
+        <p14:creationId xmlns:p14="http://schemas.microsoft.com/office/powerpoint/2010/main" val="2830790376"/>
       </p:ext>
     </p:extLst>
   </p:cSld>
@@ -8024,7 +7857,7 @@
           <a:p>
             <a:r>
               <a:rPr lang="en-US" dirty="0"/>
-              <a:t>Stanford heart transplant data</a:t>
+              <a:t>Stanford transplant data</a:t>
             </a:r>
           </a:p>
         </p:txBody>
@@ -8114,7 +7947,7 @@
                 <a:latin typeface="Courier New" panose="02070309020205020404" pitchFamily="49" charset="0"/>
                 <a:cs typeface="Courier New" panose="02070309020205020404" pitchFamily="49" charset="0"/>
               </a:rPr>
-              <a:t>23 1969-04-11 1969-04-13 1971-04-13      1          1</a:t>
+              <a:t>22 1969-03-18 1969-03-29 1969-05-07      1          1</a:t>
             </a:r>
           </a:p>
           <a:p>
@@ -8138,7 +7971,7 @@
                 <a:latin typeface="Courier New" panose="02070309020205020404" pitchFamily="49" charset="0"/>
                 <a:cs typeface="Courier New" panose="02070309020205020404" pitchFamily="49" charset="0"/>
               </a:rPr>
-              <a:t>23  2 days  732 days     D          1</a:t>
+              <a:t>22 11 days   50 days     D          1</a:t>
             </a:r>
           </a:p>
           <a:p>
@@ -8162,7 +7995,7 @@
                 <a:latin typeface="Courier New" panose="02070309020205020404" pitchFamily="49" charset="0"/>
                 <a:cs typeface="Courier New" panose="02070309020205020404" pitchFamily="49" charset="0"/>
               </a:rPr>
-              <a:t>23     0    2     0          0</a:t>
+              <a:t>22     0   11     0          0</a:t>
             </a:r>
           </a:p>
           <a:p>
@@ -8171,7 +8004,7 @@
                 <a:latin typeface="Courier New" panose="02070309020205020404" pitchFamily="49" charset="0"/>
                 <a:cs typeface="Courier New" panose="02070309020205020404" pitchFamily="49" charset="0"/>
               </a:rPr>
-              <a:t>23     2  732     1          1</a:t>
+              <a:t>22    11   50     1          1</a:t>
             </a:r>
           </a:p>
         </p:txBody>
@@ -8253,7 +8086,7 @@
           <a:p>
             <a:r>
               <a:rPr lang="en-US" dirty="0"/>
-              <a:t>Patient #23</a:t>
+              <a:t>Patient #22</a:t>
             </a:r>
           </a:p>
         </p:txBody>
@@ -8261,7 +8094,7 @@
     </p:spTree>
     <p:extLst>
       <p:ext uri="{BB962C8B-B14F-4D97-AF65-F5344CB8AC3E}">
-        <p14:creationId xmlns:p14="http://schemas.microsoft.com/office/powerpoint/2010/main" val="1353099458"/>
+        <p14:creationId xmlns:p14="http://schemas.microsoft.com/office/powerpoint/2010/main" val="2452209786"/>
       </p:ext>
     </p:extLst>
   </p:cSld>
@@ -8305,7 +8138,7 @@
           <a:p>
             <a:r>
               <a:rPr lang="en-US" dirty="0"/>
-              <a:t>Stanford heart transplant data</a:t>
+              <a:t>Stanford transplant data</a:t>
             </a:r>
           </a:p>
         </p:txBody>
@@ -8395,7 +8228,7 @@
                 <a:latin typeface="Courier New" panose="02070309020205020404" pitchFamily="49" charset="0"/>
                 <a:cs typeface="Courier New" panose="02070309020205020404" pitchFamily="49" charset="0"/>
               </a:rPr>
-              <a:t>24 1969-04-25 1969-07-16 1969-11-29      1          1</a:t>
+              <a:t>23 1969-04-11 1969-04-13 1971-04-13      1          1</a:t>
             </a:r>
           </a:p>
           <a:p>
@@ -8419,7 +8252,7 @@
                 <a:latin typeface="Courier New" panose="02070309020205020404" pitchFamily="49" charset="0"/>
                 <a:cs typeface="Courier New" panose="02070309020205020404" pitchFamily="49" charset="0"/>
               </a:rPr>
-              <a:t>24 82 days  218 days     D          1</a:t>
+              <a:t>23  2 days  732 days     D          1</a:t>
             </a:r>
           </a:p>
           <a:p>
@@ -8443,7 +8276,7 @@
                 <a:latin typeface="Courier New" panose="02070309020205020404" pitchFamily="49" charset="0"/>
                 <a:cs typeface="Courier New" panose="02070309020205020404" pitchFamily="49" charset="0"/>
               </a:rPr>
-              <a:t>24     0   82     0          0</a:t>
+              <a:t>23     0    2     0          0</a:t>
             </a:r>
           </a:p>
           <a:p>
@@ -8452,7 +8285,7 @@
                 <a:latin typeface="Courier New" panose="02070309020205020404" pitchFamily="49" charset="0"/>
                 <a:cs typeface="Courier New" panose="02070309020205020404" pitchFamily="49" charset="0"/>
               </a:rPr>
-              <a:t>24    82  218     1          1</a:t>
+              <a:t>23     2  732     1          1</a:t>
             </a:r>
           </a:p>
         </p:txBody>
@@ -8534,7 +8367,7 @@
           <a:p>
             <a:r>
               <a:rPr lang="en-US" dirty="0"/>
-              <a:t>Patient #24</a:t>
+              <a:t>Patient #23</a:t>
             </a:r>
           </a:p>
         </p:txBody>
@@ -8542,7 +8375,7 @@
     </p:spTree>
     <p:extLst>
       <p:ext uri="{BB962C8B-B14F-4D97-AF65-F5344CB8AC3E}">
-        <p14:creationId xmlns:p14="http://schemas.microsoft.com/office/powerpoint/2010/main" val="1815124891"/>
+        <p14:creationId xmlns:p14="http://schemas.microsoft.com/office/powerpoint/2010/main" val="1353099458"/>
       </p:ext>
     </p:extLst>
   </p:cSld>
@@ -8586,7 +8419,7 @@
           <a:p>
             <a:r>
               <a:rPr lang="en-US" dirty="0"/>
-              <a:t>Stanford heart transplant data</a:t>
+              <a:t>Stanford transplant data</a:t>
             </a:r>
           </a:p>
         </p:txBody>
@@ -8676,7 +8509,7 @@
                 <a:latin typeface="Courier New" panose="02070309020205020404" pitchFamily="49" charset="0"/>
                 <a:cs typeface="Courier New" panose="02070309020205020404" pitchFamily="49" charset="0"/>
               </a:rPr>
-              <a:t>25 1969-04-28 1969-05-22 1974-04-01      0          1</a:t>
+              <a:t>24 1969-04-25 1969-07-16 1969-11-29      1          1</a:t>
             </a:r>
           </a:p>
           <a:p>
@@ -8700,7 +8533,7 @@
                 <a:latin typeface="Courier New" panose="02070309020205020404" pitchFamily="49" charset="0"/>
                 <a:cs typeface="Courier New" panose="02070309020205020404" pitchFamily="49" charset="0"/>
               </a:rPr>
-              <a:t>25 24 days 1799 days     C          1</a:t>
+              <a:t>24 82 days  218 days     D          1</a:t>
             </a:r>
           </a:p>
           <a:p>
@@ -8724,7 +8557,7 @@
                 <a:latin typeface="Courier New" panose="02070309020205020404" pitchFamily="49" charset="0"/>
                 <a:cs typeface="Courier New" panose="02070309020205020404" pitchFamily="49" charset="0"/>
               </a:rPr>
-              <a:t>25     0   24     0          0</a:t>
+              <a:t>24     0   82     0          0</a:t>
             </a:r>
           </a:p>
           <a:p>
@@ -8733,7 +8566,7 @@
                 <a:latin typeface="Courier New" panose="02070309020205020404" pitchFamily="49" charset="0"/>
                 <a:cs typeface="Courier New" panose="02070309020205020404" pitchFamily="49" charset="0"/>
               </a:rPr>
-              <a:t>25    24 1799     0          1</a:t>
+              <a:t>24    82  218     1          1</a:t>
             </a:r>
           </a:p>
         </p:txBody>
@@ -8815,7 +8648,7 @@
           <a:p>
             <a:r>
               <a:rPr lang="en-US" dirty="0"/>
-              <a:t>Patient #25</a:t>
+              <a:t>Patient #24</a:t>
             </a:r>
           </a:p>
         </p:txBody>
@@ -8823,7 +8656,7 @@
     </p:spTree>
     <p:extLst>
       <p:ext uri="{BB962C8B-B14F-4D97-AF65-F5344CB8AC3E}">
-        <p14:creationId xmlns:p14="http://schemas.microsoft.com/office/powerpoint/2010/main" val="2244761302"/>
+        <p14:creationId xmlns:p14="http://schemas.microsoft.com/office/powerpoint/2010/main" val="1815124891"/>
       </p:ext>
     </p:extLst>
   </p:cSld>
@@ -8867,7 +8700,7 @@
           <a:p>
             <a:r>
               <a:rPr lang="en-US" dirty="0"/>
-              <a:t>Stanford heart transplant data</a:t>
+              <a:t>Stanford transplant data</a:t>
             </a:r>
           </a:p>
         </p:txBody>
@@ -8957,7 +8790,7 @@
                 <a:latin typeface="Courier New" panose="02070309020205020404" pitchFamily="49" charset="0"/>
                 <a:cs typeface="Courier New" panose="02070309020205020404" pitchFamily="49" charset="0"/>
               </a:rPr>
-              <a:t>26 1969-05-01       &lt;NA&gt; 1973-03-01      0          0</a:t>
+              <a:t>25 1969-04-28 1969-05-22 1974-04-01      0          1</a:t>
             </a:r>
           </a:p>
           <a:p>
@@ -8981,7 +8814,7 @@
                 <a:latin typeface="Courier New" panose="02070309020205020404" pitchFamily="49" charset="0"/>
                 <a:cs typeface="Courier New" panose="02070309020205020404" pitchFamily="49" charset="0"/>
               </a:rPr>
-              <a:t>26 NA days 1400 days     C          0</a:t>
+              <a:t>25 24 days 1799 days     C          1</a:t>
             </a:r>
           </a:p>
           <a:p>
@@ -9005,7 +8838,16 @@
                 <a:latin typeface="Courier New" panose="02070309020205020404" pitchFamily="49" charset="0"/>
                 <a:cs typeface="Courier New" panose="02070309020205020404" pitchFamily="49" charset="0"/>
               </a:rPr>
-              <a:t>26     0 1400     0          0</a:t>
+              <a:t>25     0   24     0          0</a:t>
+            </a:r>
+          </a:p>
+          <a:p>
+            <a:r>
+              <a:rPr lang="en-US" sz="1800" dirty="0">
+                <a:latin typeface="Courier New" panose="02070309020205020404" pitchFamily="49" charset="0"/>
+                <a:cs typeface="Courier New" panose="02070309020205020404" pitchFamily="49" charset="0"/>
+              </a:rPr>
+              <a:t>25    24 1799     0          1</a:t>
             </a:r>
           </a:p>
         </p:txBody>
@@ -9087,7 +8929,7 @@
           <a:p>
             <a:r>
               <a:rPr lang="en-US" dirty="0"/>
-              <a:t>Patient #26</a:t>
+              <a:t>Patient #25</a:t>
             </a:r>
           </a:p>
         </p:txBody>
@@ -9095,7 +8937,7 @@
     </p:spTree>
     <p:extLst>
       <p:ext uri="{BB962C8B-B14F-4D97-AF65-F5344CB8AC3E}">
-        <p14:creationId xmlns:p14="http://schemas.microsoft.com/office/powerpoint/2010/main" val="185560491"/>
+        <p14:creationId xmlns:p14="http://schemas.microsoft.com/office/powerpoint/2010/main" val="2244761302"/>
       </p:ext>
     </p:extLst>
   </p:cSld>
@@ -9139,7 +8981,7 @@
           <a:p>
             <a:r>
               <a:rPr lang="en-US" dirty="0"/>
-              <a:t>Stanford heart transplant data</a:t>
+              <a:t>Stanford transplant data</a:t>
             </a:r>
           </a:p>
         </p:txBody>
@@ -9229,7 +9071,7 @@
                 <a:latin typeface="Courier New" panose="02070309020205020404" pitchFamily="49" charset="0"/>
                 <a:cs typeface="Courier New" panose="02070309020205020404" pitchFamily="49" charset="0"/>
               </a:rPr>
-              <a:t>27 1969-05-04       &lt;NA&gt; 1970-01-21      1          0</a:t>
+              <a:t>26 1969-05-01       &lt;NA&gt; 1973-03-01      0          0</a:t>
             </a:r>
           </a:p>
           <a:p>
@@ -9253,7 +9095,7 @@
                 <a:latin typeface="Courier New" panose="02070309020205020404" pitchFamily="49" charset="0"/>
                 <a:cs typeface="Courier New" panose="02070309020205020404" pitchFamily="49" charset="0"/>
               </a:rPr>
-              <a:t>27 NA days  262 days     D          0</a:t>
+              <a:t>26 NA days 1400 days     C          0</a:t>
             </a:r>
           </a:p>
           <a:p>
@@ -9277,7 +9119,7 @@
                 <a:latin typeface="Courier New" panose="02070309020205020404" pitchFamily="49" charset="0"/>
                 <a:cs typeface="Courier New" panose="02070309020205020404" pitchFamily="49" charset="0"/>
               </a:rPr>
-              <a:t>27     0  262     1          0</a:t>
+              <a:t>26     0 1400     0          0</a:t>
             </a:r>
           </a:p>
         </p:txBody>
@@ -9359,7 +9201,7 @@
           <a:p>
             <a:r>
               <a:rPr lang="en-US" dirty="0"/>
-              <a:t>Patient #27</a:t>
+              <a:t>Patient #26</a:t>
             </a:r>
           </a:p>
         </p:txBody>
@@ -9367,7 +9209,7 @@
     </p:spTree>
     <p:extLst>
       <p:ext uri="{BB962C8B-B14F-4D97-AF65-F5344CB8AC3E}">
-        <p14:creationId xmlns:p14="http://schemas.microsoft.com/office/powerpoint/2010/main" val="1134118722"/>
+        <p14:creationId xmlns:p14="http://schemas.microsoft.com/office/powerpoint/2010/main" val="185560491"/>
       </p:ext>
     </p:extLst>
   </p:cSld>
@@ -9411,7 +9253,7 @@
           <a:p>
             <a:r>
               <a:rPr lang="en-US" dirty="0"/>
-              <a:t>Stanford heart transplant data</a:t>
+              <a:t>Stanford transplant data</a:t>
             </a:r>
           </a:p>
         </p:txBody>
@@ -9501,7 +9343,7 @@
                 <a:latin typeface="Courier New" panose="02070309020205020404" pitchFamily="49" charset="0"/>
                 <a:cs typeface="Courier New" panose="02070309020205020404" pitchFamily="49" charset="0"/>
               </a:rPr>
-              <a:t>28 1969-06-07 1969-08-16 1969-08-17      1          1</a:t>
+              <a:t>27 1969-05-04       &lt;NA&gt; 1970-01-21      1          0</a:t>
             </a:r>
           </a:p>
           <a:p>
@@ -9525,7 +9367,7 @@
                 <a:latin typeface="Courier New" panose="02070309020205020404" pitchFamily="49" charset="0"/>
                 <a:cs typeface="Courier New" panose="02070309020205020404" pitchFamily="49" charset="0"/>
               </a:rPr>
-              <a:t>28 70 days   71 days     D          1</a:t>
+              <a:t>27 NA days  262 days     D          0</a:t>
             </a:r>
           </a:p>
           <a:p>
@@ -9549,16 +9391,7 @@
                 <a:latin typeface="Courier New" panose="02070309020205020404" pitchFamily="49" charset="0"/>
                 <a:cs typeface="Courier New" panose="02070309020205020404" pitchFamily="49" charset="0"/>
               </a:rPr>
-              <a:t>28     0   70     0          0</a:t>
-            </a:r>
-          </a:p>
-          <a:p>
-            <a:r>
-              <a:rPr lang="en-US" sz="1800" dirty="0">
-                <a:latin typeface="Courier New" panose="02070309020205020404" pitchFamily="49" charset="0"/>
-                <a:cs typeface="Courier New" panose="02070309020205020404" pitchFamily="49" charset="0"/>
-              </a:rPr>
-              <a:t>28    70   71     1          1</a:t>
+              <a:t>27     0  262     1          0</a:t>
             </a:r>
           </a:p>
         </p:txBody>
@@ -9640,7 +9473,7 @@
           <a:p>
             <a:r>
               <a:rPr lang="en-US" dirty="0"/>
-              <a:t>Patient #28</a:t>
+              <a:t>Patient #27</a:t>
             </a:r>
           </a:p>
         </p:txBody>
@@ -9648,7 +9481,7 @@
     </p:spTree>
     <p:extLst>
       <p:ext uri="{BB962C8B-B14F-4D97-AF65-F5344CB8AC3E}">
-        <p14:creationId xmlns:p14="http://schemas.microsoft.com/office/powerpoint/2010/main" val="1099184777"/>
+        <p14:creationId xmlns:p14="http://schemas.microsoft.com/office/powerpoint/2010/main" val="1134118722"/>
       </p:ext>
     </p:extLst>
   </p:cSld>
@@ -9692,7 +9525,7 @@
           <a:p>
             <a:r>
               <a:rPr lang="en-US" dirty="0"/>
-              <a:t>Stanford heart transplant data</a:t>
+              <a:t>Stanford transplant data</a:t>
             </a:r>
           </a:p>
         </p:txBody>
@@ -9782,7 +9615,7 @@
                 <a:latin typeface="Courier New" panose="02070309020205020404" pitchFamily="49" charset="0"/>
                 <a:cs typeface="Courier New" panose="02070309020205020404" pitchFamily="49" charset="0"/>
               </a:rPr>
-              <a:t>29 1969-07-14       &lt;NA&gt; 1969-08-17      1          0</a:t>
+              <a:t>28 1969-06-07 1969-08-16 1969-08-17      1          1</a:t>
             </a:r>
           </a:p>
           <a:p>
@@ -9806,7 +9639,7 @@
                 <a:latin typeface="Courier New" panose="02070309020205020404" pitchFamily="49" charset="0"/>
                 <a:cs typeface="Courier New" panose="02070309020205020404" pitchFamily="49" charset="0"/>
               </a:rPr>
-              <a:t>29 NA days   34 days     D          0</a:t>
+              <a:t>28 70 days   71 days     D          1</a:t>
             </a:r>
           </a:p>
           <a:p>
@@ -9830,7 +9663,16 @@
                 <a:latin typeface="Courier New" panose="02070309020205020404" pitchFamily="49" charset="0"/>
                 <a:cs typeface="Courier New" panose="02070309020205020404" pitchFamily="49" charset="0"/>
               </a:rPr>
-              <a:t>29     0   34     1          0</a:t>
+              <a:t>28     0   70     0          0</a:t>
+            </a:r>
+          </a:p>
+          <a:p>
+            <a:r>
+              <a:rPr lang="en-US" sz="1800" dirty="0">
+                <a:latin typeface="Courier New" panose="02070309020205020404" pitchFamily="49" charset="0"/>
+                <a:cs typeface="Courier New" panose="02070309020205020404" pitchFamily="49" charset="0"/>
+              </a:rPr>
+              <a:t>28    70   71     1          1</a:t>
             </a:r>
           </a:p>
         </p:txBody>
@@ -9912,7 +9754,7 @@
           <a:p>
             <a:r>
               <a:rPr lang="en-US" dirty="0"/>
-              <a:t>Patient #29</a:t>
+              <a:t>Patient #28</a:t>
             </a:r>
           </a:p>
         </p:txBody>
@@ -9920,7 +9762,7 @@
     </p:spTree>
     <p:extLst>
       <p:ext uri="{BB962C8B-B14F-4D97-AF65-F5344CB8AC3E}">
-        <p14:creationId xmlns:p14="http://schemas.microsoft.com/office/powerpoint/2010/main" val="2485784403"/>
+        <p14:creationId xmlns:p14="http://schemas.microsoft.com/office/powerpoint/2010/main" val="1099184777"/>
       </p:ext>
     </p:extLst>
   </p:cSld>
@@ -10106,7 +9948,7 @@
           <a:p>
             <a:r>
               <a:rPr lang="en-US" dirty="0"/>
-              <a:t>Stanford heart transplant data</a:t>
+              <a:t>Stanford transplant data</a:t>
             </a:r>
           </a:p>
         </p:txBody>
@@ -10196,7 +10038,7 @@
                 <a:latin typeface="Courier New" panose="02070309020205020404" pitchFamily="49" charset="0"/>
                 <a:cs typeface="Courier New" panose="02070309020205020404" pitchFamily="49" charset="0"/>
               </a:rPr>
-              <a:t>30 1969-08-19 1969-09-03 1971-12-18      1          1</a:t>
+              <a:t>29 1969-07-14       &lt;NA&gt; 1969-08-17      1          0</a:t>
             </a:r>
           </a:p>
           <a:p>
@@ -10220,7 +10062,7 @@
                 <a:latin typeface="Courier New" panose="02070309020205020404" pitchFamily="49" charset="0"/>
                 <a:cs typeface="Courier New" panose="02070309020205020404" pitchFamily="49" charset="0"/>
               </a:rPr>
-              <a:t>30 15 days  851 days     D          1</a:t>
+              <a:t>29 NA days   34 days     D          0</a:t>
             </a:r>
           </a:p>
           <a:p>
@@ -10244,16 +10086,7 @@
                 <a:latin typeface="Courier New" panose="02070309020205020404" pitchFamily="49" charset="0"/>
                 <a:cs typeface="Courier New" panose="02070309020205020404" pitchFamily="49" charset="0"/>
               </a:rPr>
-              <a:t>30     0   15     0          0</a:t>
-            </a:r>
-          </a:p>
-          <a:p>
-            <a:r>
-              <a:rPr lang="en-US" sz="1800" dirty="0">
-                <a:latin typeface="Courier New" panose="02070309020205020404" pitchFamily="49" charset="0"/>
-                <a:cs typeface="Courier New" panose="02070309020205020404" pitchFamily="49" charset="0"/>
-              </a:rPr>
-              <a:t>30    15  851     1          1</a:t>
+              <a:t>29     0   34     1          0</a:t>
             </a:r>
           </a:p>
         </p:txBody>
@@ -10335,7 +10168,7 @@
           <a:p>
             <a:r>
               <a:rPr lang="en-US" dirty="0"/>
-              <a:t>Patient #30</a:t>
+              <a:t>Patient #29</a:t>
             </a:r>
           </a:p>
         </p:txBody>
@@ -10343,7 +10176,7 @@
     </p:spTree>
     <p:extLst>
       <p:ext uri="{BB962C8B-B14F-4D97-AF65-F5344CB8AC3E}">
-        <p14:creationId xmlns:p14="http://schemas.microsoft.com/office/powerpoint/2010/main" val="461925367"/>
+        <p14:creationId xmlns:p14="http://schemas.microsoft.com/office/powerpoint/2010/main" val="2485784403"/>
       </p:ext>
     </p:extLst>
   </p:cSld>
@@ -10387,7 +10220,7 @@
           <a:p>
             <a:r>
               <a:rPr lang="en-US" dirty="0"/>
-              <a:t>Conclusion</a:t>
+              <a:t>Stanford transplant data</a:t>
             </a:r>
           </a:p>
         </p:txBody>
@@ -10407,20 +10240,135 @@
           <a:bodyPr/>
           <a:lstStyle/>
           <a:p>
-            <a:pPr marL="457200" indent="-457200">
-              <a:buFont typeface="+mj-lt"/>
-              <a:buAutoNum type="arabicPeriod"/>
-            </a:pPr>
-            <a:r>
-              <a:rPr lang="en-US" dirty="0">
-                <a:latin typeface="+mj-lt"/>
-                <a:cs typeface="Courier New" panose="02070309020205020404" pitchFamily="49" charset="0"/>
-              </a:rPr>
-              <a:t>The</a:t>
-            </a:r>
-            <a:endParaRPr lang="en-US" dirty="0">
-              <a:latin typeface="+mj-lt"/>
+            <a:r>
+              <a:rPr lang="en-US" sz="1800" dirty="0">
+                <a:latin typeface="Courier New" panose="02070309020205020404" pitchFamily="49" charset="0"/>
+                <a:cs typeface="Courier New" panose="02070309020205020404" pitchFamily="49" charset="0"/>
+              </a:rPr>
+              <a:t>id  </a:t>
+            </a:r>
+            <a:r>
+              <a:rPr lang="en-US" sz="1800" dirty="0" err="1">
+                <a:latin typeface="Courier New" panose="02070309020205020404" pitchFamily="49" charset="0"/>
+                <a:cs typeface="Courier New" panose="02070309020205020404" pitchFamily="49" charset="0"/>
+              </a:rPr>
+              <a:t>accept.dt</a:t>
+            </a:r>
+            <a:r>
+              <a:rPr lang="en-US" sz="1800" dirty="0">
+                <a:latin typeface="Courier New" panose="02070309020205020404" pitchFamily="49" charset="0"/>
+                <a:cs typeface="Courier New" panose="02070309020205020404" pitchFamily="49" charset="0"/>
+              </a:rPr>
+              <a:t>    </a:t>
+            </a:r>
+            <a:r>
+              <a:rPr lang="en-US" sz="1800" dirty="0" err="1">
+                <a:latin typeface="Courier New" panose="02070309020205020404" pitchFamily="49" charset="0"/>
+                <a:cs typeface="Courier New" panose="02070309020205020404" pitchFamily="49" charset="0"/>
+              </a:rPr>
+              <a:t>tx.date</a:t>
+            </a:r>
+            <a:r>
+              <a:rPr lang="en-US" sz="1800" dirty="0">
+                <a:latin typeface="Courier New" panose="02070309020205020404" pitchFamily="49" charset="0"/>
+                <a:cs typeface="Courier New" panose="02070309020205020404" pitchFamily="49" charset="0"/>
+              </a:rPr>
+              <a:t>    </a:t>
+            </a:r>
+            <a:r>
+              <a:rPr lang="en-US" sz="1800" dirty="0" err="1">
+                <a:latin typeface="Courier New" panose="02070309020205020404" pitchFamily="49" charset="0"/>
+                <a:cs typeface="Courier New" panose="02070309020205020404" pitchFamily="49" charset="0"/>
+              </a:rPr>
+              <a:t>fu.date</a:t>
+            </a:r>
+            <a:r>
+              <a:rPr lang="en-US" sz="1800" dirty="0">
+                <a:latin typeface="Courier New" panose="02070309020205020404" pitchFamily="49" charset="0"/>
+                <a:cs typeface="Courier New" panose="02070309020205020404" pitchFamily="49" charset="0"/>
+              </a:rPr>
+              <a:t> </a:t>
+            </a:r>
+            <a:r>
+              <a:rPr lang="en-US" sz="1800" dirty="0" err="1">
+                <a:latin typeface="Courier New" panose="02070309020205020404" pitchFamily="49" charset="0"/>
+                <a:cs typeface="Courier New" panose="02070309020205020404" pitchFamily="49" charset="0"/>
+              </a:rPr>
+              <a:t>fustat</a:t>
+            </a:r>
+            <a:r>
+              <a:rPr lang="en-US" sz="1800" dirty="0">
+                <a:latin typeface="Courier New" panose="02070309020205020404" pitchFamily="49" charset="0"/>
+                <a:cs typeface="Courier New" panose="02070309020205020404" pitchFamily="49" charset="0"/>
+              </a:rPr>
+              <a:t> transplant</a:t>
+            </a:r>
+          </a:p>
+          <a:p>
+            <a:r>
+              <a:rPr lang="en-US" sz="1800" dirty="0">
+                <a:latin typeface="Courier New" panose="02070309020205020404" pitchFamily="49" charset="0"/>
+                <a:cs typeface="Courier New" panose="02070309020205020404" pitchFamily="49" charset="0"/>
+              </a:rPr>
+              <a:t>30 1969-08-19 1969-09-03 1971-12-18      1          1</a:t>
+            </a:r>
+          </a:p>
+          <a:p>
+            <a:endParaRPr lang="en-US" sz="1800" dirty="0">
+              <a:latin typeface="Courier New" panose="02070309020205020404" pitchFamily="49" charset="0"/>
+              <a:cs typeface="Courier New" panose="02070309020205020404" pitchFamily="49" charset="0"/>
             </a:endParaRPr>
+          </a:p>
+          <a:p>
+            <a:r>
+              <a:rPr lang="en-US" sz="1800" dirty="0">
+                <a:latin typeface="Courier New" panose="02070309020205020404" pitchFamily="49" charset="0"/>
+                <a:cs typeface="Courier New" panose="02070309020205020404" pitchFamily="49" charset="0"/>
+              </a:rPr>
+              <a:t>id   time1     time2 event transplant</a:t>
+            </a:r>
+          </a:p>
+          <a:p>
+            <a:r>
+              <a:rPr lang="en-US" sz="1800" dirty="0">
+                <a:latin typeface="Courier New" panose="02070309020205020404" pitchFamily="49" charset="0"/>
+                <a:cs typeface="Courier New" panose="02070309020205020404" pitchFamily="49" charset="0"/>
+              </a:rPr>
+              <a:t>30 15 days  851 days     D          1</a:t>
+            </a:r>
+          </a:p>
+          <a:p>
+            <a:endParaRPr lang="en-US" sz="1800" dirty="0">
+              <a:latin typeface="Courier New" panose="02070309020205020404" pitchFamily="49" charset="0"/>
+              <a:cs typeface="Courier New" panose="02070309020205020404" pitchFamily="49" charset="0"/>
+            </a:endParaRPr>
+          </a:p>
+          <a:p>
+            <a:r>
+              <a:rPr lang="en-US" sz="1800" dirty="0">
+                <a:latin typeface="Courier New" panose="02070309020205020404" pitchFamily="49" charset="0"/>
+                <a:cs typeface="Courier New" panose="02070309020205020404" pitchFamily="49" charset="0"/>
+              </a:rPr>
+              <a:t>id start stop event transplant</a:t>
+            </a:r>
+          </a:p>
+          <a:p>
+            <a:r>
+              <a:rPr lang="en-US" sz="1800" dirty="0">
+                <a:latin typeface="Courier New" panose="02070309020205020404" pitchFamily="49" charset="0"/>
+                <a:cs typeface="Courier New" panose="02070309020205020404" pitchFamily="49" charset="0"/>
+              </a:rPr>
+              <a:t>30     0   15     0          0</a:t>
+            </a:r>
+          </a:p>
+          <a:p>
+            <a:r>
+              <a:rPr lang="en-US" sz="1800" dirty="0">
+                <a:latin typeface="Courier New" panose="02070309020205020404" pitchFamily="49" charset="0"/>
+                <a:cs typeface="Courier New" panose="02070309020205020404" pitchFamily="49" charset="0"/>
+              </a:rPr>
+              <a:t>30    15  851     1          1</a:t>
+            </a:r>
           </a:p>
         </p:txBody>
       </p:sp>
@@ -10479,6 +10427,289 @@
                 <a:defRPr/>
               </a:pPr>
               <a:t>41</a:t>
+            </a:fld>
+            <a:endParaRPr lang="en-US"/>
+          </a:p>
+        </p:txBody>
+      </p:sp>
+      <p:sp>
+        <p:nvSpPr>
+          <p:cNvPr id="6" name="Text Placeholder 5"/>
+          <p:cNvSpPr>
+            <a:spLocks noGrp="1"/>
+          </p:cNvSpPr>
+          <p:nvPr>
+            <p:ph type="body" sz="quarter" idx="12"/>
+          </p:nvPr>
+        </p:nvSpPr>
+        <p:spPr/>
+        <p:txBody>
+          <a:bodyPr/>
+          <a:lstStyle/>
+          <a:p>
+            <a:r>
+              <a:rPr lang="en-US" dirty="0"/>
+              <a:t>Patient #30</a:t>
+            </a:r>
+          </a:p>
+        </p:txBody>
+      </p:sp>
+    </p:spTree>
+    <p:extLst>
+      <p:ext uri="{BB962C8B-B14F-4D97-AF65-F5344CB8AC3E}">
+        <p14:creationId xmlns:p14="http://schemas.microsoft.com/office/powerpoint/2010/main" val="461925367"/>
+      </p:ext>
+    </p:extLst>
+  </p:cSld>
+  <p:clrMapOvr>
+    <a:masterClrMapping/>
+  </p:clrMapOvr>
+</p:sld>
+</file>
+
+<file path=ppt/slides/slide42.xml><?xml version="1.0" encoding="utf-8"?>
+<p:sld xmlns:a="http://schemas.openxmlformats.org/drawingml/2006/main" xmlns:r="http://schemas.openxmlformats.org/officeDocument/2006/relationships" xmlns:p="http://schemas.openxmlformats.org/presentationml/2006/main">
+  <p:cSld>
+    <p:spTree>
+      <p:nvGrpSpPr>
+        <p:cNvPr id="1" name=""/>
+        <p:cNvGrpSpPr/>
+        <p:nvPr/>
+      </p:nvGrpSpPr>
+      <p:grpSpPr>
+        <a:xfrm>
+          <a:off x="0" y="0"/>
+          <a:ext cx="0" cy="0"/>
+          <a:chOff x="0" y="0"/>
+          <a:chExt cx="0" cy="0"/>
+        </a:xfrm>
+      </p:grpSpPr>
+      <p:sp>
+        <p:nvSpPr>
+          <p:cNvPr id="2" name="Title 1"/>
+          <p:cNvSpPr>
+            <a:spLocks noGrp="1"/>
+          </p:cNvSpPr>
+          <p:nvPr>
+            <p:ph type="title"/>
+          </p:nvPr>
+        </p:nvSpPr>
+        <p:spPr/>
+        <p:txBody>
+          <a:bodyPr/>
+          <a:lstStyle/>
+          <a:p>
+            <a:r>
+              <a:rPr lang="en-US" dirty="0"/>
+              <a:t>Stanford transplant data, time-varying model</a:t>
+            </a:r>
+          </a:p>
+        </p:txBody>
+      </p:sp>
+      <p:sp>
+        <p:nvSpPr>
+          <p:cNvPr id="5" name="Slide Number Placeholder 4"/>
+          <p:cNvSpPr>
+            <a:spLocks noGrp="1"/>
+          </p:cNvSpPr>
+          <p:nvPr>
+            <p:ph type="sldNum" sz="quarter" idx="11"/>
+          </p:nvPr>
+        </p:nvSpPr>
+        <p:spPr/>
+        <p:txBody>
+          <a:bodyPr/>
+          <a:lstStyle/>
+          <a:p>
+            <a:pPr>
+              <a:defRPr/>
+            </a:pPr>
+            <a:endParaRPr lang="en-US"/>
+          </a:p>
+          <a:p>
+            <a:pPr>
+              <a:defRPr/>
+            </a:pPr>
+            <a:fld id="{E9A8CBA3-AA2B-46A6-BFA3-DCEBEAAB3F0A}" type="slidenum">
+              <a:rPr lang="en-US" smtClean="0"/>
+              <a:pPr>
+                <a:defRPr/>
+              </a:pPr>
+              <a:t>42</a:t>
+            </a:fld>
+            <a:endParaRPr lang="en-US"/>
+          </a:p>
+        </p:txBody>
+      </p:sp>
+      <p:pic>
+        <p:nvPicPr>
+          <p:cNvPr id="3" name="Picture 2">
+            <a:extLst>
+              <a:ext uri="{FF2B5EF4-FFF2-40B4-BE49-F238E27FC236}">
+                <a16:creationId xmlns:a16="http://schemas.microsoft.com/office/drawing/2014/main" id="{23E150EA-D399-4620-B8ED-FA79690F2C06}"/>
+              </a:ext>
+            </a:extLst>
+          </p:cNvPr>
+          <p:cNvPicPr>
+            <a:picLocks noChangeAspect="1"/>
+          </p:cNvPicPr>
+          <p:nvPr/>
+        </p:nvPicPr>
+        <p:blipFill>
+          <a:blip r:embed="rId2"/>
+          <a:stretch>
+            <a:fillRect/>
+          </a:stretch>
+        </p:blipFill>
+        <p:spPr>
+          <a:xfrm>
+            <a:off x="426362" y="1219200"/>
+            <a:ext cx="8247619" cy="2095238"/>
+          </a:xfrm>
+          <a:prstGeom prst="rect">
+            <a:avLst/>
+          </a:prstGeom>
+        </p:spPr>
+      </p:pic>
+    </p:spTree>
+    <p:extLst>
+      <p:ext uri="{BB962C8B-B14F-4D97-AF65-F5344CB8AC3E}">
+        <p14:creationId xmlns:p14="http://schemas.microsoft.com/office/powerpoint/2010/main" val="2566188297"/>
+      </p:ext>
+    </p:extLst>
+  </p:cSld>
+  <p:clrMapOvr>
+    <a:masterClrMapping/>
+  </p:clrMapOvr>
+</p:sld>
+</file>
+
+<file path=ppt/slides/slide43.xml><?xml version="1.0" encoding="utf-8"?>
+<p:sld xmlns:a="http://schemas.openxmlformats.org/drawingml/2006/main" xmlns:r="http://schemas.openxmlformats.org/officeDocument/2006/relationships" xmlns:p="http://schemas.openxmlformats.org/presentationml/2006/main">
+  <p:cSld>
+    <p:spTree>
+      <p:nvGrpSpPr>
+        <p:cNvPr id="1" name=""/>
+        <p:cNvGrpSpPr/>
+        <p:nvPr/>
+      </p:nvGrpSpPr>
+      <p:grpSpPr>
+        <a:xfrm>
+          <a:off x="0" y="0"/>
+          <a:ext cx="0" cy="0"/>
+          <a:chOff x="0" y="0"/>
+          <a:chExt cx="0" cy="0"/>
+        </a:xfrm>
+      </p:grpSpPr>
+      <p:sp>
+        <p:nvSpPr>
+          <p:cNvPr id="2" name="Title 1"/>
+          <p:cNvSpPr>
+            <a:spLocks noGrp="1"/>
+          </p:cNvSpPr>
+          <p:nvPr>
+            <p:ph type="title"/>
+          </p:nvPr>
+        </p:nvSpPr>
+        <p:spPr/>
+        <p:txBody>
+          <a:bodyPr/>
+          <a:lstStyle/>
+          <a:p>
+            <a:r>
+              <a:rPr lang="en-US" dirty="0"/>
+              <a:t>Conclusion</a:t>
+            </a:r>
+          </a:p>
+        </p:txBody>
+      </p:sp>
+      <p:sp>
+        <p:nvSpPr>
+          <p:cNvPr id="3" name="Text Placeholder 2"/>
+          <p:cNvSpPr>
+            <a:spLocks noGrp="1"/>
+          </p:cNvSpPr>
+          <p:nvPr>
+            <p:ph type="body" idx="1"/>
+          </p:nvPr>
+        </p:nvSpPr>
+        <p:spPr/>
+        <p:txBody>
+          <a:bodyPr/>
+          <a:lstStyle/>
+          <a:p>
+            <a:pPr marL="457200" indent="-457200">
+              <a:buFont typeface="+mj-lt"/>
+              <a:buAutoNum type="arabicPeriod"/>
+            </a:pPr>
+            <a:r>
+              <a:rPr lang="en-US" dirty="0">
+                <a:latin typeface="+mj-lt"/>
+                <a:cs typeface="Courier New" panose="02070309020205020404" pitchFamily="49" charset="0"/>
+              </a:rPr>
+              <a:t>The</a:t>
+            </a:r>
+            <a:endParaRPr lang="en-US" dirty="0">
+              <a:latin typeface="+mj-lt"/>
+            </a:endParaRPr>
+          </a:p>
+        </p:txBody>
+      </p:sp>
+      <p:sp>
+        <p:nvSpPr>
+          <p:cNvPr id="4" name="Footer Placeholder 3"/>
+          <p:cNvSpPr>
+            <a:spLocks noGrp="1"/>
+          </p:cNvSpPr>
+          <p:nvPr>
+            <p:ph type="ftr" sz="quarter" idx="10"/>
+          </p:nvPr>
+        </p:nvSpPr>
+        <p:spPr/>
+        <p:txBody>
+          <a:bodyPr/>
+          <a:lstStyle/>
+          <a:p>
+            <a:pPr>
+              <a:defRPr/>
+            </a:pPr>
+            <a:r>
+              <a:rPr lang="en-US" altLang="en-US" dirty="0"/>
+              <a:t>©2018 Steve Simon    http://TheAnalysisFactor.com</a:t>
+            </a:r>
+          </a:p>
+        </p:txBody>
+      </p:sp>
+      <p:sp>
+        <p:nvSpPr>
+          <p:cNvPr id="5" name="Slide Number Placeholder 4"/>
+          <p:cNvSpPr>
+            <a:spLocks noGrp="1"/>
+          </p:cNvSpPr>
+          <p:nvPr>
+            <p:ph type="sldNum" sz="quarter" idx="11"/>
+          </p:nvPr>
+        </p:nvSpPr>
+        <p:spPr/>
+        <p:txBody>
+          <a:bodyPr/>
+          <a:lstStyle/>
+          <a:p>
+            <a:pPr>
+              <a:defRPr/>
+            </a:pPr>
+            <a:endParaRPr lang="en-US"/>
+          </a:p>
+          <a:p>
+            <a:pPr>
+              <a:defRPr/>
+            </a:pPr>
+            <a:fld id="{E9A8CBA3-AA2B-46A6-BFA3-DCEBEAAB3F0A}" type="slidenum">
+              <a:rPr lang="en-US" smtClean="0"/>
+              <a:pPr>
+                <a:defRPr/>
+              </a:pPr>
+              <a:t>43</a:t>
             </a:fld>
             <a:endParaRPr lang="en-US"/>
           </a:p>

--- a/bin/survival lecture 6.pptx
+++ b/bin/survival lecture 6.pptx
@@ -5,10 +5,10 @@
     <p:sldMasterId id="2147483664" r:id="rId1"/>
   </p:sldMasterIdLst>
   <p:notesMasterIdLst>
-    <p:notesMasterId r:id="rId45"/>
+    <p:notesMasterId r:id="rId49"/>
   </p:notesMasterIdLst>
   <p:handoutMasterIdLst>
-    <p:handoutMasterId r:id="rId46"/>
+    <p:handoutMasterId r:id="rId50"/>
   </p:handoutMasterIdLst>
   <p:sldIdLst>
     <p:sldId id="256" r:id="rId2"/>
@@ -38,22 +38,26 @@
     <p:sldId id="402" r:id="rId26"/>
     <p:sldId id="403" r:id="rId27"/>
     <p:sldId id="404" r:id="rId28"/>
-    <p:sldId id="411" r:id="rId29"/>
-    <p:sldId id="412" r:id="rId30"/>
-    <p:sldId id="423" r:id="rId31"/>
-    <p:sldId id="424" r:id="rId32"/>
-    <p:sldId id="413" r:id="rId33"/>
-    <p:sldId id="414" r:id="rId34"/>
-    <p:sldId id="415" r:id="rId35"/>
-    <p:sldId id="416" r:id="rId36"/>
-    <p:sldId id="417" r:id="rId37"/>
-    <p:sldId id="418" r:id="rId38"/>
-    <p:sldId id="419" r:id="rId39"/>
-    <p:sldId id="420" r:id="rId40"/>
-    <p:sldId id="421" r:id="rId41"/>
-    <p:sldId id="422" r:id="rId42"/>
-    <p:sldId id="425" r:id="rId43"/>
-    <p:sldId id="342" r:id="rId44"/>
+    <p:sldId id="426" r:id="rId29"/>
+    <p:sldId id="428" r:id="rId30"/>
+    <p:sldId id="429" r:id="rId31"/>
+    <p:sldId id="411" r:id="rId32"/>
+    <p:sldId id="427" r:id="rId33"/>
+    <p:sldId id="412" r:id="rId34"/>
+    <p:sldId id="423" r:id="rId35"/>
+    <p:sldId id="424" r:id="rId36"/>
+    <p:sldId id="413" r:id="rId37"/>
+    <p:sldId id="414" r:id="rId38"/>
+    <p:sldId id="415" r:id="rId39"/>
+    <p:sldId id="416" r:id="rId40"/>
+    <p:sldId id="417" r:id="rId41"/>
+    <p:sldId id="418" r:id="rId42"/>
+    <p:sldId id="419" r:id="rId43"/>
+    <p:sldId id="420" r:id="rId44"/>
+    <p:sldId id="421" r:id="rId45"/>
+    <p:sldId id="422" r:id="rId46"/>
+    <p:sldId id="425" r:id="rId47"/>
+    <p:sldId id="342" r:id="rId48"/>
   </p:sldIdLst>
   <p:sldSz cx="9144000" cy="6858000" type="screen4x3"/>
   <p:notesSz cx="9601200" cy="7315200"/>
@@ -370,7 +374,7 @@
               <a:pPr>
                 <a:defRPr/>
               </a:pPr>
-              <a:t>6/1/2018</a:t>
+              <a:t>6/11/2018</a:t>
             </a:fld>
             <a:endParaRPr lang="en-US" altLang="en-US"/>
           </a:p>
@@ -678,7 +682,7 @@
               <a:pPr>
                 <a:defRPr/>
               </a:pPr>
-              <a:t>6/1/2018</a:t>
+              <a:t>6/11/2018</a:t>
             </a:fld>
             <a:endParaRPr lang="en-US" altLang="en-US"/>
           </a:p>
@@ -6892,7 +6896,64 @@
           <a:p>
             <a:r>
               <a:rPr lang="en-US" dirty="0"/>
-              <a:t>Stanford transplant data</a:t>
+              <a:t>Time-varying covariates</a:t>
+            </a:r>
+          </a:p>
+        </p:txBody>
+      </p:sp>
+      <p:sp>
+        <p:nvSpPr>
+          <p:cNvPr id="3" name="Text Placeholder 2"/>
+          <p:cNvSpPr>
+            <a:spLocks noGrp="1"/>
+          </p:cNvSpPr>
+          <p:nvPr>
+            <p:ph type="body" idx="1"/>
+          </p:nvPr>
+        </p:nvSpPr>
+        <p:spPr/>
+        <p:txBody>
+          <a:bodyPr/>
+          <a:lstStyle/>
+          <a:p>
+            <a:r>
+              <a:rPr lang="en-US" dirty="0"/>
+              <a:t>You can address problems with non-proportional hazards by creating an interaction involving time. </a:t>
+            </a:r>
+          </a:p>
+          <a:p>
+            <a:pPr marL="342900" indent="-342900">
+              <a:buFont typeface="Arial" panose="020B0604020202020204" pitchFamily="34" charset="0"/>
+              <a:buChar char="•"/>
+            </a:pPr>
+            <a:r>
+              <a:rPr lang="en-US" dirty="0"/>
+              <a:t>Also consider interactions involving log(time).</a:t>
+            </a:r>
+          </a:p>
+        </p:txBody>
+      </p:sp>
+      <p:sp>
+        <p:nvSpPr>
+          <p:cNvPr id="4" name="Footer Placeholder 3"/>
+          <p:cNvSpPr>
+            <a:spLocks noGrp="1"/>
+          </p:cNvSpPr>
+          <p:nvPr>
+            <p:ph type="ftr" sz="quarter" idx="10"/>
+          </p:nvPr>
+        </p:nvSpPr>
+        <p:spPr/>
+        <p:txBody>
+          <a:bodyPr/>
+          <a:lstStyle/>
+          <a:p>
+            <a:pPr>
+              <a:defRPr/>
+            </a:pPr>
+            <a:r>
+              <a:rPr lang="en-US" altLang="en-US" dirty="0"/>
+              <a:t>©2018 Steve Simon    http://TheAnalysisFactor.com</a:t>
             </a:r>
           </a:p>
         </p:txBody>
@@ -6927,6 +6988,987 @@
                 <a:defRPr/>
               </a:pPr>
               <a:t>28</a:t>
+            </a:fld>
+            <a:endParaRPr lang="en-US"/>
+          </a:p>
+        </p:txBody>
+      </p:sp>
+      <p:sp>
+        <p:nvSpPr>
+          <p:cNvPr id="6" name="Text Placeholder 5"/>
+          <p:cNvSpPr>
+            <a:spLocks noGrp="1"/>
+          </p:cNvSpPr>
+          <p:nvPr>
+            <p:ph type="body" sz="quarter" idx="12"/>
+          </p:nvPr>
+        </p:nvSpPr>
+        <p:spPr/>
+        <p:txBody>
+          <a:bodyPr/>
+          <a:lstStyle/>
+          <a:p>
+            <a:r>
+              <a:rPr lang="en-US" dirty="0"/>
+              <a:t>Interaction with time</a:t>
+            </a:r>
+          </a:p>
+        </p:txBody>
+      </p:sp>
+    </p:spTree>
+    <p:extLst>
+      <p:ext uri="{BB962C8B-B14F-4D97-AF65-F5344CB8AC3E}">
+        <p14:creationId xmlns:p14="http://schemas.microsoft.com/office/powerpoint/2010/main" val="1445232808"/>
+      </p:ext>
+    </p:extLst>
+  </p:cSld>
+  <p:clrMapOvr>
+    <a:masterClrMapping/>
+  </p:clrMapOvr>
+</p:sld>
+</file>
+
+<file path=ppt/slides/slide29.xml><?xml version="1.0" encoding="utf-8"?>
+<p:sld xmlns:a="http://schemas.openxmlformats.org/drawingml/2006/main" xmlns:r="http://schemas.openxmlformats.org/officeDocument/2006/relationships" xmlns:p="http://schemas.openxmlformats.org/presentationml/2006/main">
+  <p:cSld>
+    <p:spTree>
+      <p:nvGrpSpPr>
+        <p:cNvPr id="1" name=""/>
+        <p:cNvGrpSpPr/>
+        <p:nvPr/>
+      </p:nvGrpSpPr>
+      <p:grpSpPr>
+        <a:xfrm>
+          <a:off x="0" y="0"/>
+          <a:ext cx="0" cy="0"/>
+          <a:chOff x="0" y="0"/>
+          <a:chExt cx="0" cy="0"/>
+        </a:xfrm>
+      </p:grpSpPr>
+      <p:sp>
+        <p:nvSpPr>
+          <p:cNvPr id="2" name="Title 1"/>
+          <p:cNvSpPr>
+            <a:spLocks noGrp="1"/>
+          </p:cNvSpPr>
+          <p:nvPr>
+            <p:ph type="title"/>
+          </p:nvPr>
+        </p:nvSpPr>
+        <p:spPr/>
+        <p:txBody>
+          <a:bodyPr/>
+          <a:lstStyle/>
+          <a:p>
+            <a:r>
+              <a:rPr lang="en-US" dirty="0"/>
+              <a:t>Time-varying covariates</a:t>
+            </a:r>
+          </a:p>
+        </p:txBody>
+      </p:sp>
+      <p:sp>
+        <p:nvSpPr>
+          <p:cNvPr id="3" name="Text Placeholder 2"/>
+          <p:cNvSpPr>
+            <a:spLocks noGrp="1"/>
+          </p:cNvSpPr>
+          <p:nvPr>
+            <p:ph type="body" idx="1"/>
+          </p:nvPr>
+        </p:nvSpPr>
+        <p:spPr/>
+        <p:txBody>
+          <a:bodyPr/>
+          <a:lstStyle/>
+          <a:p>
+            <a:r>
+              <a:rPr lang="en-US" sz="1800" dirty="0">
+                <a:latin typeface="Courier New" panose="02070309020205020404" pitchFamily="49" charset="0"/>
+                <a:cs typeface="Courier New" panose="02070309020205020404" pitchFamily="49" charset="0"/>
+              </a:rPr>
+              <a:t>                   </a:t>
+            </a:r>
+            <a:r>
+              <a:rPr lang="en-US" sz="1800" dirty="0" err="1">
+                <a:latin typeface="Courier New" panose="02070309020205020404" pitchFamily="49" charset="0"/>
+                <a:cs typeface="Courier New" panose="02070309020205020404" pitchFamily="49" charset="0"/>
+              </a:rPr>
+              <a:t>coef</a:t>
+            </a:r>
+            <a:r>
+              <a:rPr lang="en-US" sz="1800" dirty="0">
+                <a:latin typeface="Courier New" panose="02070309020205020404" pitchFamily="49" charset="0"/>
+                <a:cs typeface="Courier New" panose="02070309020205020404" pitchFamily="49" charset="0"/>
+              </a:rPr>
+              <a:t> exp(</a:t>
+            </a:r>
+            <a:r>
+              <a:rPr lang="en-US" sz="1800" dirty="0" err="1">
+                <a:latin typeface="Courier New" panose="02070309020205020404" pitchFamily="49" charset="0"/>
+                <a:cs typeface="Courier New" panose="02070309020205020404" pitchFamily="49" charset="0"/>
+              </a:rPr>
+              <a:t>coef</a:t>
+            </a:r>
+            <a:r>
+              <a:rPr lang="en-US" sz="1800" dirty="0">
+                <a:latin typeface="Courier New" panose="02070309020205020404" pitchFamily="49" charset="0"/>
+                <a:cs typeface="Courier New" panose="02070309020205020404" pitchFamily="49" charset="0"/>
+              </a:rPr>
+              <a:t>) se(</a:t>
+            </a:r>
+            <a:r>
+              <a:rPr lang="en-US" sz="1800" dirty="0" err="1">
+                <a:latin typeface="Courier New" panose="02070309020205020404" pitchFamily="49" charset="0"/>
+                <a:cs typeface="Courier New" panose="02070309020205020404" pitchFamily="49" charset="0"/>
+              </a:rPr>
+              <a:t>coef</a:t>
+            </a:r>
+            <a:r>
+              <a:rPr lang="en-US" sz="1800" dirty="0">
+                <a:latin typeface="Courier New" panose="02070309020205020404" pitchFamily="49" charset="0"/>
+                <a:cs typeface="Courier New" panose="02070309020205020404" pitchFamily="49" charset="0"/>
+              </a:rPr>
+              <a:t>)     z       p</a:t>
+            </a:r>
+          </a:p>
+          <a:p>
+            <a:r>
+              <a:rPr lang="en-US" sz="1800" dirty="0">
+                <a:latin typeface="Courier New" panose="02070309020205020404" pitchFamily="49" charset="0"/>
+                <a:cs typeface="Courier New" panose="02070309020205020404" pitchFamily="49" charset="0"/>
+              </a:rPr>
+              <a:t>clinic          0.01940   1.01958  0.34717  0.06  0.9554</a:t>
+            </a:r>
+          </a:p>
+          <a:p>
+            <a:r>
+              <a:rPr lang="en-US" sz="1800" dirty="0" err="1">
+                <a:latin typeface="Courier New" panose="02070309020205020404" pitchFamily="49" charset="0"/>
+                <a:cs typeface="Courier New" panose="02070309020205020404" pitchFamily="49" charset="0"/>
+              </a:rPr>
+              <a:t>tt</a:t>
+            </a:r>
+            <a:r>
+              <a:rPr lang="en-US" sz="1800" dirty="0">
+                <a:latin typeface="Courier New" panose="02070309020205020404" pitchFamily="49" charset="0"/>
+                <a:cs typeface="Courier New" panose="02070309020205020404" pitchFamily="49" charset="0"/>
+              </a:rPr>
+              <a:t>(clinic)     -1.10331   0.33177  0.34528 -3.20  0.0014</a:t>
+            </a:r>
+          </a:p>
+          <a:p>
+            <a:r>
+              <a:rPr lang="en-US" sz="1800" dirty="0" err="1">
+                <a:latin typeface="Courier New" panose="02070309020205020404" pitchFamily="49" charset="0"/>
+                <a:cs typeface="Courier New" panose="02070309020205020404" pitchFamily="49" charset="0"/>
+              </a:rPr>
+              <a:t>i_prison</a:t>
+            </a:r>
+            <a:r>
+              <a:rPr lang="en-US" sz="1800" dirty="0">
+                <a:latin typeface="Courier New" panose="02070309020205020404" pitchFamily="49" charset="0"/>
+                <a:cs typeface="Courier New" panose="02070309020205020404" pitchFamily="49" charset="0"/>
+              </a:rPr>
+              <a:t>        0.38997   1.47693  0.16889  2.31  0.0209</a:t>
+            </a:r>
+          </a:p>
+          <a:p>
+            <a:r>
+              <a:rPr lang="en-US" sz="1800" dirty="0" err="1">
+                <a:latin typeface="Courier New" panose="02070309020205020404" pitchFamily="49" charset="0"/>
+                <a:cs typeface="Courier New" panose="02070309020205020404" pitchFamily="49" charset="0"/>
+              </a:rPr>
+              <a:t>methadone_dose</a:t>
+            </a:r>
+            <a:r>
+              <a:rPr lang="en-US" sz="1800" dirty="0">
+                <a:latin typeface="Courier New" panose="02070309020205020404" pitchFamily="49" charset="0"/>
+                <a:cs typeface="Courier New" panose="02070309020205020404" pitchFamily="49" charset="0"/>
+              </a:rPr>
+              <a:t> -0.03519   0.96543  0.00644 -5.46 4.7e-08</a:t>
+            </a:r>
+          </a:p>
+          <a:p>
+            <a:endParaRPr lang="en-US" sz="1800" dirty="0">
+              <a:latin typeface="Courier New" panose="02070309020205020404" pitchFamily="49" charset="0"/>
+              <a:cs typeface="Courier New" panose="02070309020205020404" pitchFamily="49" charset="0"/>
+            </a:endParaRPr>
+          </a:p>
+          <a:p>
+            <a:r>
+              <a:rPr lang="en-US" sz="1800" dirty="0">
+                <a:latin typeface="Courier New" panose="02070309020205020404" pitchFamily="49" charset="0"/>
+                <a:cs typeface="Courier New" panose="02070309020205020404" pitchFamily="49" charset="0"/>
+              </a:rPr>
+              <a:t>Likelihood ratio test=76.1  on 4 df, p=1.11e-15</a:t>
+            </a:r>
+          </a:p>
+          <a:p>
+            <a:r>
+              <a:rPr lang="en-US" sz="1800" dirty="0">
+                <a:latin typeface="Courier New" panose="02070309020205020404" pitchFamily="49" charset="0"/>
+                <a:cs typeface="Courier New" panose="02070309020205020404" pitchFamily="49" charset="0"/>
+              </a:rPr>
+              <a:t>n= 238, number of events= 150</a:t>
+            </a:r>
+          </a:p>
+        </p:txBody>
+      </p:sp>
+      <p:sp>
+        <p:nvSpPr>
+          <p:cNvPr id="4" name="Footer Placeholder 3"/>
+          <p:cNvSpPr>
+            <a:spLocks noGrp="1"/>
+          </p:cNvSpPr>
+          <p:nvPr>
+            <p:ph type="ftr" sz="quarter" idx="10"/>
+          </p:nvPr>
+        </p:nvSpPr>
+        <p:spPr/>
+        <p:txBody>
+          <a:bodyPr/>
+          <a:lstStyle/>
+          <a:p>
+            <a:pPr>
+              <a:defRPr/>
+            </a:pPr>
+            <a:r>
+              <a:rPr lang="en-US" altLang="en-US" dirty="0"/>
+              <a:t>©2018 Steve Simon    http://TheAnalysisFactor.com</a:t>
+            </a:r>
+          </a:p>
+        </p:txBody>
+      </p:sp>
+      <p:sp>
+        <p:nvSpPr>
+          <p:cNvPr id="5" name="Slide Number Placeholder 4"/>
+          <p:cNvSpPr>
+            <a:spLocks noGrp="1"/>
+          </p:cNvSpPr>
+          <p:nvPr>
+            <p:ph type="sldNum" sz="quarter" idx="11"/>
+          </p:nvPr>
+        </p:nvSpPr>
+        <p:spPr/>
+        <p:txBody>
+          <a:bodyPr/>
+          <a:lstStyle/>
+          <a:p>
+            <a:pPr>
+              <a:defRPr/>
+            </a:pPr>
+            <a:endParaRPr lang="en-US"/>
+          </a:p>
+          <a:p>
+            <a:pPr>
+              <a:defRPr/>
+            </a:pPr>
+            <a:fld id="{E9A8CBA3-AA2B-46A6-BFA3-DCEBEAAB3F0A}" type="slidenum">
+              <a:rPr lang="en-US" smtClean="0"/>
+              <a:pPr>
+                <a:defRPr/>
+              </a:pPr>
+              <a:t>29</a:t>
+            </a:fld>
+            <a:endParaRPr lang="en-US"/>
+          </a:p>
+        </p:txBody>
+      </p:sp>
+      <p:sp>
+        <p:nvSpPr>
+          <p:cNvPr id="6" name="Text Placeholder 5"/>
+          <p:cNvSpPr>
+            <a:spLocks noGrp="1"/>
+          </p:cNvSpPr>
+          <p:nvPr>
+            <p:ph type="body" sz="quarter" idx="12"/>
+          </p:nvPr>
+        </p:nvSpPr>
+        <p:spPr/>
+        <p:txBody>
+          <a:bodyPr/>
+          <a:lstStyle/>
+          <a:p>
+            <a:r>
+              <a:rPr lang="en-US" dirty="0"/>
+              <a:t>Interaction with time, heroin dataset</a:t>
+            </a:r>
+          </a:p>
+        </p:txBody>
+      </p:sp>
+    </p:spTree>
+    <p:extLst>
+      <p:ext uri="{BB962C8B-B14F-4D97-AF65-F5344CB8AC3E}">
+        <p14:creationId xmlns:p14="http://schemas.microsoft.com/office/powerpoint/2010/main" val="2906842275"/>
+      </p:ext>
+    </p:extLst>
+  </p:cSld>
+  <p:clrMapOvr>
+    <a:masterClrMapping/>
+  </p:clrMapOvr>
+</p:sld>
+</file>
+
+<file path=ppt/slides/slide3.xml><?xml version="1.0" encoding="utf-8"?>
+<p:sld xmlns:a="http://schemas.openxmlformats.org/drawingml/2006/main" xmlns:r="http://schemas.openxmlformats.org/officeDocument/2006/relationships" xmlns:p="http://schemas.openxmlformats.org/presentationml/2006/main">
+  <p:cSld>
+    <p:spTree>
+      <p:nvGrpSpPr>
+        <p:cNvPr id="1" name=""/>
+        <p:cNvGrpSpPr/>
+        <p:nvPr/>
+      </p:nvGrpSpPr>
+      <p:grpSpPr>
+        <a:xfrm>
+          <a:off x="0" y="0"/>
+          <a:ext cx="0" cy="0"/>
+          <a:chOff x="0" y="0"/>
+          <a:chExt cx="0" cy="0"/>
+        </a:xfrm>
+      </p:grpSpPr>
+      <p:sp>
+        <p:nvSpPr>
+          <p:cNvPr id="2" name="Title 1"/>
+          <p:cNvSpPr>
+            <a:spLocks noGrp="1"/>
+          </p:cNvSpPr>
+          <p:nvPr>
+            <p:ph type="title"/>
+          </p:nvPr>
+        </p:nvSpPr>
+        <p:spPr/>
+        <p:txBody>
+          <a:bodyPr/>
+          <a:lstStyle/>
+          <a:p>
+            <a:r>
+              <a:rPr lang="en-US" dirty="0"/>
+              <a:t>Testing the proportional hazards assumption</a:t>
+            </a:r>
+          </a:p>
+        </p:txBody>
+      </p:sp>
+      <p:sp>
+        <p:nvSpPr>
+          <p:cNvPr id="3" name="Text Placeholder 2"/>
+          <p:cNvSpPr>
+            <a:spLocks noGrp="1"/>
+          </p:cNvSpPr>
+          <p:nvPr>
+            <p:ph type="body" idx="1"/>
+          </p:nvPr>
+        </p:nvSpPr>
+        <p:spPr/>
+        <p:txBody>
+          <a:bodyPr/>
+          <a:lstStyle/>
+          <a:p>
+            <a:pPr marL="342900" indent="-342900">
+              <a:buFont typeface="+mj-lt"/>
+              <a:buAutoNum type="arabicPeriod"/>
+            </a:pPr>
+            <a:r>
+              <a:rPr lang="en-US" sz="1800" dirty="0"/>
+              <a:t>Patterns in Kaplan-Meier curves</a:t>
+            </a:r>
+          </a:p>
+          <a:p>
+            <a:pPr marL="342900" indent="-342900">
+              <a:buFont typeface="+mj-lt"/>
+              <a:buAutoNum type="arabicPeriod"/>
+            </a:pPr>
+            <a:r>
+              <a:rPr lang="en-US" sz="1800" dirty="0"/>
+              <a:t>Complementary log-log plot</a:t>
+            </a:r>
+          </a:p>
+          <a:p>
+            <a:pPr marL="342900" indent="-342900">
+              <a:buFont typeface="+mj-lt"/>
+              <a:buAutoNum type="arabicPeriod"/>
+            </a:pPr>
+            <a:r>
+              <a:rPr lang="en-US" sz="1800" dirty="0"/>
+              <a:t>Schoenfeld Residuals</a:t>
+            </a:r>
+          </a:p>
+          <a:p>
+            <a:pPr marL="342900" indent="-342900">
+              <a:buFont typeface="+mj-lt"/>
+              <a:buAutoNum type="arabicPeriod"/>
+            </a:pPr>
+            <a:r>
+              <a:rPr lang="en-US" sz="1800" dirty="0"/>
+              <a:t>Fit time varying covariates</a:t>
+            </a:r>
+          </a:p>
+          <a:p>
+            <a:pPr marL="342900" indent="-342900">
+              <a:buFont typeface="+mj-lt"/>
+              <a:buAutoNum type="arabicPeriod"/>
+            </a:pPr>
+            <a:endParaRPr lang="en-US" sz="1800" dirty="0"/>
+          </a:p>
+          <a:p>
+            <a:r>
+              <a:rPr lang="en-US" sz="1800" dirty="0"/>
+              <a:t>Save this for another day</a:t>
+            </a:r>
+            <a:endParaRPr lang="en-US" sz="1800" b="1" dirty="0">
+              <a:latin typeface="Courier New" panose="02070309020205020404" pitchFamily="49" charset="0"/>
+              <a:cs typeface="Courier New" panose="02070309020205020404" pitchFamily="49" charset="0"/>
+            </a:endParaRPr>
+          </a:p>
+        </p:txBody>
+      </p:sp>
+      <p:sp>
+        <p:nvSpPr>
+          <p:cNvPr id="4" name="Footer Placeholder 3"/>
+          <p:cNvSpPr>
+            <a:spLocks noGrp="1"/>
+          </p:cNvSpPr>
+          <p:nvPr>
+            <p:ph type="ftr" sz="quarter" idx="10"/>
+          </p:nvPr>
+        </p:nvSpPr>
+        <p:spPr/>
+        <p:txBody>
+          <a:bodyPr/>
+          <a:lstStyle/>
+          <a:p>
+            <a:pPr>
+              <a:defRPr/>
+            </a:pPr>
+            <a:r>
+              <a:rPr lang="en-US" altLang="en-US" dirty="0"/>
+              <a:t>©2018 Steve Simon    http://TheAnalysisFactor.com</a:t>
+            </a:r>
+          </a:p>
+        </p:txBody>
+      </p:sp>
+      <p:sp>
+        <p:nvSpPr>
+          <p:cNvPr id="5" name="Slide Number Placeholder 4"/>
+          <p:cNvSpPr>
+            <a:spLocks noGrp="1"/>
+          </p:cNvSpPr>
+          <p:nvPr>
+            <p:ph type="sldNum" sz="quarter" idx="11"/>
+          </p:nvPr>
+        </p:nvSpPr>
+        <p:spPr/>
+        <p:txBody>
+          <a:bodyPr/>
+          <a:lstStyle/>
+          <a:p>
+            <a:pPr>
+              <a:defRPr/>
+            </a:pPr>
+            <a:endParaRPr lang="en-US"/>
+          </a:p>
+          <a:p>
+            <a:pPr>
+              <a:defRPr/>
+            </a:pPr>
+            <a:fld id="{E9A8CBA3-AA2B-46A6-BFA3-DCEBEAAB3F0A}" type="slidenum">
+              <a:rPr lang="en-US" smtClean="0"/>
+              <a:pPr>
+                <a:defRPr/>
+              </a:pPr>
+              <a:t>3</a:t>
+            </a:fld>
+            <a:endParaRPr lang="en-US"/>
+          </a:p>
+        </p:txBody>
+      </p:sp>
+      <p:sp>
+        <p:nvSpPr>
+          <p:cNvPr id="6" name="Text Placeholder 5"/>
+          <p:cNvSpPr>
+            <a:spLocks noGrp="1"/>
+          </p:cNvSpPr>
+          <p:nvPr>
+            <p:ph type="body" sz="quarter" idx="12"/>
+          </p:nvPr>
+        </p:nvSpPr>
+        <p:spPr/>
+        <p:txBody>
+          <a:bodyPr/>
+          <a:lstStyle/>
+          <a:p>
+            <a:r>
+              <a:rPr lang="en-US" dirty="0"/>
+              <a:t>Several approaches</a:t>
+            </a:r>
+          </a:p>
+        </p:txBody>
+      </p:sp>
+    </p:spTree>
+    <p:extLst>
+      <p:ext uri="{BB962C8B-B14F-4D97-AF65-F5344CB8AC3E}">
+        <p14:creationId xmlns:p14="http://schemas.microsoft.com/office/powerpoint/2010/main" val="2692073544"/>
+      </p:ext>
+    </p:extLst>
+  </p:cSld>
+  <p:clrMapOvr>
+    <a:masterClrMapping/>
+  </p:clrMapOvr>
+</p:sld>
+</file>
+
+<file path=ppt/slides/slide30.xml><?xml version="1.0" encoding="utf-8"?>
+<p:sld xmlns:a="http://schemas.openxmlformats.org/drawingml/2006/main" xmlns:r="http://schemas.openxmlformats.org/officeDocument/2006/relationships" xmlns:p="http://schemas.openxmlformats.org/presentationml/2006/main">
+  <p:cSld>
+    <p:spTree>
+      <p:nvGrpSpPr>
+        <p:cNvPr id="1" name=""/>
+        <p:cNvGrpSpPr/>
+        <p:nvPr/>
+      </p:nvGrpSpPr>
+      <p:grpSpPr>
+        <a:xfrm>
+          <a:off x="0" y="0"/>
+          <a:ext cx="0" cy="0"/>
+          <a:chOff x="0" y="0"/>
+          <a:chExt cx="0" cy="0"/>
+        </a:xfrm>
+      </p:grpSpPr>
+      <p:sp>
+        <p:nvSpPr>
+          <p:cNvPr id="2" name="Title 1"/>
+          <p:cNvSpPr>
+            <a:spLocks noGrp="1"/>
+          </p:cNvSpPr>
+          <p:nvPr>
+            <p:ph type="title"/>
+          </p:nvPr>
+        </p:nvSpPr>
+        <p:spPr/>
+        <p:txBody>
+          <a:bodyPr/>
+          <a:lstStyle/>
+          <a:p>
+            <a:r>
+              <a:rPr lang="en-US" dirty="0"/>
+              <a:t>Time-varying covariates</a:t>
+            </a:r>
+          </a:p>
+        </p:txBody>
+      </p:sp>
+      <p:sp>
+        <p:nvSpPr>
+          <p:cNvPr id="3" name="Text Placeholder 2"/>
+          <p:cNvSpPr>
+            <a:spLocks noGrp="1"/>
+          </p:cNvSpPr>
+          <p:nvPr>
+            <p:ph type="body" idx="1"/>
+          </p:nvPr>
+        </p:nvSpPr>
+        <p:spPr/>
+        <p:txBody>
+          <a:bodyPr/>
+          <a:lstStyle/>
+          <a:p>
+            <a:r>
+              <a:rPr lang="en-US" sz="1800" dirty="0">
+                <a:latin typeface="Courier New" panose="02070309020205020404" pitchFamily="49" charset="0"/>
+                <a:cs typeface="Courier New" panose="02070309020205020404" pitchFamily="49" charset="0"/>
+              </a:rPr>
+              <a:t>  </a:t>
+            </a:r>
+            <a:r>
+              <a:rPr lang="en-US" sz="1800" dirty="0" err="1">
+                <a:latin typeface="Courier New" panose="02070309020205020404" pitchFamily="49" charset="0"/>
+                <a:cs typeface="Courier New" panose="02070309020205020404" pitchFamily="49" charset="0"/>
+              </a:rPr>
+              <a:t>beta_clinic</a:t>
+            </a:r>
+            <a:r>
+              <a:rPr lang="en-US" sz="1800" dirty="0">
+                <a:latin typeface="Courier New" panose="02070309020205020404" pitchFamily="49" charset="0"/>
+                <a:cs typeface="Courier New" panose="02070309020205020404" pitchFamily="49" charset="0"/>
+              </a:rPr>
+              <a:t> </a:t>
+            </a:r>
+            <a:r>
+              <a:rPr lang="en-US" sz="1800" dirty="0" err="1">
+                <a:latin typeface="Courier New" panose="02070309020205020404" pitchFamily="49" charset="0"/>
+                <a:cs typeface="Courier New" panose="02070309020205020404" pitchFamily="49" charset="0"/>
+              </a:rPr>
+              <a:t>beta_interaction</a:t>
+            </a:r>
+            <a:r>
+              <a:rPr lang="en-US" sz="1800" dirty="0">
+                <a:latin typeface="Courier New" panose="02070309020205020404" pitchFamily="49" charset="0"/>
+                <a:cs typeface="Courier New" panose="02070309020205020404" pitchFamily="49" charset="0"/>
+              </a:rPr>
+              <a:t>   t </a:t>
+            </a:r>
+            <a:r>
+              <a:rPr lang="en-US" sz="1800" dirty="0" err="1">
+                <a:latin typeface="Courier New" panose="02070309020205020404" pitchFamily="49" charset="0"/>
+                <a:cs typeface="Courier New" panose="02070309020205020404" pitchFamily="49" charset="0"/>
+              </a:rPr>
+              <a:t>log_hr</a:t>
+            </a:r>
+            <a:r>
+              <a:rPr lang="en-US" sz="1800" dirty="0">
+                <a:latin typeface="Courier New" panose="02070309020205020404" pitchFamily="49" charset="0"/>
+                <a:cs typeface="Courier New" panose="02070309020205020404" pitchFamily="49" charset="0"/>
+              </a:rPr>
+              <a:t>    </a:t>
+            </a:r>
+            <a:r>
+              <a:rPr lang="en-US" sz="1800" dirty="0" err="1">
+                <a:latin typeface="Courier New" panose="02070309020205020404" pitchFamily="49" charset="0"/>
+                <a:cs typeface="Courier New" panose="02070309020205020404" pitchFamily="49" charset="0"/>
+              </a:rPr>
+              <a:t>hr</a:t>
+            </a:r>
+            <a:endParaRPr lang="en-US" sz="1800" dirty="0">
+              <a:latin typeface="Courier New" panose="02070309020205020404" pitchFamily="49" charset="0"/>
+              <a:cs typeface="Courier New" panose="02070309020205020404" pitchFamily="49" charset="0"/>
+            </a:endParaRPr>
+          </a:p>
+          <a:p>
+            <a:r>
+              <a:rPr lang="en-US" sz="1800" dirty="0">
+                <a:latin typeface="Courier New" panose="02070309020205020404" pitchFamily="49" charset="0"/>
+                <a:cs typeface="Courier New" panose="02070309020205020404" pitchFamily="49" charset="0"/>
+              </a:rPr>
+              <a:t>1       0.019           -1.103 0.0  0.019 1.020</a:t>
+            </a:r>
+          </a:p>
+          <a:p>
+            <a:r>
+              <a:rPr lang="en-US" sz="1800" dirty="0">
+                <a:latin typeface="Courier New" panose="02070309020205020404" pitchFamily="49" charset="0"/>
+                <a:cs typeface="Courier New" panose="02070309020205020404" pitchFamily="49" charset="0"/>
+              </a:rPr>
+              <a:t>2       0.019           -1.103 0.5 -0.532 0.587</a:t>
+            </a:r>
+          </a:p>
+          <a:p>
+            <a:r>
+              <a:rPr lang="en-US" sz="1800" dirty="0">
+                <a:latin typeface="Courier New" panose="02070309020205020404" pitchFamily="49" charset="0"/>
+                <a:cs typeface="Courier New" panose="02070309020205020404" pitchFamily="49" charset="0"/>
+              </a:rPr>
+              <a:t>3       0.019           -1.103 1.0 -1.084 0.338</a:t>
+            </a:r>
+          </a:p>
+          <a:p>
+            <a:r>
+              <a:rPr lang="en-US" sz="1800" dirty="0">
+                <a:latin typeface="Courier New" panose="02070309020205020404" pitchFamily="49" charset="0"/>
+                <a:cs typeface="Courier New" panose="02070309020205020404" pitchFamily="49" charset="0"/>
+              </a:rPr>
+              <a:t>4       0.019           -1.103 1.5 -1.636 0.195</a:t>
+            </a:r>
+          </a:p>
+          <a:p>
+            <a:r>
+              <a:rPr lang="en-US" sz="1800" dirty="0">
+                <a:latin typeface="Courier New" panose="02070309020205020404" pitchFamily="49" charset="0"/>
+                <a:cs typeface="Courier New" panose="02070309020205020404" pitchFamily="49" charset="0"/>
+              </a:rPr>
+              <a:t>5       0.019           -1.103 2.0 -2.187 0.112</a:t>
+            </a:r>
+          </a:p>
+          <a:p>
+            <a:r>
+              <a:rPr lang="en-US" sz="1800" dirty="0">
+                <a:latin typeface="Courier New" panose="02070309020205020404" pitchFamily="49" charset="0"/>
+                <a:cs typeface="Courier New" panose="02070309020205020404" pitchFamily="49" charset="0"/>
+              </a:rPr>
+              <a:t>6       0.019           -1.103 2.5 -2.739 0.065</a:t>
+            </a:r>
+          </a:p>
+        </p:txBody>
+      </p:sp>
+      <p:sp>
+        <p:nvSpPr>
+          <p:cNvPr id="4" name="Footer Placeholder 3"/>
+          <p:cNvSpPr>
+            <a:spLocks noGrp="1"/>
+          </p:cNvSpPr>
+          <p:nvPr>
+            <p:ph type="ftr" sz="quarter" idx="10"/>
+          </p:nvPr>
+        </p:nvSpPr>
+        <p:spPr/>
+        <p:txBody>
+          <a:bodyPr/>
+          <a:lstStyle/>
+          <a:p>
+            <a:pPr>
+              <a:defRPr/>
+            </a:pPr>
+            <a:r>
+              <a:rPr lang="en-US" altLang="en-US" dirty="0"/>
+              <a:t>©2018 Steve Simon    http://TheAnalysisFactor.com</a:t>
+            </a:r>
+          </a:p>
+        </p:txBody>
+      </p:sp>
+      <p:sp>
+        <p:nvSpPr>
+          <p:cNvPr id="5" name="Slide Number Placeholder 4"/>
+          <p:cNvSpPr>
+            <a:spLocks noGrp="1"/>
+          </p:cNvSpPr>
+          <p:nvPr>
+            <p:ph type="sldNum" sz="quarter" idx="11"/>
+          </p:nvPr>
+        </p:nvSpPr>
+        <p:spPr/>
+        <p:txBody>
+          <a:bodyPr/>
+          <a:lstStyle/>
+          <a:p>
+            <a:pPr>
+              <a:defRPr/>
+            </a:pPr>
+            <a:endParaRPr lang="en-US"/>
+          </a:p>
+          <a:p>
+            <a:pPr>
+              <a:defRPr/>
+            </a:pPr>
+            <a:fld id="{E9A8CBA3-AA2B-46A6-BFA3-DCEBEAAB3F0A}" type="slidenum">
+              <a:rPr lang="en-US" smtClean="0"/>
+              <a:pPr>
+                <a:defRPr/>
+              </a:pPr>
+              <a:t>30</a:t>
+            </a:fld>
+            <a:endParaRPr lang="en-US"/>
+          </a:p>
+        </p:txBody>
+      </p:sp>
+      <p:sp>
+        <p:nvSpPr>
+          <p:cNvPr id="6" name="Text Placeholder 5"/>
+          <p:cNvSpPr>
+            <a:spLocks noGrp="1"/>
+          </p:cNvSpPr>
+          <p:nvPr>
+            <p:ph type="body" sz="quarter" idx="12"/>
+          </p:nvPr>
+        </p:nvSpPr>
+        <p:spPr/>
+        <p:txBody>
+          <a:bodyPr/>
+          <a:lstStyle/>
+          <a:p>
+            <a:r>
+              <a:rPr lang="en-US" dirty="0"/>
+              <a:t>Interaction with time, heroin dataset</a:t>
+            </a:r>
+          </a:p>
+        </p:txBody>
+      </p:sp>
+    </p:spTree>
+    <p:extLst>
+      <p:ext uri="{BB962C8B-B14F-4D97-AF65-F5344CB8AC3E}">
+        <p14:creationId xmlns:p14="http://schemas.microsoft.com/office/powerpoint/2010/main" val="2222040552"/>
+      </p:ext>
+    </p:extLst>
+  </p:cSld>
+  <p:clrMapOvr>
+    <a:masterClrMapping/>
+  </p:clrMapOvr>
+</p:sld>
+</file>
+
+<file path=ppt/slides/slide31.xml><?xml version="1.0" encoding="utf-8"?>
+<p:sld xmlns:a="http://schemas.openxmlformats.org/drawingml/2006/main" xmlns:r="http://schemas.openxmlformats.org/officeDocument/2006/relationships" xmlns:p="http://schemas.openxmlformats.org/presentationml/2006/main">
+  <p:cSld>
+    <p:spTree>
+      <p:nvGrpSpPr>
+        <p:cNvPr id="1" name=""/>
+        <p:cNvGrpSpPr/>
+        <p:nvPr/>
+      </p:nvGrpSpPr>
+      <p:grpSpPr>
+        <a:xfrm>
+          <a:off x="0" y="0"/>
+          <a:ext cx="0" cy="0"/>
+          <a:chOff x="0" y="0"/>
+          <a:chExt cx="0" cy="0"/>
+        </a:xfrm>
+      </p:grpSpPr>
+      <p:sp>
+        <p:nvSpPr>
+          <p:cNvPr id="2" name="Title 1"/>
+          <p:cNvSpPr>
+            <a:spLocks noGrp="1"/>
+          </p:cNvSpPr>
+          <p:nvPr>
+            <p:ph type="title"/>
+          </p:nvPr>
+        </p:nvSpPr>
+        <p:spPr/>
+        <p:txBody>
+          <a:bodyPr/>
+          <a:lstStyle/>
+          <a:p>
+            <a:r>
+              <a:rPr lang="en-US" dirty="0"/>
+              <a:t>Time-varying covariates</a:t>
+            </a:r>
+          </a:p>
+        </p:txBody>
+      </p:sp>
+      <p:sp>
+        <p:nvSpPr>
+          <p:cNvPr id="5" name="Slide Number Placeholder 4"/>
+          <p:cNvSpPr>
+            <a:spLocks noGrp="1"/>
+          </p:cNvSpPr>
+          <p:nvPr>
+            <p:ph type="sldNum" sz="quarter" idx="11"/>
+          </p:nvPr>
+        </p:nvSpPr>
+        <p:spPr/>
+        <p:txBody>
+          <a:bodyPr/>
+          <a:lstStyle/>
+          <a:p>
+            <a:pPr>
+              <a:defRPr/>
+            </a:pPr>
+            <a:endParaRPr lang="en-US"/>
+          </a:p>
+          <a:p>
+            <a:pPr>
+              <a:defRPr/>
+            </a:pPr>
+            <a:fld id="{E9A8CBA3-AA2B-46A6-BFA3-DCEBEAAB3F0A}" type="slidenum">
+              <a:rPr lang="en-US" smtClean="0"/>
+              <a:pPr>
+                <a:defRPr/>
+              </a:pPr>
+              <a:t>31</a:t>
+            </a:fld>
+            <a:endParaRPr lang="en-US"/>
+          </a:p>
+        </p:txBody>
+      </p:sp>
+      <p:pic>
+        <p:nvPicPr>
+          <p:cNvPr id="4" name="Picture 3">
+            <a:extLst>
+              <a:ext uri="{FF2B5EF4-FFF2-40B4-BE49-F238E27FC236}">
+                <a16:creationId xmlns:a16="http://schemas.microsoft.com/office/drawing/2014/main" id="{8789CD76-B159-40A0-9790-D7307574D59F}"/>
+              </a:ext>
+            </a:extLst>
+          </p:cNvPr>
+          <p:cNvPicPr>
+            <a:picLocks noChangeAspect="1"/>
+          </p:cNvPicPr>
+          <p:nvPr/>
+        </p:nvPicPr>
+        <p:blipFill>
+          <a:blip r:embed="rId2"/>
+          <a:stretch>
+            <a:fillRect/>
+          </a:stretch>
+        </p:blipFill>
+        <p:spPr>
+          <a:xfrm>
+            <a:off x="457714" y="1143285"/>
+            <a:ext cx="8228571" cy="4571429"/>
+          </a:xfrm>
+          <a:prstGeom prst="rect">
+            <a:avLst/>
+          </a:prstGeom>
+        </p:spPr>
+      </p:pic>
+    </p:spTree>
+    <p:extLst>
+      <p:ext uri="{BB962C8B-B14F-4D97-AF65-F5344CB8AC3E}">
+        <p14:creationId xmlns:p14="http://schemas.microsoft.com/office/powerpoint/2010/main" val="1113131820"/>
+      </p:ext>
+    </p:extLst>
+  </p:cSld>
+  <p:clrMapOvr>
+    <a:masterClrMapping/>
+  </p:clrMapOvr>
+</p:sld>
+</file>
+
+<file path=ppt/slides/slide32.xml><?xml version="1.0" encoding="utf-8"?>
+<p:sld xmlns:a="http://schemas.openxmlformats.org/drawingml/2006/main" xmlns:r="http://schemas.openxmlformats.org/officeDocument/2006/relationships" xmlns:p="http://schemas.openxmlformats.org/presentationml/2006/main">
+  <p:cSld>
+    <p:spTree>
+      <p:nvGrpSpPr>
+        <p:cNvPr id="1" name=""/>
+        <p:cNvGrpSpPr/>
+        <p:nvPr/>
+      </p:nvGrpSpPr>
+      <p:grpSpPr>
+        <a:xfrm>
+          <a:off x="0" y="0"/>
+          <a:ext cx="0" cy="0"/>
+          <a:chOff x="0" y="0"/>
+          <a:chExt cx="0" cy="0"/>
+        </a:xfrm>
+      </p:grpSpPr>
+      <p:sp>
+        <p:nvSpPr>
+          <p:cNvPr id="2" name="Title 1"/>
+          <p:cNvSpPr>
+            <a:spLocks noGrp="1"/>
+          </p:cNvSpPr>
+          <p:nvPr>
+            <p:ph type="title"/>
+          </p:nvPr>
+        </p:nvSpPr>
+        <p:spPr/>
+        <p:txBody>
+          <a:bodyPr/>
+          <a:lstStyle/>
+          <a:p>
+            <a:r>
+              <a:rPr lang="en-US" dirty="0"/>
+              <a:t>Stanford transplant data</a:t>
+            </a:r>
+          </a:p>
+        </p:txBody>
+      </p:sp>
+      <p:sp>
+        <p:nvSpPr>
+          <p:cNvPr id="5" name="Slide Number Placeholder 4"/>
+          <p:cNvSpPr>
+            <a:spLocks noGrp="1"/>
+          </p:cNvSpPr>
+          <p:nvPr>
+            <p:ph type="sldNum" sz="quarter" idx="11"/>
+          </p:nvPr>
+        </p:nvSpPr>
+        <p:spPr/>
+        <p:txBody>
+          <a:bodyPr/>
+          <a:lstStyle/>
+          <a:p>
+            <a:pPr>
+              <a:defRPr/>
+            </a:pPr>
+            <a:endParaRPr lang="en-US"/>
+          </a:p>
+          <a:p>
+            <a:pPr>
+              <a:defRPr/>
+            </a:pPr>
+            <a:fld id="{E9A8CBA3-AA2B-46A6-BFA3-DCEBEAAB3F0A}" type="slidenum">
+              <a:rPr lang="en-US" smtClean="0"/>
+              <a:pPr>
+                <a:defRPr/>
+              </a:pPr>
+              <a:t>32</a:t>
             </a:fld>
             <a:endParaRPr lang="en-US"/>
           </a:p>
@@ -6965,7 +8007,7 @@
     </p:spTree>
     <p:extLst>
       <p:ext uri="{BB962C8B-B14F-4D97-AF65-F5344CB8AC3E}">
-        <p14:creationId xmlns:p14="http://schemas.microsoft.com/office/powerpoint/2010/main" val="1113131820"/>
+        <p14:creationId xmlns:p14="http://schemas.microsoft.com/office/powerpoint/2010/main" val="1293506578"/>
       </p:ext>
     </p:extLst>
   </p:cSld>
@@ -6975,7 +8017,7 @@
 </p:sld>
 </file>
 
-<file path=ppt/slides/slide29.xml><?xml version="1.0" encoding="utf-8"?>
+<file path=ppt/slides/slide33.xml><?xml version="1.0" encoding="utf-8"?>
 <p:sld xmlns:a="http://schemas.openxmlformats.org/drawingml/2006/main" xmlns:r="http://schemas.openxmlformats.org/officeDocument/2006/relationships" xmlns:p="http://schemas.openxmlformats.org/presentationml/2006/main">
   <p:cSld>
     <p:spTree>
@@ -7043,7 +8085,7 @@
               <a:pPr>
                 <a:defRPr/>
               </a:pPr>
-              <a:t>29</a:t>
+              <a:t>33</a:t>
             </a:fld>
             <a:endParaRPr lang="en-US"/>
           </a:p>
@@ -7092,7 +8134,7 @@
 </p:sld>
 </file>
 
-<file path=ppt/slides/slide3.xml><?xml version="1.0" encoding="utf-8"?>
+<file path=ppt/slides/slide34.xml><?xml version="1.0" encoding="utf-8"?>
 <p:sld xmlns:a="http://schemas.openxmlformats.org/drawingml/2006/main" xmlns:r="http://schemas.openxmlformats.org/officeDocument/2006/relationships" xmlns:p="http://schemas.openxmlformats.org/presentationml/2006/main">
   <p:cSld>
     <p:spTree>
@@ -7126,105 +8168,7 @@
           <a:p>
             <a:r>
               <a:rPr lang="en-US" dirty="0"/>
-              <a:t>Testing the proportional hazards assumption</a:t>
-            </a:r>
-          </a:p>
-        </p:txBody>
-      </p:sp>
-      <p:sp>
-        <p:nvSpPr>
-          <p:cNvPr id="3" name="Text Placeholder 2"/>
-          <p:cNvSpPr>
-            <a:spLocks noGrp="1"/>
-          </p:cNvSpPr>
-          <p:nvPr>
-            <p:ph type="body" idx="1"/>
-          </p:nvPr>
-        </p:nvSpPr>
-        <p:spPr/>
-        <p:txBody>
-          <a:bodyPr/>
-          <a:lstStyle/>
-          <a:p>
-            <a:pPr marL="342900" indent="-342900">
-              <a:buFont typeface="+mj-lt"/>
-              <a:buAutoNum type="arabicPeriod"/>
-            </a:pPr>
-            <a:r>
-              <a:rPr lang="en-US" sz="1800" dirty="0"/>
-              <a:t>Patterns in Kaplan-Meier curves</a:t>
-            </a:r>
-          </a:p>
-          <a:p>
-            <a:pPr marL="342900" indent="-342900">
-              <a:buFont typeface="+mj-lt"/>
-              <a:buAutoNum type="arabicPeriod"/>
-            </a:pPr>
-            <a:r>
-              <a:rPr lang="en-US" sz="1800" dirty="0"/>
-              <a:t>Complementary log-log plot</a:t>
-            </a:r>
-          </a:p>
-          <a:p>
-            <a:pPr marL="342900" indent="-342900">
-              <a:buFont typeface="+mj-lt"/>
-              <a:buAutoNum type="arabicPeriod"/>
-            </a:pPr>
-            <a:r>
-              <a:rPr lang="en-US" sz="1800" dirty="0"/>
-              <a:t>Schoenfeld Residuals</a:t>
-            </a:r>
-          </a:p>
-          <a:p>
-            <a:pPr marL="342900" indent="-342900">
-              <a:buFont typeface="+mj-lt"/>
-              <a:buAutoNum type="arabicPeriod"/>
-            </a:pPr>
-            <a:r>
-              <a:rPr lang="en-US" sz="1800" dirty="0"/>
-              <a:t>Fit time varying covariates</a:t>
-            </a:r>
-          </a:p>
-          <a:p>
-            <a:pPr marL="342900" indent="-342900">
-              <a:buFont typeface="+mj-lt"/>
-              <a:buAutoNum type="arabicPeriod"/>
-            </a:pPr>
-            <a:endParaRPr lang="en-US" sz="1800" dirty="0"/>
-          </a:p>
-          <a:p>
-            <a:r>
-              <a:rPr lang="en-US" sz="1800" dirty="0"/>
-              <a:t>Save this for another day</a:t>
-            </a:r>
-            <a:endParaRPr lang="en-US" sz="1800" b="1" dirty="0">
-              <a:latin typeface="Courier New" panose="02070309020205020404" pitchFamily="49" charset="0"/>
-              <a:cs typeface="Courier New" panose="02070309020205020404" pitchFamily="49" charset="0"/>
-            </a:endParaRPr>
-          </a:p>
-        </p:txBody>
-      </p:sp>
-      <p:sp>
-        <p:nvSpPr>
-          <p:cNvPr id="4" name="Footer Placeholder 3"/>
-          <p:cNvSpPr>
-            <a:spLocks noGrp="1"/>
-          </p:cNvSpPr>
-          <p:nvPr>
-            <p:ph type="ftr" sz="quarter" idx="10"/>
-          </p:nvPr>
-        </p:nvSpPr>
-        <p:spPr/>
-        <p:txBody>
-          <a:bodyPr/>
-          <a:lstStyle/>
-          <a:p>
-            <a:pPr>
-              <a:defRPr/>
-            </a:pPr>
-            <a:r>
-              <a:rPr lang="en-US" altLang="en-US" dirty="0"/>
-              <a:t>©2018 Steve Simon    http://TheAnalysisFactor.com</a:t>
+              <a:t>Stanford transplant data, patients 21-30</a:t>
             </a:r>
           </a:p>
         </p:txBody>
@@ -7258,116 +8202,7 @@
               <a:pPr>
                 <a:defRPr/>
               </a:pPr>
-              <a:t>3</a:t>
-            </a:fld>
-            <a:endParaRPr lang="en-US"/>
-          </a:p>
-        </p:txBody>
-      </p:sp>
-      <p:sp>
-        <p:nvSpPr>
-          <p:cNvPr id="6" name="Text Placeholder 5"/>
-          <p:cNvSpPr>
-            <a:spLocks noGrp="1"/>
-          </p:cNvSpPr>
-          <p:nvPr>
-            <p:ph type="body" sz="quarter" idx="12"/>
-          </p:nvPr>
-        </p:nvSpPr>
-        <p:spPr/>
-        <p:txBody>
-          <a:bodyPr/>
-          <a:lstStyle/>
-          <a:p>
-            <a:r>
-              <a:rPr lang="en-US" dirty="0"/>
-              <a:t>Several approaches</a:t>
-            </a:r>
-          </a:p>
-        </p:txBody>
-      </p:sp>
-    </p:spTree>
-    <p:extLst>
-      <p:ext uri="{BB962C8B-B14F-4D97-AF65-F5344CB8AC3E}">
-        <p14:creationId xmlns:p14="http://schemas.microsoft.com/office/powerpoint/2010/main" val="2692073544"/>
-      </p:ext>
-    </p:extLst>
-  </p:cSld>
-  <p:clrMapOvr>
-    <a:masterClrMapping/>
-  </p:clrMapOvr>
-</p:sld>
-</file>
-
-<file path=ppt/slides/slide30.xml><?xml version="1.0" encoding="utf-8"?>
-<p:sld xmlns:a="http://schemas.openxmlformats.org/drawingml/2006/main" xmlns:r="http://schemas.openxmlformats.org/officeDocument/2006/relationships" xmlns:p="http://schemas.openxmlformats.org/presentationml/2006/main">
-  <p:cSld>
-    <p:spTree>
-      <p:nvGrpSpPr>
-        <p:cNvPr id="1" name=""/>
-        <p:cNvGrpSpPr/>
-        <p:nvPr/>
-      </p:nvGrpSpPr>
-      <p:grpSpPr>
-        <a:xfrm>
-          <a:off x="0" y="0"/>
-          <a:ext cx="0" cy="0"/>
-          <a:chOff x="0" y="0"/>
-          <a:chExt cx="0" cy="0"/>
-        </a:xfrm>
-      </p:grpSpPr>
-      <p:sp>
-        <p:nvSpPr>
-          <p:cNvPr id="2" name="Title 1"/>
-          <p:cNvSpPr>
-            <a:spLocks noGrp="1"/>
-          </p:cNvSpPr>
-          <p:nvPr>
-            <p:ph type="title"/>
-          </p:nvPr>
-        </p:nvSpPr>
-        <p:spPr/>
-        <p:txBody>
-          <a:bodyPr/>
-          <a:lstStyle/>
-          <a:p>
-            <a:r>
-              <a:rPr lang="en-US" dirty="0"/>
-              <a:t>Stanford transplant data, patients 21-30</a:t>
-            </a:r>
-          </a:p>
-        </p:txBody>
-      </p:sp>
-      <p:sp>
-        <p:nvSpPr>
-          <p:cNvPr id="5" name="Slide Number Placeholder 4"/>
-          <p:cNvSpPr>
-            <a:spLocks noGrp="1"/>
-          </p:cNvSpPr>
-          <p:nvPr>
-            <p:ph type="sldNum" sz="quarter" idx="11"/>
-          </p:nvPr>
-        </p:nvSpPr>
-        <p:spPr/>
-        <p:txBody>
-          <a:bodyPr/>
-          <a:lstStyle/>
-          <a:p>
-            <a:pPr>
-              <a:defRPr/>
-            </a:pPr>
-            <a:endParaRPr lang="en-US"/>
-          </a:p>
-          <a:p>
-            <a:pPr>
-              <a:defRPr/>
-            </a:pPr>
-            <a:fld id="{E9A8CBA3-AA2B-46A6-BFA3-DCEBEAAB3F0A}" type="slidenum">
-              <a:rPr lang="en-US" smtClean="0"/>
-              <a:pPr>
-                <a:defRPr/>
-              </a:pPr>
-              <a:t>30</a:t>
+              <a:t>34</a:t>
             </a:fld>
             <a:endParaRPr lang="en-US"/>
           </a:p>
@@ -7416,7 +8251,7 @@
 </p:sld>
 </file>
 
-<file path=ppt/slides/slide31.xml><?xml version="1.0" encoding="utf-8"?>
+<file path=ppt/slides/slide35.xml><?xml version="1.0" encoding="utf-8"?>
 <p:sld xmlns:a="http://schemas.openxmlformats.org/drawingml/2006/main" xmlns:r="http://schemas.openxmlformats.org/officeDocument/2006/relationships" xmlns:p="http://schemas.openxmlformats.org/presentationml/2006/main">
   <p:cSld>
     <p:spTree>
@@ -7484,7 +8319,7 @@
               <a:pPr>
                 <a:defRPr/>
               </a:pPr>
-              <a:t>31</a:t>
+              <a:t>35</a:t>
             </a:fld>
             <a:endParaRPr lang="en-US"/>
           </a:p>
@@ -7533,1139 +8368,6 @@
 </p:sld>
 </file>
 
-<file path=ppt/slides/slide32.xml><?xml version="1.0" encoding="utf-8"?>
-<p:sld xmlns:a="http://schemas.openxmlformats.org/drawingml/2006/main" xmlns:r="http://schemas.openxmlformats.org/officeDocument/2006/relationships" xmlns:p="http://schemas.openxmlformats.org/presentationml/2006/main">
-  <p:cSld>
-    <p:spTree>
-      <p:nvGrpSpPr>
-        <p:cNvPr id="1" name=""/>
-        <p:cNvGrpSpPr/>
-        <p:nvPr/>
-      </p:nvGrpSpPr>
-      <p:grpSpPr>
-        <a:xfrm>
-          <a:off x="0" y="0"/>
-          <a:ext cx="0" cy="0"/>
-          <a:chOff x="0" y="0"/>
-          <a:chExt cx="0" cy="0"/>
-        </a:xfrm>
-      </p:grpSpPr>
-      <p:sp>
-        <p:nvSpPr>
-          <p:cNvPr id="2" name="Title 1"/>
-          <p:cNvSpPr>
-            <a:spLocks noGrp="1"/>
-          </p:cNvSpPr>
-          <p:nvPr>
-            <p:ph type="title"/>
-          </p:nvPr>
-        </p:nvSpPr>
-        <p:spPr/>
-        <p:txBody>
-          <a:bodyPr/>
-          <a:lstStyle/>
-          <a:p>
-            <a:r>
-              <a:rPr lang="en-US" dirty="0"/>
-              <a:t>Stanford transplant data</a:t>
-            </a:r>
-          </a:p>
-        </p:txBody>
-      </p:sp>
-      <p:sp>
-        <p:nvSpPr>
-          <p:cNvPr id="3" name="Text Placeholder 2"/>
-          <p:cNvSpPr>
-            <a:spLocks noGrp="1"/>
-          </p:cNvSpPr>
-          <p:nvPr>
-            <p:ph type="body" idx="1"/>
-          </p:nvPr>
-        </p:nvSpPr>
-        <p:spPr/>
-        <p:txBody>
-          <a:bodyPr/>
-          <a:lstStyle/>
-          <a:p>
-            <a:r>
-              <a:rPr lang="en-US" sz="1800" dirty="0">
-                <a:latin typeface="Courier New" panose="02070309020205020404" pitchFamily="49" charset="0"/>
-                <a:cs typeface="Courier New" panose="02070309020205020404" pitchFamily="49" charset="0"/>
-              </a:rPr>
-              <a:t>id  </a:t>
-            </a:r>
-            <a:r>
-              <a:rPr lang="en-US" sz="1800" dirty="0" err="1">
-                <a:latin typeface="Courier New" panose="02070309020205020404" pitchFamily="49" charset="0"/>
-                <a:cs typeface="Courier New" panose="02070309020205020404" pitchFamily="49" charset="0"/>
-              </a:rPr>
-              <a:t>accept.dt</a:t>
-            </a:r>
-            <a:r>
-              <a:rPr lang="en-US" sz="1800" dirty="0">
-                <a:latin typeface="Courier New" panose="02070309020205020404" pitchFamily="49" charset="0"/>
-                <a:cs typeface="Courier New" panose="02070309020205020404" pitchFamily="49" charset="0"/>
-              </a:rPr>
-              <a:t>    </a:t>
-            </a:r>
-            <a:r>
-              <a:rPr lang="en-US" sz="1800" dirty="0" err="1">
-                <a:latin typeface="Courier New" panose="02070309020205020404" pitchFamily="49" charset="0"/>
-                <a:cs typeface="Courier New" panose="02070309020205020404" pitchFamily="49" charset="0"/>
-              </a:rPr>
-              <a:t>tx.date</a:t>
-            </a:r>
-            <a:r>
-              <a:rPr lang="en-US" sz="1800" dirty="0">
-                <a:latin typeface="Courier New" panose="02070309020205020404" pitchFamily="49" charset="0"/>
-                <a:cs typeface="Courier New" panose="02070309020205020404" pitchFamily="49" charset="0"/>
-              </a:rPr>
-              <a:t>    </a:t>
-            </a:r>
-            <a:r>
-              <a:rPr lang="en-US" sz="1800" dirty="0" err="1">
-                <a:latin typeface="Courier New" panose="02070309020205020404" pitchFamily="49" charset="0"/>
-                <a:cs typeface="Courier New" panose="02070309020205020404" pitchFamily="49" charset="0"/>
-              </a:rPr>
-              <a:t>fu.date</a:t>
-            </a:r>
-            <a:r>
-              <a:rPr lang="en-US" sz="1800" dirty="0">
-                <a:latin typeface="Courier New" panose="02070309020205020404" pitchFamily="49" charset="0"/>
-                <a:cs typeface="Courier New" panose="02070309020205020404" pitchFamily="49" charset="0"/>
-              </a:rPr>
-              <a:t> </a:t>
-            </a:r>
-            <a:r>
-              <a:rPr lang="en-US" sz="1800" dirty="0" err="1">
-                <a:latin typeface="Courier New" panose="02070309020205020404" pitchFamily="49" charset="0"/>
-                <a:cs typeface="Courier New" panose="02070309020205020404" pitchFamily="49" charset="0"/>
-              </a:rPr>
-              <a:t>fustat</a:t>
-            </a:r>
-            <a:r>
-              <a:rPr lang="en-US" sz="1800" dirty="0">
-                <a:latin typeface="Courier New" panose="02070309020205020404" pitchFamily="49" charset="0"/>
-                <a:cs typeface="Courier New" panose="02070309020205020404" pitchFamily="49" charset="0"/>
-              </a:rPr>
-              <a:t> transplant</a:t>
-            </a:r>
-          </a:p>
-          <a:p>
-            <a:r>
-              <a:rPr lang="en-US" sz="1800" dirty="0">
-                <a:latin typeface="Courier New" panose="02070309020205020404" pitchFamily="49" charset="0"/>
-                <a:cs typeface="Courier New" panose="02070309020205020404" pitchFamily="49" charset="0"/>
-              </a:rPr>
-              <a:t>21 1969-02-01 1969-02-08 1971-11-29      1          1</a:t>
-            </a:r>
-          </a:p>
-          <a:p>
-            <a:endParaRPr lang="en-US" sz="1800" dirty="0">
-              <a:latin typeface="Courier New" panose="02070309020205020404" pitchFamily="49" charset="0"/>
-              <a:cs typeface="Courier New" panose="02070309020205020404" pitchFamily="49" charset="0"/>
-            </a:endParaRPr>
-          </a:p>
-          <a:p>
-            <a:r>
-              <a:rPr lang="en-US" sz="1800" dirty="0">
-                <a:latin typeface="Courier New" panose="02070309020205020404" pitchFamily="49" charset="0"/>
-                <a:cs typeface="Courier New" panose="02070309020205020404" pitchFamily="49" charset="0"/>
-              </a:rPr>
-              <a:t>id   time1     time2 event transplant</a:t>
-            </a:r>
-          </a:p>
-          <a:p>
-            <a:r>
-              <a:rPr lang="en-US" sz="1800" dirty="0">
-                <a:latin typeface="Courier New" panose="02070309020205020404" pitchFamily="49" charset="0"/>
-                <a:cs typeface="Courier New" panose="02070309020205020404" pitchFamily="49" charset="0"/>
-              </a:rPr>
-              <a:t>21  7 days 1031 days     D          1</a:t>
-            </a:r>
-          </a:p>
-          <a:p>
-            <a:endParaRPr lang="en-US" sz="1800" dirty="0">
-              <a:latin typeface="Courier New" panose="02070309020205020404" pitchFamily="49" charset="0"/>
-              <a:cs typeface="Courier New" panose="02070309020205020404" pitchFamily="49" charset="0"/>
-            </a:endParaRPr>
-          </a:p>
-          <a:p>
-            <a:r>
-              <a:rPr lang="en-US" sz="1800" dirty="0">
-                <a:latin typeface="Courier New" panose="02070309020205020404" pitchFamily="49" charset="0"/>
-                <a:cs typeface="Courier New" panose="02070309020205020404" pitchFamily="49" charset="0"/>
-              </a:rPr>
-              <a:t>id start stop event transplant</a:t>
-            </a:r>
-          </a:p>
-          <a:p>
-            <a:r>
-              <a:rPr lang="en-US" sz="1800" dirty="0">
-                <a:latin typeface="Courier New" panose="02070309020205020404" pitchFamily="49" charset="0"/>
-                <a:cs typeface="Courier New" panose="02070309020205020404" pitchFamily="49" charset="0"/>
-              </a:rPr>
-              <a:t>21     0    7     0          0</a:t>
-            </a:r>
-          </a:p>
-          <a:p>
-            <a:r>
-              <a:rPr lang="en-US" sz="1800" dirty="0">
-                <a:latin typeface="Courier New" panose="02070309020205020404" pitchFamily="49" charset="0"/>
-                <a:cs typeface="Courier New" panose="02070309020205020404" pitchFamily="49" charset="0"/>
-              </a:rPr>
-              <a:t>21     7 1031     1          1</a:t>
-            </a:r>
-          </a:p>
-          <a:p>
-            <a:pPr marL="342900" indent="-342900">
-              <a:buAutoNum type="arabicPlain" startAt="21"/>
-            </a:pPr>
-            <a:endParaRPr lang="en-US" sz="1800" dirty="0">
-              <a:latin typeface="Courier New" panose="02070309020205020404" pitchFamily="49" charset="0"/>
-              <a:cs typeface="Courier New" panose="02070309020205020404" pitchFamily="49" charset="0"/>
-            </a:endParaRPr>
-          </a:p>
-        </p:txBody>
-      </p:sp>
-      <p:sp>
-        <p:nvSpPr>
-          <p:cNvPr id="4" name="Footer Placeholder 3"/>
-          <p:cNvSpPr>
-            <a:spLocks noGrp="1"/>
-          </p:cNvSpPr>
-          <p:nvPr>
-            <p:ph type="ftr" sz="quarter" idx="10"/>
-          </p:nvPr>
-        </p:nvSpPr>
-        <p:spPr/>
-        <p:txBody>
-          <a:bodyPr/>
-          <a:lstStyle/>
-          <a:p>
-            <a:pPr>
-              <a:defRPr/>
-            </a:pPr>
-            <a:r>
-              <a:rPr lang="en-US" altLang="en-US" dirty="0"/>
-              <a:t>©2018 Steve Simon    http://TheAnalysisFactor.com</a:t>
-            </a:r>
-          </a:p>
-        </p:txBody>
-      </p:sp>
-      <p:sp>
-        <p:nvSpPr>
-          <p:cNvPr id="5" name="Slide Number Placeholder 4"/>
-          <p:cNvSpPr>
-            <a:spLocks noGrp="1"/>
-          </p:cNvSpPr>
-          <p:nvPr>
-            <p:ph type="sldNum" sz="quarter" idx="11"/>
-          </p:nvPr>
-        </p:nvSpPr>
-        <p:spPr/>
-        <p:txBody>
-          <a:bodyPr/>
-          <a:lstStyle/>
-          <a:p>
-            <a:pPr>
-              <a:defRPr/>
-            </a:pPr>
-            <a:endParaRPr lang="en-US"/>
-          </a:p>
-          <a:p>
-            <a:pPr>
-              <a:defRPr/>
-            </a:pPr>
-            <a:fld id="{E9A8CBA3-AA2B-46A6-BFA3-DCEBEAAB3F0A}" type="slidenum">
-              <a:rPr lang="en-US" smtClean="0"/>
-              <a:pPr>
-                <a:defRPr/>
-              </a:pPr>
-              <a:t>32</a:t>
-            </a:fld>
-            <a:endParaRPr lang="en-US"/>
-          </a:p>
-        </p:txBody>
-      </p:sp>
-      <p:sp>
-        <p:nvSpPr>
-          <p:cNvPr id="6" name="Text Placeholder 5"/>
-          <p:cNvSpPr>
-            <a:spLocks noGrp="1"/>
-          </p:cNvSpPr>
-          <p:nvPr>
-            <p:ph type="body" sz="quarter" idx="12"/>
-          </p:nvPr>
-        </p:nvSpPr>
-        <p:spPr/>
-        <p:txBody>
-          <a:bodyPr/>
-          <a:lstStyle/>
-          <a:p>
-            <a:r>
-              <a:rPr lang="en-US" dirty="0"/>
-              <a:t>Patient #21</a:t>
-            </a:r>
-          </a:p>
-        </p:txBody>
-      </p:sp>
-    </p:spTree>
-    <p:extLst>
-      <p:ext uri="{BB962C8B-B14F-4D97-AF65-F5344CB8AC3E}">
-        <p14:creationId xmlns:p14="http://schemas.microsoft.com/office/powerpoint/2010/main" val="2830790376"/>
-      </p:ext>
-    </p:extLst>
-  </p:cSld>
-  <p:clrMapOvr>
-    <a:masterClrMapping/>
-  </p:clrMapOvr>
-</p:sld>
-</file>
-
-<file path=ppt/slides/slide33.xml><?xml version="1.0" encoding="utf-8"?>
-<p:sld xmlns:a="http://schemas.openxmlformats.org/drawingml/2006/main" xmlns:r="http://schemas.openxmlformats.org/officeDocument/2006/relationships" xmlns:p="http://schemas.openxmlformats.org/presentationml/2006/main">
-  <p:cSld>
-    <p:spTree>
-      <p:nvGrpSpPr>
-        <p:cNvPr id="1" name=""/>
-        <p:cNvGrpSpPr/>
-        <p:nvPr/>
-      </p:nvGrpSpPr>
-      <p:grpSpPr>
-        <a:xfrm>
-          <a:off x="0" y="0"/>
-          <a:ext cx="0" cy="0"/>
-          <a:chOff x="0" y="0"/>
-          <a:chExt cx="0" cy="0"/>
-        </a:xfrm>
-      </p:grpSpPr>
-      <p:sp>
-        <p:nvSpPr>
-          <p:cNvPr id="2" name="Title 1"/>
-          <p:cNvSpPr>
-            <a:spLocks noGrp="1"/>
-          </p:cNvSpPr>
-          <p:nvPr>
-            <p:ph type="title"/>
-          </p:nvPr>
-        </p:nvSpPr>
-        <p:spPr/>
-        <p:txBody>
-          <a:bodyPr/>
-          <a:lstStyle/>
-          <a:p>
-            <a:r>
-              <a:rPr lang="en-US" dirty="0"/>
-              <a:t>Stanford transplant data</a:t>
-            </a:r>
-          </a:p>
-        </p:txBody>
-      </p:sp>
-      <p:sp>
-        <p:nvSpPr>
-          <p:cNvPr id="3" name="Text Placeholder 2"/>
-          <p:cNvSpPr>
-            <a:spLocks noGrp="1"/>
-          </p:cNvSpPr>
-          <p:nvPr>
-            <p:ph type="body" idx="1"/>
-          </p:nvPr>
-        </p:nvSpPr>
-        <p:spPr/>
-        <p:txBody>
-          <a:bodyPr/>
-          <a:lstStyle/>
-          <a:p>
-            <a:r>
-              <a:rPr lang="en-US" sz="1800" dirty="0">
-                <a:latin typeface="Courier New" panose="02070309020205020404" pitchFamily="49" charset="0"/>
-                <a:cs typeface="Courier New" panose="02070309020205020404" pitchFamily="49" charset="0"/>
-              </a:rPr>
-              <a:t>id  </a:t>
-            </a:r>
-            <a:r>
-              <a:rPr lang="en-US" sz="1800" dirty="0" err="1">
-                <a:latin typeface="Courier New" panose="02070309020205020404" pitchFamily="49" charset="0"/>
-                <a:cs typeface="Courier New" panose="02070309020205020404" pitchFamily="49" charset="0"/>
-              </a:rPr>
-              <a:t>accept.dt</a:t>
-            </a:r>
-            <a:r>
-              <a:rPr lang="en-US" sz="1800" dirty="0">
-                <a:latin typeface="Courier New" panose="02070309020205020404" pitchFamily="49" charset="0"/>
-                <a:cs typeface="Courier New" panose="02070309020205020404" pitchFamily="49" charset="0"/>
-              </a:rPr>
-              <a:t>    </a:t>
-            </a:r>
-            <a:r>
-              <a:rPr lang="en-US" sz="1800" dirty="0" err="1">
-                <a:latin typeface="Courier New" panose="02070309020205020404" pitchFamily="49" charset="0"/>
-                <a:cs typeface="Courier New" panose="02070309020205020404" pitchFamily="49" charset="0"/>
-              </a:rPr>
-              <a:t>tx.date</a:t>
-            </a:r>
-            <a:r>
-              <a:rPr lang="en-US" sz="1800" dirty="0">
-                <a:latin typeface="Courier New" panose="02070309020205020404" pitchFamily="49" charset="0"/>
-                <a:cs typeface="Courier New" panose="02070309020205020404" pitchFamily="49" charset="0"/>
-              </a:rPr>
-              <a:t>    </a:t>
-            </a:r>
-            <a:r>
-              <a:rPr lang="en-US" sz="1800" dirty="0" err="1">
-                <a:latin typeface="Courier New" panose="02070309020205020404" pitchFamily="49" charset="0"/>
-                <a:cs typeface="Courier New" panose="02070309020205020404" pitchFamily="49" charset="0"/>
-              </a:rPr>
-              <a:t>fu.date</a:t>
-            </a:r>
-            <a:r>
-              <a:rPr lang="en-US" sz="1800" dirty="0">
-                <a:latin typeface="Courier New" panose="02070309020205020404" pitchFamily="49" charset="0"/>
-                <a:cs typeface="Courier New" panose="02070309020205020404" pitchFamily="49" charset="0"/>
-              </a:rPr>
-              <a:t> </a:t>
-            </a:r>
-            <a:r>
-              <a:rPr lang="en-US" sz="1800" dirty="0" err="1">
-                <a:latin typeface="Courier New" panose="02070309020205020404" pitchFamily="49" charset="0"/>
-                <a:cs typeface="Courier New" panose="02070309020205020404" pitchFamily="49" charset="0"/>
-              </a:rPr>
-              <a:t>fustat</a:t>
-            </a:r>
-            <a:r>
-              <a:rPr lang="en-US" sz="1800" dirty="0">
-                <a:latin typeface="Courier New" panose="02070309020205020404" pitchFamily="49" charset="0"/>
-                <a:cs typeface="Courier New" panose="02070309020205020404" pitchFamily="49" charset="0"/>
-              </a:rPr>
-              <a:t> transplant</a:t>
-            </a:r>
-          </a:p>
-          <a:p>
-            <a:r>
-              <a:rPr lang="en-US" sz="1800" dirty="0">
-                <a:latin typeface="Courier New" panose="02070309020205020404" pitchFamily="49" charset="0"/>
-                <a:cs typeface="Courier New" panose="02070309020205020404" pitchFamily="49" charset="0"/>
-              </a:rPr>
-              <a:t>22 1969-03-18 1969-03-29 1969-05-07      1          1</a:t>
-            </a:r>
-          </a:p>
-          <a:p>
-            <a:endParaRPr lang="en-US" sz="1800" dirty="0">
-              <a:latin typeface="Courier New" panose="02070309020205020404" pitchFamily="49" charset="0"/>
-              <a:cs typeface="Courier New" panose="02070309020205020404" pitchFamily="49" charset="0"/>
-            </a:endParaRPr>
-          </a:p>
-          <a:p>
-            <a:r>
-              <a:rPr lang="en-US" sz="1800" dirty="0">
-                <a:latin typeface="Courier New" panose="02070309020205020404" pitchFamily="49" charset="0"/>
-                <a:cs typeface="Courier New" panose="02070309020205020404" pitchFamily="49" charset="0"/>
-              </a:rPr>
-              <a:t>id   time1     time2 event transplant</a:t>
-            </a:r>
-          </a:p>
-          <a:p>
-            <a:r>
-              <a:rPr lang="en-US" sz="1800" dirty="0">
-                <a:latin typeface="Courier New" panose="02070309020205020404" pitchFamily="49" charset="0"/>
-                <a:cs typeface="Courier New" panose="02070309020205020404" pitchFamily="49" charset="0"/>
-              </a:rPr>
-              <a:t>22 11 days   50 days     D          1</a:t>
-            </a:r>
-          </a:p>
-          <a:p>
-            <a:endParaRPr lang="en-US" sz="1800" dirty="0">
-              <a:latin typeface="Courier New" panose="02070309020205020404" pitchFamily="49" charset="0"/>
-              <a:cs typeface="Courier New" panose="02070309020205020404" pitchFamily="49" charset="0"/>
-            </a:endParaRPr>
-          </a:p>
-          <a:p>
-            <a:r>
-              <a:rPr lang="en-US" sz="1800" dirty="0">
-                <a:latin typeface="Courier New" panose="02070309020205020404" pitchFamily="49" charset="0"/>
-                <a:cs typeface="Courier New" panose="02070309020205020404" pitchFamily="49" charset="0"/>
-              </a:rPr>
-              <a:t>id start stop event transplant</a:t>
-            </a:r>
-          </a:p>
-          <a:p>
-            <a:r>
-              <a:rPr lang="en-US" sz="1800" dirty="0">
-                <a:latin typeface="Courier New" panose="02070309020205020404" pitchFamily="49" charset="0"/>
-                <a:cs typeface="Courier New" panose="02070309020205020404" pitchFamily="49" charset="0"/>
-              </a:rPr>
-              <a:t>22     0   11     0          0</a:t>
-            </a:r>
-          </a:p>
-          <a:p>
-            <a:r>
-              <a:rPr lang="en-US" sz="1800" dirty="0">
-                <a:latin typeface="Courier New" panose="02070309020205020404" pitchFamily="49" charset="0"/>
-                <a:cs typeface="Courier New" panose="02070309020205020404" pitchFamily="49" charset="0"/>
-              </a:rPr>
-              <a:t>22    11   50     1          1</a:t>
-            </a:r>
-          </a:p>
-        </p:txBody>
-      </p:sp>
-      <p:sp>
-        <p:nvSpPr>
-          <p:cNvPr id="4" name="Footer Placeholder 3"/>
-          <p:cNvSpPr>
-            <a:spLocks noGrp="1"/>
-          </p:cNvSpPr>
-          <p:nvPr>
-            <p:ph type="ftr" sz="quarter" idx="10"/>
-          </p:nvPr>
-        </p:nvSpPr>
-        <p:spPr/>
-        <p:txBody>
-          <a:bodyPr/>
-          <a:lstStyle/>
-          <a:p>
-            <a:pPr>
-              <a:defRPr/>
-            </a:pPr>
-            <a:r>
-              <a:rPr lang="en-US" altLang="en-US" dirty="0"/>
-              <a:t>©2018 Steve Simon    http://TheAnalysisFactor.com</a:t>
-            </a:r>
-          </a:p>
-        </p:txBody>
-      </p:sp>
-      <p:sp>
-        <p:nvSpPr>
-          <p:cNvPr id="5" name="Slide Number Placeholder 4"/>
-          <p:cNvSpPr>
-            <a:spLocks noGrp="1"/>
-          </p:cNvSpPr>
-          <p:nvPr>
-            <p:ph type="sldNum" sz="quarter" idx="11"/>
-          </p:nvPr>
-        </p:nvSpPr>
-        <p:spPr/>
-        <p:txBody>
-          <a:bodyPr/>
-          <a:lstStyle/>
-          <a:p>
-            <a:pPr>
-              <a:defRPr/>
-            </a:pPr>
-            <a:endParaRPr lang="en-US"/>
-          </a:p>
-          <a:p>
-            <a:pPr>
-              <a:defRPr/>
-            </a:pPr>
-            <a:fld id="{E9A8CBA3-AA2B-46A6-BFA3-DCEBEAAB3F0A}" type="slidenum">
-              <a:rPr lang="en-US" smtClean="0"/>
-              <a:pPr>
-                <a:defRPr/>
-              </a:pPr>
-              <a:t>33</a:t>
-            </a:fld>
-            <a:endParaRPr lang="en-US"/>
-          </a:p>
-        </p:txBody>
-      </p:sp>
-      <p:sp>
-        <p:nvSpPr>
-          <p:cNvPr id="6" name="Text Placeholder 5"/>
-          <p:cNvSpPr>
-            <a:spLocks noGrp="1"/>
-          </p:cNvSpPr>
-          <p:nvPr>
-            <p:ph type="body" sz="quarter" idx="12"/>
-          </p:nvPr>
-        </p:nvSpPr>
-        <p:spPr/>
-        <p:txBody>
-          <a:bodyPr/>
-          <a:lstStyle/>
-          <a:p>
-            <a:r>
-              <a:rPr lang="en-US" dirty="0"/>
-              <a:t>Patient #22</a:t>
-            </a:r>
-          </a:p>
-        </p:txBody>
-      </p:sp>
-    </p:spTree>
-    <p:extLst>
-      <p:ext uri="{BB962C8B-B14F-4D97-AF65-F5344CB8AC3E}">
-        <p14:creationId xmlns:p14="http://schemas.microsoft.com/office/powerpoint/2010/main" val="2452209786"/>
-      </p:ext>
-    </p:extLst>
-  </p:cSld>
-  <p:clrMapOvr>
-    <a:masterClrMapping/>
-  </p:clrMapOvr>
-</p:sld>
-</file>
-
-<file path=ppt/slides/slide34.xml><?xml version="1.0" encoding="utf-8"?>
-<p:sld xmlns:a="http://schemas.openxmlformats.org/drawingml/2006/main" xmlns:r="http://schemas.openxmlformats.org/officeDocument/2006/relationships" xmlns:p="http://schemas.openxmlformats.org/presentationml/2006/main">
-  <p:cSld>
-    <p:spTree>
-      <p:nvGrpSpPr>
-        <p:cNvPr id="1" name=""/>
-        <p:cNvGrpSpPr/>
-        <p:nvPr/>
-      </p:nvGrpSpPr>
-      <p:grpSpPr>
-        <a:xfrm>
-          <a:off x="0" y="0"/>
-          <a:ext cx="0" cy="0"/>
-          <a:chOff x="0" y="0"/>
-          <a:chExt cx="0" cy="0"/>
-        </a:xfrm>
-      </p:grpSpPr>
-      <p:sp>
-        <p:nvSpPr>
-          <p:cNvPr id="2" name="Title 1"/>
-          <p:cNvSpPr>
-            <a:spLocks noGrp="1"/>
-          </p:cNvSpPr>
-          <p:nvPr>
-            <p:ph type="title"/>
-          </p:nvPr>
-        </p:nvSpPr>
-        <p:spPr/>
-        <p:txBody>
-          <a:bodyPr/>
-          <a:lstStyle/>
-          <a:p>
-            <a:r>
-              <a:rPr lang="en-US" dirty="0"/>
-              <a:t>Stanford transplant data</a:t>
-            </a:r>
-          </a:p>
-        </p:txBody>
-      </p:sp>
-      <p:sp>
-        <p:nvSpPr>
-          <p:cNvPr id="3" name="Text Placeholder 2"/>
-          <p:cNvSpPr>
-            <a:spLocks noGrp="1"/>
-          </p:cNvSpPr>
-          <p:nvPr>
-            <p:ph type="body" idx="1"/>
-          </p:nvPr>
-        </p:nvSpPr>
-        <p:spPr/>
-        <p:txBody>
-          <a:bodyPr/>
-          <a:lstStyle/>
-          <a:p>
-            <a:r>
-              <a:rPr lang="en-US" sz="1800" dirty="0">
-                <a:latin typeface="Courier New" panose="02070309020205020404" pitchFamily="49" charset="0"/>
-                <a:cs typeface="Courier New" panose="02070309020205020404" pitchFamily="49" charset="0"/>
-              </a:rPr>
-              <a:t>id  </a:t>
-            </a:r>
-            <a:r>
-              <a:rPr lang="en-US" sz="1800" dirty="0" err="1">
-                <a:latin typeface="Courier New" panose="02070309020205020404" pitchFamily="49" charset="0"/>
-                <a:cs typeface="Courier New" panose="02070309020205020404" pitchFamily="49" charset="0"/>
-              </a:rPr>
-              <a:t>accept.dt</a:t>
-            </a:r>
-            <a:r>
-              <a:rPr lang="en-US" sz="1800" dirty="0">
-                <a:latin typeface="Courier New" panose="02070309020205020404" pitchFamily="49" charset="0"/>
-                <a:cs typeface="Courier New" panose="02070309020205020404" pitchFamily="49" charset="0"/>
-              </a:rPr>
-              <a:t>    </a:t>
-            </a:r>
-            <a:r>
-              <a:rPr lang="en-US" sz="1800" dirty="0" err="1">
-                <a:latin typeface="Courier New" panose="02070309020205020404" pitchFamily="49" charset="0"/>
-                <a:cs typeface="Courier New" panose="02070309020205020404" pitchFamily="49" charset="0"/>
-              </a:rPr>
-              <a:t>tx.date</a:t>
-            </a:r>
-            <a:r>
-              <a:rPr lang="en-US" sz="1800" dirty="0">
-                <a:latin typeface="Courier New" panose="02070309020205020404" pitchFamily="49" charset="0"/>
-                <a:cs typeface="Courier New" panose="02070309020205020404" pitchFamily="49" charset="0"/>
-              </a:rPr>
-              <a:t>    </a:t>
-            </a:r>
-            <a:r>
-              <a:rPr lang="en-US" sz="1800" dirty="0" err="1">
-                <a:latin typeface="Courier New" panose="02070309020205020404" pitchFamily="49" charset="0"/>
-                <a:cs typeface="Courier New" panose="02070309020205020404" pitchFamily="49" charset="0"/>
-              </a:rPr>
-              <a:t>fu.date</a:t>
-            </a:r>
-            <a:r>
-              <a:rPr lang="en-US" sz="1800" dirty="0">
-                <a:latin typeface="Courier New" panose="02070309020205020404" pitchFamily="49" charset="0"/>
-                <a:cs typeface="Courier New" panose="02070309020205020404" pitchFamily="49" charset="0"/>
-              </a:rPr>
-              <a:t> </a:t>
-            </a:r>
-            <a:r>
-              <a:rPr lang="en-US" sz="1800" dirty="0" err="1">
-                <a:latin typeface="Courier New" panose="02070309020205020404" pitchFamily="49" charset="0"/>
-                <a:cs typeface="Courier New" panose="02070309020205020404" pitchFamily="49" charset="0"/>
-              </a:rPr>
-              <a:t>fustat</a:t>
-            </a:r>
-            <a:r>
-              <a:rPr lang="en-US" sz="1800" dirty="0">
-                <a:latin typeface="Courier New" panose="02070309020205020404" pitchFamily="49" charset="0"/>
-                <a:cs typeface="Courier New" panose="02070309020205020404" pitchFamily="49" charset="0"/>
-              </a:rPr>
-              <a:t> transplant</a:t>
-            </a:r>
-          </a:p>
-          <a:p>
-            <a:r>
-              <a:rPr lang="en-US" sz="1800" dirty="0">
-                <a:latin typeface="Courier New" panose="02070309020205020404" pitchFamily="49" charset="0"/>
-                <a:cs typeface="Courier New" panose="02070309020205020404" pitchFamily="49" charset="0"/>
-              </a:rPr>
-              <a:t>23 1969-04-11 1969-04-13 1971-04-13      1          1</a:t>
-            </a:r>
-          </a:p>
-          <a:p>
-            <a:endParaRPr lang="en-US" sz="1800" dirty="0">
-              <a:latin typeface="Courier New" panose="02070309020205020404" pitchFamily="49" charset="0"/>
-              <a:cs typeface="Courier New" panose="02070309020205020404" pitchFamily="49" charset="0"/>
-            </a:endParaRPr>
-          </a:p>
-          <a:p>
-            <a:r>
-              <a:rPr lang="en-US" sz="1800" dirty="0">
-                <a:latin typeface="Courier New" panose="02070309020205020404" pitchFamily="49" charset="0"/>
-                <a:cs typeface="Courier New" panose="02070309020205020404" pitchFamily="49" charset="0"/>
-              </a:rPr>
-              <a:t>id   time1     time2 event transplant</a:t>
-            </a:r>
-          </a:p>
-          <a:p>
-            <a:r>
-              <a:rPr lang="en-US" sz="1800" dirty="0">
-                <a:latin typeface="Courier New" panose="02070309020205020404" pitchFamily="49" charset="0"/>
-                <a:cs typeface="Courier New" panose="02070309020205020404" pitchFamily="49" charset="0"/>
-              </a:rPr>
-              <a:t>23  2 days  732 days     D          1</a:t>
-            </a:r>
-          </a:p>
-          <a:p>
-            <a:endParaRPr lang="en-US" sz="1800" dirty="0">
-              <a:latin typeface="Courier New" panose="02070309020205020404" pitchFamily="49" charset="0"/>
-              <a:cs typeface="Courier New" panose="02070309020205020404" pitchFamily="49" charset="0"/>
-            </a:endParaRPr>
-          </a:p>
-          <a:p>
-            <a:r>
-              <a:rPr lang="en-US" sz="1800" dirty="0">
-                <a:latin typeface="Courier New" panose="02070309020205020404" pitchFamily="49" charset="0"/>
-                <a:cs typeface="Courier New" panose="02070309020205020404" pitchFamily="49" charset="0"/>
-              </a:rPr>
-              <a:t>id start stop event transplant</a:t>
-            </a:r>
-          </a:p>
-          <a:p>
-            <a:r>
-              <a:rPr lang="en-US" sz="1800" dirty="0">
-                <a:latin typeface="Courier New" panose="02070309020205020404" pitchFamily="49" charset="0"/>
-                <a:cs typeface="Courier New" panose="02070309020205020404" pitchFamily="49" charset="0"/>
-              </a:rPr>
-              <a:t>23     0    2     0          0</a:t>
-            </a:r>
-          </a:p>
-          <a:p>
-            <a:r>
-              <a:rPr lang="en-US" sz="1800" dirty="0">
-                <a:latin typeface="Courier New" panose="02070309020205020404" pitchFamily="49" charset="0"/>
-                <a:cs typeface="Courier New" panose="02070309020205020404" pitchFamily="49" charset="0"/>
-              </a:rPr>
-              <a:t>23     2  732     1          1</a:t>
-            </a:r>
-          </a:p>
-        </p:txBody>
-      </p:sp>
-      <p:sp>
-        <p:nvSpPr>
-          <p:cNvPr id="4" name="Footer Placeholder 3"/>
-          <p:cNvSpPr>
-            <a:spLocks noGrp="1"/>
-          </p:cNvSpPr>
-          <p:nvPr>
-            <p:ph type="ftr" sz="quarter" idx="10"/>
-          </p:nvPr>
-        </p:nvSpPr>
-        <p:spPr/>
-        <p:txBody>
-          <a:bodyPr/>
-          <a:lstStyle/>
-          <a:p>
-            <a:pPr>
-              <a:defRPr/>
-            </a:pPr>
-            <a:r>
-              <a:rPr lang="en-US" altLang="en-US" dirty="0"/>
-              <a:t>©2018 Steve Simon    http://TheAnalysisFactor.com</a:t>
-            </a:r>
-          </a:p>
-        </p:txBody>
-      </p:sp>
-      <p:sp>
-        <p:nvSpPr>
-          <p:cNvPr id="5" name="Slide Number Placeholder 4"/>
-          <p:cNvSpPr>
-            <a:spLocks noGrp="1"/>
-          </p:cNvSpPr>
-          <p:nvPr>
-            <p:ph type="sldNum" sz="quarter" idx="11"/>
-          </p:nvPr>
-        </p:nvSpPr>
-        <p:spPr/>
-        <p:txBody>
-          <a:bodyPr/>
-          <a:lstStyle/>
-          <a:p>
-            <a:pPr>
-              <a:defRPr/>
-            </a:pPr>
-            <a:endParaRPr lang="en-US"/>
-          </a:p>
-          <a:p>
-            <a:pPr>
-              <a:defRPr/>
-            </a:pPr>
-            <a:fld id="{E9A8CBA3-AA2B-46A6-BFA3-DCEBEAAB3F0A}" type="slidenum">
-              <a:rPr lang="en-US" smtClean="0"/>
-              <a:pPr>
-                <a:defRPr/>
-              </a:pPr>
-              <a:t>34</a:t>
-            </a:fld>
-            <a:endParaRPr lang="en-US"/>
-          </a:p>
-        </p:txBody>
-      </p:sp>
-      <p:sp>
-        <p:nvSpPr>
-          <p:cNvPr id="6" name="Text Placeholder 5"/>
-          <p:cNvSpPr>
-            <a:spLocks noGrp="1"/>
-          </p:cNvSpPr>
-          <p:nvPr>
-            <p:ph type="body" sz="quarter" idx="12"/>
-          </p:nvPr>
-        </p:nvSpPr>
-        <p:spPr/>
-        <p:txBody>
-          <a:bodyPr/>
-          <a:lstStyle/>
-          <a:p>
-            <a:r>
-              <a:rPr lang="en-US" dirty="0"/>
-              <a:t>Patient #23</a:t>
-            </a:r>
-          </a:p>
-        </p:txBody>
-      </p:sp>
-    </p:spTree>
-    <p:extLst>
-      <p:ext uri="{BB962C8B-B14F-4D97-AF65-F5344CB8AC3E}">
-        <p14:creationId xmlns:p14="http://schemas.microsoft.com/office/powerpoint/2010/main" val="1353099458"/>
-      </p:ext>
-    </p:extLst>
-  </p:cSld>
-  <p:clrMapOvr>
-    <a:masterClrMapping/>
-  </p:clrMapOvr>
-</p:sld>
-</file>
-
-<file path=ppt/slides/slide35.xml><?xml version="1.0" encoding="utf-8"?>
-<p:sld xmlns:a="http://schemas.openxmlformats.org/drawingml/2006/main" xmlns:r="http://schemas.openxmlformats.org/officeDocument/2006/relationships" xmlns:p="http://schemas.openxmlformats.org/presentationml/2006/main">
-  <p:cSld>
-    <p:spTree>
-      <p:nvGrpSpPr>
-        <p:cNvPr id="1" name=""/>
-        <p:cNvGrpSpPr/>
-        <p:nvPr/>
-      </p:nvGrpSpPr>
-      <p:grpSpPr>
-        <a:xfrm>
-          <a:off x="0" y="0"/>
-          <a:ext cx="0" cy="0"/>
-          <a:chOff x="0" y="0"/>
-          <a:chExt cx="0" cy="0"/>
-        </a:xfrm>
-      </p:grpSpPr>
-      <p:sp>
-        <p:nvSpPr>
-          <p:cNvPr id="2" name="Title 1"/>
-          <p:cNvSpPr>
-            <a:spLocks noGrp="1"/>
-          </p:cNvSpPr>
-          <p:nvPr>
-            <p:ph type="title"/>
-          </p:nvPr>
-        </p:nvSpPr>
-        <p:spPr/>
-        <p:txBody>
-          <a:bodyPr/>
-          <a:lstStyle/>
-          <a:p>
-            <a:r>
-              <a:rPr lang="en-US" dirty="0"/>
-              <a:t>Stanford transplant data</a:t>
-            </a:r>
-          </a:p>
-        </p:txBody>
-      </p:sp>
-      <p:sp>
-        <p:nvSpPr>
-          <p:cNvPr id="3" name="Text Placeholder 2"/>
-          <p:cNvSpPr>
-            <a:spLocks noGrp="1"/>
-          </p:cNvSpPr>
-          <p:nvPr>
-            <p:ph type="body" idx="1"/>
-          </p:nvPr>
-        </p:nvSpPr>
-        <p:spPr/>
-        <p:txBody>
-          <a:bodyPr/>
-          <a:lstStyle/>
-          <a:p>
-            <a:r>
-              <a:rPr lang="en-US" sz="1800" dirty="0">
-                <a:latin typeface="Courier New" panose="02070309020205020404" pitchFamily="49" charset="0"/>
-                <a:cs typeface="Courier New" panose="02070309020205020404" pitchFamily="49" charset="0"/>
-              </a:rPr>
-              <a:t>id  </a:t>
-            </a:r>
-            <a:r>
-              <a:rPr lang="en-US" sz="1800" dirty="0" err="1">
-                <a:latin typeface="Courier New" panose="02070309020205020404" pitchFamily="49" charset="0"/>
-                <a:cs typeface="Courier New" panose="02070309020205020404" pitchFamily="49" charset="0"/>
-              </a:rPr>
-              <a:t>accept.dt</a:t>
-            </a:r>
-            <a:r>
-              <a:rPr lang="en-US" sz="1800" dirty="0">
-                <a:latin typeface="Courier New" panose="02070309020205020404" pitchFamily="49" charset="0"/>
-                <a:cs typeface="Courier New" panose="02070309020205020404" pitchFamily="49" charset="0"/>
-              </a:rPr>
-              <a:t>    </a:t>
-            </a:r>
-            <a:r>
-              <a:rPr lang="en-US" sz="1800" dirty="0" err="1">
-                <a:latin typeface="Courier New" panose="02070309020205020404" pitchFamily="49" charset="0"/>
-                <a:cs typeface="Courier New" panose="02070309020205020404" pitchFamily="49" charset="0"/>
-              </a:rPr>
-              <a:t>tx.date</a:t>
-            </a:r>
-            <a:r>
-              <a:rPr lang="en-US" sz="1800" dirty="0">
-                <a:latin typeface="Courier New" panose="02070309020205020404" pitchFamily="49" charset="0"/>
-                <a:cs typeface="Courier New" panose="02070309020205020404" pitchFamily="49" charset="0"/>
-              </a:rPr>
-              <a:t>    </a:t>
-            </a:r>
-            <a:r>
-              <a:rPr lang="en-US" sz="1800" dirty="0" err="1">
-                <a:latin typeface="Courier New" panose="02070309020205020404" pitchFamily="49" charset="0"/>
-                <a:cs typeface="Courier New" panose="02070309020205020404" pitchFamily="49" charset="0"/>
-              </a:rPr>
-              <a:t>fu.date</a:t>
-            </a:r>
-            <a:r>
-              <a:rPr lang="en-US" sz="1800" dirty="0">
-                <a:latin typeface="Courier New" panose="02070309020205020404" pitchFamily="49" charset="0"/>
-                <a:cs typeface="Courier New" panose="02070309020205020404" pitchFamily="49" charset="0"/>
-              </a:rPr>
-              <a:t> </a:t>
-            </a:r>
-            <a:r>
-              <a:rPr lang="en-US" sz="1800" dirty="0" err="1">
-                <a:latin typeface="Courier New" panose="02070309020205020404" pitchFamily="49" charset="0"/>
-                <a:cs typeface="Courier New" panose="02070309020205020404" pitchFamily="49" charset="0"/>
-              </a:rPr>
-              <a:t>fustat</a:t>
-            </a:r>
-            <a:r>
-              <a:rPr lang="en-US" sz="1800" dirty="0">
-                <a:latin typeface="Courier New" panose="02070309020205020404" pitchFamily="49" charset="0"/>
-                <a:cs typeface="Courier New" panose="02070309020205020404" pitchFamily="49" charset="0"/>
-              </a:rPr>
-              <a:t> transplant</a:t>
-            </a:r>
-          </a:p>
-          <a:p>
-            <a:r>
-              <a:rPr lang="en-US" sz="1800" dirty="0">
-                <a:latin typeface="Courier New" panose="02070309020205020404" pitchFamily="49" charset="0"/>
-                <a:cs typeface="Courier New" panose="02070309020205020404" pitchFamily="49" charset="0"/>
-              </a:rPr>
-              <a:t>24 1969-04-25 1969-07-16 1969-11-29      1          1</a:t>
-            </a:r>
-          </a:p>
-          <a:p>
-            <a:endParaRPr lang="en-US" sz="1800" dirty="0">
-              <a:latin typeface="Courier New" panose="02070309020205020404" pitchFamily="49" charset="0"/>
-              <a:cs typeface="Courier New" panose="02070309020205020404" pitchFamily="49" charset="0"/>
-            </a:endParaRPr>
-          </a:p>
-          <a:p>
-            <a:r>
-              <a:rPr lang="en-US" sz="1800" dirty="0">
-                <a:latin typeface="Courier New" panose="02070309020205020404" pitchFamily="49" charset="0"/>
-                <a:cs typeface="Courier New" panose="02070309020205020404" pitchFamily="49" charset="0"/>
-              </a:rPr>
-              <a:t>id   time1     time2 event transplant</a:t>
-            </a:r>
-          </a:p>
-          <a:p>
-            <a:r>
-              <a:rPr lang="en-US" sz="1800" dirty="0">
-                <a:latin typeface="Courier New" panose="02070309020205020404" pitchFamily="49" charset="0"/>
-                <a:cs typeface="Courier New" panose="02070309020205020404" pitchFamily="49" charset="0"/>
-              </a:rPr>
-              <a:t>24 82 days  218 days     D          1</a:t>
-            </a:r>
-          </a:p>
-          <a:p>
-            <a:endParaRPr lang="en-US" sz="1800" dirty="0">
-              <a:latin typeface="Courier New" panose="02070309020205020404" pitchFamily="49" charset="0"/>
-              <a:cs typeface="Courier New" panose="02070309020205020404" pitchFamily="49" charset="0"/>
-            </a:endParaRPr>
-          </a:p>
-          <a:p>
-            <a:r>
-              <a:rPr lang="en-US" sz="1800" dirty="0">
-                <a:latin typeface="Courier New" panose="02070309020205020404" pitchFamily="49" charset="0"/>
-                <a:cs typeface="Courier New" panose="02070309020205020404" pitchFamily="49" charset="0"/>
-              </a:rPr>
-              <a:t>id start stop event transplant</a:t>
-            </a:r>
-          </a:p>
-          <a:p>
-            <a:r>
-              <a:rPr lang="en-US" sz="1800" dirty="0">
-                <a:latin typeface="Courier New" panose="02070309020205020404" pitchFamily="49" charset="0"/>
-                <a:cs typeface="Courier New" panose="02070309020205020404" pitchFamily="49" charset="0"/>
-              </a:rPr>
-              <a:t>24     0   82     0          0</a:t>
-            </a:r>
-          </a:p>
-          <a:p>
-            <a:r>
-              <a:rPr lang="en-US" sz="1800" dirty="0">
-                <a:latin typeface="Courier New" panose="02070309020205020404" pitchFamily="49" charset="0"/>
-                <a:cs typeface="Courier New" panose="02070309020205020404" pitchFamily="49" charset="0"/>
-              </a:rPr>
-              <a:t>24    82  218     1          1</a:t>
-            </a:r>
-          </a:p>
-        </p:txBody>
-      </p:sp>
-      <p:sp>
-        <p:nvSpPr>
-          <p:cNvPr id="4" name="Footer Placeholder 3"/>
-          <p:cNvSpPr>
-            <a:spLocks noGrp="1"/>
-          </p:cNvSpPr>
-          <p:nvPr>
-            <p:ph type="ftr" sz="quarter" idx="10"/>
-          </p:nvPr>
-        </p:nvSpPr>
-        <p:spPr/>
-        <p:txBody>
-          <a:bodyPr/>
-          <a:lstStyle/>
-          <a:p>
-            <a:pPr>
-              <a:defRPr/>
-            </a:pPr>
-            <a:r>
-              <a:rPr lang="en-US" altLang="en-US" dirty="0"/>
-              <a:t>©2018 Steve Simon    http://TheAnalysisFactor.com</a:t>
-            </a:r>
-          </a:p>
-        </p:txBody>
-      </p:sp>
-      <p:sp>
-        <p:nvSpPr>
-          <p:cNvPr id="5" name="Slide Number Placeholder 4"/>
-          <p:cNvSpPr>
-            <a:spLocks noGrp="1"/>
-          </p:cNvSpPr>
-          <p:nvPr>
-            <p:ph type="sldNum" sz="quarter" idx="11"/>
-          </p:nvPr>
-        </p:nvSpPr>
-        <p:spPr/>
-        <p:txBody>
-          <a:bodyPr/>
-          <a:lstStyle/>
-          <a:p>
-            <a:pPr>
-              <a:defRPr/>
-            </a:pPr>
-            <a:endParaRPr lang="en-US"/>
-          </a:p>
-          <a:p>
-            <a:pPr>
-              <a:defRPr/>
-            </a:pPr>
-            <a:fld id="{E9A8CBA3-AA2B-46A6-BFA3-DCEBEAAB3F0A}" type="slidenum">
-              <a:rPr lang="en-US" smtClean="0"/>
-              <a:pPr>
-                <a:defRPr/>
-              </a:pPr>
-              <a:t>35</a:t>
-            </a:fld>
-            <a:endParaRPr lang="en-US"/>
-          </a:p>
-        </p:txBody>
-      </p:sp>
-      <p:sp>
-        <p:nvSpPr>
-          <p:cNvPr id="6" name="Text Placeholder 5"/>
-          <p:cNvSpPr>
-            <a:spLocks noGrp="1"/>
-          </p:cNvSpPr>
-          <p:nvPr>
-            <p:ph type="body" sz="quarter" idx="12"/>
-          </p:nvPr>
-        </p:nvSpPr>
-        <p:spPr/>
-        <p:txBody>
-          <a:bodyPr/>
-          <a:lstStyle/>
-          <a:p>
-            <a:r>
-              <a:rPr lang="en-US" dirty="0"/>
-              <a:t>Patient #24</a:t>
-            </a:r>
-          </a:p>
-        </p:txBody>
-      </p:sp>
-    </p:spTree>
-    <p:extLst>
-      <p:ext uri="{BB962C8B-B14F-4D97-AF65-F5344CB8AC3E}">
-        <p14:creationId xmlns:p14="http://schemas.microsoft.com/office/powerpoint/2010/main" val="1815124891"/>
-      </p:ext>
-    </p:extLst>
-  </p:cSld>
-  <p:clrMapOvr>
-    <a:masterClrMapping/>
-  </p:clrMapOvr>
-</p:sld>
-</file>
-
 <file path=ppt/slides/slide36.xml><?xml version="1.0" encoding="utf-8"?>
 <p:sld xmlns:a="http://schemas.openxmlformats.org/drawingml/2006/main" xmlns:r="http://schemas.openxmlformats.org/officeDocument/2006/relationships" xmlns:p="http://schemas.openxmlformats.org/presentationml/2006/main">
   <p:cSld>
@@ -8790,7 +8492,7 @@
                 <a:latin typeface="Courier New" panose="02070309020205020404" pitchFamily="49" charset="0"/>
                 <a:cs typeface="Courier New" panose="02070309020205020404" pitchFamily="49" charset="0"/>
               </a:rPr>
-              <a:t>25 1969-04-28 1969-05-22 1974-04-01      0          1</a:t>
+              <a:t>21 1969-02-01 1969-02-08 1971-11-29      1          1</a:t>
             </a:r>
           </a:p>
           <a:p>
@@ -8814,7 +8516,7 @@
                 <a:latin typeface="Courier New" panose="02070309020205020404" pitchFamily="49" charset="0"/>
                 <a:cs typeface="Courier New" panose="02070309020205020404" pitchFamily="49" charset="0"/>
               </a:rPr>
-              <a:t>25 24 days 1799 days     C          1</a:t>
+              <a:t>21  7 days 1031 days     D          1</a:t>
             </a:r>
           </a:p>
           <a:p>
@@ -8838,7 +8540,7 @@
                 <a:latin typeface="Courier New" panose="02070309020205020404" pitchFamily="49" charset="0"/>
                 <a:cs typeface="Courier New" panose="02070309020205020404" pitchFamily="49" charset="0"/>
               </a:rPr>
-              <a:t>25     0   24     0          0</a:t>
+              <a:t>21     0    7     0          0</a:t>
             </a:r>
           </a:p>
           <a:p>
@@ -8847,8 +8549,17 @@
                 <a:latin typeface="Courier New" panose="02070309020205020404" pitchFamily="49" charset="0"/>
                 <a:cs typeface="Courier New" panose="02070309020205020404" pitchFamily="49" charset="0"/>
               </a:rPr>
-              <a:t>25    24 1799     0          1</a:t>
-            </a:r>
+              <a:t>21     7 1031     1          1</a:t>
+            </a:r>
+          </a:p>
+          <a:p>
+            <a:pPr marL="342900" indent="-342900">
+              <a:buAutoNum type="arabicPlain" startAt="21"/>
+            </a:pPr>
+            <a:endParaRPr lang="en-US" sz="1800" dirty="0">
+              <a:latin typeface="Courier New" panose="02070309020205020404" pitchFamily="49" charset="0"/>
+              <a:cs typeface="Courier New" panose="02070309020205020404" pitchFamily="49" charset="0"/>
+            </a:endParaRPr>
           </a:p>
         </p:txBody>
       </p:sp>
@@ -8929,7 +8640,7 @@
           <a:p>
             <a:r>
               <a:rPr lang="en-US" dirty="0"/>
-              <a:t>Patient #25</a:t>
+              <a:t>Patient #21</a:t>
             </a:r>
           </a:p>
         </p:txBody>
@@ -8937,7 +8648,7 @@
     </p:spTree>
     <p:extLst>
       <p:ext uri="{BB962C8B-B14F-4D97-AF65-F5344CB8AC3E}">
-        <p14:creationId xmlns:p14="http://schemas.microsoft.com/office/powerpoint/2010/main" val="2244761302"/>
+        <p14:creationId xmlns:p14="http://schemas.microsoft.com/office/powerpoint/2010/main" val="2830790376"/>
       </p:ext>
     </p:extLst>
   </p:cSld>
@@ -9071,7 +8782,7 @@
                 <a:latin typeface="Courier New" panose="02070309020205020404" pitchFamily="49" charset="0"/>
                 <a:cs typeface="Courier New" panose="02070309020205020404" pitchFamily="49" charset="0"/>
               </a:rPr>
-              <a:t>26 1969-05-01       &lt;NA&gt; 1973-03-01      0          0</a:t>
+              <a:t>22 1969-03-18 1969-03-29 1969-05-07      1          1</a:t>
             </a:r>
           </a:p>
           <a:p>
@@ -9095,7 +8806,7 @@
                 <a:latin typeface="Courier New" panose="02070309020205020404" pitchFamily="49" charset="0"/>
                 <a:cs typeface="Courier New" panose="02070309020205020404" pitchFamily="49" charset="0"/>
               </a:rPr>
-              <a:t>26 NA days 1400 days     C          0</a:t>
+              <a:t>22 11 days   50 days     D          1</a:t>
             </a:r>
           </a:p>
           <a:p>
@@ -9119,7 +8830,16 @@
                 <a:latin typeface="Courier New" panose="02070309020205020404" pitchFamily="49" charset="0"/>
                 <a:cs typeface="Courier New" panose="02070309020205020404" pitchFamily="49" charset="0"/>
               </a:rPr>
-              <a:t>26     0 1400     0          0</a:t>
+              <a:t>22     0   11     0          0</a:t>
+            </a:r>
+          </a:p>
+          <a:p>
+            <a:r>
+              <a:rPr lang="en-US" sz="1800" dirty="0">
+                <a:latin typeface="Courier New" panose="02070309020205020404" pitchFamily="49" charset="0"/>
+                <a:cs typeface="Courier New" panose="02070309020205020404" pitchFamily="49" charset="0"/>
+              </a:rPr>
+              <a:t>22    11   50     1          1</a:t>
             </a:r>
           </a:p>
         </p:txBody>
@@ -9201,7 +8921,7 @@
           <a:p>
             <a:r>
               <a:rPr lang="en-US" dirty="0"/>
-              <a:t>Patient #26</a:t>
+              <a:t>Patient #22</a:t>
             </a:r>
           </a:p>
         </p:txBody>
@@ -9209,7 +8929,7 @@
     </p:spTree>
     <p:extLst>
       <p:ext uri="{BB962C8B-B14F-4D97-AF65-F5344CB8AC3E}">
-        <p14:creationId xmlns:p14="http://schemas.microsoft.com/office/powerpoint/2010/main" val="185560491"/>
+        <p14:creationId xmlns:p14="http://schemas.microsoft.com/office/powerpoint/2010/main" val="2452209786"/>
       </p:ext>
     </p:extLst>
   </p:cSld>
@@ -9343,7 +9063,7 @@
                 <a:latin typeface="Courier New" panose="02070309020205020404" pitchFamily="49" charset="0"/>
                 <a:cs typeface="Courier New" panose="02070309020205020404" pitchFamily="49" charset="0"/>
               </a:rPr>
-              <a:t>27 1969-05-04       &lt;NA&gt; 1970-01-21      1          0</a:t>
+              <a:t>23 1969-04-11 1969-04-13 1971-04-13      1          1</a:t>
             </a:r>
           </a:p>
           <a:p>
@@ -9367,7 +9087,7 @@
                 <a:latin typeface="Courier New" panose="02070309020205020404" pitchFamily="49" charset="0"/>
                 <a:cs typeface="Courier New" panose="02070309020205020404" pitchFamily="49" charset="0"/>
               </a:rPr>
-              <a:t>27 NA days  262 days     D          0</a:t>
+              <a:t>23  2 days  732 days     D          1</a:t>
             </a:r>
           </a:p>
           <a:p>
@@ -9391,7 +9111,16 @@
                 <a:latin typeface="Courier New" panose="02070309020205020404" pitchFamily="49" charset="0"/>
                 <a:cs typeface="Courier New" panose="02070309020205020404" pitchFamily="49" charset="0"/>
               </a:rPr>
-              <a:t>27     0  262     1          0</a:t>
+              <a:t>23     0    2     0          0</a:t>
+            </a:r>
+          </a:p>
+          <a:p>
+            <a:r>
+              <a:rPr lang="en-US" sz="1800" dirty="0">
+                <a:latin typeface="Courier New" panose="02070309020205020404" pitchFamily="49" charset="0"/>
+                <a:cs typeface="Courier New" panose="02070309020205020404" pitchFamily="49" charset="0"/>
+              </a:rPr>
+              <a:t>23     2  732     1          1</a:t>
             </a:r>
           </a:p>
         </p:txBody>
@@ -9473,7 +9202,7 @@
           <a:p>
             <a:r>
               <a:rPr lang="en-US" dirty="0"/>
-              <a:t>Patient #27</a:t>
+              <a:t>Patient #23</a:t>
             </a:r>
           </a:p>
         </p:txBody>
@@ -9481,7 +9210,7 @@
     </p:spTree>
     <p:extLst>
       <p:ext uri="{BB962C8B-B14F-4D97-AF65-F5344CB8AC3E}">
-        <p14:creationId xmlns:p14="http://schemas.microsoft.com/office/powerpoint/2010/main" val="1134118722"/>
+        <p14:creationId xmlns:p14="http://schemas.microsoft.com/office/powerpoint/2010/main" val="1353099458"/>
       </p:ext>
     </p:extLst>
   </p:cSld>
@@ -9615,7 +9344,7 @@
                 <a:latin typeface="Courier New" panose="02070309020205020404" pitchFamily="49" charset="0"/>
                 <a:cs typeface="Courier New" panose="02070309020205020404" pitchFamily="49" charset="0"/>
               </a:rPr>
-              <a:t>28 1969-06-07 1969-08-16 1969-08-17      1          1</a:t>
+              <a:t>24 1969-04-25 1969-07-16 1969-11-29      1          1</a:t>
             </a:r>
           </a:p>
           <a:p>
@@ -9639,7 +9368,7 @@
                 <a:latin typeface="Courier New" panose="02070309020205020404" pitchFamily="49" charset="0"/>
                 <a:cs typeface="Courier New" panose="02070309020205020404" pitchFamily="49" charset="0"/>
               </a:rPr>
-              <a:t>28 70 days   71 days     D          1</a:t>
+              <a:t>24 82 days  218 days     D          1</a:t>
             </a:r>
           </a:p>
           <a:p>
@@ -9663,7 +9392,7 @@
                 <a:latin typeface="Courier New" panose="02070309020205020404" pitchFamily="49" charset="0"/>
                 <a:cs typeface="Courier New" panose="02070309020205020404" pitchFamily="49" charset="0"/>
               </a:rPr>
-              <a:t>28     0   70     0          0</a:t>
+              <a:t>24     0   82     0          0</a:t>
             </a:r>
           </a:p>
           <a:p>
@@ -9672,7 +9401,7 @@
                 <a:latin typeface="Courier New" panose="02070309020205020404" pitchFamily="49" charset="0"/>
                 <a:cs typeface="Courier New" panose="02070309020205020404" pitchFamily="49" charset="0"/>
               </a:rPr>
-              <a:t>28    70   71     1          1</a:t>
+              <a:t>24    82  218     1          1</a:t>
             </a:r>
           </a:p>
         </p:txBody>
@@ -9754,7 +9483,7 @@
           <a:p>
             <a:r>
               <a:rPr lang="en-US" dirty="0"/>
-              <a:t>Patient #28</a:t>
+              <a:t>Patient #24</a:t>
             </a:r>
           </a:p>
         </p:txBody>
@@ -9762,7 +9491,7 @@
     </p:spTree>
     <p:extLst>
       <p:ext uri="{BB962C8B-B14F-4D97-AF65-F5344CB8AC3E}">
-        <p14:creationId xmlns:p14="http://schemas.microsoft.com/office/powerpoint/2010/main" val="1099184777"/>
+        <p14:creationId xmlns:p14="http://schemas.microsoft.com/office/powerpoint/2010/main" val="1815124891"/>
       </p:ext>
     </p:extLst>
   </p:cSld>
@@ -10038,7 +9767,7 @@
                 <a:latin typeface="Courier New" panose="02070309020205020404" pitchFamily="49" charset="0"/>
                 <a:cs typeface="Courier New" panose="02070309020205020404" pitchFamily="49" charset="0"/>
               </a:rPr>
-              <a:t>29 1969-07-14       &lt;NA&gt; 1969-08-17      1          0</a:t>
+              <a:t>25 1969-04-28 1969-05-22 1974-04-01      0          1</a:t>
             </a:r>
           </a:p>
           <a:p>
@@ -10062,7 +9791,7 @@
                 <a:latin typeface="Courier New" panose="02070309020205020404" pitchFamily="49" charset="0"/>
                 <a:cs typeface="Courier New" panose="02070309020205020404" pitchFamily="49" charset="0"/>
               </a:rPr>
-              <a:t>29 NA days   34 days     D          0</a:t>
+              <a:t>25 24 days 1799 days     C          1</a:t>
             </a:r>
           </a:p>
           <a:p>
@@ -10086,7 +9815,16 @@
                 <a:latin typeface="Courier New" panose="02070309020205020404" pitchFamily="49" charset="0"/>
                 <a:cs typeface="Courier New" panose="02070309020205020404" pitchFamily="49" charset="0"/>
               </a:rPr>
-              <a:t>29     0   34     1          0</a:t>
+              <a:t>25     0   24     0          0</a:t>
+            </a:r>
+          </a:p>
+          <a:p>
+            <a:r>
+              <a:rPr lang="en-US" sz="1800" dirty="0">
+                <a:latin typeface="Courier New" panose="02070309020205020404" pitchFamily="49" charset="0"/>
+                <a:cs typeface="Courier New" panose="02070309020205020404" pitchFamily="49" charset="0"/>
+              </a:rPr>
+              <a:t>25    24 1799     0          1</a:t>
             </a:r>
           </a:p>
         </p:txBody>
@@ -10168,7 +9906,7 @@
           <a:p>
             <a:r>
               <a:rPr lang="en-US" dirty="0"/>
-              <a:t>Patient #29</a:t>
+              <a:t>Patient #25</a:t>
             </a:r>
           </a:p>
         </p:txBody>
@@ -10176,7 +9914,7 @@
     </p:spTree>
     <p:extLst>
       <p:ext uri="{BB962C8B-B14F-4D97-AF65-F5344CB8AC3E}">
-        <p14:creationId xmlns:p14="http://schemas.microsoft.com/office/powerpoint/2010/main" val="2485784403"/>
+        <p14:creationId xmlns:p14="http://schemas.microsoft.com/office/powerpoint/2010/main" val="2244761302"/>
       </p:ext>
     </p:extLst>
   </p:cSld>
@@ -10310,7 +10048,7 @@
                 <a:latin typeface="Courier New" panose="02070309020205020404" pitchFamily="49" charset="0"/>
                 <a:cs typeface="Courier New" panose="02070309020205020404" pitchFamily="49" charset="0"/>
               </a:rPr>
-              <a:t>30 1969-08-19 1969-09-03 1971-12-18      1          1</a:t>
+              <a:t>26 1969-05-01       &lt;NA&gt; 1973-03-01      0          0</a:t>
             </a:r>
           </a:p>
           <a:p>
@@ -10334,7 +10072,7 @@
                 <a:latin typeface="Courier New" panose="02070309020205020404" pitchFamily="49" charset="0"/>
                 <a:cs typeface="Courier New" panose="02070309020205020404" pitchFamily="49" charset="0"/>
               </a:rPr>
-              <a:t>30 15 days  851 days     D          1</a:t>
+              <a:t>26 NA days 1400 days     C          0</a:t>
             </a:r>
           </a:p>
           <a:p>
@@ -10358,16 +10096,7 @@
                 <a:latin typeface="Courier New" panose="02070309020205020404" pitchFamily="49" charset="0"/>
                 <a:cs typeface="Courier New" panose="02070309020205020404" pitchFamily="49" charset="0"/>
               </a:rPr>
-              <a:t>30     0   15     0          0</a:t>
-            </a:r>
-          </a:p>
-          <a:p>
-            <a:r>
-              <a:rPr lang="en-US" sz="1800" dirty="0">
-                <a:latin typeface="Courier New" panose="02070309020205020404" pitchFamily="49" charset="0"/>
-                <a:cs typeface="Courier New" panose="02070309020205020404" pitchFamily="49" charset="0"/>
-              </a:rPr>
-              <a:t>30    15  851     1          1</a:t>
+              <a:t>26     0 1400     0          0</a:t>
             </a:r>
           </a:p>
         </p:txBody>
@@ -10449,7 +10178,7 @@
           <a:p>
             <a:r>
               <a:rPr lang="en-US" dirty="0"/>
-              <a:t>Patient #30</a:t>
+              <a:t>Patient #26</a:t>
             </a:r>
           </a:p>
         </p:txBody>
@@ -10457,7 +10186,7 @@
     </p:spTree>
     <p:extLst>
       <p:ext uri="{BB962C8B-B14F-4D97-AF65-F5344CB8AC3E}">
-        <p14:creationId xmlns:p14="http://schemas.microsoft.com/office/powerpoint/2010/main" val="461925367"/>
+        <p14:creationId xmlns:p14="http://schemas.microsoft.com/office/powerpoint/2010/main" val="185560491"/>
       </p:ext>
     </p:extLst>
   </p:cSld>
@@ -10501,7 +10230,170 @@
           <a:p>
             <a:r>
               <a:rPr lang="en-US" dirty="0"/>
-              <a:t>Stanford transplant data, time-varying model</a:t>
+              <a:t>Stanford transplant data</a:t>
+            </a:r>
+          </a:p>
+        </p:txBody>
+      </p:sp>
+      <p:sp>
+        <p:nvSpPr>
+          <p:cNvPr id="3" name="Text Placeholder 2"/>
+          <p:cNvSpPr>
+            <a:spLocks noGrp="1"/>
+          </p:cNvSpPr>
+          <p:nvPr>
+            <p:ph type="body" idx="1"/>
+          </p:nvPr>
+        </p:nvSpPr>
+        <p:spPr/>
+        <p:txBody>
+          <a:bodyPr/>
+          <a:lstStyle/>
+          <a:p>
+            <a:r>
+              <a:rPr lang="en-US" sz="1800" dirty="0">
+                <a:latin typeface="Courier New" panose="02070309020205020404" pitchFamily="49" charset="0"/>
+                <a:cs typeface="Courier New" panose="02070309020205020404" pitchFamily="49" charset="0"/>
+              </a:rPr>
+              <a:t>id  </a:t>
+            </a:r>
+            <a:r>
+              <a:rPr lang="en-US" sz="1800" dirty="0" err="1">
+                <a:latin typeface="Courier New" panose="02070309020205020404" pitchFamily="49" charset="0"/>
+                <a:cs typeface="Courier New" panose="02070309020205020404" pitchFamily="49" charset="0"/>
+              </a:rPr>
+              <a:t>accept.dt</a:t>
+            </a:r>
+            <a:r>
+              <a:rPr lang="en-US" sz="1800" dirty="0">
+                <a:latin typeface="Courier New" panose="02070309020205020404" pitchFamily="49" charset="0"/>
+                <a:cs typeface="Courier New" panose="02070309020205020404" pitchFamily="49" charset="0"/>
+              </a:rPr>
+              <a:t>    </a:t>
+            </a:r>
+            <a:r>
+              <a:rPr lang="en-US" sz="1800" dirty="0" err="1">
+                <a:latin typeface="Courier New" panose="02070309020205020404" pitchFamily="49" charset="0"/>
+                <a:cs typeface="Courier New" panose="02070309020205020404" pitchFamily="49" charset="0"/>
+              </a:rPr>
+              <a:t>tx.date</a:t>
+            </a:r>
+            <a:r>
+              <a:rPr lang="en-US" sz="1800" dirty="0">
+                <a:latin typeface="Courier New" panose="02070309020205020404" pitchFamily="49" charset="0"/>
+                <a:cs typeface="Courier New" panose="02070309020205020404" pitchFamily="49" charset="0"/>
+              </a:rPr>
+              <a:t>    </a:t>
+            </a:r>
+            <a:r>
+              <a:rPr lang="en-US" sz="1800" dirty="0" err="1">
+                <a:latin typeface="Courier New" panose="02070309020205020404" pitchFamily="49" charset="0"/>
+                <a:cs typeface="Courier New" panose="02070309020205020404" pitchFamily="49" charset="0"/>
+              </a:rPr>
+              <a:t>fu.date</a:t>
+            </a:r>
+            <a:r>
+              <a:rPr lang="en-US" sz="1800" dirty="0">
+                <a:latin typeface="Courier New" panose="02070309020205020404" pitchFamily="49" charset="0"/>
+                <a:cs typeface="Courier New" panose="02070309020205020404" pitchFamily="49" charset="0"/>
+              </a:rPr>
+              <a:t> </a:t>
+            </a:r>
+            <a:r>
+              <a:rPr lang="en-US" sz="1800" dirty="0" err="1">
+                <a:latin typeface="Courier New" panose="02070309020205020404" pitchFamily="49" charset="0"/>
+                <a:cs typeface="Courier New" panose="02070309020205020404" pitchFamily="49" charset="0"/>
+              </a:rPr>
+              <a:t>fustat</a:t>
+            </a:r>
+            <a:r>
+              <a:rPr lang="en-US" sz="1800" dirty="0">
+                <a:latin typeface="Courier New" panose="02070309020205020404" pitchFamily="49" charset="0"/>
+                <a:cs typeface="Courier New" panose="02070309020205020404" pitchFamily="49" charset="0"/>
+              </a:rPr>
+              <a:t> transplant</a:t>
+            </a:r>
+          </a:p>
+          <a:p>
+            <a:r>
+              <a:rPr lang="en-US" sz="1800" dirty="0">
+                <a:latin typeface="Courier New" panose="02070309020205020404" pitchFamily="49" charset="0"/>
+                <a:cs typeface="Courier New" panose="02070309020205020404" pitchFamily="49" charset="0"/>
+              </a:rPr>
+              <a:t>27 1969-05-04       &lt;NA&gt; 1970-01-21      1          0</a:t>
+            </a:r>
+          </a:p>
+          <a:p>
+            <a:endParaRPr lang="en-US" sz="1800" dirty="0">
+              <a:latin typeface="Courier New" panose="02070309020205020404" pitchFamily="49" charset="0"/>
+              <a:cs typeface="Courier New" panose="02070309020205020404" pitchFamily="49" charset="0"/>
+            </a:endParaRPr>
+          </a:p>
+          <a:p>
+            <a:r>
+              <a:rPr lang="en-US" sz="1800" dirty="0">
+                <a:latin typeface="Courier New" panose="02070309020205020404" pitchFamily="49" charset="0"/>
+                <a:cs typeface="Courier New" panose="02070309020205020404" pitchFamily="49" charset="0"/>
+              </a:rPr>
+              <a:t>id   time1     time2 event transplant</a:t>
+            </a:r>
+          </a:p>
+          <a:p>
+            <a:r>
+              <a:rPr lang="en-US" sz="1800" dirty="0">
+                <a:latin typeface="Courier New" panose="02070309020205020404" pitchFamily="49" charset="0"/>
+                <a:cs typeface="Courier New" panose="02070309020205020404" pitchFamily="49" charset="0"/>
+              </a:rPr>
+              <a:t>27 NA days  262 days     D          0</a:t>
+            </a:r>
+          </a:p>
+          <a:p>
+            <a:endParaRPr lang="en-US" sz="1800" dirty="0">
+              <a:latin typeface="Courier New" panose="02070309020205020404" pitchFamily="49" charset="0"/>
+              <a:cs typeface="Courier New" panose="02070309020205020404" pitchFamily="49" charset="0"/>
+            </a:endParaRPr>
+          </a:p>
+          <a:p>
+            <a:r>
+              <a:rPr lang="en-US" sz="1800" dirty="0">
+                <a:latin typeface="Courier New" panose="02070309020205020404" pitchFamily="49" charset="0"/>
+                <a:cs typeface="Courier New" panose="02070309020205020404" pitchFamily="49" charset="0"/>
+              </a:rPr>
+              <a:t>id start stop event transplant</a:t>
+            </a:r>
+          </a:p>
+          <a:p>
+            <a:r>
+              <a:rPr lang="en-US" sz="1800" dirty="0">
+                <a:latin typeface="Courier New" panose="02070309020205020404" pitchFamily="49" charset="0"/>
+                <a:cs typeface="Courier New" panose="02070309020205020404" pitchFamily="49" charset="0"/>
+              </a:rPr>
+              <a:t>27     0  262     1          0</a:t>
+            </a:r>
+          </a:p>
+        </p:txBody>
+      </p:sp>
+      <p:sp>
+        <p:nvSpPr>
+          <p:cNvPr id="4" name="Footer Placeholder 3"/>
+          <p:cNvSpPr>
+            <a:spLocks noGrp="1"/>
+          </p:cNvSpPr>
+          <p:nvPr>
+            <p:ph type="ftr" sz="quarter" idx="10"/>
+          </p:nvPr>
+        </p:nvSpPr>
+        <p:spPr/>
+        <p:txBody>
+          <a:bodyPr/>
+          <a:lstStyle/>
+          <a:p>
+            <a:pPr>
+              <a:defRPr/>
+            </a:pPr>
+            <a:r>
+              <a:rPr lang="en-US" altLang="en-US" dirty="0"/>
+              <a:t>©2018 Steve Simon    http://TheAnalysisFactor.com</a:t>
             </a:r>
           </a:p>
         </p:txBody>
@@ -10536,6 +10428,949 @@
                 <a:defRPr/>
               </a:pPr>
               <a:t>42</a:t>
+            </a:fld>
+            <a:endParaRPr lang="en-US"/>
+          </a:p>
+        </p:txBody>
+      </p:sp>
+      <p:sp>
+        <p:nvSpPr>
+          <p:cNvPr id="6" name="Text Placeholder 5"/>
+          <p:cNvSpPr>
+            <a:spLocks noGrp="1"/>
+          </p:cNvSpPr>
+          <p:nvPr>
+            <p:ph type="body" sz="quarter" idx="12"/>
+          </p:nvPr>
+        </p:nvSpPr>
+        <p:spPr/>
+        <p:txBody>
+          <a:bodyPr/>
+          <a:lstStyle/>
+          <a:p>
+            <a:r>
+              <a:rPr lang="en-US" dirty="0"/>
+              <a:t>Patient #27</a:t>
+            </a:r>
+          </a:p>
+        </p:txBody>
+      </p:sp>
+    </p:spTree>
+    <p:extLst>
+      <p:ext uri="{BB962C8B-B14F-4D97-AF65-F5344CB8AC3E}">
+        <p14:creationId xmlns:p14="http://schemas.microsoft.com/office/powerpoint/2010/main" val="1134118722"/>
+      </p:ext>
+    </p:extLst>
+  </p:cSld>
+  <p:clrMapOvr>
+    <a:masterClrMapping/>
+  </p:clrMapOvr>
+</p:sld>
+</file>
+
+<file path=ppt/slides/slide43.xml><?xml version="1.0" encoding="utf-8"?>
+<p:sld xmlns:a="http://schemas.openxmlformats.org/drawingml/2006/main" xmlns:r="http://schemas.openxmlformats.org/officeDocument/2006/relationships" xmlns:p="http://schemas.openxmlformats.org/presentationml/2006/main">
+  <p:cSld>
+    <p:spTree>
+      <p:nvGrpSpPr>
+        <p:cNvPr id="1" name=""/>
+        <p:cNvGrpSpPr/>
+        <p:nvPr/>
+      </p:nvGrpSpPr>
+      <p:grpSpPr>
+        <a:xfrm>
+          <a:off x="0" y="0"/>
+          <a:ext cx="0" cy="0"/>
+          <a:chOff x="0" y="0"/>
+          <a:chExt cx="0" cy="0"/>
+        </a:xfrm>
+      </p:grpSpPr>
+      <p:sp>
+        <p:nvSpPr>
+          <p:cNvPr id="2" name="Title 1"/>
+          <p:cNvSpPr>
+            <a:spLocks noGrp="1"/>
+          </p:cNvSpPr>
+          <p:nvPr>
+            <p:ph type="title"/>
+          </p:nvPr>
+        </p:nvSpPr>
+        <p:spPr/>
+        <p:txBody>
+          <a:bodyPr/>
+          <a:lstStyle/>
+          <a:p>
+            <a:r>
+              <a:rPr lang="en-US" dirty="0"/>
+              <a:t>Stanford transplant data</a:t>
+            </a:r>
+          </a:p>
+        </p:txBody>
+      </p:sp>
+      <p:sp>
+        <p:nvSpPr>
+          <p:cNvPr id="3" name="Text Placeholder 2"/>
+          <p:cNvSpPr>
+            <a:spLocks noGrp="1"/>
+          </p:cNvSpPr>
+          <p:nvPr>
+            <p:ph type="body" idx="1"/>
+          </p:nvPr>
+        </p:nvSpPr>
+        <p:spPr/>
+        <p:txBody>
+          <a:bodyPr/>
+          <a:lstStyle/>
+          <a:p>
+            <a:r>
+              <a:rPr lang="en-US" sz="1800" dirty="0">
+                <a:latin typeface="Courier New" panose="02070309020205020404" pitchFamily="49" charset="0"/>
+                <a:cs typeface="Courier New" panose="02070309020205020404" pitchFamily="49" charset="0"/>
+              </a:rPr>
+              <a:t>id  </a:t>
+            </a:r>
+            <a:r>
+              <a:rPr lang="en-US" sz="1800" dirty="0" err="1">
+                <a:latin typeface="Courier New" panose="02070309020205020404" pitchFamily="49" charset="0"/>
+                <a:cs typeface="Courier New" panose="02070309020205020404" pitchFamily="49" charset="0"/>
+              </a:rPr>
+              <a:t>accept.dt</a:t>
+            </a:r>
+            <a:r>
+              <a:rPr lang="en-US" sz="1800" dirty="0">
+                <a:latin typeface="Courier New" panose="02070309020205020404" pitchFamily="49" charset="0"/>
+                <a:cs typeface="Courier New" panose="02070309020205020404" pitchFamily="49" charset="0"/>
+              </a:rPr>
+              <a:t>    </a:t>
+            </a:r>
+            <a:r>
+              <a:rPr lang="en-US" sz="1800" dirty="0" err="1">
+                <a:latin typeface="Courier New" panose="02070309020205020404" pitchFamily="49" charset="0"/>
+                <a:cs typeface="Courier New" panose="02070309020205020404" pitchFamily="49" charset="0"/>
+              </a:rPr>
+              <a:t>tx.date</a:t>
+            </a:r>
+            <a:r>
+              <a:rPr lang="en-US" sz="1800" dirty="0">
+                <a:latin typeface="Courier New" panose="02070309020205020404" pitchFamily="49" charset="0"/>
+                <a:cs typeface="Courier New" panose="02070309020205020404" pitchFamily="49" charset="0"/>
+              </a:rPr>
+              <a:t>    </a:t>
+            </a:r>
+            <a:r>
+              <a:rPr lang="en-US" sz="1800" dirty="0" err="1">
+                <a:latin typeface="Courier New" panose="02070309020205020404" pitchFamily="49" charset="0"/>
+                <a:cs typeface="Courier New" panose="02070309020205020404" pitchFamily="49" charset="0"/>
+              </a:rPr>
+              <a:t>fu.date</a:t>
+            </a:r>
+            <a:r>
+              <a:rPr lang="en-US" sz="1800" dirty="0">
+                <a:latin typeface="Courier New" panose="02070309020205020404" pitchFamily="49" charset="0"/>
+                <a:cs typeface="Courier New" panose="02070309020205020404" pitchFamily="49" charset="0"/>
+              </a:rPr>
+              <a:t> </a:t>
+            </a:r>
+            <a:r>
+              <a:rPr lang="en-US" sz="1800" dirty="0" err="1">
+                <a:latin typeface="Courier New" panose="02070309020205020404" pitchFamily="49" charset="0"/>
+                <a:cs typeface="Courier New" panose="02070309020205020404" pitchFamily="49" charset="0"/>
+              </a:rPr>
+              <a:t>fustat</a:t>
+            </a:r>
+            <a:r>
+              <a:rPr lang="en-US" sz="1800" dirty="0">
+                <a:latin typeface="Courier New" panose="02070309020205020404" pitchFamily="49" charset="0"/>
+                <a:cs typeface="Courier New" panose="02070309020205020404" pitchFamily="49" charset="0"/>
+              </a:rPr>
+              <a:t> transplant</a:t>
+            </a:r>
+          </a:p>
+          <a:p>
+            <a:r>
+              <a:rPr lang="en-US" sz="1800" dirty="0">
+                <a:latin typeface="Courier New" panose="02070309020205020404" pitchFamily="49" charset="0"/>
+                <a:cs typeface="Courier New" panose="02070309020205020404" pitchFamily="49" charset="0"/>
+              </a:rPr>
+              <a:t>28 1969-06-07 1969-08-16 1969-08-17      1          1</a:t>
+            </a:r>
+          </a:p>
+          <a:p>
+            <a:endParaRPr lang="en-US" sz="1800" dirty="0">
+              <a:latin typeface="Courier New" panose="02070309020205020404" pitchFamily="49" charset="0"/>
+              <a:cs typeface="Courier New" panose="02070309020205020404" pitchFamily="49" charset="0"/>
+            </a:endParaRPr>
+          </a:p>
+          <a:p>
+            <a:r>
+              <a:rPr lang="en-US" sz="1800" dirty="0">
+                <a:latin typeface="Courier New" panose="02070309020205020404" pitchFamily="49" charset="0"/>
+                <a:cs typeface="Courier New" panose="02070309020205020404" pitchFamily="49" charset="0"/>
+              </a:rPr>
+              <a:t>id   time1     time2 event transplant</a:t>
+            </a:r>
+          </a:p>
+          <a:p>
+            <a:r>
+              <a:rPr lang="en-US" sz="1800" dirty="0">
+                <a:latin typeface="Courier New" panose="02070309020205020404" pitchFamily="49" charset="0"/>
+                <a:cs typeface="Courier New" panose="02070309020205020404" pitchFamily="49" charset="0"/>
+              </a:rPr>
+              <a:t>28 70 days   71 days     D          1</a:t>
+            </a:r>
+          </a:p>
+          <a:p>
+            <a:endParaRPr lang="en-US" sz="1800" dirty="0">
+              <a:latin typeface="Courier New" panose="02070309020205020404" pitchFamily="49" charset="0"/>
+              <a:cs typeface="Courier New" panose="02070309020205020404" pitchFamily="49" charset="0"/>
+            </a:endParaRPr>
+          </a:p>
+          <a:p>
+            <a:r>
+              <a:rPr lang="en-US" sz="1800" dirty="0">
+                <a:latin typeface="Courier New" panose="02070309020205020404" pitchFamily="49" charset="0"/>
+                <a:cs typeface="Courier New" panose="02070309020205020404" pitchFamily="49" charset="0"/>
+              </a:rPr>
+              <a:t>id start stop event transplant</a:t>
+            </a:r>
+          </a:p>
+          <a:p>
+            <a:r>
+              <a:rPr lang="en-US" sz="1800" dirty="0">
+                <a:latin typeface="Courier New" panose="02070309020205020404" pitchFamily="49" charset="0"/>
+                <a:cs typeface="Courier New" panose="02070309020205020404" pitchFamily="49" charset="0"/>
+              </a:rPr>
+              <a:t>28     0   70     0          0</a:t>
+            </a:r>
+          </a:p>
+          <a:p>
+            <a:r>
+              <a:rPr lang="en-US" sz="1800" dirty="0">
+                <a:latin typeface="Courier New" panose="02070309020205020404" pitchFamily="49" charset="0"/>
+                <a:cs typeface="Courier New" panose="02070309020205020404" pitchFamily="49" charset="0"/>
+              </a:rPr>
+              <a:t>28    70   71     1          1</a:t>
+            </a:r>
+          </a:p>
+        </p:txBody>
+      </p:sp>
+      <p:sp>
+        <p:nvSpPr>
+          <p:cNvPr id="4" name="Footer Placeholder 3"/>
+          <p:cNvSpPr>
+            <a:spLocks noGrp="1"/>
+          </p:cNvSpPr>
+          <p:nvPr>
+            <p:ph type="ftr" sz="quarter" idx="10"/>
+          </p:nvPr>
+        </p:nvSpPr>
+        <p:spPr/>
+        <p:txBody>
+          <a:bodyPr/>
+          <a:lstStyle/>
+          <a:p>
+            <a:pPr>
+              <a:defRPr/>
+            </a:pPr>
+            <a:r>
+              <a:rPr lang="en-US" altLang="en-US" dirty="0"/>
+              <a:t>©2018 Steve Simon    http://TheAnalysisFactor.com</a:t>
+            </a:r>
+          </a:p>
+        </p:txBody>
+      </p:sp>
+      <p:sp>
+        <p:nvSpPr>
+          <p:cNvPr id="5" name="Slide Number Placeholder 4"/>
+          <p:cNvSpPr>
+            <a:spLocks noGrp="1"/>
+          </p:cNvSpPr>
+          <p:nvPr>
+            <p:ph type="sldNum" sz="quarter" idx="11"/>
+          </p:nvPr>
+        </p:nvSpPr>
+        <p:spPr/>
+        <p:txBody>
+          <a:bodyPr/>
+          <a:lstStyle/>
+          <a:p>
+            <a:pPr>
+              <a:defRPr/>
+            </a:pPr>
+            <a:endParaRPr lang="en-US"/>
+          </a:p>
+          <a:p>
+            <a:pPr>
+              <a:defRPr/>
+            </a:pPr>
+            <a:fld id="{E9A8CBA3-AA2B-46A6-BFA3-DCEBEAAB3F0A}" type="slidenum">
+              <a:rPr lang="en-US" smtClean="0"/>
+              <a:pPr>
+                <a:defRPr/>
+              </a:pPr>
+              <a:t>43</a:t>
+            </a:fld>
+            <a:endParaRPr lang="en-US"/>
+          </a:p>
+        </p:txBody>
+      </p:sp>
+      <p:sp>
+        <p:nvSpPr>
+          <p:cNvPr id="6" name="Text Placeholder 5"/>
+          <p:cNvSpPr>
+            <a:spLocks noGrp="1"/>
+          </p:cNvSpPr>
+          <p:nvPr>
+            <p:ph type="body" sz="quarter" idx="12"/>
+          </p:nvPr>
+        </p:nvSpPr>
+        <p:spPr/>
+        <p:txBody>
+          <a:bodyPr/>
+          <a:lstStyle/>
+          <a:p>
+            <a:r>
+              <a:rPr lang="en-US" dirty="0"/>
+              <a:t>Patient #28</a:t>
+            </a:r>
+          </a:p>
+        </p:txBody>
+      </p:sp>
+    </p:spTree>
+    <p:extLst>
+      <p:ext uri="{BB962C8B-B14F-4D97-AF65-F5344CB8AC3E}">
+        <p14:creationId xmlns:p14="http://schemas.microsoft.com/office/powerpoint/2010/main" val="1099184777"/>
+      </p:ext>
+    </p:extLst>
+  </p:cSld>
+  <p:clrMapOvr>
+    <a:masterClrMapping/>
+  </p:clrMapOvr>
+</p:sld>
+</file>
+
+<file path=ppt/slides/slide44.xml><?xml version="1.0" encoding="utf-8"?>
+<p:sld xmlns:a="http://schemas.openxmlformats.org/drawingml/2006/main" xmlns:r="http://schemas.openxmlformats.org/officeDocument/2006/relationships" xmlns:p="http://schemas.openxmlformats.org/presentationml/2006/main">
+  <p:cSld>
+    <p:spTree>
+      <p:nvGrpSpPr>
+        <p:cNvPr id="1" name=""/>
+        <p:cNvGrpSpPr/>
+        <p:nvPr/>
+      </p:nvGrpSpPr>
+      <p:grpSpPr>
+        <a:xfrm>
+          <a:off x="0" y="0"/>
+          <a:ext cx="0" cy="0"/>
+          <a:chOff x="0" y="0"/>
+          <a:chExt cx="0" cy="0"/>
+        </a:xfrm>
+      </p:grpSpPr>
+      <p:sp>
+        <p:nvSpPr>
+          <p:cNvPr id="2" name="Title 1"/>
+          <p:cNvSpPr>
+            <a:spLocks noGrp="1"/>
+          </p:cNvSpPr>
+          <p:nvPr>
+            <p:ph type="title"/>
+          </p:nvPr>
+        </p:nvSpPr>
+        <p:spPr/>
+        <p:txBody>
+          <a:bodyPr/>
+          <a:lstStyle/>
+          <a:p>
+            <a:r>
+              <a:rPr lang="en-US" dirty="0"/>
+              <a:t>Stanford transplant data</a:t>
+            </a:r>
+          </a:p>
+        </p:txBody>
+      </p:sp>
+      <p:sp>
+        <p:nvSpPr>
+          <p:cNvPr id="3" name="Text Placeholder 2"/>
+          <p:cNvSpPr>
+            <a:spLocks noGrp="1"/>
+          </p:cNvSpPr>
+          <p:nvPr>
+            <p:ph type="body" idx="1"/>
+          </p:nvPr>
+        </p:nvSpPr>
+        <p:spPr/>
+        <p:txBody>
+          <a:bodyPr/>
+          <a:lstStyle/>
+          <a:p>
+            <a:r>
+              <a:rPr lang="en-US" sz="1800" dirty="0">
+                <a:latin typeface="Courier New" panose="02070309020205020404" pitchFamily="49" charset="0"/>
+                <a:cs typeface="Courier New" panose="02070309020205020404" pitchFamily="49" charset="0"/>
+              </a:rPr>
+              <a:t>id  </a:t>
+            </a:r>
+            <a:r>
+              <a:rPr lang="en-US" sz="1800" dirty="0" err="1">
+                <a:latin typeface="Courier New" panose="02070309020205020404" pitchFamily="49" charset="0"/>
+                <a:cs typeface="Courier New" panose="02070309020205020404" pitchFamily="49" charset="0"/>
+              </a:rPr>
+              <a:t>accept.dt</a:t>
+            </a:r>
+            <a:r>
+              <a:rPr lang="en-US" sz="1800" dirty="0">
+                <a:latin typeface="Courier New" panose="02070309020205020404" pitchFamily="49" charset="0"/>
+                <a:cs typeface="Courier New" panose="02070309020205020404" pitchFamily="49" charset="0"/>
+              </a:rPr>
+              <a:t>    </a:t>
+            </a:r>
+            <a:r>
+              <a:rPr lang="en-US" sz="1800" dirty="0" err="1">
+                <a:latin typeface="Courier New" panose="02070309020205020404" pitchFamily="49" charset="0"/>
+                <a:cs typeface="Courier New" panose="02070309020205020404" pitchFamily="49" charset="0"/>
+              </a:rPr>
+              <a:t>tx.date</a:t>
+            </a:r>
+            <a:r>
+              <a:rPr lang="en-US" sz="1800" dirty="0">
+                <a:latin typeface="Courier New" panose="02070309020205020404" pitchFamily="49" charset="0"/>
+                <a:cs typeface="Courier New" panose="02070309020205020404" pitchFamily="49" charset="0"/>
+              </a:rPr>
+              <a:t>    </a:t>
+            </a:r>
+            <a:r>
+              <a:rPr lang="en-US" sz="1800" dirty="0" err="1">
+                <a:latin typeface="Courier New" panose="02070309020205020404" pitchFamily="49" charset="0"/>
+                <a:cs typeface="Courier New" panose="02070309020205020404" pitchFamily="49" charset="0"/>
+              </a:rPr>
+              <a:t>fu.date</a:t>
+            </a:r>
+            <a:r>
+              <a:rPr lang="en-US" sz="1800" dirty="0">
+                <a:latin typeface="Courier New" panose="02070309020205020404" pitchFamily="49" charset="0"/>
+                <a:cs typeface="Courier New" panose="02070309020205020404" pitchFamily="49" charset="0"/>
+              </a:rPr>
+              <a:t> </a:t>
+            </a:r>
+            <a:r>
+              <a:rPr lang="en-US" sz="1800" dirty="0" err="1">
+                <a:latin typeface="Courier New" panose="02070309020205020404" pitchFamily="49" charset="0"/>
+                <a:cs typeface="Courier New" panose="02070309020205020404" pitchFamily="49" charset="0"/>
+              </a:rPr>
+              <a:t>fustat</a:t>
+            </a:r>
+            <a:r>
+              <a:rPr lang="en-US" sz="1800" dirty="0">
+                <a:latin typeface="Courier New" panose="02070309020205020404" pitchFamily="49" charset="0"/>
+                <a:cs typeface="Courier New" panose="02070309020205020404" pitchFamily="49" charset="0"/>
+              </a:rPr>
+              <a:t> transplant</a:t>
+            </a:r>
+          </a:p>
+          <a:p>
+            <a:r>
+              <a:rPr lang="en-US" sz="1800" dirty="0">
+                <a:latin typeface="Courier New" panose="02070309020205020404" pitchFamily="49" charset="0"/>
+                <a:cs typeface="Courier New" panose="02070309020205020404" pitchFamily="49" charset="0"/>
+              </a:rPr>
+              <a:t>29 1969-07-14       &lt;NA&gt; 1969-08-17      1          0</a:t>
+            </a:r>
+          </a:p>
+          <a:p>
+            <a:endParaRPr lang="en-US" sz="1800" dirty="0">
+              <a:latin typeface="Courier New" panose="02070309020205020404" pitchFamily="49" charset="0"/>
+              <a:cs typeface="Courier New" panose="02070309020205020404" pitchFamily="49" charset="0"/>
+            </a:endParaRPr>
+          </a:p>
+          <a:p>
+            <a:r>
+              <a:rPr lang="en-US" sz="1800" dirty="0">
+                <a:latin typeface="Courier New" panose="02070309020205020404" pitchFamily="49" charset="0"/>
+                <a:cs typeface="Courier New" panose="02070309020205020404" pitchFamily="49" charset="0"/>
+              </a:rPr>
+              <a:t>id   time1     time2 event transplant</a:t>
+            </a:r>
+          </a:p>
+          <a:p>
+            <a:r>
+              <a:rPr lang="en-US" sz="1800" dirty="0">
+                <a:latin typeface="Courier New" panose="02070309020205020404" pitchFamily="49" charset="0"/>
+                <a:cs typeface="Courier New" panose="02070309020205020404" pitchFamily="49" charset="0"/>
+              </a:rPr>
+              <a:t>29 NA days   34 days     D          0</a:t>
+            </a:r>
+          </a:p>
+          <a:p>
+            <a:endParaRPr lang="en-US" sz="1800" dirty="0">
+              <a:latin typeface="Courier New" panose="02070309020205020404" pitchFamily="49" charset="0"/>
+              <a:cs typeface="Courier New" panose="02070309020205020404" pitchFamily="49" charset="0"/>
+            </a:endParaRPr>
+          </a:p>
+          <a:p>
+            <a:r>
+              <a:rPr lang="en-US" sz="1800" dirty="0">
+                <a:latin typeface="Courier New" panose="02070309020205020404" pitchFamily="49" charset="0"/>
+                <a:cs typeface="Courier New" panose="02070309020205020404" pitchFamily="49" charset="0"/>
+              </a:rPr>
+              <a:t>id start stop event transplant</a:t>
+            </a:r>
+          </a:p>
+          <a:p>
+            <a:r>
+              <a:rPr lang="en-US" sz="1800" dirty="0">
+                <a:latin typeface="Courier New" panose="02070309020205020404" pitchFamily="49" charset="0"/>
+                <a:cs typeface="Courier New" panose="02070309020205020404" pitchFamily="49" charset="0"/>
+              </a:rPr>
+              <a:t>29     0   34     1          0</a:t>
+            </a:r>
+          </a:p>
+        </p:txBody>
+      </p:sp>
+      <p:sp>
+        <p:nvSpPr>
+          <p:cNvPr id="4" name="Footer Placeholder 3"/>
+          <p:cNvSpPr>
+            <a:spLocks noGrp="1"/>
+          </p:cNvSpPr>
+          <p:nvPr>
+            <p:ph type="ftr" sz="quarter" idx="10"/>
+          </p:nvPr>
+        </p:nvSpPr>
+        <p:spPr/>
+        <p:txBody>
+          <a:bodyPr/>
+          <a:lstStyle/>
+          <a:p>
+            <a:pPr>
+              <a:defRPr/>
+            </a:pPr>
+            <a:r>
+              <a:rPr lang="en-US" altLang="en-US" dirty="0"/>
+              <a:t>©2018 Steve Simon    http://TheAnalysisFactor.com</a:t>
+            </a:r>
+          </a:p>
+        </p:txBody>
+      </p:sp>
+      <p:sp>
+        <p:nvSpPr>
+          <p:cNvPr id="5" name="Slide Number Placeholder 4"/>
+          <p:cNvSpPr>
+            <a:spLocks noGrp="1"/>
+          </p:cNvSpPr>
+          <p:nvPr>
+            <p:ph type="sldNum" sz="quarter" idx="11"/>
+          </p:nvPr>
+        </p:nvSpPr>
+        <p:spPr/>
+        <p:txBody>
+          <a:bodyPr/>
+          <a:lstStyle/>
+          <a:p>
+            <a:pPr>
+              <a:defRPr/>
+            </a:pPr>
+            <a:endParaRPr lang="en-US"/>
+          </a:p>
+          <a:p>
+            <a:pPr>
+              <a:defRPr/>
+            </a:pPr>
+            <a:fld id="{E9A8CBA3-AA2B-46A6-BFA3-DCEBEAAB3F0A}" type="slidenum">
+              <a:rPr lang="en-US" smtClean="0"/>
+              <a:pPr>
+                <a:defRPr/>
+              </a:pPr>
+              <a:t>44</a:t>
+            </a:fld>
+            <a:endParaRPr lang="en-US"/>
+          </a:p>
+        </p:txBody>
+      </p:sp>
+      <p:sp>
+        <p:nvSpPr>
+          <p:cNvPr id="6" name="Text Placeholder 5"/>
+          <p:cNvSpPr>
+            <a:spLocks noGrp="1"/>
+          </p:cNvSpPr>
+          <p:nvPr>
+            <p:ph type="body" sz="quarter" idx="12"/>
+          </p:nvPr>
+        </p:nvSpPr>
+        <p:spPr/>
+        <p:txBody>
+          <a:bodyPr/>
+          <a:lstStyle/>
+          <a:p>
+            <a:r>
+              <a:rPr lang="en-US" dirty="0"/>
+              <a:t>Patient #29</a:t>
+            </a:r>
+          </a:p>
+        </p:txBody>
+      </p:sp>
+    </p:spTree>
+    <p:extLst>
+      <p:ext uri="{BB962C8B-B14F-4D97-AF65-F5344CB8AC3E}">
+        <p14:creationId xmlns:p14="http://schemas.microsoft.com/office/powerpoint/2010/main" val="2485784403"/>
+      </p:ext>
+    </p:extLst>
+  </p:cSld>
+  <p:clrMapOvr>
+    <a:masterClrMapping/>
+  </p:clrMapOvr>
+</p:sld>
+</file>
+
+<file path=ppt/slides/slide45.xml><?xml version="1.0" encoding="utf-8"?>
+<p:sld xmlns:a="http://schemas.openxmlformats.org/drawingml/2006/main" xmlns:r="http://schemas.openxmlformats.org/officeDocument/2006/relationships" xmlns:p="http://schemas.openxmlformats.org/presentationml/2006/main">
+  <p:cSld>
+    <p:spTree>
+      <p:nvGrpSpPr>
+        <p:cNvPr id="1" name=""/>
+        <p:cNvGrpSpPr/>
+        <p:nvPr/>
+      </p:nvGrpSpPr>
+      <p:grpSpPr>
+        <a:xfrm>
+          <a:off x="0" y="0"/>
+          <a:ext cx="0" cy="0"/>
+          <a:chOff x="0" y="0"/>
+          <a:chExt cx="0" cy="0"/>
+        </a:xfrm>
+      </p:grpSpPr>
+      <p:sp>
+        <p:nvSpPr>
+          <p:cNvPr id="2" name="Title 1"/>
+          <p:cNvSpPr>
+            <a:spLocks noGrp="1"/>
+          </p:cNvSpPr>
+          <p:nvPr>
+            <p:ph type="title"/>
+          </p:nvPr>
+        </p:nvSpPr>
+        <p:spPr/>
+        <p:txBody>
+          <a:bodyPr/>
+          <a:lstStyle/>
+          <a:p>
+            <a:r>
+              <a:rPr lang="en-US" dirty="0"/>
+              <a:t>Stanford transplant data</a:t>
+            </a:r>
+          </a:p>
+        </p:txBody>
+      </p:sp>
+      <p:sp>
+        <p:nvSpPr>
+          <p:cNvPr id="3" name="Text Placeholder 2"/>
+          <p:cNvSpPr>
+            <a:spLocks noGrp="1"/>
+          </p:cNvSpPr>
+          <p:nvPr>
+            <p:ph type="body" idx="1"/>
+          </p:nvPr>
+        </p:nvSpPr>
+        <p:spPr/>
+        <p:txBody>
+          <a:bodyPr/>
+          <a:lstStyle/>
+          <a:p>
+            <a:r>
+              <a:rPr lang="en-US" sz="1800" dirty="0">
+                <a:latin typeface="Courier New" panose="02070309020205020404" pitchFamily="49" charset="0"/>
+                <a:cs typeface="Courier New" panose="02070309020205020404" pitchFamily="49" charset="0"/>
+              </a:rPr>
+              <a:t>id  </a:t>
+            </a:r>
+            <a:r>
+              <a:rPr lang="en-US" sz="1800" dirty="0" err="1">
+                <a:latin typeface="Courier New" panose="02070309020205020404" pitchFamily="49" charset="0"/>
+                <a:cs typeface="Courier New" panose="02070309020205020404" pitchFamily="49" charset="0"/>
+              </a:rPr>
+              <a:t>accept.dt</a:t>
+            </a:r>
+            <a:r>
+              <a:rPr lang="en-US" sz="1800" dirty="0">
+                <a:latin typeface="Courier New" panose="02070309020205020404" pitchFamily="49" charset="0"/>
+                <a:cs typeface="Courier New" panose="02070309020205020404" pitchFamily="49" charset="0"/>
+              </a:rPr>
+              <a:t>    </a:t>
+            </a:r>
+            <a:r>
+              <a:rPr lang="en-US" sz="1800" dirty="0" err="1">
+                <a:latin typeface="Courier New" panose="02070309020205020404" pitchFamily="49" charset="0"/>
+                <a:cs typeface="Courier New" panose="02070309020205020404" pitchFamily="49" charset="0"/>
+              </a:rPr>
+              <a:t>tx.date</a:t>
+            </a:r>
+            <a:r>
+              <a:rPr lang="en-US" sz="1800" dirty="0">
+                <a:latin typeface="Courier New" panose="02070309020205020404" pitchFamily="49" charset="0"/>
+                <a:cs typeface="Courier New" panose="02070309020205020404" pitchFamily="49" charset="0"/>
+              </a:rPr>
+              <a:t>    </a:t>
+            </a:r>
+            <a:r>
+              <a:rPr lang="en-US" sz="1800" dirty="0" err="1">
+                <a:latin typeface="Courier New" panose="02070309020205020404" pitchFamily="49" charset="0"/>
+                <a:cs typeface="Courier New" panose="02070309020205020404" pitchFamily="49" charset="0"/>
+              </a:rPr>
+              <a:t>fu.date</a:t>
+            </a:r>
+            <a:r>
+              <a:rPr lang="en-US" sz="1800" dirty="0">
+                <a:latin typeface="Courier New" panose="02070309020205020404" pitchFamily="49" charset="0"/>
+                <a:cs typeface="Courier New" panose="02070309020205020404" pitchFamily="49" charset="0"/>
+              </a:rPr>
+              <a:t> </a:t>
+            </a:r>
+            <a:r>
+              <a:rPr lang="en-US" sz="1800" dirty="0" err="1">
+                <a:latin typeface="Courier New" panose="02070309020205020404" pitchFamily="49" charset="0"/>
+                <a:cs typeface="Courier New" panose="02070309020205020404" pitchFamily="49" charset="0"/>
+              </a:rPr>
+              <a:t>fustat</a:t>
+            </a:r>
+            <a:r>
+              <a:rPr lang="en-US" sz="1800" dirty="0">
+                <a:latin typeface="Courier New" panose="02070309020205020404" pitchFamily="49" charset="0"/>
+                <a:cs typeface="Courier New" panose="02070309020205020404" pitchFamily="49" charset="0"/>
+              </a:rPr>
+              <a:t> transplant</a:t>
+            </a:r>
+          </a:p>
+          <a:p>
+            <a:r>
+              <a:rPr lang="en-US" sz="1800" dirty="0">
+                <a:latin typeface="Courier New" panose="02070309020205020404" pitchFamily="49" charset="0"/>
+                <a:cs typeface="Courier New" panose="02070309020205020404" pitchFamily="49" charset="0"/>
+              </a:rPr>
+              <a:t>30 1969-08-19 1969-09-03 1971-12-18      1          1</a:t>
+            </a:r>
+          </a:p>
+          <a:p>
+            <a:endParaRPr lang="en-US" sz="1800" dirty="0">
+              <a:latin typeface="Courier New" panose="02070309020205020404" pitchFamily="49" charset="0"/>
+              <a:cs typeface="Courier New" panose="02070309020205020404" pitchFamily="49" charset="0"/>
+            </a:endParaRPr>
+          </a:p>
+          <a:p>
+            <a:r>
+              <a:rPr lang="en-US" sz="1800" dirty="0">
+                <a:latin typeface="Courier New" panose="02070309020205020404" pitchFamily="49" charset="0"/>
+                <a:cs typeface="Courier New" panose="02070309020205020404" pitchFamily="49" charset="0"/>
+              </a:rPr>
+              <a:t>id   time1     time2 event transplant</a:t>
+            </a:r>
+          </a:p>
+          <a:p>
+            <a:r>
+              <a:rPr lang="en-US" sz="1800" dirty="0">
+                <a:latin typeface="Courier New" panose="02070309020205020404" pitchFamily="49" charset="0"/>
+                <a:cs typeface="Courier New" panose="02070309020205020404" pitchFamily="49" charset="0"/>
+              </a:rPr>
+              <a:t>30 15 days  851 days     D          1</a:t>
+            </a:r>
+          </a:p>
+          <a:p>
+            <a:endParaRPr lang="en-US" sz="1800" dirty="0">
+              <a:latin typeface="Courier New" panose="02070309020205020404" pitchFamily="49" charset="0"/>
+              <a:cs typeface="Courier New" panose="02070309020205020404" pitchFamily="49" charset="0"/>
+            </a:endParaRPr>
+          </a:p>
+          <a:p>
+            <a:r>
+              <a:rPr lang="en-US" sz="1800" dirty="0">
+                <a:latin typeface="Courier New" panose="02070309020205020404" pitchFamily="49" charset="0"/>
+                <a:cs typeface="Courier New" panose="02070309020205020404" pitchFamily="49" charset="0"/>
+              </a:rPr>
+              <a:t>id start stop event transplant</a:t>
+            </a:r>
+          </a:p>
+          <a:p>
+            <a:r>
+              <a:rPr lang="en-US" sz="1800" dirty="0">
+                <a:latin typeface="Courier New" panose="02070309020205020404" pitchFamily="49" charset="0"/>
+                <a:cs typeface="Courier New" panose="02070309020205020404" pitchFamily="49" charset="0"/>
+              </a:rPr>
+              <a:t>30     0   15     0          0</a:t>
+            </a:r>
+          </a:p>
+          <a:p>
+            <a:r>
+              <a:rPr lang="en-US" sz="1800" dirty="0">
+                <a:latin typeface="Courier New" panose="02070309020205020404" pitchFamily="49" charset="0"/>
+                <a:cs typeface="Courier New" panose="02070309020205020404" pitchFamily="49" charset="0"/>
+              </a:rPr>
+              <a:t>30    15  851     1          1</a:t>
+            </a:r>
+          </a:p>
+        </p:txBody>
+      </p:sp>
+      <p:sp>
+        <p:nvSpPr>
+          <p:cNvPr id="4" name="Footer Placeholder 3"/>
+          <p:cNvSpPr>
+            <a:spLocks noGrp="1"/>
+          </p:cNvSpPr>
+          <p:nvPr>
+            <p:ph type="ftr" sz="quarter" idx="10"/>
+          </p:nvPr>
+        </p:nvSpPr>
+        <p:spPr/>
+        <p:txBody>
+          <a:bodyPr/>
+          <a:lstStyle/>
+          <a:p>
+            <a:pPr>
+              <a:defRPr/>
+            </a:pPr>
+            <a:r>
+              <a:rPr lang="en-US" altLang="en-US" dirty="0"/>
+              <a:t>©2018 Steve Simon    http://TheAnalysisFactor.com</a:t>
+            </a:r>
+          </a:p>
+        </p:txBody>
+      </p:sp>
+      <p:sp>
+        <p:nvSpPr>
+          <p:cNvPr id="5" name="Slide Number Placeholder 4"/>
+          <p:cNvSpPr>
+            <a:spLocks noGrp="1"/>
+          </p:cNvSpPr>
+          <p:nvPr>
+            <p:ph type="sldNum" sz="quarter" idx="11"/>
+          </p:nvPr>
+        </p:nvSpPr>
+        <p:spPr/>
+        <p:txBody>
+          <a:bodyPr/>
+          <a:lstStyle/>
+          <a:p>
+            <a:pPr>
+              <a:defRPr/>
+            </a:pPr>
+            <a:endParaRPr lang="en-US"/>
+          </a:p>
+          <a:p>
+            <a:pPr>
+              <a:defRPr/>
+            </a:pPr>
+            <a:fld id="{E9A8CBA3-AA2B-46A6-BFA3-DCEBEAAB3F0A}" type="slidenum">
+              <a:rPr lang="en-US" smtClean="0"/>
+              <a:pPr>
+                <a:defRPr/>
+              </a:pPr>
+              <a:t>45</a:t>
+            </a:fld>
+            <a:endParaRPr lang="en-US"/>
+          </a:p>
+        </p:txBody>
+      </p:sp>
+      <p:sp>
+        <p:nvSpPr>
+          <p:cNvPr id="6" name="Text Placeholder 5"/>
+          <p:cNvSpPr>
+            <a:spLocks noGrp="1"/>
+          </p:cNvSpPr>
+          <p:nvPr>
+            <p:ph type="body" sz="quarter" idx="12"/>
+          </p:nvPr>
+        </p:nvSpPr>
+        <p:spPr/>
+        <p:txBody>
+          <a:bodyPr/>
+          <a:lstStyle/>
+          <a:p>
+            <a:r>
+              <a:rPr lang="en-US" dirty="0"/>
+              <a:t>Patient #30</a:t>
+            </a:r>
+          </a:p>
+        </p:txBody>
+      </p:sp>
+    </p:spTree>
+    <p:extLst>
+      <p:ext uri="{BB962C8B-B14F-4D97-AF65-F5344CB8AC3E}">
+        <p14:creationId xmlns:p14="http://schemas.microsoft.com/office/powerpoint/2010/main" val="461925367"/>
+      </p:ext>
+    </p:extLst>
+  </p:cSld>
+  <p:clrMapOvr>
+    <a:masterClrMapping/>
+  </p:clrMapOvr>
+</p:sld>
+</file>
+
+<file path=ppt/slides/slide46.xml><?xml version="1.0" encoding="utf-8"?>
+<p:sld xmlns:a="http://schemas.openxmlformats.org/drawingml/2006/main" xmlns:r="http://schemas.openxmlformats.org/officeDocument/2006/relationships" xmlns:p="http://schemas.openxmlformats.org/presentationml/2006/main">
+  <p:cSld>
+    <p:spTree>
+      <p:nvGrpSpPr>
+        <p:cNvPr id="1" name=""/>
+        <p:cNvGrpSpPr/>
+        <p:nvPr/>
+      </p:nvGrpSpPr>
+      <p:grpSpPr>
+        <a:xfrm>
+          <a:off x="0" y="0"/>
+          <a:ext cx="0" cy="0"/>
+          <a:chOff x="0" y="0"/>
+          <a:chExt cx="0" cy="0"/>
+        </a:xfrm>
+      </p:grpSpPr>
+      <p:sp>
+        <p:nvSpPr>
+          <p:cNvPr id="2" name="Title 1"/>
+          <p:cNvSpPr>
+            <a:spLocks noGrp="1"/>
+          </p:cNvSpPr>
+          <p:nvPr>
+            <p:ph type="title"/>
+          </p:nvPr>
+        </p:nvSpPr>
+        <p:spPr/>
+        <p:txBody>
+          <a:bodyPr/>
+          <a:lstStyle/>
+          <a:p>
+            <a:r>
+              <a:rPr lang="en-US" dirty="0"/>
+              <a:t>Stanford transplant data, time-varying model</a:t>
+            </a:r>
+          </a:p>
+        </p:txBody>
+      </p:sp>
+      <p:sp>
+        <p:nvSpPr>
+          <p:cNvPr id="5" name="Slide Number Placeholder 4"/>
+          <p:cNvSpPr>
+            <a:spLocks noGrp="1"/>
+          </p:cNvSpPr>
+          <p:nvPr>
+            <p:ph type="sldNum" sz="quarter" idx="11"/>
+          </p:nvPr>
+        </p:nvSpPr>
+        <p:spPr/>
+        <p:txBody>
+          <a:bodyPr/>
+          <a:lstStyle/>
+          <a:p>
+            <a:pPr>
+              <a:defRPr/>
+            </a:pPr>
+            <a:endParaRPr lang="en-US"/>
+          </a:p>
+          <a:p>
+            <a:pPr>
+              <a:defRPr/>
+            </a:pPr>
+            <a:fld id="{E9A8CBA3-AA2B-46A6-BFA3-DCEBEAAB3F0A}" type="slidenum">
+              <a:rPr lang="en-US" smtClean="0"/>
+              <a:pPr>
+                <a:defRPr/>
+              </a:pPr>
+              <a:t>46</a:t>
             </a:fld>
             <a:endParaRPr lang="en-US"/>
           </a:p>
@@ -10584,7 +11419,7 @@
 </p:sld>
 </file>
 
-<file path=ppt/slides/slide43.xml><?xml version="1.0" encoding="utf-8"?>
+<file path=ppt/slides/slide47.xml><?xml version="1.0" encoding="utf-8"?>
 <p:sld xmlns:a="http://schemas.openxmlformats.org/drawingml/2006/main" xmlns:r="http://schemas.openxmlformats.org/officeDocument/2006/relationships" xmlns:p="http://schemas.openxmlformats.org/presentationml/2006/main">
   <p:cSld>
     <p:spTree>
@@ -10709,7 +11544,7 @@
               <a:pPr>
                 <a:defRPr/>
               </a:pPr>
-              <a:t>43</a:t>
+              <a:t>47</a:t>
             </a:fld>
             <a:endParaRPr lang="en-US"/>
           </a:p>
